--- a/01 Classes/Aula 08 - Algoritmos e Complexidade - Equações de Recorrência.pptx
+++ b/01 Classes/Aula 08 - Algoritmos e Complexidade - Equações de Recorrência.pptx
@@ -3935,7 +3935,7 @@
               </a:rPr>
             </a:br>
             <a:r>
-              <a:rPr lang="pt-BR" b="1">
+              <a:rPr lang="pt-BR" b="1" dirty="0">
                 <a:solidFill>
                   <a:schemeClr val="bg1"/>
                 </a:solidFill>
@@ -3963,7 +3963,7 @@
                   <a:schemeClr val="bg1"/>
                 </a:solidFill>
               </a:rPr>
-              <a:t>Contextualização</a:t>
+              <a:t>Equações de Recorrência</a:t>
             </a:r>
           </a:p>
         </p:txBody>
@@ -4360,7 +4360,23 @@
                   <a:srgbClr val="0070C0"/>
                 </a:solidFill>
               </a:rPr>
-              <a:t>Contextualização</a:t>
+              <a:t>Equações</a:t>
+            </a:r>
+            <a:r>
+              <a:rPr lang="en-US" b="1" dirty="0">
+                <a:solidFill>
+                  <a:srgbClr val="0070C0"/>
+                </a:solidFill>
+              </a:rPr>
+              <a:t> de </a:t>
+            </a:r>
+            <a:r>
+              <a:rPr lang="en-US" b="1">
+                <a:solidFill>
+                  <a:srgbClr val="0070C0"/>
+                </a:solidFill>
+              </a:rPr>
+              <a:t>Recorrência</a:t>
             </a:r>
             <a:endParaRPr lang="en-US" b="1" dirty="0">
               <a:solidFill>

--- a/01 Classes/Aula 08 - Algoritmos e Complexidade - Equações de Recorrência.pptx
+++ b/01 Classes/Aula 08 - Algoritmos e Complexidade - Equações de Recorrência.pptx
@@ -5,17 +5,24 @@
     <p:sldMasterId id="2147483648" r:id="rId1"/>
   </p:sldMasterIdLst>
   <p:notesMasterIdLst>
-    <p:notesMasterId r:id="rId10"/>
+    <p:notesMasterId r:id="rId17"/>
   </p:notesMasterIdLst>
   <p:sldIdLst>
     <p:sldId id="256" r:id="rId2"/>
     <p:sldId id="291" r:id="rId3"/>
     <p:sldId id="331" r:id="rId4"/>
-    <p:sldId id="333" r:id="rId5"/>
-    <p:sldId id="323" r:id="rId6"/>
-    <p:sldId id="334" r:id="rId7"/>
-    <p:sldId id="337" r:id="rId8"/>
-    <p:sldId id="309" r:id="rId9"/>
+    <p:sldId id="338" r:id="rId5"/>
+    <p:sldId id="339" r:id="rId6"/>
+    <p:sldId id="340" r:id="rId7"/>
+    <p:sldId id="342" r:id="rId8"/>
+    <p:sldId id="344" r:id="rId9"/>
+    <p:sldId id="343" r:id="rId10"/>
+    <p:sldId id="341" r:id="rId11"/>
+    <p:sldId id="333" r:id="rId12"/>
+    <p:sldId id="323" r:id="rId13"/>
+    <p:sldId id="334" r:id="rId14"/>
+    <p:sldId id="337" r:id="rId15"/>
+    <p:sldId id="309" r:id="rId16"/>
   </p:sldIdLst>
   <p:sldSz cx="9144000" cy="5143500" type="screen16x9"/>
   <p:notesSz cx="6858000" cy="9144000"/>
@@ -562,6 +569,270 @@
 </p:notes>
 </file>
 
+<file path=ppt/notesSlides/notesSlide10.xml><?xml version="1.0" encoding="utf-8"?>
+<p:notes xmlns:a="http://schemas.openxmlformats.org/drawingml/2006/main" xmlns:r="http://schemas.openxmlformats.org/officeDocument/2006/relationships" xmlns:p="http://schemas.openxmlformats.org/presentationml/2006/main">
+  <p:cSld>
+    <p:spTree>
+      <p:nvGrpSpPr>
+        <p:cNvPr id="1" name=""/>
+        <p:cNvGrpSpPr/>
+        <p:nvPr/>
+      </p:nvGrpSpPr>
+      <p:grpSpPr>
+        <a:xfrm>
+          <a:off x="0" y="0"/>
+          <a:ext cx="0" cy="0"/>
+          <a:chOff x="0" y="0"/>
+          <a:chExt cx="0" cy="0"/>
+        </a:xfrm>
+      </p:grpSpPr>
+      <p:sp>
+        <p:nvSpPr>
+          <p:cNvPr id="2" name="Espaço Reservado para Imagem de Slide 1"/>
+          <p:cNvSpPr>
+            <a:spLocks noGrp="1" noRot="1" noChangeAspect="1"/>
+          </p:cNvSpPr>
+          <p:nvPr>
+            <p:ph type="sldImg"/>
+          </p:nvPr>
+        </p:nvSpPr>
+        <p:spPr>
+          <a:xfrm>
+            <a:off x="381000" y="685800"/>
+            <a:ext cx="6096000" cy="3429000"/>
+          </a:xfrm>
+        </p:spPr>
+      </p:sp>
+      <p:sp>
+        <p:nvSpPr>
+          <p:cNvPr id="3" name="Espaço Reservado para Anotações 2"/>
+          <p:cNvSpPr>
+            <a:spLocks noGrp="1"/>
+          </p:cNvSpPr>
+          <p:nvPr>
+            <p:ph type="body" idx="1"/>
+          </p:nvPr>
+        </p:nvSpPr>
+        <p:spPr/>
+        <p:txBody>
+          <a:bodyPr/>
+          <a:lstStyle/>
+          <a:p>
+            <a:endParaRPr lang="pt-BR" dirty="0"/>
+          </a:p>
+        </p:txBody>
+      </p:sp>
+    </p:spTree>
+    <p:extLst>
+      <p:ext uri="{BB962C8B-B14F-4D97-AF65-F5344CB8AC3E}">
+        <p14:creationId xmlns:p14="http://schemas.microsoft.com/office/powerpoint/2010/main" val="585304384"/>
+      </p:ext>
+    </p:extLst>
+  </p:cSld>
+  <p:clrMapOvr>
+    <a:masterClrMapping/>
+  </p:clrMapOvr>
+</p:notes>
+</file>
+
+<file path=ppt/notesSlides/notesSlide11.xml><?xml version="1.0" encoding="utf-8"?>
+<p:notes xmlns:a="http://schemas.openxmlformats.org/drawingml/2006/main" xmlns:r="http://schemas.openxmlformats.org/officeDocument/2006/relationships" xmlns:p="http://schemas.openxmlformats.org/presentationml/2006/main">
+  <p:cSld>
+    <p:spTree>
+      <p:nvGrpSpPr>
+        <p:cNvPr id="1" name=""/>
+        <p:cNvGrpSpPr/>
+        <p:nvPr/>
+      </p:nvGrpSpPr>
+      <p:grpSpPr>
+        <a:xfrm>
+          <a:off x="0" y="0"/>
+          <a:ext cx="0" cy="0"/>
+          <a:chOff x="0" y="0"/>
+          <a:chExt cx="0" cy="0"/>
+        </a:xfrm>
+      </p:grpSpPr>
+      <p:sp>
+        <p:nvSpPr>
+          <p:cNvPr id="2" name="Espaço Reservado para Imagem de Slide 1"/>
+          <p:cNvSpPr>
+            <a:spLocks noGrp="1" noRot="1" noChangeAspect="1"/>
+          </p:cNvSpPr>
+          <p:nvPr>
+            <p:ph type="sldImg"/>
+          </p:nvPr>
+        </p:nvSpPr>
+        <p:spPr>
+          <a:xfrm>
+            <a:off x="381000" y="685800"/>
+            <a:ext cx="6096000" cy="3429000"/>
+          </a:xfrm>
+        </p:spPr>
+      </p:sp>
+      <p:sp>
+        <p:nvSpPr>
+          <p:cNvPr id="3" name="Espaço Reservado para Anotações 2"/>
+          <p:cNvSpPr>
+            <a:spLocks noGrp="1"/>
+          </p:cNvSpPr>
+          <p:nvPr>
+            <p:ph type="body" idx="1"/>
+          </p:nvPr>
+        </p:nvSpPr>
+        <p:spPr/>
+        <p:txBody>
+          <a:bodyPr/>
+          <a:lstStyle/>
+          <a:p>
+            <a:endParaRPr lang="pt-BR" dirty="0"/>
+          </a:p>
+        </p:txBody>
+      </p:sp>
+    </p:spTree>
+    <p:extLst>
+      <p:ext uri="{BB962C8B-B14F-4D97-AF65-F5344CB8AC3E}">
+        <p14:creationId xmlns:p14="http://schemas.microsoft.com/office/powerpoint/2010/main" val="2709569597"/>
+      </p:ext>
+    </p:extLst>
+  </p:cSld>
+  <p:clrMapOvr>
+    <a:masterClrMapping/>
+  </p:clrMapOvr>
+</p:notes>
+</file>
+
+<file path=ppt/notesSlides/notesSlide12.xml><?xml version="1.0" encoding="utf-8"?>
+<p:notes xmlns:a="http://schemas.openxmlformats.org/drawingml/2006/main" xmlns:r="http://schemas.openxmlformats.org/officeDocument/2006/relationships" xmlns:p="http://schemas.openxmlformats.org/presentationml/2006/main">
+  <p:cSld>
+    <p:spTree>
+      <p:nvGrpSpPr>
+        <p:cNvPr id="1" name=""/>
+        <p:cNvGrpSpPr/>
+        <p:nvPr/>
+      </p:nvGrpSpPr>
+      <p:grpSpPr>
+        <a:xfrm>
+          <a:off x="0" y="0"/>
+          <a:ext cx="0" cy="0"/>
+          <a:chOff x="0" y="0"/>
+          <a:chExt cx="0" cy="0"/>
+        </a:xfrm>
+      </p:grpSpPr>
+      <p:sp>
+        <p:nvSpPr>
+          <p:cNvPr id="2" name="Espaço Reservado para Imagem de Slide 1"/>
+          <p:cNvSpPr>
+            <a:spLocks noGrp="1" noRot="1" noChangeAspect="1"/>
+          </p:cNvSpPr>
+          <p:nvPr>
+            <p:ph type="sldImg"/>
+          </p:nvPr>
+        </p:nvSpPr>
+        <p:spPr>
+          <a:xfrm>
+            <a:off x="381000" y="685800"/>
+            <a:ext cx="6096000" cy="3429000"/>
+          </a:xfrm>
+        </p:spPr>
+      </p:sp>
+      <p:sp>
+        <p:nvSpPr>
+          <p:cNvPr id="3" name="Espaço Reservado para Anotações 2"/>
+          <p:cNvSpPr>
+            <a:spLocks noGrp="1"/>
+          </p:cNvSpPr>
+          <p:nvPr>
+            <p:ph type="body" idx="1"/>
+          </p:nvPr>
+        </p:nvSpPr>
+        <p:spPr/>
+        <p:txBody>
+          <a:bodyPr/>
+          <a:lstStyle/>
+          <a:p>
+            <a:endParaRPr lang="pt-BR" dirty="0"/>
+          </a:p>
+        </p:txBody>
+      </p:sp>
+    </p:spTree>
+    <p:extLst>
+      <p:ext uri="{BB962C8B-B14F-4D97-AF65-F5344CB8AC3E}">
+        <p14:creationId xmlns:p14="http://schemas.microsoft.com/office/powerpoint/2010/main" val="2296249050"/>
+      </p:ext>
+    </p:extLst>
+  </p:cSld>
+  <p:clrMapOvr>
+    <a:masterClrMapping/>
+  </p:clrMapOvr>
+</p:notes>
+</file>
+
+<file path=ppt/notesSlides/notesSlide13.xml><?xml version="1.0" encoding="utf-8"?>
+<p:notes xmlns:a="http://schemas.openxmlformats.org/drawingml/2006/main" xmlns:r="http://schemas.openxmlformats.org/officeDocument/2006/relationships" xmlns:p="http://schemas.openxmlformats.org/presentationml/2006/main">
+  <p:cSld>
+    <p:spTree>
+      <p:nvGrpSpPr>
+        <p:cNvPr id="1" name=""/>
+        <p:cNvGrpSpPr/>
+        <p:nvPr/>
+      </p:nvGrpSpPr>
+      <p:grpSpPr>
+        <a:xfrm>
+          <a:off x="0" y="0"/>
+          <a:ext cx="0" cy="0"/>
+          <a:chOff x="0" y="0"/>
+          <a:chExt cx="0" cy="0"/>
+        </a:xfrm>
+      </p:grpSpPr>
+      <p:sp>
+        <p:nvSpPr>
+          <p:cNvPr id="2" name="Espaço Reservado para Imagem de Slide 1"/>
+          <p:cNvSpPr>
+            <a:spLocks noGrp="1" noRot="1" noChangeAspect="1"/>
+          </p:cNvSpPr>
+          <p:nvPr>
+            <p:ph type="sldImg"/>
+          </p:nvPr>
+        </p:nvSpPr>
+        <p:spPr>
+          <a:xfrm>
+            <a:off x="381000" y="685800"/>
+            <a:ext cx="6096000" cy="3429000"/>
+          </a:xfrm>
+        </p:spPr>
+      </p:sp>
+      <p:sp>
+        <p:nvSpPr>
+          <p:cNvPr id="3" name="Espaço Reservado para Anotações 2"/>
+          <p:cNvSpPr>
+            <a:spLocks noGrp="1"/>
+          </p:cNvSpPr>
+          <p:nvPr>
+            <p:ph type="body" idx="1"/>
+          </p:nvPr>
+        </p:nvSpPr>
+        <p:spPr/>
+        <p:txBody>
+          <a:bodyPr/>
+          <a:lstStyle/>
+          <a:p>
+            <a:endParaRPr lang="pt-BR" dirty="0"/>
+          </a:p>
+        </p:txBody>
+      </p:sp>
+    </p:spTree>
+    <p:extLst>
+      <p:ext uri="{BB962C8B-B14F-4D97-AF65-F5344CB8AC3E}">
+        <p14:creationId xmlns:p14="http://schemas.microsoft.com/office/powerpoint/2010/main" val="4290351292"/>
+      </p:ext>
+    </p:extLst>
+  </p:cSld>
+  <p:clrMapOvr>
+    <a:masterClrMapping/>
+  </p:clrMapOvr>
+</p:notes>
+</file>
+
 <file path=ppt/notesSlides/notesSlide2.xml><?xml version="1.0" encoding="utf-8"?>
 <p:notes xmlns:a="http://schemas.openxmlformats.org/drawingml/2006/main" xmlns:r="http://schemas.openxmlformats.org/officeDocument/2006/relationships" xmlns:p="http://schemas.openxmlformats.org/presentationml/2006/main">
   <p:cSld>
@@ -633,7 +904,13 @@
   <p:cSld>
     <p:spTree>
       <p:nvGrpSpPr>
-        <p:cNvPr id="1" name=""/>
+        <p:cNvPr id="1" name="">
+          <a:extLst>
+            <a:ext uri="{FF2B5EF4-FFF2-40B4-BE49-F238E27FC236}">
+              <a16:creationId xmlns:a16="http://schemas.microsoft.com/office/drawing/2014/main" id="{581477FD-34F4-ADCF-B36E-DACE57B7C900}"/>
+            </a:ext>
+          </a:extLst>
+        </p:cNvPr>
         <p:cNvGrpSpPr/>
         <p:nvPr/>
       </p:nvGrpSpPr>
@@ -647,7 +924,13 @@
       </p:grpSpPr>
       <p:sp>
         <p:nvSpPr>
-          <p:cNvPr id="2" name="Espaço Reservado para Imagem de Slide 1"/>
+          <p:cNvPr id="2" name="Espaço Reservado para Imagem de Slide 1">
+            <a:extLst>
+              <a:ext uri="{FF2B5EF4-FFF2-40B4-BE49-F238E27FC236}">
+                <a16:creationId xmlns:a16="http://schemas.microsoft.com/office/drawing/2014/main" id="{FECBFF82-0FB0-00F1-0280-73ADB627A26A}"/>
+              </a:ext>
+            </a:extLst>
+          </p:cNvPr>
           <p:cNvSpPr>
             <a:spLocks noGrp="1" noRot="1" noChangeAspect="1"/>
           </p:cNvSpPr>
@@ -664,7 +947,13 @@
       </p:sp>
       <p:sp>
         <p:nvSpPr>
-          <p:cNvPr id="3" name="Espaço Reservado para Anotações 2"/>
+          <p:cNvPr id="3" name="Espaço Reservado para Anotações 2">
+            <a:extLst>
+              <a:ext uri="{FF2B5EF4-FFF2-40B4-BE49-F238E27FC236}">
+                <a16:creationId xmlns:a16="http://schemas.microsoft.com/office/drawing/2014/main" id="{D5088E56-6701-58ED-5570-EF137C999753}"/>
+              </a:ext>
+            </a:extLst>
+          </p:cNvPr>
           <p:cNvSpPr>
             <a:spLocks noGrp="1"/>
           </p:cNvSpPr>
@@ -684,7 +973,7 @@
     </p:spTree>
     <p:extLst>
       <p:ext uri="{BB962C8B-B14F-4D97-AF65-F5344CB8AC3E}">
-        <p14:creationId xmlns:p14="http://schemas.microsoft.com/office/powerpoint/2010/main" val="585304384"/>
+        <p14:creationId xmlns:p14="http://schemas.microsoft.com/office/powerpoint/2010/main" val="1144041237"/>
       </p:ext>
     </p:extLst>
   </p:cSld>
@@ -699,7 +988,13 @@
   <p:cSld>
     <p:spTree>
       <p:nvGrpSpPr>
-        <p:cNvPr id="1" name=""/>
+        <p:cNvPr id="1" name="">
+          <a:extLst>
+            <a:ext uri="{FF2B5EF4-FFF2-40B4-BE49-F238E27FC236}">
+              <a16:creationId xmlns:a16="http://schemas.microsoft.com/office/drawing/2014/main" id="{74B35BF3-C998-49DD-08DE-5BE65D38F96D}"/>
+            </a:ext>
+          </a:extLst>
+        </p:cNvPr>
         <p:cNvGrpSpPr/>
         <p:nvPr/>
       </p:nvGrpSpPr>
@@ -713,7 +1008,13 @@
       </p:grpSpPr>
       <p:sp>
         <p:nvSpPr>
-          <p:cNvPr id="2" name="Espaço Reservado para Imagem de Slide 1"/>
+          <p:cNvPr id="2" name="Espaço Reservado para Imagem de Slide 1">
+            <a:extLst>
+              <a:ext uri="{FF2B5EF4-FFF2-40B4-BE49-F238E27FC236}">
+                <a16:creationId xmlns:a16="http://schemas.microsoft.com/office/drawing/2014/main" id="{01A2A09D-6B2E-FDA9-A9AF-D50DAE26AB02}"/>
+              </a:ext>
+            </a:extLst>
+          </p:cNvPr>
           <p:cNvSpPr>
             <a:spLocks noGrp="1" noRot="1" noChangeAspect="1"/>
           </p:cNvSpPr>
@@ -730,7 +1031,13 @@
       </p:sp>
       <p:sp>
         <p:nvSpPr>
-          <p:cNvPr id="3" name="Espaço Reservado para Anotações 2"/>
+          <p:cNvPr id="3" name="Espaço Reservado para Anotações 2">
+            <a:extLst>
+              <a:ext uri="{FF2B5EF4-FFF2-40B4-BE49-F238E27FC236}">
+                <a16:creationId xmlns:a16="http://schemas.microsoft.com/office/drawing/2014/main" id="{6DA96BD4-314C-6251-DCE6-EA2DA4E40342}"/>
+              </a:ext>
+            </a:extLst>
+          </p:cNvPr>
           <p:cNvSpPr>
             <a:spLocks noGrp="1"/>
           </p:cNvSpPr>
@@ -750,7 +1057,7 @@
     </p:spTree>
     <p:extLst>
       <p:ext uri="{BB962C8B-B14F-4D97-AF65-F5344CB8AC3E}">
-        <p14:creationId xmlns:p14="http://schemas.microsoft.com/office/powerpoint/2010/main" val="2709569597"/>
+        <p14:creationId xmlns:p14="http://schemas.microsoft.com/office/powerpoint/2010/main" val="3633401887"/>
       </p:ext>
     </p:extLst>
   </p:cSld>
@@ -765,7 +1072,13 @@
   <p:cSld>
     <p:spTree>
       <p:nvGrpSpPr>
-        <p:cNvPr id="1" name=""/>
+        <p:cNvPr id="1" name="">
+          <a:extLst>
+            <a:ext uri="{FF2B5EF4-FFF2-40B4-BE49-F238E27FC236}">
+              <a16:creationId xmlns:a16="http://schemas.microsoft.com/office/drawing/2014/main" id="{7AC4B673-06E5-1E58-72FD-36CE779E18D8}"/>
+            </a:ext>
+          </a:extLst>
+        </p:cNvPr>
         <p:cNvGrpSpPr/>
         <p:nvPr/>
       </p:nvGrpSpPr>
@@ -779,7 +1092,13 @@
       </p:grpSpPr>
       <p:sp>
         <p:nvSpPr>
-          <p:cNvPr id="2" name="Espaço Reservado para Imagem de Slide 1"/>
+          <p:cNvPr id="2" name="Espaço Reservado para Imagem de Slide 1">
+            <a:extLst>
+              <a:ext uri="{FF2B5EF4-FFF2-40B4-BE49-F238E27FC236}">
+                <a16:creationId xmlns:a16="http://schemas.microsoft.com/office/drawing/2014/main" id="{632FD830-EF20-5B00-41C8-E965DA89DFD2}"/>
+              </a:ext>
+            </a:extLst>
+          </p:cNvPr>
           <p:cNvSpPr>
             <a:spLocks noGrp="1" noRot="1" noChangeAspect="1"/>
           </p:cNvSpPr>
@@ -796,7 +1115,13 @@
       </p:sp>
       <p:sp>
         <p:nvSpPr>
-          <p:cNvPr id="3" name="Espaço Reservado para Anotações 2"/>
+          <p:cNvPr id="3" name="Espaço Reservado para Anotações 2">
+            <a:extLst>
+              <a:ext uri="{FF2B5EF4-FFF2-40B4-BE49-F238E27FC236}">
+                <a16:creationId xmlns:a16="http://schemas.microsoft.com/office/drawing/2014/main" id="{43FA3D30-6D9E-B60E-F0A9-027B1C907F4D}"/>
+              </a:ext>
+            </a:extLst>
+          </p:cNvPr>
           <p:cNvSpPr>
             <a:spLocks noGrp="1"/>
           </p:cNvSpPr>
@@ -816,7 +1141,7 @@
     </p:spTree>
     <p:extLst>
       <p:ext uri="{BB962C8B-B14F-4D97-AF65-F5344CB8AC3E}">
-        <p14:creationId xmlns:p14="http://schemas.microsoft.com/office/powerpoint/2010/main" val="2296249050"/>
+        <p14:creationId xmlns:p14="http://schemas.microsoft.com/office/powerpoint/2010/main" val="432438011"/>
       </p:ext>
     </p:extLst>
   </p:cSld>
@@ -831,7 +1156,13 @@
   <p:cSld>
     <p:spTree>
       <p:nvGrpSpPr>
-        <p:cNvPr id="1" name=""/>
+        <p:cNvPr id="1" name="">
+          <a:extLst>
+            <a:ext uri="{FF2B5EF4-FFF2-40B4-BE49-F238E27FC236}">
+              <a16:creationId xmlns:a16="http://schemas.microsoft.com/office/drawing/2014/main" id="{8C24CD5A-6FB1-D73D-D9FA-AEAEDB0F3D59}"/>
+            </a:ext>
+          </a:extLst>
+        </p:cNvPr>
         <p:cNvGrpSpPr/>
         <p:nvPr/>
       </p:nvGrpSpPr>
@@ -845,7 +1176,13 @@
       </p:grpSpPr>
       <p:sp>
         <p:nvSpPr>
-          <p:cNvPr id="2" name="Espaço Reservado para Imagem de Slide 1"/>
+          <p:cNvPr id="2" name="Espaço Reservado para Imagem de Slide 1">
+            <a:extLst>
+              <a:ext uri="{FF2B5EF4-FFF2-40B4-BE49-F238E27FC236}">
+                <a16:creationId xmlns:a16="http://schemas.microsoft.com/office/drawing/2014/main" id="{F2C51031-6435-776B-AB65-36138DAA6FEA}"/>
+              </a:ext>
+            </a:extLst>
+          </p:cNvPr>
           <p:cNvSpPr>
             <a:spLocks noGrp="1" noRot="1" noChangeAspect="1"/>
           </p:cNvSpPr>
@@ -862,7 +1199,13 @@
       </p:sp>
       <p:sp>
         <p:nvSpPr>
-          <p:cNvPr id="3" name="Espaço Reservado para Anotações 2"/>
+          <p:cNvPr id="3" name="Espaço Reservado para Anotações 2">
+            <a:extLst>
+              <a:ext uri="{FF2B5EF4-FFF2-40B4-BE49-F238E27FC236}">
+                <a16:creationId xmlns:a16="http://schemas.microsoft.com/office/drawing/2014/main" id="{88CC7B67-9CD6-CF5F-A1AC-2364BEC19DF7}"/>
+              </a:ext>
+            </a:extLst>
+          </p:cNvPr>
           <p:cNvSpPr>
             <a:spLocks noGrp="1"/>
           </p:cNvSpPr>
@@ -882,7 +1225,259 @@
     </p:spTree>
     <p:extLst>
       <p:ext uri="{BB962C8B-B14F-4D97-AF65-F5344CB8AC3E}">
-        <p14:creationId xmlns:p14="http://schemas.microsoft.com/office/powerpoint/2010/main" val="4290351292"/>
+        <p14:creationId xmlns:p14="http://schemas.microsoft.com/office/powerpoint/2010/main" val="630106552"/>
+      </p:ext>
+    </p:extLst>
+  </p:cSld>
+  <p:clrMapOvr>
+    <a:masterClrMapping/>
+  </p:clrMapOvr>
+</p:notes>
+</file>
+
+<file path=ppt/notesSlides/notesSlide7.xml><?xml version="1.0" encoding="utf-8"?>
+<p:notes xmlns:a="http://schemas.openxmlformats.org/drawingml/2006/main" xmlns:r="http://schemas.openxmlformats.org/officeDocument/2006/relationships" xmlns:p="http://schemas.openxmlformats.org/presentationml/2006/main">
+  <p:cSld>
+    <p:spTree>
+      <p:nvGrpSpPr>
+        <p:cNvPr id="1" name="">
+          <a:extLst>
+            <a:ext uri="{FF2B5EF4-FFF2-40B4-BE49-F238E27FC236}">
+              <a16:creationId xmlns:a16="http://schemas.microsoft.com/office/drawing/2014/main" id="{C0B3663D-F46B-1D8E-0DB6-4E69B2C41D34}"/>
+            </a:ext>
+          </a:extLst>
+        </p:cNvPr>
+        <p:cNvGrpSpPr/>
+        <p:nvPr/>
+      </p:nvGrpSpPr>
+      <p:grpSpPr>
+        <a:xfrm>
+          <a:off x="0" y="0"/>
+          <a:ext cx="0" cy="0"/>
+          <a:chOff x="0" y="0"/>
+          <a:chExt cx="0" cy="0"/>
+        </a:xfrm>
+      </p:grpSpPr>
+      <p:sp>
+        <p:nvSpPr>
+          <p:cNvPr id="2" name="Espaço Reservado para Imagem de Slide 1">
+            <a:extLst>
+              <a:ext uri="{FF2B5EF4-FFF2-40B4-BE49-F238E27FC236}">
+                <a16:creationId xmlns:a16="http://schemas.microsoft.com/office/drawing/2014/main" id="{0A5F5215-FA57-CF0D-9AC3-BEEE515DAB28}"/>
+              </a:ext>
+            </a:extLst>
+          </p:cNvPr>
+          <p:cNvSpPr>
+            <a:spLocks noGrp="1" noRot="1" noChangeAspect="1"/>
+          </p:cNvSpPr>
+          <p:nvPr>
+            <p:ph type="sldImg"/>
+          </p:nvPr>
+        </p:nvSpPr>
+        <p:spPr>
+          <a:xfrm>
+            <a:off x="381000" y="685800"/>
+            <a:ext cx="6096000" cy="3429000"/>
+          </a:xfrm>
+        </p:spPr>
+      </p:sp>
+      <p:sp>
+        <p:nvSpPr>
+          <p:cNvPr id="3" name="Espaço Reservado para Anotações 2">
+            <a:extLst>
+              <a:ext uri="{FF2B5EF4-FFF2-40B4-BE49-F238E27FC236}">
+                <a16:creationId xmlns:a16="http://schemas.microsoft.com/office/drawing/2014/main" id="{63F51F5E-7378-CBBC-6EFD-07BE1D7B3B59}"/>
+              </a:ext>
+            </a:extLst>
+          </p:cNvPr>
+          <p:cNvSpPr>
+            <a:spLocks noGrp="1"/>
+          </p:cNvSpPr>
+          <p:nvPr>
+            <p:ph type="body" idx="1"/>
+          </p:nvPr>
+        </p:nvSpPr>
+        <p:spPr/>
+        <p:txBody>
+          <a:bodyPr/>
+          <a:lstStyle/>
+          <a:p>
+            <a:endParaRPr lang="pt-BR" dirty="0"/>
+          </a:p>
+        </p:txBody>
+      </p:sp>
+    </p:spTree>
+    <p:extLst>
+      <p:ext uri="{BB962C8B-B14F-4D97-AF65-F5344CB8AC3E}">
+        <p14:creationId xmlns:p14="http://schemas.microsoft.com/office/powerpoint/2010/main" val="3294972539"/>
+      </p:ext>
+    </p:extLst>
+  </p:cSld>
+  <p:clrMapOvr>
+    <a:masterClrMapping/>
+  </p:clrMapOvr>
+</p:notes>
+</file>
+
+<file path=ppt/notesSlides/notesSlide8.xml><?xml version="1.0" encoding="utf-8"?>
+<p:notes xmlns:a="http://schemas.openxmlformats.org/drawingml/2006/main" xmlns:r="http://schemas.openxmlformats.org/officeDocument/2006/relationships" xmlns:p="http://schemas.openxmlformats.org/presentationml/2006/main">
+  <p:cSld>
+    <p:spTree>
+      <p:nvGrpSpPr>
+        <p:cNvPr id="1" name="">
+          <a:extLst>
+            <a:ext uri="{FF2B5EF4-FFF2-40B4-BE49-F238E27FC236}">
+              <a16:creationId xmlns:a16="http://schemas.microsoft.com/office/drawing/2014/main" id="{E4381B78-DA0A-4E44-1A69-2A66A723ED60}"/>
+            </a:ext>
+          </a:extLst>
+        </p:cNvPr>
+        <p:cNvGrpSpPr/>
+        <p:nvPr/>
+      </p:nvGrpSpPr>
+      <p:grpSpPr>
+        <a:xfrm>
+          <a:off x="0" y="0"/>
+          <a:ext cx="0" cy="0"/>
+          <a:chOff x="0" y="0"/>
+          <a:chExt cx="0" cy="0"/>
+        </a:xfrm>
+      </p:grpSpPr>
+      <p:sp>
+        <p:nvSpPr>
+          <p:cNvPr id="2" name="Espaço Reservado para Imagem de Slide 1">
+            <a:extLst>
+              <a:ext uri="{FF2B5EF4-FFF2-40B4-BE49-F238E27FC236}">
+                <a16:creationId xmlns:a16="http://schemas.microsoft.com/office/drawing/2014/main" id="{0F923DF1-A563-0511-F648-72E0F6D8FAE1}"/>
+              </a:ext>
+            </a:extLst>
+          </p:cNvPr>
+          <p:cNvSpPr>
+            <a:spLocks noGrp="1" noRot="1" noChangeAspect="1"/>
+          </p:cNvSpPr>
+          <p:nvPr>
+            <p:ph type="sldImg"/>
+          </p:nvPr>
+        </p:nvSpPr>
+        <p:spPr>
+          <a:xfrm>
+            <a:off x="381000" y="685800"/>
+            <a:ext cx="6096000" cy="3429000"/>
+          </a:xfrm>
+        </p:spPr>
+      </p:sp>
+      <p:sp>
+        <p:nvSpPr>
+          <p:cNvPr id="3" name="Espaço Reservado para Anotações 2">
+            <a:extLst>
+              <a:ext uri="{FF2B5EF4-FFF2-40B4-BE49-F238E27FC236}">
+                <a16:creationId xmlns:a16="http://schemas.microsoft.com/office/drawing/2014/main" id="{820A432A-C019-8B88-50E1-E8E24A51E37E}"/>
+              </a:ext>
+            </a:extLst>
+          </p:cNvPr>
+          <p:cNvSpPr>
+            <a:spLocks noGrp="1"/>
+          </p:cNvSpPr>
+          <p:nvPr>
+            <p:ph type="body" idx="1"/>
+          </p:nvPr>
+        </p:nvSpPr>
+        <p:spPr/>
+        <p:txBody>
+          <a:bodyPr/>
+          <a:lstStyle/>
+          <a:p>
+            <a:endParaRPr lang="pt-BR" dirty="0"/>
+          </a:p>
+        </p:txBody>
+      </p:sp>
+    </p:spTree>
+    <p:extLst>
+      <p:ext uri="{BB962C8B-B14F-4D97-AF65-F5344CB8AC3E}">
+        <p14:creationId xmlns:p14="http://schemas.microsoft.com/office/powerpoint/2010/main" val="3549617526"/>
+      </p:ext>
+    </p:extLst>
+  </p:cSld>
+  <p:clrMapOvr>
+    <a:masterClrMapping/>
+  </p:clrMapOvr>
+</p:notes>
+</file>
+
+<file path=ppt/notesSlides/notesSlide9.xml><?xml version="1.0" encoding="utf-8"?>
+<p:notes xmlns:a="http://schemas.openxmlformats.org/drawingml/2006/main" xmlns:r="http://schemas.openxmlformats.org/officeDocument/2006/relationships" xmlns:p="http://schemas.openxmlformats.org/presentationml/2006/main">
+  <p:cSld>
+    <p:spTree>
+      <p:nvGrpSpPr>
+        <p:cNvPr id="1" name="">
+          <a:extLst>
+            <a:ext uri="{FF2B5EF4-FFF2-40B4-BE49-F238E27FC236}">
+              <a16:creationId xmlns:a16="http://schemas.microsoft.com/office/drawing/2014/main" id="{893E377A-031C-9951-8BCD-F5FA88901752}"/>
+            </a:ext>
+          </a:extLst>
+        </p:cNvPr>
+        <p:cNvGrpSpPr/>
+        <p:nvPr/>
+      </p:nvGrpSpPr>
+      <p:grpSpPr>
+        <a:xfrm>
+          <a:off x="0" y="0"/>
+          <a:ext cx="0" cy="0"/>
+          <a:chOff x="0" y="0"/>
+          <a:chExt cx="0" cy="0"/>
+        </a:xfrm>
+      </p:grpSpPr>
+      <p:sp>
+        <p:nvSpPr>
+          <p:cNvPr id="2" name="Espaço Reservado para Imagem de Slide 1">
+            <a:extLst>
+              <a:ext uri="{FF2B5EF4-FFF2-40B4-BE49-F238E27FC236}">
+                <a16:creationId xmlns:a16="http://schemas.microsoft.com/office/drawing/2014/main" id="{AF571FBA-3889-9CB4-6768-C8E168299CC0}"/>
+              </a:ext>
+            </a:extLst>
+          </p:cNvPr>
+          <p:cNvSpPr>
+            <a:spLocks noGrp="1" noRot="1" noChangeAspect="1"/>
+          </p:cNvSpPr>
+          <p:nvPr>
+            <p:ph type="sldImg"/>
+          </p:nvPr>
+        </p:nvSpPr>
+        <p:spPr>
+          <a:xfrm>
+            <a:off x="381000" y="685800"/>
+            <a:ext cx="6096000" cy="3429000"/>
+          </a:xfrm>
+        </p:spPr>
+      </p:sp>
+      <p:sp>
+        <p:nvSpPr>
+          <p:cNvPr id="3" name="Espaço Reservado para Anotações 2">
+            <a:extLst>
+              <a:ext uri="{FF2B5EF4-FFF2-40B4-BE49-F238E27FC236}">
+                <a16:creationId xmlns:a16="http://schemas.microsoft.com/office/drawing/2014/main" id="{07F8FB45-DF29-5280-11C2-ACF07AC95660}"/>
+              </a:ext>
+            </a:extLst>
+          </p:cNvPr>
+          <p:cNvSpPr>
+            <a:spLocks noGrp="1"/>
+          </p:cNvSpPr>
+          <p:nvPr>
+            <p:ph type="body" idx="1"/>
+          </p:nvPr>
+        </p:nvSpPr>
+        <p:spPr/>
+        <p:txBody>
+          <a:bodyPr/>
+          <a:lstStyle/>
+          <a:p>
+            <a:endParaRPr lang="pt-BR" dirty="0"/>
+          </a:p>
+        </p:txBody>
+      </p:sp>
+    </p:spTree>
+    <p:extLst>
+      <p:ext uri="{BB962C8B-B14F-4D97-AF65-F5344CB8AC3E}">
+        <p14:creationId xmlns:p14="http://schemas.microsoft.com/office/powerpoint/2010/main" val="520992971"/>
       </p:ext>
     </p:extLst>
   </p:cSld>
@@ -3829,6 +4424,2471 @@
 </p:sld>
 </file>
 
+<file path=ppt/slides/slide10.xml><?xml version="1.0" encoding="utf-8"?>
+<p:sld xmlns:a="http://schemas.openxmlformats.org/drawingml/2006/main" xmlns:r="http://schemas.openxmlformats.org/officeDocument/2006/relationships" xmlns:p="http://schemas.openxmlformats.org/presentationml/2006/main">
+  <p:cSld>
+    <p:spTree>
+      <p:nvGrpSpPr>
+        <p:cNvPr id="1" name="">
+          <a:extLst>
+            <a:ext uri="{FF2B5EF4-FFF2-40B4-BE49-F238E27FC236}">
+              <a16:creationId xmlns:a16="http://schemas.microsoft.com/office/drawing/2014/main" id="{54D8E3F0-F408-9B3D-2C3F-A0FD997BC59C}"/>
+            </a:ext>
+          </a:extLst>
+        </p:cNvPr>
+        <p:cNvGrpSpPr/>
+        <p:nvPr/>
+      </p:nvGrpSpPr>
+      <p:grpSpPr>
+        <a:xfrm>
+          <a:off x="0" y="0"/>
+          <a:ext cx="0" cy="0"/>
+          <a:chOff x="0" y="0"/>
+          <a:chExt cx="0" cy="0"/>
+        </a:xfrm>
+      </p:grpSpPr>
+      <p:sp>
+        <p:nvSpPr>
+          <p:cNvPr id="6" name="Title 1">
+            <a:extLst>
+              <a:ext uri="{FF2B5EF4-FFF2-40B4-BE49-F238E27FC236}">
+                <a16:creationId xmlns:a16="http://schemas.microsoft.com/office/drawing/2014/main" id="{AAE2F0BA-794E-9CF6-A93B-74309590731F}"/>
+              </a:ext>
+            </a:extLst>
+          </p:cNvPr>
+          <p:cNvSpPr>
+            <a:spLocks noGrp="1"/>
+          </p:cNvSpPr>
+          <p:nvPr>
+            <p:ph type="title"/>
+          </p:nvPr>
+        </p:nvSpPr>
+        <p:spPr>
+          <a:xfrm>
+            <a:off x="457200" y="205980"/>
+            <a:ext cx="8229600" cy="857251"/>
+          </a:xfrm>
+        </p:spPr>
+        <p:txBody>
+          <a:bodyPr>
+            <a:normAutofit/>
+          </a:bodyPr>
+          <a:lstStyle/>
+          <a:p>
+            <a:r>
+              <a:rPr lang="en-US" b="1" dirty="0">
+                <a:solidFill>
+                  <a:srgbClr val="0070C0"/>
+                </a:solidFill>
+              </a:rPr>
+              <a:t>Eq. </a:t>
+            </a:r>
+            <a:r>
+              <a:rPr lang="en-US" b="1" dirty="0" err="1">
+                <a:solidFill>
+                  <a:srgbClr val="0070C0"/>
+                </a:solidFill>
+              </a:rPr>
+              <a:t>Recorrência</a:t>
+            </a:r>
+            <a:r>
+              <a:rPr lang="en-US" b="1" dirty="0">
+                <a:solidFill>
+                  <a:srgbClr val="0070C0"/>
+                </a:solidFill>
+              </a:rPr>
+              <a:t> – </a:t>
+            </a:r>
+            <a:r>
+              <a:rPr lang="en-US" b="1" dirty="0" err="1">
+                <a:solidFill>
+                  <a:srgbClr val="0070C0"/>
+                </a:solidFill>
+              </a:rPr>
+              <a:t>Exemplos</a:t>
+            </a:r>
+            <a:endParaRPr lang="en-US" b="1" dirty="0">
+              <a:solidFill>
+                <a:srgbClr val="0070C0"/>
+              </a:solidFill>
+            </a:endParaRPr>
+          </a:p>
+        </p:txBody>
+      </p:sp>
+      <mc:AlternateContent xmlns:mc="http://schemas.openxmlformats.org/markup-compatibility/2006" xmlns:a14="http://schemas.microsoft.com/office/drawing/2010/main">
+        <mc:Choice Requires="a14">
+          <p:sp>
+            <p:nvSpPr>
+              <p:cNvPr id="8" name="Text Placeholder 2">
+                <a:extLst>
+                  <a:ext uri="{FF2B5EF4-FFF2-40B4-BE49-F238E27FC236}">
+                    <a16:creationId xmlns:a16="http://schemas.microsoft.com/office/drawing/2014/main" id="{D8A6CCA5-E283-BDAA-A436-5964E608FF61}"/>
+                  </a:ext>
+                </a:extLst>
+              </p:cNvPr>
+              <p:cNvSpPr>
+                <a:spLocks noGrp="1"/>
+              </p:cNvSpPr>
+              <p:nvPr>
+                <p:ph type="body" sz="half" idx="1"/>
+              </p:nvPr>
+            </p:nvSpPr>
+            <p:spPr>
+              <a:xfrm>
+                <a:off x="142865" y="1200150"/>
+                <a:ext cx="8865056" cy="3737370"/>
+              </a:xfrm>
+            </p:spPr>
+            <p:txBody>
+              <a:bodyPr>
+                <a:noAutofit/>
+              </a:bodyPr>
+              <a:lstStyle/>
+              <a:p>
+                <a:pPr marL="0" indent="0">
+                  <a:buNone/>
+                </a:pPr>
+                <a:r>
+                  <a:rPr lang="pt-BR" sz="2200" b="1" dirty="0">
+                    <a:latin typeface="Times New Roman" panose="02020603050405020304" pitchFamily="18" charset="0"/>
+                    <a:cs typeface="Times New Roman" panose="02020603050405020304" pitchFamily="18" charset="0"/>
+                  </a:rPr>
+                  <a:t>Exemplo 1 – </a:t>
+                </a:r>
+                <a:r>
+                  <a:rPr lang="pt-BR" sz="2200" b="1" dirty="0">
+                    <a:solidFill>
+                      <a:srgbClr val="FF0000"/>
+                    </a:solidFill>
+                    <a:latin typeface="Times New Roman" panose="02020603050405020304" pitchFamily="18" charset="0"/>
+                    <a:cs typeface="Times New Roman" panose="02020603050405020304" pitchFamily="18" charset="0"/>
+                  </a:rPr>
+                  <a:t>Fibonacci</a:t>
+                </a:r>
+                <a:r>
+                  <a:rPr lang="pt-BR" sz="2200" b="1" dirty="0">
+                    <a:latin typeface="Times New Roman" panose="02020603050405020304" pitchFamily="18" charset="0"/>
+                    <a:cs typeface="Times New Roman" panose="02020603050405020304" pitchFamily="18" charset="0"/>
+                  </a:rPr>
+                  <a:t>:</a:t>
+                </a:r>
+                <a:endParaRPr lang="pt-BR" sz="2200" dirty="0">
+                  <a:latin typeface="Times New Roman" panose="02020603050405020304" pitchFamily="18" charset="0"/>
+                  <a:cs typeface="Times New Roman" panose="02020603050405020304" pitchFamily="18" charset="0"/>
+                </a:endParaRPr>
+              </a:p>
+              <a:p>
+                <a:pPr marL="0" indent="0">
+                  <a:buNone/>
+                </a:pPr>
+                <a14:m>
+                  <m:oMathPara xmlns:m="http://schemas.openxmlformats.org/officeDocument/2006/math">
+                    <m:oMathParaPr>
+                      <m:jc m:val="centerGroup"/>
+                    </m:oMathParaPr>
+                    <m:oMath xmlns:m="http://schemas.openxmlformats.org/officeDocument/2006/math">
+                      <m:r>
+                        <a:rPr lang="pt-BR" sz="2200" i="1">
+                          <a:latin typeface="Cambria Math" panose="02040503050406030204" pitchFamily="18" charset="0"/>
+                        </a:rPr>
+                        <m:t>𝑇</m:t>
+                      </m:r>
+                      <m:r>
+                        <a:rPr lang="pt-BR" sz="2200" i="1">
+                          <a:latin typeface="Cambria Math" panose="02040503050406030204" pitchFamily="18" charset="0"/>
+                        </a:rPr>
+                        <m:t>(</m:t>
+                      </m:r>
+                      <m:r>
+                        <a:rPr lang="pt-BR" sz="2200" i="1">
+                          <a:latin typeface="Cambria Math" panose="02040503050406030204" pitchFamily="18" charset="0"/>
+                        </a:rPr>
+                        <m:t>𝑛</m:t>
+                      </m:r>
+                      <m:r>
+                        <a:rPr lang="pt-BR" sz="2200" i="1">
+                          <a:latin typeface="Cambria Math" panose="02040503050406030204" pitchFamily="18" charset="0"/>
+                        </a:rPr>
+                        <m:t>)=</m:t>
+                      </m:r>
+                      <m:r>
+                        <a:rPr lang="pt-BR" sz="2200" i="1">
+                          <a:latin typeface="Cambria Math" panose="02040503050406030204" pitchFamily="18" charset="0"/>
+                        </a:rPr>
+                        <m:t>𝑇</m:t>
+                      </m:r>
+                      <m:r>
+                        <a:rPr lang="pt-BR" sz="2200" i="1">
+                          <a:latin typeface="Cambria Math" panose="02040503050406030204" pitchFamily="18" charset="0"/>
+                        </a:rPr>
+                        <m:t>(</m:t>
+                      </m:r>
+                      <m:r>
+                        <a:rPr lang="pt-BR" sz="2200" i="1">
+                          <a:latin typeface="Cambria Math" panose="02040503050406030204" pitchFamily="18" charset="0"/>
+                        </a:rPr>
+                        <m:t>𝑛</m:t>
+                      </m:r>
+                      <m:r>
+                        <a:rPr lang="pt-BR" sz="2200" i="1">
+                          <a:latin typeface="Cambria Math" panose="02040503050406030204" pitchFamily="18" charset="0"/>
+                        </a:rPr>
+                        <m:t>−1)+</m:t>
+                      </m:r>
+                      <m:r>
+                        <a:rPr lang="pt-BR" sz="2200" i="1">
+                          <a:latin typeface="Cambria Math" panose="02040503050406030204" pitchFamily="18" charset="0"/>
+                        </a:rPr>
+                        <m:t>𝑇</m:t>
+                      </m:r>
+                      <m:r>
+                        <a:rPr lang="pt-BR" sz="2200" i="1">
+                          <a:latin typeface="Cambria Math" panose="02040503050406030204" pitchFamily="18" charset="0"/>
+                        </a:rPr>
+                        <m:t>(</m:t>
+                      </m:r>
+                      <m:r>
+                        <a:rPr lang="pt-BR" sz="2200" i="1">
+                          <a:latin typeface="Cambria Math" panose="02040503050406030204" pitchFamily="18" charset="0"/>
+                        </a:rPr>
+                        <m:t>𝑛</m:t>
+                      </m:r>
+                      <m:r>
+                        <a:rPr lang="pt-BR" sz="2200" i="1">
+                          <a:latin typeface="Cambria Math" panose="02040503050406030204" pitchFamily="18" charset="0"/>
+                        </a:rPr>
+                        <m:t>−2),</m:t>
+                      </m:r>
+                      <m:r>
+                        <a:rPr lang="pt-BR" sz="2200" i="1">
+                          <a:latin typeface="Cambria Math" panose="02040503050406030204" pitchFamily="18" charset="0"/>
+                        </a:rPr>
+                        <m:t>𝑇</m:t>
+                      </m:r>
+                      <m:r>
+                        <a:rPr lang="pt-BR" sz="2200" i="1">
+                          <a:latin typeface="Cambria Math" panose="02040503050406030204" pitchFamily="18" charset="0"/>
+                        </a:rPr>
+                        <m:t>(0)=0,</m:t>
+                      </m:r>
+                      <m:r>
+                        <m:rPr>
+                          <m:nor/>
+                        </m:rPr>
+                        <a:rPr lang="pt-BR" sz="2200">
+                          <a:latin typeface="Times New Roman" panose="02020603050405020304" pitchFamily="18" charset="0"/>
+                          <a:cs typeface="Times New Roman" panose="02020603050405020304" pitchFamily="18" charset="0"/>
+                        </a:rPr>
+                        <m:t> </m:t>
+                      </m:r>
+                      <m:r>
+                        <a:rPr lang="pt-BR" sz="2200" i="1">
+                          <a:latin typeface="Cambria Math" panose="02040503050406030204" pitchFamily="18" charset="0"/>
+                        </a:rPr>
+                        <m:t>𝑇</m:t>
+                      </m:r>
+                      <m:r>
+                        <a:rPr lang="pt-BR" sz="2200" i="1">
+                          <a:latin typeface="Cambria Math" panose="02040503050406030204" pitchFamily="18" charset="0"/>
+                        </a:rPr>
+                        <m:t>(1)=1</m:t>
+                      </m:r>
+                    </m:oMath>
+                  </m:oMathPara>
+                </a14:m>
+                <a:endParaRPr lang="pt-BR" sz="2200" dirty="0">
+                  <a:latin typeface="Times New Roman" panose="02020603050405020304" pitchFamily="18" charset="0"/>
+                  <a:cs typeface="Times New Roman" panose="02020603050405020304" pitchFamily="18" charset="0"/>
+                </a:endParaRPr>
+              </a:p>
+              <a:p>
+                <a:pPr marL="0" indent="0">
+                  <a:buNone/>
+                </a:pPr>
+                <a:r>
+                  <a:rPr lang="pt-BR" sz="2200" dirty="0">
+                    <a:latin typeface="Times New Roman" panose="02020603050405020304" pitchFamily="18" charset="0"/>
+                    <a:cs typeface="Times New Roman" panose="02020603050405020304" pitchFamily="18" charset="0"/>
+                  </a:rPr>
+                  <a:t>A complexidade, </a:t>
+                </a:r>
+                <a14:m>
+                  <m:oMath xmlns:m="http://schemas.openxmlformats.org/officeDocument/2006/math">
+                    <m:r>
+                      <a:rPr lang="pt-BR" sz="2200" b="1" i="1" smtClean="0">
+                        <a:solidFill>
+                          <a:srgbClr val="FF0000"/>
+                        </a:solidFill>
+                        <a:latin typeface="Cambria Math" panose="02040503050406030204" pitchFamily="18" charset="0"/>
+                      </a:rPr>
+                      <m:t>𝑶</m:t>
+                    </m:r>
+                    <m:r>
+                      <a:rPr lang="pt-BR" sz="2200" b="1" i="1" smtClean="0">
+                        <a:solidFill>
+                          <a:srgbClr val="FF0000"/>
+                        </a:solidFill>
+                        <a:latin typeface="Cambria Math" panose="02040503050406030204" pitchFamily="18" charset="0"/>
+                      </a:rPr>
+                      <m:t>(</m:t>
+                    </m:r>
+                    <m:sSup>
+                      <m:sSupPr>
+                        <m:ctrlPr>
+                          <a:rPr lang="pt-BR" sz="2200" b="1" i="1">
+                            <a:solidFill>
+                              <a:srgbClr val="FF0000"/>
+                            </a:solidFill>
+                            <a:latin typeface="Cambria Math" panose="02040503050406030204" pitchFamily="18" charset="0"/>
+                          </a:rPr>
+                        </m:ctrlPr>
+                      </m:sSupPr>
+                      <m:e>
+                        <m:r>
+                          <a:rPr lang="pt-BR" sz="2200" b="1" i="1">
+                            <a:solidFill>
+                              <a:srgbClr val="FF0000"/>
+                            </a:solidFill>
+                            <a:latin typeface="Cambria Math" panose="02040503050406030204" pitchFamily="18" charset="0"/>
+                          </a:rPr>
+                          <m:t>𝟐</m:t>
+                        </m:r>
+                      </m:e>
+                      <m:sup>
+                        <m:r>
+                          <a:rPr lang="pt-BR" sz="2200" b="1" i="1">
+                            <a:solidFill>
+                              <a:srgbClr val="FF0000"/>
+                            </a:solidFill>
+                            <a:latin typeface="Cambria Math" panose="02040503050406030204" pitchFamily="18" charset="0"/>
+                          </a:rPr>
+                          <m:t>𝒏</m:t>
+                        </m:r>
+                      </m:sup>
+                    </m:sSup>
+                    <m:r>
+                      <a:rPr lang="pt-BR" sz="2200" b="1" i="1">
+                        <a:solidFill>
+                          <a:srgbClr val="FF0000"/>
+                        </a:solidFill>
+                        <a:latin typeface="Cambria Math" panose="02040503050406030204" pitchFamily="18" charset="0"/>
+                      </a:rPr>
+                      <m:t>)</m:t>
+                    </m:r>
+                  </m:oMath>
+                </a14:m>
+                <a:r>
+                  <a:rPr lang="pt-BR" sz="2200" b="1" dirty="0">
+                    <a:solidFill>
+                      <a:srgbClr val="FF0000"/>
+                    </a:solidFill>
+                    <a:latin typeface="Times New Roman" panose="02020603050405020304" pitchFamily="18" charset="0"/>
+                    <a:cs typeface="Times New Roman" panose="02020603050405020304" pitchFamily="18" charset="0"/>
+                  </a:rPr>
+                  <a:t>, </a:t>
+                </a:r>
+                <a:r>
+                  <a:rPr lang="pt-BR" sz="2200" dirty="0">
+                    <a:latin typeface="Times New Roman" panose="02020603050405020304" pitchFamily="18" charset="0"/>
+                    <a:cs typeface="Times New Roman" panose="02020603050405020304" pitchFamily="18" charset="0"/>
+                  </a:rPr>
+                  <a:t>pois há </a:t>
+                </a:r>
+                <a:r>
+                  <a:rPr lang="pt-BR" sz="2200" dirty="0" err="1">
+                    <a:latin typeface="Times New Roman" panose="02020603050405020304" pitchFamily="18" charset="0"/>
+                    <a:cs typeface="Times New Roman" panose="02020603050405020304" pitchFamily="18" charset="0"/>
+                  </a:rPr>
+                  <a:t>recomputação</a:t>
+                </a:r>
+                <a:r>
+                  <a:rPr lang="pt-BR" sz="2200" dirty="0">
+                    <a:latin typeface="Times New Roman" panose="02020603050405020304" pitchFamily="18" charset="0"/>
+                    <a:cs typeface="Times New Roman" panose="02020603050405020304" pitchFamily="18" charset="0"/>
+                  </a:rPr>
+                  <a:t> de </a:t>
+                </a:r>
+                <a:r>
+                  <a:rPr lang="pt-BR" sz="2200" b="1" dirty="0">
+                    <a:latin typeface="Times New Roman" panose="02020603050405020304" pitchFamily="18" charset="0"/>
+                    <a:cs typeface="Times New Roman" panose="02020603050405020304" pitchFamily="18" charset="0"/>
+                  </a:rPr>
+                  <a:t>subproblemas</a:t>
+                </a:r>
+                <a:r>
+                  <a:rPr lang="pt-BR" sz="2200" dirty="0">
+                    <a:latin typeface="Times New Roman" panose="02020603050405020304" pitchFamily="18" charset="0"/>
+                    <a:cs typeface="Times New Roman" panose="02020603050405020304" pitchFamily="18" charset="0"/>
+                  </a:rPr>
+                  <a:t>.</a:t>
+                </a:r>
+              </a:p>
+              <a:p>
+                <a:pPr marL="0" indent="0">
+                  <a:buNone/>
+                </a:pPr>
+                <a:endParaRPr lang="pt-BR" sz="2200" dirty="0">
+                  <a:latin typeface="Times New Roman" panose="02020603050405020304" pitchFamily="18" charset="0"/>
+                  <a:cs typeface="Times New Roman" panose="02020603050405020304" pitchFamily="18" charset="0"/>
+                </a:endParaRPr>
+              </a:p>
+              <a:p>
+                <a:pPr marL="0" indent="0">
+                  <a:buNone/>
+                </a:pPr>
+                <a:r>
+                  <a:rPr lang="pt-BR" sz="2200" b="1" dirty="0">
+                    <a:latin typeface="Times New Roman" panose="02020603050405020304" pitchFamily="18" charset="0"/>
+                    <a:cs typeface="Times New Roman" panose="02020603050405020304" pitchFamily="18" charset="0"/>
+                  </a:rPr>
+                  <a:t>Exemplo 2 – </a:t>
+                </a:r>
+                <a:r>
+                  <a:rPr lang="pt-BR" sz="2200" b="1" dirty="0">
+                    <a:solidFill>
+                      <a:srgbClr val="FF0000"/>
+                    </a:solidFill>
+                    <a:latin typeface="Times New Roman" panose="02020603050405020304" pitchFamily="18" charset="0"/>
+                    <a:cs typeface="Times New Roman" panose="02020603050405020304" pitchFamily="18" charset="0"/>
+                  </a:rPr>
+                  <a:t>Merge </a:t>
+                </a:r>
+                <a:r>
+                  <a:rPr lang="pt-BR" sz="2200" b="1" dirty="0" err="1">
+                    <a:solidFill>
+                      <a:srgbClr val="FF0000"/>
+                    </a:solidFill>
+                    <a:latin typeface="Times New Roman" panose="02020603050405020304" pitchFamily="18" charset="0"/>
+                    <a:cs typeface="Times New Roman" panose="02020603050405020304" pitchFamily="18" charset="0"/>
+                  </a:rPr>
+                  <a:t>Sort</a:t>
+                </a:r>
+                <a:r>
+                  <a:rPr lang="pt-BR" sz="2200" b="1" dirty="0">
+                    <a:latin typeface="Times New Roman" panose="02020603050405020304" pitchFamily="18" charset="0"/>
+                    <a:cs typeface="Times New Roman" panose="02020603050405020304" pitchFamily="18" charset="0"/>
+                  </a:rPr>
+                  <a:t>: </a:t>
+                </a:r>
+                <a14:m>
+                  <m:oMath xmlns:m="http://schemas.openxmlformats.org/officeDocument/2006/math">
+                    <m:r>
+                      <a:rPr lang="pt-BR" sz="2200" b="1" i="0" smtClean="0">
+                        <a:latin typeface="Cambria Math" panose="02040503050406030204" pitchFamily="18" charset="0"/>
+                      </a:rPr>
+                      <m:t>      </m:t>
+                    </m:r>
+                    <m:r>
+                      <a:rPr lang="pt-BR" sz="2200" i="1">
+                        <a:latin typeface="Cambria Math" panose="02040503050406030204" pitchFamily="18" charset="0"/>
+                      </a:rPr>
+                      <m:t>𝑇</m:t>
+                    </m:r>
+                    <m:r>
+                      <a:rPr lang="pt-BR" sz="2200" i="1">
+                        <a:latin typeface="Cambria Math" panose="02040503050406030204" pitchFamily="18" charset="0"/>
+                      </a:rPr>
+                      <m:t>(</m:t>
+                    </m:r>
+                    <m:r>
+                      <a:rPr lang="pt-BR" sz="2200" i="1">
+                        <a:latin typeface="Cambria Math" panose="02040503050406030204" pitchFamily="18" charset="0"/>
+                      </a:rPr>
+                      <m:t>𝑛</m:t>
+                    </m:r>
+                    <m:r>
+                      <a:rPr lang="pt-BR" sz="2200" i="1">
+                        <a:latin typeface="Cambria Math" panose="02040503050406030204" pitchFamily="18" charset="0"/>
+                      </a:rPr>
+                      <m:t>)=2</m:t>
+                    </m:r>
+                    <m:r>
+                      <a:rPr lang="pt-BR" sz="2200" i="1">
+                        <a:latin typeface="Cambria Math" panose="02040503050406030204" pitchFamily="18" charset="0"/>
+                      </a:rPr>
+                      <m:t>𝑇</m:t>
+                    </m:r>
+                    <m:r>
+                      <a:rPr lang="pt-BR" sz="2200" i="1">
+                        <a:latin typeface="Cambria Math" panose="02040503050406030204" pitchFamily="18" charset="0"/>
+                      </a:rPr>
+                      <m:t>(</m:t>
+                    </m:r>
+                    <m:r>
+                      <a:rPr lang="pt-BR" sz="2200" i="1">
+                        <a:latin typeface="Cambria Math" panose="02040503050406030204" pitchFamily="18" charset="0"/>
+                      </a:rPr>
+                      <m:t>𝑛</m:t>
+                    </m:r>
+                    <m:r>
+                      <a:rPr lang="pt-BR" sz="2200">
+                        <a:latin typeface="Cambria Math" panose="02040503050406030204" pitchFamily="18" charset="0"/>
+                      </a:rPr>
+                      <m:t>/</m:t>
+                    </m:r>
+                    <m:r>
+                      <a:rPr lang="pt-BR" sz="2200" i="1">
+                        <a:latin typeface="Cambria Math" panose="02040503050406030204" pitchFamily="18" charset="0"/>
+                      </a:rPr>
+                      <m:t>2)+</m:t>
+                    </m:r>
+                    <m:r>
+                      <a:rPr lang="pt-BR" sz="2200" i="1">
+                        <a:latin typeface="Cambria Math" panose="02040503050406030204" pitchFamily="18" charset="0"/>
+                      </a:rPr>
+                      <m:t>𝑛</m:t>
+                    </m:r>
+                  </m:oMath>
+                </a14:m>
+                <a:r>
+                  <a:rPr lang="pt-BR" sz="2200" dirty="0">
+                    <a:latin typeface="Times New Roman" panose="02020603050405020304" pitchFamily="18" charset="0"/>
+                    <a:cs typeface="Times New Roman" panose="02020603050405020304" pitchFamily="18" charset="0"/>
+                  </a:rPr>
+                  <a:t>. Aplicando o </a:t>
+                </a:r>
+                <a:r>
+                  <a:rPr lang="pt-BR" sz="2200" b="1" dirty="0">
+                    <a:solidFill>
+                      <a:srgbClr val="FF0000"/>
+                    </a:solidFill>
+                    <a:latin typeface="Times New Roman" panose="02020603050405020304" pitchFamily="18" charset="0"/>
+                    <a:cs typeface="Times New Roman" panose="02020603050405020304" pitchFamily="18" charset="0"/>
+                  </a:rPr>
+                  <a:t>Teorema Mestre</a:t>
+                </a:r>
+                <a:r>
+                  <a:rPr lang="pt-BR" sz="2200" dirty="0">
+                    <a:latin typeface="Times New Roman" panose="02020603050405020304" pitchFamily="18" charset="0"/>
+                    <a:cs typeface="Times New Roman" panose="02020603050405020304" pitchFamily="18" charset="0"/>
+                  </a:rPr>
+                  <a:t>, temos </a:t>
+                </a:r>
+                <a14:m>
+                  <m:oMath xmlns:m="http://schemas.openxmlformats.org/officeDocument/2006/math">
+                    <m:r>
+                      <a:rPr lang="pt-BR" sz="2200" i="1">
+                        <a:latin typeface="Cambria Math" panose="02040503050406030204" pitchFamily="18" charset="0"/>
+                      </a:rPr>
+                      <m:t>𝑇</m:t>
+                    </m:r>
+                    <m:r>
+                      <a:rPr lang="pt-BR" sz="2200" i="1">
+                        <a:latin typeface="Cambria Math" panose="02040503050406030204" pitchFamily="18" charset="0"/>
+                      </a:rPr>
+                      <m:t>(</m:t>
+                    </m:r>
+                    <m:r>
+                      <a:rPr lang="pt-BR" sz="2200" i="1">
+                        <a:latin typeface="Cambria Math" panose="02040503050406030204" pitchFamily="18" charset="0"/>
+                      </a:rPr>
+                      <m:t>𝑛</m:t>
+                    </m:r>
+                    <m:r>
+                      <a:rPr lang="pt-BR" sz="2200" i="1">
+                        <a:latin typeface="Cambria Math" panose="02040503050406030204" pitchFamily="18" charset="0"/>
+                      </a:rPr>
+                      <m:t>)=</m:t>
+                    </m:r>
+                    <m:r>
+                      <a:rPr lang="pt-BR" sz="2200" b="1" i="1" smtClean="0">
+                        <a:solidFill>
+                          <a:srgbClr val="FF0000"/>
+                        </a:solidFill>
+                        <a:latin typeface="Cambria Math" panose="02040503050406030204" pitchFamily="18" charset="0"/>
+                      </a:rPr>
+                      <m:t>𝑶</m:t>
+                    </m:r>
+                    <m:r>
+                      <a:rPr lang="pt-BR" sz="2200" b="1" i="1" smtClean="0">
+                        <a:solidFill>
+                          <a:srgbClr val="FF0000"/>
+                        </a:solidFill>
+                        <a:latin typeface="Cambria Math" panose="02040503050406030204" pitchFamily="18" charset="0"/>
+                      </a:rPr>
+                      <m:t>(</m:t>
+                    </m:r>
+                    <m:r>
+                      <a:rPr lang="pt-BR" sz="2200" b="1" i="1" smtClean="0">
+                        <a:solidFill>
+                          <a:srgbClr val="FF0000"/>
+                        </a:solidFill>
+                        <a:latin typeface="Cambria Math" panose="02040503050406030204" pitchFamily="18" charset="0"/>
+                      </a:rPr>
+                      <m:t>𝒏𝒍𝒐𝒈</m:t>
+                    </m:r>
+                    <m:r>
+                      <a:rPr lang="pt-BR" sz="2200" b="1" i="1">
+                        <a:solidFill>
+                          <a:srgbClr val="FF0000"/>
+                        </a:solidFill>
+                        <a:latin typeface="Cambria Math" panose="02040503050406030204" pitchFamily="18" charset="0"/>
+                      </a:rPr>
+                      <m:t>⁡</m:t>
+                    </m:r>
+                    <m:r>
+                      <a:rPr lang="pt-BR" sz="2200" b="1" i="1">
+                        <a:solidFill>
+                          <a:srgbClr val="FF0000"/>
+                        </a:solidFill>
+                        <a:latin typeface="Cambria Math" panose="02040503050406030204" pitchFamily="18" charset="0"/>
+                      </a:rPr>
+                      <m:t>𝒏</m:t>
+                    </m:r>
+                    <m:r>
+                      <a:rPr lang="pt-BR" sz="2200" b="1" i="1">
+                        <a:solidFill>
+                          <a:srgbClr val="FF0000"/>
+                        </a:solidFill>
+                        <a:latin typeface="Cambria Math" panose="02040503050406030204" pitchFamily="18" charset="0"/>
+                      </a:rPr>
+                      <m:t>)</m:t>
+                    </m:r>
+                  </m:oMath>
+                </a14:m>
+                <a:r>
+                  <a:rPr lang="pt-BR" sz="2200" b="1" dirty="0">
+                    <a:solidFill>
+                      <a:srgbClr val="FF0000"/>
+                    </a:solidFill>
+                    <a:latin typeface="Times New Roman" panose="02020603050405020304" pitchFamily="18" charset="0"/>
+                    <a:cs typeface="Times New Roman" panose="02020603050405020304" pitchFamily="18" charset="0"/>
+                  </a:rPr>
+                  <a:t>.</a:t>
+                </a:r>
+                <a:endParaRPr lang="pt-BR" sz="2200" b="1" dirty="0">
+                  <a:latin typeface="Times New Roman" panose="02020603050405020304" pitchFamily="18" charset="0"/>
+                  <a:cs typeface="Times New Roman" panose="02020603050405020304" pitchFamily="18" charset="0"/>
+                </a:endParaRPr>
+              </a:p>
+              <a:p>
+                <a:pPr marL="0" indent="0">
+                  <a:buNone/>
+                </a:pPr>
+                <a:endParaRPr lang="pt-BR" sz="2200" dirty="0">
+                  <a:latin typeface="Times New Roman" panose="02020603050405020304" pitchFamily="18" charset="0"/>
+                  <a:cs typeface="Times New Roman" panose="02020603050405020304" pitchFamily="18" charset="0"/>
+                </a:endParaRPr>
+              </a:p>
+              <a:p>
+                <a:pPr marL="0" indent="0">
+                  <a:buNone/>
+                </a:pPr>
+                <a:r>
+                  <a:rPr lang="pt-BR" sz="2200" b="1" dirty="0">
+                    <a:latin typeface="Times New Roman" panose="02020603050405020304" pitchFamily="18" charset="0"/>
+                    <a:cs typeface="Times New Roman" panose="02020603050405020304" pitchFamily="18" charset="0"/>
+                  </a:rPr>
+                  <a:t>Exemplo 3 – </a:t>
+                </a:r>
+                <a:r>
+                  <a:rPr lang="pt-BR" sz="2200" b="1" dirty="0">
+                    <a:solidFill>
+                      <a:srgbClr val="FF0000"/>
+                    </a:solidFill>
+                    <a:latin typeface="Times New Roman" panose="02020603050405020304" pitchFamily="18" charset="0"/>
+                    <a:cs typeface="Times New Roman" panose="02020603050405020304" pitchFamily="18" charset="0"/>
+                  </a:rPr>
+                  <a:t>Pesquisa Binária</a:t>
+                </a:r>
+                <a:r>
+                  <a:rPr lang="pt-BR" sz="2200" b="1" dirty="0">
+                    <a:latin typeface="Times New Roman" panose="02020603050405020304" pitchFamily="18" charset="0"/>
+                    <a:cs typeface="Times New Roman" panose="02020603050405020304" pitchFamily="18" charset="0"/>
+                  </a:rPr>
+                  <a:t>: </a:t>
+                </a:r>
+                <a14:m>
+                  <m:oMath xmlns:m="http://schemas.openxmlformats.org/officeDocument/2006/math">
+                    <m:r>
+                      <a:rPr lang="pt-BR" sz="2200" i="1">
+                        <a:latin typeface="Cambria Math" panose="02040503050406030204" pitchFamily="18" charset="0"/>
+                      </a:rPr>
+                      <m:t>𝑇</m:t>
+                    </m:r>
+                    <m:r>
+                      <a:rPr lang="pt-BR" sz="2200" i="1">
+                        <a:latin typeface="Cambria Math" panose="02040503050406030204" pitchFamily="18" charset="0"/>
+                      </a:rPr>
+                      <m:t>(</m:t>
+                    </m:r>
+                    <m:r>
+                      <a:rPr lang="pt-BR" sz="2200" i="1">
+                        <a:latin typeface="Cambria Math" panose="02040503050406030204" pitchFamily="18" charset="0"/>
+                      </a:rPr>
+                      <m:t>𝑛</m:t>
+                    </m:r>
+                    <m:r>
+                      <a:rPr lang="pt-BR" sz="2200" i="1">
+                        <a:latin typeface="Cambria Math" panose="02040503050406030204" pitchFamily="18" charset="0"/>
+                      </a:rPr>
+                      <m:t>)=</m:t>
+                    </m:r>
+                    <m:r>
+                      <a:rPr lang="pt-BR" sz="2200" i="1">
+                        <a:latin typeface="Cambria Math" panose="02040503050406030204" pitchFamily="18" charset="0"/>
+                      </a:rPr>
+                      <m:t>𝑇</m:t>
+                    </m:r>
+                    <m:r>
+                      <a:rPr lang="pt-BR" sz="2200" i="1">
+                        <a:latin typeface="Cambria Math" panose="02040503050406030204" pitchFamily="18" charset="0"/>
+                      </a:rPr>
+                      <m:t>(</m:t>
+                    </m:r>
+                    <m:r>
+                      <a:rPr lang="pt-BR" sz="2200" i="1">
+                        <a:latin typeface="Cambria Math" panose="02040503050406030204" pitchFamily="18" charset="0"/>
+                      </a:rPr>
+                      <m:t>𝑛</m:t>
+                    </m:r>
+                    <m:r>
+                      <a:rPr lang="pt-BR" sz="2200">
+                        <a:latin typeface="Cambria Math" panose="02040503050406030204" pitchFamily="18" charset="0"/>
+                      </a:rPr>
+                      <m:t>/</m:t>
+                    </m:r>
+                    <m:r>
+                      <a:rPr lang="pt-BR" sz="2200" i="1">
+                        <a:latin typeface="Cambria Math" panose="02040503050406030204" pitchFamily="18" charset="0"/>
+                      </a:rPr>
+                      <m:t>2)+1⇒</m:t>
+                    </m:r>
+                    <m:r>
+                      <a:rPr lang="pt-BR" sz="2200" i="1">
+                        <a:latin typeface="Cambria Math" panose="02040503050406030204" pitchFamily="18" charset="0"/>
+                      </a:rPr>
+                      <m:t>𝑇</m:t>
+                    </m:r>
+                    <m:r>
+                      <a:rPr lang="pt-BR" sz="2200" i="1">
+                        <a:latin typeface="Cambria Math" panose="02040503050406030204" pitchFamily="18" charset="0"/>
+                      </a:rPr>
+                      <m:t>(</m:t>
+                    </m:r>
+                    <m:r>
+                      <a:rPr lang="pt-BR" sz="2200" i="1">
+                        <a:latin typeface="Cambria Math" panose="02040503050406030204" pitchFamily="18" charset="0"/>
+                      </a:rPr>
+                      <m:t>𝑛</m:t>
+                    </m:r>
+                    <m:r>
+                      <a:rPr lang="pt-BR" sz="2200" i="1">
+                        <a:latin typeface="Cambria Math" panose="02040503050406030204" pitchFamily="18" charset="0"/>
+                      </a:rPr>
+                      <m:t>)=</m:t>
+                    </m:r>
+                    <m:r>
+                      <a:rPr lang="pt-BR" sz="2200" b="1" i="1" smtClean="0">
+                        <a:solidFill>
+                          <a:srgbClr val="FF0000"/>
+                        </a:solidFill>
+                        <a:latin typeface="Cambria Math" panose="02040503050406030204" pitchFamily="18" charset="0"/>
+                      </a:rPr>
+                      <m:t>𝑶</m:t>
+                    </m:r>
+                    <m:r>
+                      <a:rPr lang="pt-BR" sz="2200" b="1" i="1" smtClean="0">
+                        <a:solidFill>
+                          <a:srgbClr val="FF0000"/>
+                        </a:solidFill>
+                        <a:latin typeface="Cambria Math" panose="02040503050406030204" pitchFamily="18" charset="0"/>
+                      </a:rPr>
+                      <m:t>(</m:t>
+                    </m:r>
+                    <m:r>
+                      <a:rPr lang="pt-BR" sz="2200" b="1" i="1">
+                        <a:solidFill>
+                          <a:srgbClr val="FF0000"/>
+                        </a:solidFill>
+                        <a:latin typeface="Cambria Math" panose="02040503050406030204" pitchFamily="18" charset="0"/>
+                      </a:rPr>
+                      <m:t>𝒍𝒐𝒈𝒏</m:t>
+                    </m:r>
+                    <m:r>
+                      <a:rPr lang="pt-BR" sz="2200" b="1" i="1">
+                        <a:solidFill>
+                          <a:srgbClr val="FF0000"/>
+                        </a:solidFill>
+                        <a:latin typeface="Cambria Math" panose="02040503050406030204" pitchFamily="18" charset="0"/>
+                      </a:rPr>
+                      <m:t>)</m:t>
+                    </m:r>
+                  </m:oMath>
+                </a14:m>
+                <a:r>
+                  <a:rPr lang="pt-BR" sz="2200" b="1" dirty="0">
+                    <a:solidFill>
+                      <a:srgbClr val="FF0000"/>
+                    </a:solidFill>
+                    <a:latin typeface="Times New Roman" panose="02020603050405020304" pitchFamily="18" charset="0"/>
+                    <a:cs typeface="Times New Roman" panose="02020603050405020304" pitchFamily="18" charset="0"/>
+                  </a:rPr>
+                  <a:t>.</a:t>
+                </a:r>
+              </a:p>
+            </p:txBody>
+          </p:sp>
+        </mc:Choice>
+        <mc:Fallback xmlns="">
+          <p:sp>
+            <p:nvSpPr>
+              <p:cNvPr id="8" name="Text Placeholder 2">
+                <a:extLst>
+                  <a:ext uri="{FF2B5EF4-FFF2-40B4-BE49-F238E27FC236}">
+                    <a16:creationId xmlns:a16="http://schemas.microsoft.com/office/drawing/2014/main" id="{D8A6CCA5-E283-BDAA-A436-5964E608FF61}"/>
+                  </a:ext>
+                </a:extLst>
+              </p:cNvPr>
+              <p:cNvSpPr>
+                <a:spLocks noGrp="1" noRot="1" noChangeAspect="1" noMove="1" noResize="1" noEditPoints="1" noAdjustHandles="1" noChangeArrowheads="1" noChangeShapeType="1" noTextEdit="1"/>
+              </p:cNvSpPr>
+              <p:nvPr>
+                <p:ph type="body" sz="half" idx="1"/>
+              </p:nvPr>
+            </p:nvSpPr>
+            <p:spPr>
+              <a:xfrm>
+                <a:off x="142865" y="1200150"/>
+                <a:ext cx="8865056" cy="3737370"/>
+              </a:xfrm>
+              <a:blipFill>
+                <a:blip r:embed="rId3"/>
+                <a:stretch>
+                  <a:fillRect l="-1375" t="-1142"/>
+                </a:stretch>
+              </a:blipFill>
+            </p:spPr>
+            <p:txBody>
+              <a:bodyPr/>
+              <a:lstStyle/>
+              <a:p>
+                <a:r>
+                  <a:rPr lang="pt-BR">
+                    <a:noFill/>
+                  </a:rPr>
+                  <a:t> </a:t>
+                </a:r>
+              </a:p>
+            </p:txBody>
+          </p:sp>
+        </mc:Fallback>
+      </mc:AlternateContent>
+    </p:spTree>
+    <p:extLst>
+      <p:ext uri="{BB962C8B-B14F-4D97-AF65-F5344CB8AC3E}">
+        <p14:creationId xmlns:p14="http://schemas.microsoft.com/office/powerpoint/2010/main" val="255003389"/>
+      </p:ext>
+    </p:extLst>
+  </p:cSld>
+  <p:clrMapOvr>
+    <a:masterClrMapping/>
+  </p:clrMapOvr>
+  <p:transition spd="med"/>
+</p:sld>
+</file>
+
+<file path=ppt/slides/slide11.xml><?xml version="1.0" encoding="utf-8"?>
+<p:sld xmlns:a="http://schemas.openxmlformats.org/drawingml/2006/main" xmlns:r="http://schemas.openxmlformats.org/officeDocument/2006/relationships" xmlns:p="http://schemas.openxmlformats.org/presentationml/2006/main">
+  <p:cSld>
+    <p:spTree>
+      <p:nvGrpSpPr>
+        <p:cNvPr id="1" name=""/>
+        <p:cNvGrpSpPr/>
+        <p:nvPr/>
+      </p:nvGrpSpPr>
+      <p:grpSpPr>
+        <a:xfrm>
+          <a:off x="0" y="0"/>
+          <a:ext cx="0" cy="0"/>
+          <a:chOff x="0" y="0"/>
+          <a:chExt cx="0" cy="0"/>
+        </a:xfrm>
+      </p:grpSpPr>
+      <p:sp>
+        <p:nvSpPr>
+          <p:cNvPr id="6" name="Title 1"/>
+          <p:cNvSpPr>
+            <a:spLocks noGrp="1"/>
+          </p:cNvSpPr>
+          <p:nvPr>
+            <p:ph type="title"/>
+          </p:nvPr>
+        </p:nvSpPr>
+        <p:spPr>
+          <a:xfrm>
+            <a:off x="457200" y="205980"/>
+            <a:ext cx="8229600" cy="857251"/>
+          </a:xfrm>
+        </p:spPr>
+        <p:txBody>
+          <a:bodyPr>
+            <a:normAutofit/>
+          </a:bodyPr>
+          <a:lstStyle/>
+          <a:p>
+            <a:r>
+              <a:rPr lang="en-US" b="1" dirty="0" err="1">
+                <a:solidFill>
+                  <a:srgbClr val="0070C0"/>
+                </a:solidFill>
+              </a:rPr>
+              <a:t>Leitura</a:t>
+            </a:r>
+            <a:r>
+              <a:rPr lang="en-US" b="1" dirty="0">
+                <a:solidFill>
+                  <a:srgbClr val="0070C0"/>
+                </a:solidFill>
+              </a:rPr>
+              <a:t> </a:t>
+            </a:r>
+            <a:r>
+              <a:rPr lang="en-US" b="1" dirty="0" err="1">
+                <a:solidFill>
+                  <a:srgbClr val="0070C0"/>
+                </a:solidFill>
+              </a:rPr>
+              <a:t>Específica</a:t>
+            </a:r>
+            <a:endParaRPr lang="en-US" b="1" dirty="0">
+              <a:solidFill>
+                <a:srgbClr val="0070C0"/>
+              </a:solidFill>
+            </a:endParaRPr>
+          </a:p>
+        </p:txBody>
+      </p:sp>
+      <p:sp>
+        <p:nvSpPr>
+          <p:cNvPr id="8" name="Text Placeholder 2"/>
+          <p:cNvSpPr>
+            <a:spLocks noGrp="1"/>
+          </p:cNvSpPr>
+          <p:nvPr>
+            <p:ph type="body" sz="half" idx="1"/>
+          </p:nvPr>
+        </p:nvSpPr>
+        <p:spPr>
+          <a:xfrm>
+            <a:off x="142865" y="1025339"/>
+            <a:ext cx="8865056" cy="3912181"/>
+          </a:xfrm>
+        </p:spPr>
+        <p:txBody>
+          <a:bodyPr>
+            <a:noAutofit/>
+          </a:bodyPr>
+          <a:lstStyle/>
+          <a:p>
+            <a:pPr marL="0" indent="0" algn="just">
+              <a:buNone/>
+            </a:pPr>
+            <a:r>
+              <a:rPr lang="pt-BR" sz="2200" dirty="0">
+                <a:latin typeface="Times New Roman" panose="02020603050405020304" pitchFamily="18" charset="0"/>
+                <a:cs typeface="Times New Roman" panose="02020603050405020304" pitchFamily="18" charset="0"/>
+              </a:rPr>
+              <a:t>[1] </a:t>
+            </a:r>
+            <a:r>
+              <a:rPr lang="en-US" sz="2200" b="1" dirty="0">
+                <a:latin typeface="Times New Roman" panose="02020603050405020304" pitchFamily="18" charset="0"/>
+                <a:cs typeface="Times New Roman" panose="02020603050405020304" pitchFamily="18" charset="0"/>
+              </a:rPr>
+              <a:t>An Introduction to Recurrence Relations</a:t>
+            </a:r>
+            <a:r>
+              <a:rPr lang="pt-BR" sz="2200" b="1" dirty="0">
+                <a:latin typeface="Times New Roman" panose="02020603050405020304" pitchFamily="18" charset="0"/>
+                <a:cs typeface="Times New Roman" panose="02020603050405020304" pitchFamily="18" charset="0"/>
+              </a:rPr>
+              <a:t>(</a:t>
+            </a:r>
+            <a:r>
+              <a:rPr lang="pt-BR" sz="2200" b="1" dirty="0">
+                <a:solidFill>
+                  <a:srgbClr val="FF0000"/>
+                </a:solidFill>
+                <a:latin typeface="Times New Roman" panose="02020603050405020304" pitchFamily="18" charset="0"/>
+                <a:cs typeface="Times New Roman" panose="02020603050405020304" pitchFamily="18" charset="0"/>
+              </a:rPr>
+              <a:t>em inglês</a:t>
+            </a:r>
+            <a:r>
+              <a:rPr lang="pt-BR" sz="2200" b="1" dirty="0">
+                <a:latin typeface="Times New Roman" panose="02020603050405020304" pitchFamily="18" charset="0"/>
+                <a:cs typeface="Times New Roman" panose="02020603050405020304" pitchFamily="18" charset="0"/>
+              </a:rPr>
+              <a:t>). </a:t>
+            </a:r>
+          </a:p>
+          <a:p>
+            <a:pPr marL="0" indent="0" algn="just">
+              <a:buNone/>
+            </a:pPr>
+            <a:r>
+              <a:rPr lang="pt-BR" sz="2200" b="1" dirty="0">
+                <a:solidFill>
+                  <a:srgbClr val="FF0000"/>
+                </a:solidFill>
+                <a:latin typeface="Times New Roman" panose="02020603050405020304" pitchFamily="18" charset="0"/>
+                <a:cs typeface="Times New Roman" panose="02020603050405020304" pitchFamily="18" charset="0"/>
+              </a:rPr>
+              <a:t>Disponível em: </a:t>
+            </a:r>
+          </a:p>
+          <a:p>
+            <a:pPr marL="0" indent="0" algn="just">
+              <a:buNone/>
+            </a:pPr>
+            <a:r>
+              <a:rPr lang="pt-BR" sz="2200" dirty="0">
+                <a:solidFill>
+                  <a:srgbClr val="FF0000"/>
+                </a:solidFill>
+                <a:latin typeface="Times New Roman" panose="02020603050405020304" pitchFamily="18" charset="0"/>
+                <a:cs typeface="Times New Roman" panose="02020603050405020304" pitchFamily="18" charset="0"/>
+                <a:hlinkClick r:id="rId3"/>
+              </a:rPr>
+              <a:t>https://opendsa-server.cs.vt.edu/ODSA/Books/CS3/html/RecurrenceIntro.html?utm_source=chatgpt.com</a:t>
+            </a:r>
+            <a:r>
+              <a:rPr lang="pt-BR" sz="2200" dirty="0">
+                <a:solidFill>
+                  <a:srgbClr val="FF0000"/>
+                </a:solidFill>
+                <a:latin typeface="Times New Roman" panose="02020603050405020304" pitchFamily="18" charset="0"/>
+                <a:cs typeface="Times New Roman" panose="02020603050405020304" pitchFamily="18" charset="0"/>
+              </a:rPr>
+              <a:t> </a:t>
+            </a:r>
+          </a:p>
+          <a:p>
+            <a:pPr marL="0" indent="0" algn="just">
+              <a:buNone/>
+            </a:pPr>
+            <a:endParaRPr lang="pt-BR" sz="2200" dirty="0">
+              <a:latin typeface="Times New Roman" panose="02020603050405020304" pitchFamily="18" charset="0"/>
+              <a:cs typeface="Times New Roman" panose="02020603050405020304" pitchFamily="18" charset="0"/>
+            </a:endParaRPr>
+          </a:p>
+          <a:p>
+            <a:pPr marL="0" indent="0" algn="just">
+              <a:buNone/>
+            </a:pPr>
+            <a:r>
+              <a:rPr lang="pt-BR" sz="2200" dirty="0">
+                <a:latin typeface="Times New Roman" panose="02020603050405020304" pitchFamily="18" charset="0"/>
+                <a:cs typeface="Times New Roman" panose="02020603050405020304" pitchFamily="18" charset="0"/>
+              </a:rPr>
+              <a:t>[2] </a:t>
+            </a:r>
+            <a:r>
+              <a:rPr lang="pt-BR" sz="2200" b="1" dirty="0">
+                <a:latin typeface="Times New Roman" panose="02020603050405020304" pitchFamily="18" charset="0"/>
+                <a:cs typeface="Times New Roman" panose="02020603050405020304" pitchFamily="18" charset="0"/>
+              </a:rPr>
+              <a:t>Recorrências: Conceitos e Aplicações.</a:t>
+            </a:r>
+            <a:r>
+              <a:rPr lang="pt-BR" sz="2200" dirty="0">
+                <a:latin typeface="Times New Roman" panose="02020603050405020304" pitchFamily="18" charset="0"/>
+                <a:cs typeface="Times New Roman" panose="02020603050405020304" pitchFamily="18" charset="0"/>
+              </a:rPr>
+              <a:t> </a:t>
+            </a:r>
+          </a:p>
+          <a:p>
+            <a:pPr marL="0" indent="0" algn="just">
+              <a:buNone/>
+            </a:pPr>
+            <a:r>
+              <a:rPr lang="pt-BR" sz="2200" b="1" dirty="0">
+                <a:solidFill>
+                  <a:srgbClr val="FF0000"/>
+                </a:solidFill>
+                <a:latin typeface="Times New Roman" panose="02020603050405020304" pitchFamily="18" charset="0"/>
+                <a:cs typeface="Times New Roman" panose="02020603050405020304" pitchFamily="18" charset="0"/>
+              </a:rPr>
+              <a:t>Disponível em:</a:t>
+            </a:r>
+          </a:p>
+          <a:p>
+            <a:pPr marL="0" indent="0" algn="just">
+              <a:buNone/>
+            </a:pPr>
+            <a:r>
+              <a:rPr lang="pt-BR" sz="2200" dirty="0">
+                <a:solidFill>
+                  <a:srgbClr val="FF0000"/>
+                </a:solidFill>
+                <a:latin typeface="Times New Roman" panose="02020603050405020304" pitchFamily="18" charset="0"/>
+                <a:cs typeface="Times New Roman" panose="02020603050405020304" pitchFamily="18" charset="0"/>
+                <a:hlinkClick r:id="rId4"/>
+              </a:rPr>
+              <a:t>https://repositorio.ufpb.br/jspui/bitstream/tede/7533/5/arquivototal.pdf?utm_source=chatgpt.com</a:t>
+            </a:r>
+            <a:endParaRPr lang="pt-BR" sz="2200" dirty="0">
+              <a:latin typeface="Times New Roman" panose="02020603050405020304" pitchFamily="18" charset="0"/>
+              <a:cs typeface="Times New Roman" panose="02020603050405020304" pitchFamily="18" charset="0"/>
+            </a:endParaRPr>
+          </a:p>
+        </p:txBody>
+      </p:sp>
+    </p:spTree>
+    <p:extLst>
+      <p:ext uri="{BB962C8B-B14F-4D97-AF65-F5344CB8AC3E}">
+        <p14:creationId xmlns:p14="http://schemas.microsoft.com/office/powerpoint/2010/main" val="3680270425"/>
+      </p:ext>
+    </p:extLst>
+  </p:cSld>
+  <p:clrMapOvr>
+    <a:masterClrMapping/>
+  </p:clrMapOvr>
+  <p:transition spd="med"/>
+</p:sld>
+</file>
+
+<file path=ppt/slides/slide12.xml><?xml version="1.0" encoding="utf-8"?>
+<p:sld xmlns:a="http://schemas.openxmlformats.org/drawingml/2006/main" xmlns:r="http://schemas.openxmlformats.org/officeDocument/2006/relationships" xmlns:p="http://schemas.openxmlformats.org/presentationml/2006/main">
+  <p:cSld>
+    <p:spTree>
+      <p:nvGrpSpPr>
+        <p:cNvPr id="1" name=""/>
+        <p:cNvGrpSpPr/>
+        <p:nvPr/>
+      </p:nvGrpSpPr>
+      <p:grpSpPr>
+        <a:xfrm>
+          <a:off x="0" y="0"/>
+          <a:ext cx="0" cy="0"/>
+          <a:chOff x="0" y="0"/>
+          <a:chExt cx="0" cy="0"/>
+        </a:xfrm>
+      </p:grpSpPr>
+      <p:sp>
+        <p:nvSpPr>
+          <p:cNvPr id="6" name="Title 1"/>
+          <p:cNvSpPr>
+            <a:spLocks noGrp="1"/>
+          </p:cNvSpPr>
+          <p:nvPr>
+            <p:ph type="title"/>
+          </p:nvPr>
+        </p:nvSpPr>
+        <p:spPr>
+          <a:xfrm>
+            <a:off x="457200" y="205980"/>
+            <a:ext cx="8229600" cy="857251"/>
+          </a:xfrm>
+        </p:spPr>
+        <p:txBody>
+          <a:bodyPr>
+            <a:normAutofit/>
+          </a:bodyPr>
+          <a:lstStyle/>
+          <a:p>
+            <a:r>
+              <a:rPr lang="en-US" b="1" dirty="0" err="1">
+                <a:solidFill>
+                  <a:srgbClr val="0070C0"/>
+                </a:solidFill>
+              </a:rPr>
+              <a:t>Aprenda</a:t>
+            </a:r>
+            <a:r>
+              <a:rPr lang="en-US" b="1" dirty="0">
+                <a:solidFill>
+                  <a:srgbClr val="0070C0"/>
+                </a:solidFill>
+              </a:rPr>
+              <a:t>+</a:t>
+            </a:r>
+          </a:p>
+        </p:txBody>
+      </p:sp>
+      <p:sp>
+        <p:nvSpPr>
+          <p:cNvPr id="8" name="Text Placeholder 2"/>
+          <p:cNvSpPr>
+            <a:spLocks noGrp="1"/>
+          </p:cNvSpPr>
+          <p:nvPr>
+            <p:ph type="body" sz="half" idx="1"/>
+          </p:nvPr>
+        </p:nvSpPr>
+        <p:spPr>
+          <a:xfrm>
+            <a:off x="142865" y="1200150"/>
+            <a:ext cx="8865056" cy="3737370"/>
+          </a:xfrm>
+        </p:spPr>
+        <p:txBody>
+          <a:bodyPr>
+            <a:noAutofit/>
+          </a:bodyPr>
+          <a:lstStyle/>
+          <a:p>
+            <a:pPr marL="0" indent="0" algn="just">
+              <a:buNone/>
+            </a:pPr>
+            <a:r>
+              <a:rPr lang="pt-BR" sz="2200" dirty="0">
+                <a:latin typeface="Times New Roman" panose="02020603050405020304" pitchFamily="18" charset="0"/>
+                <a:cs typeface="Times New Roman" panose="02020603050405020304" pitchFamily="18" charset="0"/>
+              </a:rPr>
+              <a:t>[1] </a:t>
+            </a:r>
+            <a:r>
+              <a:rPr lang="pt-BR" sz="2200" b="1" dirty="0">
+                <a:latin typeface="Times New Roman" panose="02020603050405020304" pitchFamily="18" charset="0"/>
+                <a:cs typeface="Times New Roman" panose="02020603050405020304" pitchFamily="18" charset="0"/>
+              </a:rPr>
+              <a:t>Teorema Mestre / recorrências</a:t>
+            </a:r>
+            <a:endParaRPr lang="pt-BR" sz="2200" dirty="0">
+              <a:latin typeface="Times New Roman" panose="02020603050405020304" pitchFamily="18" charset="0"/>
+              <a:cs typeface="Times New Roman" panose="02020603050405020304" pitchFamily="18" charset="0"/>
+            </a:endParaRPr>
+          </a:p>
+          <a:p>
+            <a:pPr marL="0" indent="0" algn="just">
+              <a:buNone/>
+            </a:pPr>
+            <a:r>
+              <a:rPr lang="pt-BR" sz="2200" b="1" dirty="0">
+                <a:solidFill>
+                  <a:srgbClr val="FF0000"/>
+                </a:solidFill>
+                <a:latin typeface="Times New Roman" panose="02020603050405020304" pitchFamily="18" charset="0"/>
+                <a:cs typeface="Times New Roman" panose="02020603050405020304" pitchFamily="18" charset="0"/>
+              </a:rPr>
+              <a:t>Disponível em: </a:t>
+            </a:r>
+            <a:r>
+              <a:rPr lang="pt-BR" sz="2200" dirty="0">
+                <a:latin typeface="Times New Roman" panose="02020603050405020304" pitchFamily="18" charset="0"/>
+                <a:cs typeface="Times New Roman" panose="02020603050405020304" pitchFamily="18" charset="0"/>
+                <a:hlinkClick r:id="rId3"/>
+              </a:rPr>
+              <a:t>https://youtu.be/6FcHxGcZnIQ</a:t>
+            </a:r>
+            <a:r>
+              <a:rPr lang="pt-BR" sz="2200" dirty="0">
+                <a:latin typeface="Times New Roman" panose="02020603050405020304" pitchFamily="18" charset="0"/>
+                <a:cs typeface="Times New Roman" panose="02020603050405020304" pitchFamily="18" charset="0"/>
+              </a:rPr>
+              <a:t> </a:t>
+            </a:r>
+          </a:p>
+          <a:p>
+            <a:pPr marL="0" indent="0" algn="just">
+              <a:buNone/>
+            </a:pPr>
+            <a:r>
+              <a:rPr lang="pt-BR" sz="2200" dirty="0">
+                <a:latin typeface="Times New Roman" panose="02020603050405020304" pitchFamily="18" charset="0"/>
+                <a:cs typeface="Times New Roman" panose="02020603050405020304" pitchFamily="18" charset="0"/>
+              </a:rPr>
+              <a:t>[2] </a:t>
+            </a:r>
+            <a:r>
+              <a:rPr lang="pt-BR" sz="2200" b="1" dirty="0">
+                <a:latin typeface="Times New Roman" panose="02020603050405020304" pitchFamily="18" charset="0"/>
+                <a:cs typeface="Times New Roman" panose="02020603050405020304" pitchFamily="18" charset="0"/>
+              </a:rPr>
+              <a:t>Teorema Mestre</a:t>
+            </a:r>
+          </a:p>
+          <a:p>
+            <a:pPr marL="0" indent="0" algn="just">
+              <a:buNone/>
+            </a:pPr>
+            <a:r>
+              <a:rPr lang="pt-BR" sz="2200" b="1" dirty="0">
+                <a:solidFill>
+                  <a:srgbClr val="FF0000"/>
+                </a:solidFill>
+                <a:latin typeface="Times New Roman" panose="02020603050405020304" pitchFamily="18" charset="0"/>
+                <a:cs typeface="Times New Roman" panose="02020603050405020304" pitchFamily="18" charset="0"/>
+              </a:rPr>
+              <a:t>Disponível em: </a:t>
+            </a:r>
+            <a:r>
+              <a:rPr lang="pt-BR" sz="2200" dirty="0">
+                <a:latin typeface="Times New Roman" panose="02020603050405020304" pitchFamily="18" charset="0"/>
+                <a:cs typeface="Times New Roman" panose="02020603050405020304" pitchFamily="18" charset="0"/>
+                <a:hlinkClick r:id="rId4"/>
+              </a:rPr>
+              <a:t>https://youtu.be/EZzXpzBUpmw</a:t>
+            </a:r>
+            <a:r>
+              <a:rPr lang="pt-BR" sz="2200" dirty="0">
+                <a:latin typeface="Times New Roman" panose="02020603050405020304" pitchFamily="18" charset="0"/>
+                <a:cs typeface="Times New Roman" panose="02020603050405020304" pitchFamily="18" charset="0"/>
+              </a:rPr>
+              <a:t> </a:t>
+            </a:r>
+          </a:p>
+          <a:p>
+            <a:pPr marL="0" indent="0" algn="just">
+              <a:buNone/>
+            </a:pPr>
+            <a:r>
+              <a:rPr lang="pt-BR" sz="2200" dirty="0">
+                <a:latin typeface="Times New Roman" panose="02020603050405020304" pitchFamily="18" charset="0"/>
+                <a:cs typeface="Times New Roman" panose="02020603050405020304" pitchFamily="18" charset="0"/>
+              </a:rPr>
+              <a:t>[3] </a:t>
+            </a:r>
+            <a:r>
+              <a:rPr lang="pt-BR" sz="2200" b="1" dirty="0">
+                <a:latin typeface="Times New Roman" panose="02020603050405020304" pitchFamily="18" charset="0"/>
+                <a:cs typeface="Times New Roman" panose="02020603050405020304" pitchFamily="18" charset="0"/>
+              </a:rPr>
+              <a:t>Aula 11 - Teorema Mestre (Parte 01)</a:t>
+            </a:r>
+          </a:p>
+          <a:p>
+            <a:pPr marL="0" indent="0" algn="just">
+              <a:buNone/>
+            </a:pPr>
+            <a:r>
+              <a:rPr lang="pt-BR" sz="2200" b="1" dirty="0">
+                <a:solidFill>
+                  <a:srgbClr val="FF0000"/>
+                </a:solidFill>
+                <a:latin typeface="Times New Roman" panose="02020603050405020304" pitchFamily="18" charset="0"/>
+                <a:cs typeface="Times New Roman" panose="02020603050405020304" pitchFamily="18" charset="0"/>
+              </a:rPr>
+              <a:t>Disponível em:</a:t>
+            </a:r>
+            <a:r>
+              <a:rPr lang="pt-BR" sz="2200" dirty="0">
+                <a:latin typeface="Times New Roman" panose="02020603050405020304" pitchFamily="18" charset="0"/>
+                <a:cs typeface="Times New Roman" panose="02020603050405020304" pitchFamily="18" charset="0"/>
+              </a:rPr>
+              <a:t> </a:t>
+            </a:r>
+            <a:r>
+              <a:rPr lang="pt-BR" sz="2200" dirty="0">
+                <a:latin typeface="Times New Roman" panose="02020603050405020304" pitchFamily="18" charset="0"/>
+                <a:cs typeface="Times New Roman" panose="02020603050405020304" pitchFamily="18" charset="0"/>
+                <a:hlinkClick r:id="rId5"/>
+              </a:rPr>
+              <a:t>https://youtu.be/XWAkJsN_MuY</a:t>
+            </a:r>
+            <a:r>
+              <a:rPr lang="pt-BR" sz="2200" dirty="0">
+                <a:latin typeface="Times New Roman" panose="02020603050405020304" pitchFamily="18" charset="0"/>
+                <a:cs typeface="Times New Roman" panose="02020603050405020304" pitchFamily="18" charset="0"/>
+              </a:rPr>
+              <a:t> </a:t>
+            </a:r>
+          </a:p>
+          <a:p>
+            <a:pPr marL="0" indent="0" algn="just">
+              <a:buNone/>
+            </a:pPr>
+            <a:r>
+              <a:rPr lang="pt-BR" sz="2200" dirty="0">
+                <a:latin typeface="Times New Roman" panose="02020603050405020304" pitchFamily="18" charset="0"/>
+                <a:cs typeface="Times New Roman" panose="02020603050405020304" pitchFamily="18" charset="0"/>
+              </a:rPr>
+              <a:t>[4] </a:t>
+            </a:r>
+            <a:r>
+              <a:rPr lang="pt-BR" sz="2200" b="1" dirty="0">
+                <a:latin typeface="Times New Roman" panose="02020603050405020304" pitchFamily="18" charset="0"/>
+                <a:cs typeface="Times New Roman" panose="02020603050405020304" pitchFamily="18" charset="0"/>
+              </a:rPr>
+              <a:t>Aula 08: Resolução de Recorrências - Teorema Mestre</a:t>
+            </a:r>
+          </a:p>
+          <a:p>
+            <a:pPr marL="0" indent="0" algn="just">
+              <a:buNone/>
+            </a:pPr>
+            <a:r>
+              <a:rPr lang="pt-BR" sz="2200" b="1" dirty="0">
+                <a:solidFill>
+                  <a:srgbClr val="FF0000"/>
+                </a:solidFill>
+                <a:latin typeface="Times New Roman" panose="02020603050405020304" pitchFamily="18" charset="0"/>
+                <a:cs typeface="Times New Roman" panose="02020603050405020304" pitchFamily="18" charset="0"/>
+              </a:rPr>
+              <a:t>Disponível em:</a:t>
+            </a:r>
+            <a:r>
+              <a:rPr lang="pt-BR" sz="2200" dirty="0">
+                <a:latin typeface="Times New Roman" panose="02020603050405020304" pitchFamily="18" charset="0"/>
+                <a:cs typeface="Times New Roman" panose="02020603050405020304" pitchFamily="18" charset="0"/>
+              </a:rPr>
+              <a:t> </a:t>
+            </a:r>
+            <a:r>
+              <a:rPr lang="pt-BR" sz="2200" dirty="0">
+                <a:latin typeface="Times New Roman" panose="02020603050405020304" pitchFamily="18" charset="0"/>
+                <a:cs typeface="Times New Roman" panose="02020603050405020304" pitchFamily="18" charset="0"/>
+                <a:hlinkClick r:id="rId6"/>
+              </a:rPr>
+              <a:t>https://youtu.be/bNuROOivJRU</a:t>
+            </a:r>
+            <a:endParaRPr lang="pt-BR" sz="2200" dirty="0">
+              <a:latin typeface="Times New Roman" panose="02020603050405020304" pitchFamily="18" charset="0"/>
+              <a:cs typeface="Times New Roman" panose="02020603050405020304" pitchFamily="18" charset="0"/>
+            </a:endParaRPr>
+          </a:p>
+        </p:txBody>
+      </p:sp>
+    </p:spTree>
+    <p:extLst>
+      <p:ext uri="{BB962C8B-B14F-4D97-AF65-F5344CB8AC3E}">
+        <p14:creationId xmlns:p14="http://schemas.microsoft.com/office/powerpoint/2010/main" val="2747596967"/>
+      </p:ext>
+    </p:extLst>
+  </p:cSld>
+  <p:clrMapOvr>
+    <a:masterClrMapping/>
+  </p:clrMapOvr>
+  <p:transition spd="med"/>
+</p:sld>
+</file>
+
+<file path=ppt/slides/slide13.xml><?xml version="1.0" encoding="utf-8"?>
+<p:sld xmlns:a="http://schemas.openxmlformats.org/drawingml/2006/main" xmlns:r="http://schemas.openxmlformats.org/officeDocument/2006/relationships" xmlns:p="http://schemas.openxmlformats.org/presentationml/2006/main">
+  <p:cSld>
+    <p:spTree>
+      <p:nvGrpSpPr>
+        <p:cNvPr id="1" name=""/>
+        <p:cNvGrpSpPr/>
+        <p:nvPr/>
+      </p:nvGrpSpPr>
+      <p:grpSpPr>
+        <a:xfrm>
+          <a:off x="0" y="0"/>
+          <a:ext cx="0" cy="0"/>
+          <a:chOff x="0" y="0"/>
+          <a:chExt cx="0" cy="0"/>
+        </a:xfrm>
+      </p:grpSpPr>
+      <p:sp>
+        <p:nvSpPr>
+          <p:cNvPr id="6" name="Title 1"/>
+          <p:cNvSpPr>
+            <a:spLocks noGrp="1"/>
+          </p:cNvSpPr>
+          <p:nvPr>
+            <p:ph type="title"/>
+          </p:nvPr>
+        </p:nvSpPr>
+        <p:spPr>
+          <a:xfrm>
+            <a:off x="457200" y="205980"/>
+            <a:ext cx="8229600" cy="857251"/>
+          </a:xfrm>
+        </p:spPr>
+        <p:txBody>
+          <a:bodyPr>
+            <a:normAutofit/>
+          </a:bodyPr>
+          <a:lstStyle/>
+          <a:p>
+            <a:r>
+              <a:rPr lang="en-US" b="1" dirty="0" err="1">
+                <a:solidFill>
+                  <a:srgbClr val="0070C0"/>
+                </a:solidFill>
+              </a:rPr>
+              <a:t>Dinâmica</a:t>
+            </a:r>
+            <a:r>
+              <a:rPr lang="en-US" b="1" dirty="0">
+                <a:solidFill>
+                  <a:srgbClr val="0070C0"/>
+                </a:solidFill>
+              </a:rPr>
+              <a:t>: Grupo de 3 </a:t>
+            </a:r>
+            <a:r>
+              <a:rPr lang="en-US" b="1" dirty="0" err="1">
+                <a:solidFill>
+                  <a:srgbClr val="0070C0"/>
+                </a:solidFill>
+              </a:rPr>
+              <a:t>ou</a:t>
+            </a:r>
+            <a:r>
+              <a:rPr lang="en-US" b="1" dirty="0">
+                <a:solidFill>
+                  <a:srgbClr val="0070C0"/>
+                </a:solidFill>
+              </a:rPr>
+              <a:t> 4</a:t>
+            </a:r>
+          </a:p>
+        </p:txBody>
+      </p:sp>
+      <p:sp>
+        <p:nvSpPr>
+          <p:cNvPr id="8" name="Text Placeholder 2"/>
+          <p:cNvSpPr>
+            <a:spLocks noGrp="1"/>
+          </p:cNvSpPr>
+          <p:nvPr>
+            <p:ph type="body" sz="half" idx="1"/>
+          </p:nvPr>
+        </p:nvSpPr>
+        <p:spPr>
+          <a:xfrm>
+            <a:off x="139472" y="1063230"/>
+            <a:ext cx="8865056" cy="3606305"/>
+          </a:xfrm>
+        </p:spPr>
+        <p:txBody>
+          <a:bodyPr>
+            <a:noAutofit/>
+          </a:bodyPr>
+          <a:lstStyle/>
+          <a:p>
+            <a:pPr marL="0" lvl="0" indent="0" algn="just">
+              <a:buNone/>
+            </a:pPr>
+            <a:r>
+              <a:rPr lang="pt-BR" sz="2000" dirty="0">
+                <a:latin typeface="Times New Roman" panose="02020603050405020304" pitchFamily="18" charset="0"/>
+                <a:cs typeface="Times New Roman" panose="02020603050405020304" pitchFamily="18" charset="0"/>
+              </a:rPr>
+              <a:t>Pesquisar um </a:t>
+            </a:r>
+            <a:r>
+              <a:rPr lang="pt-BR" sz="2000" b="1" dirty="0">
+                <a:latin typeface="Times New Roman" panose="02020603050405020304" pitchFamily="18" charset="0"/>
+                <a:cs typeface="Times New Roman" panose="02020603050405020304" pitchFamily="18" charset="0"/>
+              </a:rPr>
+              <a:t>pseudocódigo</a:t>
+            </a:r>
+            <a:r>
+              <a:rPr lang="pt-BR" sz="2000" dirty="0">
+                <a:latin typeface="Times New Roman" panose="02020603050405020304" pitchFamily="18" charset="0"/>
+                <a:cs typeface="Times New Roman" panose="02020603050405020304" pitchFamily="18" charset="0"/>
+              </a:rPr>
+              <a:t> de </a:t>
+            </a:r>
+            <a:r>
+              <a:rPr lang="pt-BR" sz="2000" b="1" dirty="0">
+                <a:solidFill>
+                  <a:srgbClr val="FF0000"/>
+                </a:solidFill>
+                <a:latin typeface="Times New Roman" panose="02020603050405020304" pitchFamily="18" charset="0"/>
+                <a:cs typeface="Times New Roman" panose="02020603050405020304" pitchFamily="18" charset="0"/>
+              </a:rPr>
+              <a:t>algoritmo recursivo </a:t>
+            </a:r>
+            <a:r>
+              <a:rPr lang="pt-BR" sz="2000" dirty="0">
+                <a:latin typeface="Times New Roman" panose="02020603050405020304" pitchFamily="18" charset="0"/>
+                <a:cs typeface="Times New Roman" panose="02020603050405020304" pitchFamily="18" charset="0"/>
+              </a:rPr>
+              <a:t>(</a:t>
+            </a:r>
+            <a:r>
+              <a:rPr lang="pt-BR" sz="2000" dirty="0" err="1">
+                <a:latin typeface="Times New Roman" panose="02020603050405020304" pitchFamily="18" charset="0"/>
+                <a:cs typeface="Times New Roman" panose="02020603050405020304" pitchFamily="18" charset="0"/>
+              </a:rPr>
+              <a:t>ex</a:t>
+            </a:r>
+            <a:r>
+              <a:rPr lang="pt-BR" sz="2000" dirty="0">
+                <a:latin typeface="Times New Roman" panose="02020603050405020304" pitchFamily="18" charset="0"/>
+                <a:cs typeface="Times New Roman" panose="02020603050405020304" pitchFamily="18" charset="0"/>
+              </a:rPr>
+              <a:t>: </a:t>
+            </a:r>
+            <a:r>
+              <a:rPr lang="pt-BR" sz="2000" b="1" dirty="0">
+                <a:latin typeface="Times New Roman" panose="02020603050405020304" pitchFamily="18" charset="0"/>
+                <a:cs typeface="Times New Roman" panose="02020603050405020304" pitchFamily="18" charset="0"/>
+              </a:rPr>
+              <a:t>Fatorial, Merge </a:t>
+            </a:r>
+            <a:r>
+              <a:rPr lang="pt-BR" sz="2000" b="1" dirty="0" err="1">
+                <a:latin typeface="Times New Roman" panose="02020603050405020304" pitchFamily="18" charset="0"/>
+                <a:cs typeface="Times New Roman" panose="02020603050405020304" pitchFamily="18" charset="0"/>
+              </a:rPr>
+              <a:t>Sort</a:t>
+            </a:r>
+            <a:r>
+              <a:rPr lang="pt-BR" sz="2000" b="1" dirty="0">
+                <a:latin typeface="Times New Roman" panose="02020603050405020304" pitchFamily="18" charset="0"/>
+                <a:cs typeface="Times New Roman" panose="02020603050405020304" pitchFamily="18" charset="0"/>
+              </a:rPr>
+              <a:t>, Pesquisa Binária, Torre de Hanói, </a:t>
+            </a:r>
+            <a:r>
+              <a:rPr lang="pt-BR" sz="2000" b="1" dirty="0" err="1">
+                <a:latin typeface="Times New Roman" panose="02020603050405020304" pitchFamily="18" charset="0"/>
+                <a:cs typeface="Times New Roman" panose="02020603050405020304" pitchFamily="18" charset="0"/>
+              </a:rPr>
+              <a:t>etc</a:t>
+            </a:r>
+            <a:r>
+              <a:rPr lang="pt-BR" sz="2000" dirty="0">
+                <a:latin typeface="Times New Roman" panose="02020603050405020304" pitchFamily="18" charset="0"/>
+                <a:cs typeface="Times New Roman" panose="02020603050405020304" pitchFamily="18" charset="0"/>
+              </a:rPr>
+              <a:t>).</a:t>
+            </a:r>
+          </a:p>
+          <a:p>
+            <a:pPr marL="0" lvl="0" indent="0">
+              <a:buNone/>
+            </a:pPr>
+            <a:endParaRPr lang="pt-BR" sz="2000" dirty="0">
+              <a:latin typeface="Times New Roman" panose="02020603050405020304" pitchFamily="18" charset="0"/>
+              <a:cs typeface="Times New Roman" panose="02020603050405020304" pitchFamily="18" charset="0"/>
+            </a:endParaRPr>
+          </a:p>
+          <a:p>
+            <a:pPr marL="0" lvl="0" indent="0">
+              <a:buNone/>
+            </a:pPr>
+            <a:r>
+              <a:rPr lang="pt-BR" sz="2000" b="1" dirty="0">
+                <a:solidFill>
+                  <a:srgbClr val="FF0000"/>
+                </a:solidFill>
+                <a:latin typeface="Times New Roman" panose="02020603050405020304" pitchFamily="18" charset="0"/>
+                <a:cs typeface="Times New Roman" panose="02020603050405020304" pitchFamily="18" charset="0"/>
+              </a:rPr>
+              <a:t>O grupo deverá</a:t>
+            </a:r>
+            <a:r>
+              <a:rPr lang="pt-BR" sz="2000" dirty="0">
+                <a:latin typeface="Times New Roman" panose="02020603050405020304" pitchFamily="18" charset="0"/>
+                <a:cs typeface="Times New Roman" panose="02020603050405020304" pitchFamily="18" charset="0"/>
+              </a:rPr>
+              <a:t>:</a:t>
+            </a:r>
+          </a:p>
+          <a:p>
+            <a:pPr lvl="1">
+              <a:buFont typeface="Wingdings" panose="05000000000000000000" pitchFamily="2" charset="2"/>
+              <a:buChar char="§"/>
+            </a:pPr>
+            <a:r>
+              <a:rPr lang="pt-BR" sz="2000" dirty="0">
+                <a:latin typeface="Times New Roman" panose="02020603050405020304" pitchFamily="18" charset="0"/>
+                <a:cs typeface="Times New Roman" panose="02020603050405020304" pitchFamily="18" charset="0"/>
+              </a:rPr>
+              <a:t>Identificar a </a:t>
+            </a:r>
+            <a:r>
+              <a:rPr lang="pt-BR" sz="2000" b="1" dirty="0">
+                <a:latin typeface="Times New Roman" panose="02020603050405020304" pitchFamily="18" charset="0"/>
+                <a:cs typeface="Times New Roman" panose="02020603050405020304" pitchFamily="18" charset="0"/>
+              </a:rPr>
+              <a:t>equação de recorrência </a:t>
+            </a:r>
+            <a:r>
+              <a:rPr lang="pt-BR" sz="2000" dirty="0">
+                <a:latin typeface="Times New Roman" panose="02020603050405020304" pitchFamily="18" charset="0"/>
+                <a:cs typeface="Times New Roman" panose="02020603050405020304" pitchFamily="18" charset="0"/>
+              </a:rPr>
+              <a:t>correspondente;</a:t>
+            </a:r>
+          </a:p>
+          <a:p>
+            <a:pPr lvl="1">
+              <a:buFont typeface="Wingdings" panose="05000000000000000000" pitchFamily="2" charset="2"/>
+              <a:buChar char="§"/>
+            </a:pPr>
+            <a:r>
+              <a:rPr lang="pt-BR" sz="2000" dirty="0">
+                <a:latin typeface="Times New Roman" panose="02020603050405020304" pitchFamily="18" charset="0"/>
+                <a:cs typeface="Times New Roman" panose="02020603050405020304" pitchFamily="18" charset="0"/>
+              </a:rPr>
+              <a:t>Resolver ou simplificar a equação (</a:t>
+            </a:r>
+            <a:r>
+              <a:rPr lang="pt-BR" sz="2000" b="1" dirty="0">
+                <a:latin typeface="Times New Roman" panose="02020603050405020304" pitchFamily="18" charset="0"/>
+                <a:cs typeface="Times New Roman" panose="02020603050405020304" pitchFamily="18" charset="0"/>
+              </a:rPr>
+              <a:t>usando expansão </a:t>
+            </a:r>
+            <a:r>
+              <a:rPr lang="pt-BR" sz="2000" dirty="0">
+                <a:latin typeface="Times New Roman" panose="02020603050405020304" pitchFamily="18" charset="0"/>
+                <a:cs typeface="Times New Roman" panose="02020603050405020304" pitchFamily="18" charset="0"/>
+              </a:rPr>
+              <a:t>ou </a:t>
+            </a:r>
+            <a:r>
+              <a:rPr lang="pt-BR" sz="2000" b="1" dirty="0">
+                <a:solidFill>
+                  <a:srgbClr val="FF0000"/>
+                </a:solidFill>
+                <a:latin typeface="Times New Roman" panose="02020603050405020304" pitchFamily="18" charset="0"/>
+                <a:cs typeface="Times New Roman" panose="02020603050405020304" pitchFamily="18" charset="0"/>
+              </a:rPr>
+              <a:t>Teorema Mestre</a:t>
+            </a:r>
+            <a:r>
+              <a:rPr lang="pt-BR" sz="2000" dirty="0">
+                <a:latin typeface="Times New Roman" panose="02020603050405020304" pitchFamily="18" charset="0"/>
+                <a:cs typeface="Times New Roman" panose="02020603050405020304" pitchFamily="18" charset="0"/>
+              </a:rPr>
+              <a:t>);</a:t>
+            </a:r>
+          </a:p>
+          <a:p>
+            <a:pPr lvl="1">
+              <a:buFont typeface="Wingdings" panose="05000000000000000000" pitchFamily="2" charset="2"/>
+              <a:buChar char="§"/>
+            </a:pPr>
+            <a:r>
+              <a:rPr lang="pt-BR" sz="2000" dirty="0">
+                <a:latin typeface="Times New Roman" panose="02020603050405020304" pitchFamily="18" charset="0"/>
+                <a:cs typeface="Times New Roman" panose="02020603050405020304" pitchFamily="18" charset="0"/>
+              </a:rPr>
+              <a:t>Apresentar a </a:t>
+            </a:r>
+            <a:r>
+              <a:rPr lang="pt-BR" sz="2000" b="1" dirty="0">
+                <a:latin typeface="Times New Roman" panose="02020603050405020304" pitchFamily="18" charset="0"/>
+                <a:cs typeface="Times New Roman" panose="02020603050405020304" pitchFamily="18" charset="0"/>
+              </a:rPr>
+              <a:t>complexidade assintótica final</a:t>
+            </a:r>
+            <a:r>
+              <a:rPr lang="pt-BR" sz="2000" dirty="0">
+                <a:latin typeface="Times New Roman" panose="02020603050405020304" pitchFamily="18" charset="0"/>
+                <a:cs typeface="Times New Roman" panose="02020603050405020304" pitchFamily="18" charset="0"/>
+              </a:rPr>
+              <a:t>.</a:t>
+            </a:r>
+          </a:p>
+          <a:p>
+            <a:pPr lvl="1">
+              <a:buFont typeface="Wingdings" panose="05000000000000000000" pitchFamily="2" charset="2"/>
+              <a:buChar char="§"/>
+            </a:pPr>
+            <a:r>
+              <a:rPr lang="pt-BR" sz="2000" dirty="0">
+                <a:latin typeface="Times New Roman" panose="02020603050405020304" pitchFamily="18" charset="0"/>
+                <a:cs typeface="Times New Roman" panose="02020603050405020304" pitchFamily="18" charset="0"/>
+              </a:rPr>
+              <a:t>Cada grupo apresenta sua solução em até </a:t>
+            </a:r>
+            <a:r>
+              <a:rPr lang="pt-BR" sz="2000" b="1" dirty="0">
+                <a:latin typeface="Times New Roman" panose="02020603050405020304" pitchFamily="18" charset="0"/>
+                <a:cs typeface="Times New Roman" panose="02020603050405020304" pitchFamily="18" charset="0"/>
+              </a:rPr>
+              <a:t>5 minutos</a:t>
+            </a:r>
+            <a:r>
+              <a:rPr lang="pt-BR" sz="2000" dirty="0">
+                <a:latin typeface="Times New Roman" panose="02020603050405020304" pitchFamily="18" charset="0"/>
+                <a:cs typeface="Times New Roman" panose="02020603050405020304" pitchFamily="18" charset="0"/>
+              </a:rPr>
+              <a:t>.</a:t>
+            </a:r>
+          </a:p>
+        </p:txBody>
+      </p:sp>
+    </p:spTree>
+    <p:extLst>
+      <p:ext uri="{BB962C8B-B14F-4D97-AF65-F5344CB8AC3E}">
+        <p14:creationId xmlns:p14="http://schemas.microsoft.com/office/powerpoint/2010/main" val="2470652989"/>
+      </p:ext>
+    </p:extLst>
+  </p:cSld>
+  <p:clrMapOvr>
+    <a:masterClrMapping/>
+  </p:clrMapOvr>
+  <p:transition spd="med"/>
+</p:sld>
+</file>
+
+<file path=ppt/slides/slide14.xml><?xml version="1.0" encoding="utf-8"?>
+<p:sld xmlns:a="http://schemas.openxmlformats.org/drawingml/2006/main" xmlns:r="http://schemas.openxmlformats.org/officeDocument/2006/relationships" xmlns:p="http://schemas.openxmlformats.org/presentationml/2006/main">
+  <p:cSld>
+    <p:spTree>
+      <p:nvGrpSpPr>
+        <p:cNvPr id="1" name=""/>
+        <p:cNvGrpSpPr/>
+        <p:nvPr/>
+      </p:nvGrpSpPr>
+      <p:grpSpPr>
+        <a:xfrm>
+          <a:off x="0" y="0"/>
+          <a:ext cx="0" cy="0"/>
+          <a:chOff x="0" y="0"/>
+          <a:chExt cx="0" cy="0"/>
+        </a:xfrm>
+      </p:grpSpPr>
+      <p:sp>
+        <p:nvSpPr>
+          <p:cNvPr id="6" name="Title 1"/>
+          <p:cNvSpPr>
+            <a:spLocks noGrp="1"/>
+          </p:cNvSpPr>
+          <p:nvPr>
+            <p:ph type="title"/>
+          </p:nvPr>
+        </p:nvSpPr>
+        <p:spPr>
+          <a:xfrm>
+            <a:off x="457200" y="205980"/>
+            <a:ext cx="8229600" cy="857251"/>
+          </a:xfrm>
+        </p:spPr>
+        <p:txBody>
+          <a:bodyPr>
+            <a:normAutofit/>
+          </a:bodyPr>
+          <a:lstStyle/>
+          <a:p>
+            <a:r>
+              <a:rPr lang="en-US" b="1" dirty="0" err="1">
+                <a:solidFill>
+                  <a:srgbClr val="0070C0"/>
+                </a:solidFill>
+              </a:rPr>
+              <a:t>Referências</a:t>
+            </a:r>
+            <a:r>
+              <a:rPr lang="en-US" b="1" dirty="0">
+                <a:solidFill>
+                  <a:srgbClr val="0070C0"/>
+                </a:solidFill>
+              </a:rPr>
+              <a:t> </a:t>
+            </a:r>
+            <a:r>
+              <a:rPr lang="en-US" b="1" dirty="0" err="1">
+                <a:solidFill>
+                  <a:srgbClr val="0070C0"/>
+                </a:solidFill>
+              </a:rPr>
+              <a:t>Bibliográficas</a:t>
+            </a:r>
+            <a:endParaRPr lang="en-US" b="1" dirty="0">
+              <a:solidFill>
+                <a:srgbClr val="0070C0"/>
+              </a:solidFill>
+            </a:endParaRPr>
+          </a:p>
+        </p:txBody>
+      </p:sp>
+      <p:sp>
+        <p:nvSpPr>
+          <p:cNvPr id="8" name="Text Placeholder 2"/>
+          <p:cNvSpPr>
+            <a:spLocks noGrp="1"/>
+          </p:cNvSpPr>
+          <p:nvPr>
+            <p:ph type="body" sz="half" idx="1"/>
+          </p:nvPr>
+        </p:nvSpPr>
+        <p:spPr>
+          <a:xfrm>
+            <a:off x="142865" y="1200151"/>
+            <a:ext cx="8865056" cy="3394472"/>
+          </a:xfrm>
+        </p:spPr>
+        <p:txBody>
+          <a:bodyPr>
+            <a:noAutofit/>
+          </a:bodyPr>
+          <a:lstStyle/>
+          <a:p>
+            <a:pPr marL="0" indent="0">
+              <a:buNone/>
+            </a:pPr>
+            <a:endParaRPr lang="pt-BR" sz="2400" dirty="0">
+              <a:latin typeface="Times New Roman" panose="02020603050405020304" pitchFamily="18" charset="0"/>
+              <a:cs typeface="Times New Roman" panose="02020603050405020304" pitchFamily="18" charset="0"/>
+            </a:endParaRPr>
+          </a:p>
+          <a:p>
+            <a:pPr marL="0" indent="0">
+              <a:buNone/>
+            </a:pPr>
+            <a:r>
+              <a:rPr lang="pt-BR" sz="2400" dirty="0">
+                <a:latin typeface="Times New Roman" panose="02020603050405020304" pitchFamily="18" charset="0"/>
+                <a:cs typeface="Times New Roman" panose="02020603050405020304" pitchFamily="18" charset="0"/>
+              </a:rPr>
+              <a:t>[1] </a:t>
+            </a:r>
+            <a:r>
+              <a:rPr lang="pt-BR" sz="2400" b="1" dirty="0">
+                <a:latin typeface="Times New Roman" panose="02020603050405020304" pitchFamily="18" charset="0"/>
+                <a:cs typeface="Times New Roman" panose="02020603050405020304" pitchFamily="18" charset="0"/>
+              </a:rPr>
+              <a:t>CORMEN, Thomas H. </a:t>
+            </a:r>
+            <a:r>
+              <a:rPr lang="pt-BR" sz="2400" b="1" i="1" dirty="0">
+                <a:latin typeface="Times New Roman" panose="02020603050405020304" pitchFamily="18" charset="0"/>
+                <a:cs typeface="Times New Roman" panose="02020603050405020304" pitchFamily="18" charset="0"/>
+              </a:rPr>
+              <a:t>Algoritmos</a:t>
+            </a:r>
+            <a:r>
+              <a:rPr lang="pt-BR" sz="2400" i="1" dirty="0">
+                <a:latin typeface="Times New Roman" panose="02020603050405020304" pitchFamily="18" charset="0"/>
+                <a:cs typeface="Times New Roman" panose="02020603050405020304" pitchFamily="18" charset="0"/>
+              </a:rPr>
+              <a:t>: Teoria e Prática</a:t>
+            </a:r>
+            <a:r>
+              <a:rPr lang="pt-BR" sz="2400" dirty="0">
+                <a:latin typeface="Times New Roman" panose="02020603050405020304" pitchFamily="18" charset="0"/>
+                <a:cs typeface="Times New Roman" panose="02020603050405020304" pitchFamily="18" charset="0"/>
+              </a:rPr>
+              <a:t>. 3. ed. Rio de Janeiro: Elsevier, 2012.</a:t>
+            </a:r>
+          </a:p>
+          <a:p>
+            <a:pPr marL="0" indent="0">
+              <a:buNone/>
+            </a:pPr>
+            <a:endParaRPr lang="pt-BR" sz="2400" dirty="0">
+              <a:latin typeface="Times New Roman" panose="02020603050405020304" pitchFamily="18" charset="0"/>
+              <a:cs typeface="Times New Roman" panose="02020603050405020304" pitchFamily="18" charset="0"/>
+            </a:endParaRPr>
+          </a:p>
+          <a:p>
+            <a:pPr marL="0" indent="0">
+              <a:buNone/>
+            </a:pPr>
+            <a:endParaRPr lang="pt-BR" sz="2400" dirty="0">
+              <a:latin typeface="Times New Roman" panose="02020603050405020304" pitchFamily="18" charset="0"/>
+              <a:cs typeface="Times New Roman" panose="02020603050405020304" pitchFamily="18" charset="0"/>
+            </a:endParaRPr>
+          </a:p>
+          <a:p>
+            <a:pPr marL="0" indent="0">
+              <a:buNone/>
+            </a:pPr>
+            <a:r>
+              <a:rPr lang="pt-BR" sz="2400" dirty="0">
+                <a:latin typeface="Times New Roman" panose="02020603050405020304" pitchFamily="18" charset="0"/>
+                <a:cs typeface="Times New Roman" panose="02020603050405020304" pitchFamily="18" charset="0"/>
+              </a:rPr>
+              <a:t>[2] </a:t>
+            </a:r>
+            <a:r>
+              <a:rPr lang="en-US" sz="2400" b="1" dirty="0">
+                <a:latin typeface="Times New Roman" panose="02020603050405020304" pitchFamily="18" charset="0"/>
+                <a:cs typeface="Times New Roman" panose="02020603050405020304" pitchFamily="18" charset="0"/>
+              </a:rPr>
+              <a:t>SEDGEWICK, Robert; WAYNE, Kevin</a:t>
+            </a:r>
+            <a:r>
+              <a:rPr lang="en-US" sz="2400" dirty="0">
+                <a:latin typeface="Times New Roman" panose="02020603050405020304" pitchFamily="18" charset="0"/>
+                <a:cs typeface="Times New Roman" panose="02020603050405020304" pitchFamily="18" charset="0"/>
+              </a:rPr>
+              <a:t>. </a:t>
+            </a:r>
+            <a:r>
+              <a:rPr lang="en-US" sz="2400" i="1" dirty="0">
+                <a:latin typeface="Times New Roman" panose="02020603050405020304" pitchFamily="18" charset="0"/>
+                <a:cs typeface="Times New Roman" panose="02020603050405020304" pitchFamily="18" charset="0"/>
+              </a:rPr>
+              <a:t>Algorithms</a:t>
+            </a:r>
+            <a:r>
+              <a:rPr lang="en-US" sz="2400" dirty="0">
+                <a:latin typeface="Times New Roman" panose="02020603050405020304" pitchFamily="18" charset="0"/>
+                <a:cs typeface="Times New Roman" panose="02020603050405020304" pitchFamily="18" charset="0"/>
+              </a:rPr>
+              <a:t>. 4th ed. Boston: Addison-Wesley, 2011.</a:t>
+            </a:r>
+            <a:endParaRPr lang="pt-BR" sz="2400" dirty="0">
+              <a:latin typeface="Times New Roman" panose="02020603050405020304" pitchFamily="18" charset="0"/>
+              <a:cs typeface="Times New Roman" panose="02020603050405020304" pitchFamily="18" charset="0"/>
+            </a:endParaRPr>
+          </a:p>
+        </p:txBody>
+      </p:sp>
+    </p:spTree>
+    <p:extLst>
+      <p:ext uri="{BB962C8B-B14F-4D97-AF65-F5344CB8AC3E}">
+        <p14:creationId xmlns:p14="http://schemas.microsoft.com/office/powerpoint/2010/main" val="1115311843"/>
+      </p:ext>
+    </p:extLst>
+  </p:cSld>
+  <p:clrMapOvr>
+    <a:masterClrMapping/>
+  </p:clrMapOvr>
+  <p:transition spd="med"/>
+</p:sld>
+</file>
+
+<file path=ppt/slides/slide15.xml><?xml version="1.0" encoding="utf-8"?>
+<p:sld xmlns:a="http://schemas.openxmlformats.org/drawingml/2006/main" xmlns:r="http://schemas.openxmlformats.org/officeDocument/2006/relationships" xmlns:p="http://schemas.openxmlformats.org/presentationml/2006/main">
+  <p:cSld>
+    <p:spTree>
+      <p:nvGrpSpPr>
+        <p:cNvPr id="1" name=""/>
+        <p:cNvGrpSpPr/>
+        <p:nvPr/>
+      </p:nvGrpSpPr>
+      <p:grpSpPr>
+        <a:xfrm>
+          <a:off x="0" y="0"/>
+          <a:ext cx="0" cy="0"/>
+          <a:chOff x="0" y="0"/>
+          <a:chExt cx="0" cy="0"/>
+        </a:xfrm>
+      </p:grpSpPr>
+      <p:pic>
+        <p:nvPicPr>
+          <p:cNvPr id="112" name="Picture 6" descr="Picture 6"/>
+          <p:cNvPicPr>
+            <a:picLocks noChangeAspect="1"/>
+          </p:cNvPicPr>
+          <p:nvPr/>
+        </p:nvPicPr>
+        <p:blipFill>
+          <a:blip r:embed="rId2"/>
+          <a:stretch>
+            <a:fillRect/>
+          </a:stretch>
+        </p:blipFill>
+        <p:spPr>
+          <a:xfrm>
+            <a:off x="0" y="0"/>
+            <a:ext cx="9144000" cy="5143500"/>
+          </a:xfrm>
+          <a:prstGeom prst="rect">
+            <a:avLst/>
+          </a:prstGeom>
+          <a:ln w="12700">
+            <a:miter lim="400000"/>
+            <a:headEnd/>
+            <a:tailEnd/>
+          </a:ln>
+        </p:spPr>
+      </p:pic>
+      <p:pic>
+        <p:nvPicPr>
+          <p:cNvPr id="114" name="Picture 5" descr="Picture 5"/>
+          <p:cNvPicPr>
+            <a:picLocks noChangeAspect="1"/>
+          </p:cNvPicPr>
+          <p:nvPr/>
+        </p:nvPicPr>
+        <p:blipFill>
+          <a:blip r:embed="rId3"/>
+          <a:stretch>
+            <a:fillRect/>
+          </a:stretch>
+        </p:blipFill>
+        <p:spPr>
+          <a:xfrm>
+            <a:off x="469900" y="0"/>
+            <a:ext cx="4391984" cy="171450"/>
+          </a:xfrm>
+          <a:prstGeom prst="rect">
+            <a:avLst/>
+          </a:prstGeom>
+          <a:ln w="12700">
+            <a:miter lim="400000"/>
+            <a:headEnd/>
+            <a:tailEnd/>
+          </a:ln>
+        </p:spPr>
+      </p:pic>
+      <p:sp>
+        <p:nvSpPr>
+          <p:cNvPr id="3" name="Título 2"/>
+          <p:cNvSpPr>
+            <a:spLocks noGrp="1"/>
+          </p:cNvSpPr>
+          <p:nvPr>
+            <p:ph type="title"/>
+          </p:nvPr>
+        </p:nvSpPr>
+        <p:spPr>
+          <a:xfrm>
+            <a:off x="285751" y="2386770"/>
+            <a:ext cx="8615364" cy="1102519"/>
+          </a:xfrm>
+        </p:spPr>
+        <p:txBody>
+          <a:bodyPr>
+            <a:noAutofit/>
+          </a:bodyPr>
+          <a:lstStyle/>
+          <a:p>
+            <a:r>
+              <a:rPr lang="pt-BR" sz="4800" b="1" dirty="0">
+                <a:solidFill>
+                  <a:schemeClr val="bg1"/>
+                </a:solidFill>
+              </a:rPr>
+              <a:t>Algoritmos e Complexidade</a:t>
+            </a:r>
+          </a:p>
+        </p:txBody>
+      </p:sp>
+      <p:sp>
+        <p:nvSpPr>
+          <p:cNvPr id="6" name="Título 2"/>
+          <p:cNvSpPr txBox="1"/>
+          <p:nvPr/>
+        </p:nvSpPr>
+        <p:spPr>
+          <a:xfrm>
+            <a:off x="975683" y="3866663"/>
+            <a:ext cx="7772400" cy="1102519"/>
+          </a:xfrm>
+          <a:prstGeom prst="rect">
+            <a:avLst/>
+          </a:prstGeom>
+          <a:ln w="12700">
+            <a:miter lim="400000"/>
+          </a:ln>
+        </p:spPr>
+        <p:txBody>
+          <a:bodyPr lIns="45718" tIns="45718" rIns="45718" bIns="45718" anchor="ctr">
+            <a:noAutofit/>
+          </a:bodyPr>
+          <a:lstStyle>
+            <a:lvl1pPr marL="0" marR="0" indent="0" algn="ctr" defTabSz="457200" rtl="0" latinLnBrk="0">
+              <a:lnSpc>
+                <a:spcPct val="100000"/>
+              </a:lnSpc>
+              <a:spcBef>
+                <a:spcPts val="0"/>
+              </a:spcBef>
+              <a:spcAft>
+                <a:spcPts val="0"/>
+              </a:spcAft>
+              <a:buClrTx/>
+              <a:buSzTx/>
+              <a:buFontTx/>
+              <a:buNone/>
+              <a:defRPr sz="4400" b="0" i="0" u="none" strike="noStrike" cap="none" spc="0" baseline="0">
+                <a:ln>
+                  <a:noFill/>
+                </a:ln>
+                <a:solidFill>
+                  <a:srgbClr val="000000"/>
+                </a:solidFill>
+                <a:uFillTx/>
+                <a:latin typeface="+mj-lt"/>
+                <a:ea typeface="+mj-ea"/>
+                <a:cs typeface="+mj-cs"/>
+                <a:sym typeface="Calibri"/>
+              </a:defRPr>
+            </a:lvl1pPr>
+            <a:lvl2pPr marL="0" marR="0" indent="0" algn="ctr" defTabSz="457200" rtl="0" latinLnBrk="0">
+              <a:lnSpc>
+                <a:spcPct val="100000"/>
+              </a:lnSpc>
+              <a:spcBef>
+                <a:spcPts val="0"/>
+              </a:spcBef>
+              <a:spcAft>
+                <a:spcPts val="0"/>
+              </a:spcAft>
+              <a:buClrTx/>
+              <a:buSzTx/>
+              <a:buFontTx/>
+              <a:buNone/>
+              <a:defRPr sz="4400" b="0" i="0" u="none" strike="noStrike" cap="none" spc="0" baseline="0">
+                <a:ln>
+                  <a:noFill/>
+                </a:ln>
+                <a:solidFill>
+                  <a:srgbClr val="000000"/>
+                </a:solidFill>
+                <a:uFillTx/>
+                <a:latin typeface="+mj-lt"/>
+                <a:ea typeface="+mj-ea"/>
+                <a:cs typeface="+mj-cs"/>
+                <a:sym typeface="Calibri"/>
+              </a:defRPr>
+            </a:lvl2pPr>
+            <a:lvl3pPr marL="0" marR="0" indent="0" algn="ctr" defTabSz="457200" rtl="0" latinLnBrk="0">
+              <a:lnSpc>
+                <a:spcPct val="100000"/>
+              </a:lnSpc>
+              <a:spcBef>
+                <a:spcPts val="0"/>
+              </a:spcBef>
+              <a:spcAft>
+                <a:spcPts val="0"/>
+              </a:spcAft>
+              <a:buClrTx/>
+              <a:buSzTx/>
+              <a:buFontTx/>
+              <a:buNone/>
+              <a:defRPr sz="4400" b="0" i="0" u="none" strike="noStrike" cap="none" spc="0" baseline="0">
+                <a:ln>
+                  <a:noFill/>
+                </a:ln>
+                <a:solidFill>
+                  <a:srgbClr val="000000"/>
+                </a:solidFill>
+                <a:uFillTx/>
+                <a:latin typeface="+mj-lt"/>
+                <a:ea typeface="+mj-ea"/>
+                <a:cs typeface="+mj-cs"/>
+                <a:sym typeface="Calibri"/>
+              </a:defRPr>
+            </a:lvl3pPr>
+            <a:lvl4pPr marL="0" marR="0" indent="0" algn="ctr" defTabSz="457200" rtl="0" latinLnBrk="0">
+              <a:lnSpc>
+                <a:spcPct val="100000"/>
+              </a:lnSpc>
+              <a:spcBef>
+                <a:spcPts val="0"/>
+              </a:spcBef>
+              <a:spcAft>
+                <a:spcPts val="0"/>
+              </a:spcAft>
+              <a:buClrTx/>
+              <a:buSzTx/>
+              <a:buFontTx/>
+              <a:buNone/>
+              <a:defRPr sz="4400" b="0" i="0" u="none" strike="noStrike" cap="none" spc="0" baseline="0">
+                <a:ln>
+                  <a:noFill/>
+                </a:ln>
+                <a:solidFill>
+                  <a:srgbClr val="000000"/>
+                </a:solidFill>
+                <a:uFillTx/>
+                <a:latin typeface="+mj-lt"/>
+                <a:ea typeface="+mj-ea"/>
+                <a:cs typeface="+mj-cs"/>
+                <a:sym typeface="Calibri"/>
+              </a:defRPr>
+            </a:lvl4pPr>
+            <a:lvl5pPr marL="0" marR="0" indent="0" algn="ctr" defTabSz="457200" rtl="0" latinLnBrk="0">
+              <a:lnSpc>
+                <a:spcPct val="100000"/>
+              </a:lnSpc>
+              <a:spcBef>
+                <a:spcPts val="0"/>
+              </a:spcBef>
+              <a:spcAft>
+                <a:spcPts val="0"/>
+              </a:spcAft>
+              <a:buClrTx/>
+              <a:buSzTx/>
+              <a:buFontTx/>
+              <a:buNone/>
+              <a:defRPr sz="4400" b="0" i="0" u="none" strike="noStrike" cap="none" spc="0" baseline="0">
+                <a:ln>
+                  <a:noFill/>
+                </a:ln>
+                <a:solidFill>
+                  <a:srgbClr val="000000"/>
+                </a:solidFill>
+                <a:uFillTx/>
+                <a:latin typeface="+mj-lt"/>
+                <a:ea typeface="+mj-ea"/>
+                <a:cs typeface="+mj-cs"/>
+                <a:sym typeface="Calibri"/>
+              </a:defRPr>
+            </a:lvl5pPr>
+            <a:lvl6pPr marL="0" marR="0" indent="0" algn="ctr" defTabSz="457200" rtl="0" latinLnBrk="0">
+              <a:lnSpc>
+                <a:spcPct val="100000"/>
+              </a:lnSpc>
+              <a:spcBef>
+                <a:spcPts val="0"/>
+              </a:spcBef>
+              <a:spcAft>
+                <a:spcPts val="0"/>
+              </a:spcAft>
+              <a:buClrTx/>
+              <a:buSzTx/>
+              <a:buFontTx/>
+              <a:buNone/>
+              <a:defRPr sz="4400" b="0" i="0" u="none" strike="noStrike" cap="none" spc="0" baseline="0">
+                <a:ln>
+                  <a:noFill/>
+                </a:ln>
+                <a:solidFill>
+                  <a:srgbClr val="000000"/>
+                </a:solidFill>
+                <a:uFillTx/>
+                <a:latin typeface="+mj-lt"/>
+                <a:ea typeface="+mj-ea"/>
+                <a:cs typeface="+mj-cs"/>
+                <a:sym typeface="Calibri"/>
+              </a:defRPr>
+            </a:lvl6pPr>
+            <a:lvl7pPr marL="0" marR="0" indent="0" algn="ctr" defTabSz="457200" rtl="0" latinLnBrk="0">
+              <a:lnSpc>
+                <a:spcPct val="100000"/>
+              </a:lnSpc>
+              <a:spcBef>
+                <a:spcPts val="0"/>
+              </a:spcBef>
+              <a:spcAft>
+                <a:spcPts val="0"/>
+              </a:spcAft>
+              <a:buClrTx/>
+              <a:buSzTx/>
+              <a:buFontTx/>
+              <a:buNone/>
+              <a:defRPr sz="4400" b="0" i="0" u="none" strike="noStrike" cap="none" spc="0" baseline="0">
+                <a:ln>
+                  <a:noFill/>
+                </a:ln>
+                <a:solidFill>
+                  <a:srgbClr val="000000"/>
+                </a:solidFill>
+                <a:uFillTx/>
+                <a:latin typeface="+mj-lt"/>
+                <a:ea typeface="+mj-ea"/>
+                <a:cs typeface="+mj-cs"/>
+                <a:sym typeface="Calibri"/>
+              </a:defRPr>
+            </a:lvl7pPr>
+            <a:lvl8pPr marL="0" marR="0" indent="0" algn="ctr" defTabSz="457200" rtl="0" latinLnBrk="0">
+              <a:lnSpc>
+                <a:spcPct val="100000"/>
+              </a:lnSpc>
+              <a:spcBef>
+                <a:spcPts val="0"/>
+              </a:spcBef>
+              <a:spcAft>
+                <a:spcPts val="0"/>
+              </a:spcAft>
+              <a:buClrTx/>
+              <a:buSzTx/>
+              <a:buFontTx/>
+              <a:buNone/>
+              <a:defRPr sz="4400" b="0" i="0" u="none" strike="noStrike" cap="none" spc="0" baseline="0">
+                <a:ln>
+                  <a:noFill/>
+                </a:ln>
+                <a:solidFill>
+                  <a:srgbClr val="000000"/>
+                </a:solidFill>
+                <a:uFillTx/>
+                <a:latin typeface="+mj-lt"/>
+                <a:ea typeface="+mj-ea"/>
+                <a:cs typeface="+mj-cs"/>
+                <a:sym typeface="Calibri"/>
+              </a:defRPr>
+            </a:lvl8pPr>
+            <a:lvl9pPr marL="0" marR="0" indent="0" algn="ctr" defTabSz="457200" rtl="0" latinLnBrk="0">
+              <a:lnSpc>
+                <a:spcPct val="100000"/>
+              </a:lnSpc>
+              <a:spcBef>
+                <a:spcPts val="0"/>
+              </a:spcBef>
+              <a:spcAft>
+                <a:spcPts val="0"/>
+              </a:spcAft>
+              <a:buClrTx/>
+              <a:buSzTx/>
+              <a:buFontTx/>
+              <a:buNone/>
+              <a:defRPr sz="4400" b="0" i="0" u="none" strike="noStrike" cap="none" spc="0" baseline="0">
+                <a:ln>
+                  <a:noFill/>
+                </a:ln>
+                <a:solidFill>
+                  <a:srgbClr val="000000"/>
+                </a:solidFill>
+                <a:uFillTx/>
+                <a:latin typeface="+mj-lt"/>
+                <a:ea typeface="+mj-ea"/>
+                <a:cs typeface="+mj-cs"/>
+                <a:sym typeface="Calibri"/>
+              </a:defRPr>
+            </a:lvl9pPr>
+          </a:lstStyle>
+          <a:p>
+            <a:pPr algn="r" hangingPunct="1"/>
+            <a:r>
+              <a:rPr lang="pt-BR" sz="2000" b="1" dirty="0">
+                <a:solidFill>
+                  <a:schemeClr val="bg1"/>
+                </a:solidFill>
+              </a:rPr>
+              <a:t>Professor </a:t>
+            </a:r>
+            <a:r>
+              <a:rPr lang="pt-BR" sz="2000" b="1">
+                <a:solidFill>
+                  <a:schemeClr val="bg1"/>
+                </a:solidFill>
+              </a:rPr>
+              <a:t>M.Sc</a:t>
+            </a:r>
+            <a:r>
+              <a:rPr lang="pt-BR" sz="2000" b="1" dirty="0">
+                <a:solidFill>
+                  <a:schemeClr val="bg1"/>
+                </a:solidFill>
+              </a:rPr>
+              <a:t>. Heleno Cardoso</a:t>
+            </a:r>
+          </a:p>
+        </p:txBody>
+      </p:sp>
+      <p:pic>
+        <p:nvPicPr>
+          <p:cNvPr id="2" name="Google Shape;62;p1" descr="Imagem">
+            <a:extLst>
+              <a:ext uri="{FF2B5EF4-FFF2-40B4-BE49-F238E27FC236}">
+                <a16:creationId xmlns:a16="http://schemas.microsoft.com/office/drawing/2014/main" id="{9C895622-2963-024D-634E-EA58F5381D06}"/>
+              </a:ext>
+            </a:extLst>
+          </p:cNvPr>
+          <p:cNvPicPr preferRelativeResize="0"/>
+          <p:nvPr/>
+        </p:nvPicPr>
+        <p:blipFill rotWithShape="1">
+          <a:blip r:embed="rId4">
+            <a:alphaModFix/>
+          </a:blip>
+          <a:srcRect/>
+          <a:stretch/>
+        </p:blipFill>
+        <p:spPr>
+          <a:xfrm>
+            <a:off x="469898" y="343798"/>
+            <a:ext cx="2858518" cy="1338697"/>
+          </a:xfrm>
+          <a:prstGeom prst="rect">
+            <a:avLst/>
+          </a:prstGeom>
+          <a:noFill/>
+          <a:ln>
+            <a:noFill/>
+          </a:ln>
+        </p:spPr>
+      </p:pic>
+    </p:spTree>
+  </p:cSld>
+  <p:clrMapOvr>
+    <a:masterClrMapping/>
+  </p:clrMapOvr>
+  <p:transition spd="med"/>
+</p:sld>
+</file>
+
 <file path=ppt/slides/slide2.xml><?xml version="1.0" encoding="utf-8"?>
 <p:sld xmlns:a="http://schemas.openxmlformats.org/drawingml/2006/main" xmlns:r="http://schemas.openxmlformats.org/officeDocument/2006/relationships" xmlns:p="http://schemas.openxmlformats.org/presentationml/2006/main">
   <p:cSld>
@@ -4350,7 +7410,7 @@
         </p:spPr>
         <p:txBody>
           <a:bodyPr>
-            <a:normAutofit/>
+            <a:normAutofit fontScale="90000"/>
           </a:bodyPr>
           <a:lstStyle/>
           <a:p>
@@ -4371,12 +7431,28 @@
               <a:t> de </a:t>
             </a:r>
             <a:r>
-              <a:rPr lang="en-US" b="1">
+              <a:rPr lang="en-US" b="1" dirty="0" err="1">
                 <a:solidFill>
                   <a:srgbClr val="0070C0"/>
                 </a:solidFill>
               </a:rPr>
               <a:t>Recorrência</a:t>
+            </a:r>
+            <a:r>
+              <a:rPr lang="en-US" b="1" dirty="0">
+                <a:solidFill>
+                  <a:srgbClr val="0070C0"/>
+                </a:solidFill>
+              </a:rPr>
+              <a:t> - </a:t>
+            </a:r>
+            <a:r>
+              <a:rPr lang="en-US" b="1" dirty="0" err="1">
+                <a:solidFill>
+                  <a:srgbClr val="0070C0"/>
+                </a:solidFill>
+              </a:rPr>
+              <a:t>Contexto</a:t>
             </a:r>
             <a:endParaRPr lang="en-US" b="1" dirty="0">
               <a:solidFill>
@@ -4412,21 +7488,152 @@
               <a:buNone/>
             </a:pPr>
             <a:r>
-              <a:rPr lang="pt-BR" sz="2000" dirty="0">
+              <a:rPr lang="pt-BR" sz="2200" dirty="0">
                 <a:latin typeface="Times New Roman" panose="02020603050405020304" pitchFamily="18" charset="0"/>
                 <a:cs typeface="Times New Roman" panose="02020603050405020304" pitchFamily="18" charset="0"/>
               </a:rPr>
-              <a:t>Algoritmos e Complexidade</a:t>
-            </a:r>
-            <a:r>
-              <a:rPr lang="pt-BR" sz="2000" dirty="0">
-                <a:solidFill>
-                  <a:schemeClr val="tx1"/>
+              <a:t>	Na análise de </a:t>
+            </a:r>
+            <a:r>
+              <a:rPr lang="pt-BR" sz="2200" b="1" dirty="0">
+                <a:solidFill>
+                  <a:srgbClr val="FF0000"/>
                 </a:solidFill>
                 <a:latin typeface="Times New Roman" panose="02020603050405020304" pitchFamily="18" charset="0"/>
                 <a:cs typeface="Times New Roman" panose="02020603050405020304" pitchFamily="18" charset="0"/>
               </a:rPr>
-              <a:t> ...</a:t>
+              <a:t>algoritmos</a:t>
+            </a:r>
+            <a:r>
+              <a:rPr lang="pt-BR" sz="2200" dirty="0">
+                <a:latin typeface="Times New Roman" panose="02020603050405020304" pitchFamily="18" charset="0"/>
+                <a:cs typeface="Times New Roman" panose="02020603050405020304" pitchFamily="18" charset="0"/>
+              </a:rPr>
+              <a:t>, frequentemente queremos determinar </a:t>
+            </a:r>
+            <a:r>
+              <a:rPr lang="pt-BR" sz="2200" b="1" dirty="0">
+                <a:latin typeface="Times New Roman" panose="02020603050405020304" pitchFamily="18" charset="0"/>
+                <a:cs typeface="Times New Roman" panose="02020603050405020304" pitchFamily="18" charset="0"/>
+              </a:rPr>
+              <a:t>quanto tempo um algoritmo leva para ser executado</a:t>
+            </a:r>
+            <a:r>
+              <a:rPr lang="pt-BR" sz="2200" dirty="0">
+                <a:latin typeface="Times New Roman" panose="02020603050405020304" pitchFamily="18" charset="0"/>
+                <a:cs typeface="Times New Roman" panose="02020603050405020304" pitchFamily="18" charset="0"/>
+              </a:rPr>
+              <a:t> ou </a:t>
+            </a:r>
+            <a:r>
+              <a:rPr lang="pt-BR" sz="2200" b="1" dirty="0">
+                <a:latin typeface="Times New Roman" panose="02020603050405020304" pitchFamily="18" charset="0"/>
+                <a:cs typeface="Times New Roman" panose="02020603050405020304" pitchFamily="18" charset="0"/>
+              </a:rPr>
+              <a:t>quantas operações ele realiza</a:t>
+            </a:r>
+            <a:r>
+              <a:rPr lang="pt-BR" sz="2200" dirty="0">
+                <a:latin typeface="Times New Roman" panose="02020603050405020304" pitchFamily="18" charset="0"/>
+                <a:cs typeface="Times New Roman" panose="02020603050405020304" pitchFamily="18" charset="0"/>
+              </a:rPr>
+              <a:t>.</a:t>
+            </a:r>
+          </a:p>
+          <a:p>
+            <a:pPr marL="0" indent="0" algn="just">
+              <a:buNone/>
+            </a:pPr>
+            <a:br>
+              <a:rPr lang="pt-BR" sz="2200" dirty="0">
+                <a:latin typeface="Times New Roman" panose="02020603050405020304" pitchFamily="18" charset="0"/>
+                <a:cs typeface="Times New Roman" panose="02020603050405020304" pitchFamily="18" charset="0"/>
+              </a:rPr>
+            </a:br>
+            <a:r>
+              <a:rPr lang="pt-BR" sz="2200" dirty="0">
+                <a:latin typeface="Times New Roman" panose="02020603050405020304" pitchFamily="18" charset="0"/>
+                <a:cs typeface="Times New Roman" panose="02020603050405020304" pitchFamily="18" charset="0"/>
+              </a:rPr>
+              <a:t>	Muitos algoritmos, especialmente os </a:t>
+            </a:r>
+            <a:r>
+              <a:rPr lang="pt-BR" sz="2200" b="1" dirty="0">
+                <a:solidFill>
+                  <a:srgbClr val="FF0000"/>
+                </a:solidFill>
+                <a:latin typeface="Times New Roman" panose="02020603050405020304" pitchFamily="18" charset="0"/>
+                <a:cs typeface="Times New Roman" panose="02020603050405020304" pitchFamily="18" charset="0"/>
+              </a:rPr>
+              <a:t>recursivos</a:t>
+            </a:r>
+            <a:r>
+              <a:rPr lang="pt-BR" sz="2200" b="1" dirty="0">
+                <a:latin typeface="Times New Roman" panose="02020603050405020304" pitchFamily="18" charset="0"/>
+                <a:cs typeface="Times New Roman" panose="02020603050405020304" pitchFamily="18" charset="0"/>
+              </a:rPr>
+              <a:t>, </a:t>
+            </a:r>
+            <a:r>
+              <a:rPr lang="pt-BR" sz="2200" dirty="0">
+                <a:latin typeface="Times New Roman" panose="02020603050405020304" pitchFamily="18" charset="0"/>
+                <a:cs typeface="Times New Roman" panose="02020603050405020304" pitchFamily="18" charset="0"/>
+              </a:rPr>
+              <a:t>têm comportamentos que se repetem em menor escala dentro deles mesmos.</a:t>
+            </a:r>
+          </a:p>
+          <a:p>
+            <a:pPr marL="0" indent="0" algn="just">
+              <a:buNone/>
+            </a:pPr>
+            <a:r>
+              <a:rPr lang="pt-BR" sz="2200" dirty="0">
+                <a:latin typeface="Times New Roman" panose="02020603050405020304" pitchFamily="18" charset="0"/>
+                <a:cs typeface="Times New Roman" panose="02020603050405020304" pitchFamily="18" charset="0"/>
+              </a:rPr>
+              <a:t>	Esses casos são modelados por </a:t>
+            </a:r>
+            <a:r>
+              <a:rPr lang="pt-BR" sz="2200" b="1" dirty="0">
+                <a:latin typeface="Times New Roman" panose="02020603050405020304" pitchFamily="18" charset="0"/>
+                <a:cs typeface="Times New Roman" panose="02020603050405020304" pitchFamily="18" charset="0"/>
+              </a:rPr>
+              <a:t>equações de recorrência</a:t>
+            </a:r>
+            <a:r>
+              <a:rPr lang="pt-BR" sz="2200" dirty="0">
+                <a:latin typeface="Times New Roman" panose="02020603050405020304" pitchFamily="18" charset="0"/>
+                <a:cs typeface="Times New Roman" panose="02020603050405020304" pitchFamily="18" charset="0"/>
+              </a:rPr>
+              <a:t>, que expressam o </a:t>
+            </a:r>
+            <a:r>
+              <a:rPr lang="pt-BR" sz="2200" b="1" dirty="0">
+                <a:latin typeface="Times New Roman" panose="02020603050405020304" pitchFamily="18" charset="0"/>
+                <a:cs typeface="Times New Roman" panose="02020603050405020304" pitchFamily="18" charset="0"/>
+              </a:rPr>
+              <a:t>tempo de execução</a:t>
+            </a:r>
+            <a:r>
+              <a:rPr lang="pt-BR" sz="2200" dirty="0">
+                <a:latin typeface="Times New Roman" panose="02020603050405020304" pitchFamily="18" charset="0"/>
+                <a:cs typeface="Times New Roman" panose="02020603050405020304" pitchFamily="18" charset="0"/>
+              </a:rPr>
+              <a:t> de uma função em termos do </a:t>
+            </a:r>
+            <a:r>
+              <a:rPr lang="pt-BR" sz="2200" b="1" dirty="0">
+                <a:latin typeface="Times New Roman" panose="02020603050405020304" pitchFamily="18" charset="0"/>
+                <a:cs typeface="Times New Roman" panose="02020603050405020304" pitchFamily="18" charset="0"/>
+              </a:rPr>
+              <a:t>tempo de execução de subproblemas menores</a:t>
+            </a:r>
+            <a:r>
+              <a:rPr lang="pt-BR" sz="2200" dirty="0">
+                <a:latin typeface="Times New Roman" panose="02020603050405020304" pitchFamily="18" charset="0"/>
+                <a:cs typeface="Times New Roman" panose="02020603050405020304" pitchFamily="18" charset="0"/>
+              </a:rPr>
+              <a:t>.</a:t>
             </a:r>
           </a:p>
         </p:txBody>
@@ -4450,7 +7657,13 @@
   <p:cSld>
     <p:spTree>
       <p:nvGrpSpPr>
-        <p:cNvPr id="1" name=""/>
+        <p:cNvPr id="1" name="">
+          <a:extLst>
+            <a:ext uri="{FF2B5EF4-FFF2-40B4-BE49-F238E27FC236}">
+              <a16:creationId xmlns:a16="http://schemas.microsoft.com/office/drawing/2014/main" id="{1C20F8C2-3B2E-212B-922C-B8E168E568D0}"/>
+            </a:ext>
+          </a:extLst>
+        </p:cNvPr>
         <p:cNvGrpSpPr/>
         <p:nvPr/>
       </p:nvGrpSpPr>
@@ -4464,7 +7677,323 @@
       </p:grpSpPr>
       <p:sp>
         <p:nvSpPr>
-          <p:cNvPr id="6" name="Title 1"/>
+          <p:cNvPr id="6" name="Title 1">
+            <a:extLst>
+              <a:ext uri="{FF2B5EF4-FFF2-40B4-BE49-F238E27FC236}">
+                <a16:creationId xmlns:a16="http://schemas.microsoft.com/office/drawing/2014/main" id="{61655E48-05A1-6DAF-3601-5EFA390FEEBE}"/>
+              </a:ext>
+            </a:extLst>
+          </p:cNvPr>
+          <p:cNvSpPr>
+            <a:spLocks noGrp="1"/>
+          </p:cNvSpPr>
+          <p:nvPr>
+            <p:ph type="title"/>
+          </p:nvPr>
+        </p:nvSpPr>
+        <p:spPr>
+          <a:xfrm>
+            <a:off x="457200" y="205980"/>
+            <a:ext cx="8229600" cy="857251"/>
+          </a:xfrm>
+        </p:spPr>
+        <p:txBody>
+          <a:bodyPr>
+            <a:normAutofit fontScale="90000"/>
+          </a:bodyPr>
+          <a:lstStyle/>
+          <a:p>
+            <a:r>
+              <a:rPr lang="en-US" b="1" dirty="0">
+                <a:solidFill>
+                  <a:srgbClr val="0070C0"/>
+                </a:solidFill>
+              </a:rPr>
+              <a:t>Eq. </a:t>
+            </a:r>
+            <a:r>
+              <a:rPr lang="en-US" b="1" dirty="0" err="1">
+                <a:solidFill>
+                  <a:srgbClr val="0070C0"/>
+                </a:solidFill>
+              </a:rPr>
+              <a:t>Recorrência</a:t>
+            </a:r>
+            <a:r>
+              <a:rPr lang="en-US" b="1" dirty="0">
+                <a:solidFill>
+                  <a:srgbClr val="0070C0"/>
+                </a:solidFill>
+              </a:rPr>
+              <a:t> – </a:t>
+            </a:r>
+            <a:r>
+              <a:rPr lang="en-US" b="1" dirty="0" err="1">
+                <a:solidFill>
+                  <a:srgbClr val="0070C0"/>
+                </a:solidFill>
+              </a:rPr>
+              <a:t>Contexto</a:t>
+            </a:r>
+            <a:r>
+              <a:rPr lang="en-US" b="1" dirty="0">
+                <a:solidFill>
+                  <a:srgbClr val="0070C0"/>
+                </a:solidFill>
+              </a:rPr>
+              <a:t> </a:t>
+            </a:r>
+            <a:r>
+              <a:rPr lang="en-US" b="1" dirty="0" err="1">
+                <a:solidFill>
+                  <a:srgbClr val="0070C0"/>
+                </a:solidFill>
+              </a:rPr>
+              <a:t>Exemplo</a:t>
+            </a:r>
+            <a:endParaRPr lang="en-US" b="1" dirty="0">
+              <a:solidFill>
+                <a:srgbClr val="0070C0"/>
+              </a:solidFill>
+            </a:endParaRPr>
+          </a:p>
+        </p:txBody>
+      </p:sp>
+      <p:sp>
+        <p:nvSpPr>
+          <p:cNvPr id="8" name="Text Placeholder 2">
+            <a:extLst>
+              <a:ext uri="{FF2B5EF4-FFF2-40B4-BE49-F238E27FC236}">
+                <a16:creationId xmlns:a16="http://schemas.microsoft.com/office/drawing/2014/main" id="{18E8576F-AA9C-E7C9-AB51-C98EBDCACFA6}"/>
+              </a:ext>
+            </a:extLst>
+          </p:cNvPr>
+          <p:cNvSpPr>
+            <a:spLocks noGrp="1"/>
+          </p:cNvSpPr>
+          <p:nvPr>
+            <p:ph type="body" sz="half" idx="1"/>
+          </p:nvPr>
+        </p:nvSpPr>
+        <p:spPr>
+          <a:xfrm>
+            <a:off x="142865" y="1200150"/>
+            <a:ext cx="8865056" cy="3737370"/>
+          </a:xfrm>
+        </p:spPr>
+        <p:txBody>
+          <a:bodyPr>
+            <a:noAutofit/>
+          </a:bodyPr>
+          <a:lstStyle/>
+          <a:p>
+            <a:pPr marL="0" indent="0">
+              <a:buNone/>
+            </a:pPr>
+            <a:r>
+              <a:rPr lang="pt-BR" sz="2200" dirty="0">
+                <a:latin typeface="Times New Roman" panose="02020603050405020304" pitchFamily="18" charset="0"/>
+                <a:cs typeface="Times New Roman" panose="02020603050405020304" pitchFamily="18" charset="0"/>
+              </a:rPr>
+              <a:t>	O algoritmo </a:t>
+            </a:r>
+            <a:r>
+              <a:rPr lang="pt-BR" sz="2200" b="1" dirty="0">
+                <a:solidFill>
+                  <a:srgbClr val="FF0000"/>
+                </a:solidFill>
+                <a:latin typeface="Times New Roman" panose="02020603050405020304" pitchFamily="18" charset="0"/>
+                <a:cs typeface="Times New Roman" panose="02020603050405020304" pitchFamily="18" charset="0"/>
+              </a:rPr>
+              <a:t>Merge </a:t>
+            </a:r>
+            <a:r>
+              <a:rPr lang="pt-BR" sz="2200" b="1" dirty="0" err="1">
+                <a:solidFill>
+                  <a:srgbClr val="FF0000"/>
+                </a:solidFill>
+                <a:latin typeface="Times New Roman" panose="02020603050405020304" pitchFamily="18" charset="0"/>
+                <a:cs typeface="Times New Roman" panose="02020603050405020304" pitchFamily="18" charset="0"/>
+              </a:rPr>
+              <a:t>Sort</a:t>
+            </a:r>
+            <a:r>
+              <a:rPr lang="pt-BR" sz="2200" b="1" dirty="0">
+                <a:solidFill>
+                  <a:srgbClr val="FF0000"/>
+                </a:solidFill>
+                <a:latin typeface="Times New Roman" panose="02020603050405020304" pitchFamily="18" charset="0"/>
+                <a:cs typeface="Times New Roman" panose="02020603050405020304" pitchFamily="18" charset="0"/>
+              </a:rPr>
+              <a:t> </a:t>
+            </a:r>
+            <a:r>
+              <a:rPr lang="pt-BR" sz="2200" dirty="0">
+                <a:latin typeface="Times New Roman" panose="02020603050405020304" pitchFamily="18" charset="0"/>
+                <a:cs typeface="Times New Roman" panose="02020603050405020304" pitchFamily="18" charset="0"/>
+              </a:rPr>
+              <a:t>divide o vetor em duas metades e ordena recursivamente cada metade.</a:t>
+            </a:r>
+          </a:p>
+          <a:p>
+            <a:pPr marL="0" indent="0">
+              <a:buNone/>
+            </a:pPr>
+            <a:br>
+              <a:rPr lang="pt-BR" sz="2200" dirty="0">
+                <a:latin typeface="Times New Roman" panose="02020603050405020304" pitchFamily="18" charset="0"/>
+                <a:cs typeface="Times New Roman" panose="02020603050405020304" pitchFamily="18" charset="0"/>
+              </a:rPr>
+            </a:br>
+            <a:r>
+              <a:rPr lang="pt-BR" sz="2200" dirty="0">
+                <a:latin typeface="Times New Roman" panose="02020603050405020304" pitchFamily="18" charset="0"/>
+                <a:cs typeface="Times New Roman" panose="02020603050405020304" pitchFamily="18" charset="0"/>
+              </a:rPr>
+              <a:t>	A </a:t>
+            </a:r>
+            <a:r>
+              <a:rPr lang="pt-BR" sz="2200" b="1" dirty="0">
+                <a:latin typeface="Times New Roman" panose="02020603050405020304" pitchFamily="18" charset="0"/>
+                <a:cs typeface="Times New Roman" panose="02020603050405020304" pitchFamily="18" charset="0"/>
+              </a:rPr>
+              <a:t>análise de sua complexidade </a:t>
+            </a:r>
+            <a:r>
+              <a:rPr lang="pt-BR" sz="2200" dirty="0">
+                <a:latin typeface="Times New Roman" panose="02020603050405020304" pitchFamily="18" charset="0"/>
+                <a:cs typeface="Times New Roman" panose="02020603050405020304" pitchFamily="18" charset="0"/>
+              </a:rPr>
+              <a:t>resulta na equação de recorrência:</a:t>
+            </a:r>
+            <a:br>
+              <a:rPr lang="pt-BR" sz="2200" dirty="0">
+                <a:latin typeface="Times New Roman" panose="02020603050405020304" pitchFamily="18" charset="0"/>
+                <a:cs typeface="Times New Roman" panose="02020603050405020304" pitchFamily="18" charset="0"/>
+              </a:rPr>
+            </a:br>
+            <a:r>
+              <a:rPr lang="pt-BR" sz="2200" b="1" dirty="0">
+                <a:solidFill>
+                  <a:srgbClr val="FF0000"/>
+                </a:solidFill>
+                <a:latin typeface="Times New Roman" panose="02020603050405020304" pitchFamily="18" charset="0"/>
+                <a:cs typeface="Times New Roman" panose="02020603050405020304" pitchFamily="18" charset="0"/>
+              </a:rPr>
+              <a:t>T(n) </a:t>
+            </a:r>
+            <a:r>
+              <a:rPr lang="pt-BR" sz="2200" dirty="0">
+                <a:latin typeface="Times New Roman" panose="02020603050405020304" pitchFamily="18" charset="0"/>
+                <a:cs typeface="Times New Roman" panose="02020603050405020304" pitchFamily="18" charset="0"/>
+              </a:rPr>
+              <a:t>= </a:t>
+            </a:r>
+            <a:r>
+              <a:rPr lang="pt-BR" sz="2200" b="1" dirty="0">
+                <a:latin typeface="Times New Roman" panose="02020603050405020304" pitchFamily="18" charset="0"/>
+                <a:cs typeface="Times New Roman" panose="02020603050405020304" pitchFamily="18" charset="0"/>
+              </a:rPr>
+              <a:t>2T(n/2) + n</a:t>
+            </a:r>
+          </a:p>
+          <a:p>
+            <a:pPr marL="0" indent="0">
+              <a:buNone/>
+            </a:pPr>
+            <a:endParaRPr lang="pt-BR" sz="2200" dirty="0">
+              <a:latin typeface="Times New Roman" panose="02020603050405020304" pitchFamily="18" charset="0"/>
+              <a:cs typeface="Times New Roman" panose="02020603050405020304" pitchFamily="18" charset="0"/>
+            </a:endParaRPr>
+          </a:p>
+          <a:p>
+            <a:pPr marL="0" indent="0">
+              <a:buNone/>
+            </a:pPr>
+            <a:r>
+              <a:rPr lang="pt-BR" sz="2200" dirty="0">
+                <a:latin typeface="Times New Roman" panose="02020603050405020304" pitchFamily="18" charset="0"/>
+                <a:cs typeface="Times New Roman" panose="02020603050405020304" pitchFamily="18" charset="0"/>
+              </a:rPr>
+              <a:t>	Resolver essa </a:t>
+            </a:r>
+            <a:r>
+              <a:rPr lang="pt-BR" sz="2200" b="1" dirty="0">
+                <a:latin typeface="Times New Roman" panose="02020603050405020304" pitchFamily="18" charset="0"/>
+                <a:cs typeface="Times New Roman" panose="02020603050405020304" pitchFamily="18" charset="0"/>
+              </a:rPr>
+              <a:t>equação</a:t>
+            </a:r>
+            <a:r>
+              <a:rPr lang="pt-BR" sz="2200" dirty="0">
+                <a:latin typeface="Times New Roman" panose="02020603050405020304" pitchFamily="18" charset="0"/>
+                <a:cs typeface="Times New Roman" panose="02020603050405020304" pitchFamily="18" charset="0"/>
+              </a:rPr>
+              <a:t> nos leva à conclusão de que </a:t>
+            </a:r>
+            <a:r>
+              <a:rPr lang="pt-BR" sz="2200" b="1" dirty="0">
+                <a:latin typeface="Times New Roman" panose="02020603050405020304" pitchFamily="18" charset="0"/>
+                <a:cs typeface="Times New Roman" panose="02020603050405020304" pitchFamily="18" charset="0"/>
+              </a:rPr>
+              <a:t>T(n) = O(n log n)</a:t>
+            </a:r>
+            <a:r>
+              <a:rPr lang="pt-BR" sz="2200" dirty="0">
+                <a:latin typeface="Times New Roman" panose="02020603050405020304" pitchFamily="18" charset="0"/>
+                <a:cs typeface="Times New Roman" panose="02020603050405020304" pitchFamily="18" charset="0"/>
+              </a:rPr>
+              <a:t>.</a:t>
+            </a:r>
+          </a:p>
+        </p:txBody>
+      </p:sp>
+    </p:spTree>
+    <p:extLst>
+      <p:ext uri="{BB962C8B-B14F-4D97-AF65-F5344CB8AC3E}">
+        <p14:creationId xmlns:p14="http://schemas.microsoft.com/office/powerpoint/2010/main" val="770736009"/>
+      </p:ext>
+    </p:extLst>
+  </p:cSld>
+  <p:clrMapOvr>
+    <a:masterClrMapping/>
+  </p:clrMapOvr>
+  <p:transition spd="med"/>
+</p:sld>
+</file>
+
+<file path=ppt/slides/slide5.xml><?xml version="1.0" encoding="utf-8"?>
+<p:sld xmlns:a="http://schemas.openxmlformats.org/drawingml/2006/main" xmlns:r="http://schemas.openxmlformats.org/officeDocument/2006/relationships" xmlns:p="http://schemas.openxmlformats.org/presentationml/2006/main">
+  <p:cSld>
+    <p:spTree>
+      <p:nvGrpSpPr>
+        <p:cNvPr id="1" name="">
+          <a:extLst>
+            <a:ext uri="{FF2B5EF4-FFF2-40B4-BE49-F238E27FC236}">
+              <a16:creationId xmlns:a16="http://schemas.microsoft.com/office/drawing/2014/main" id="{52B8BEF4-85F8-74B2-BDD9-FC6DBB793711}"/>
+            </a:ext>
+          </a:extLst>
+        </p:cNvPr>
+        <p:cNvGrpSpPr/>
+        <p:nvPr/>
+      </p:nvGrpSpPr>
+      <p:grpSpPr>
+        <a:xfrm>
+          <a:off x="0" y="0"/>
+          <a:ext cx="0" cy="0"/>
+          <a:chOff x="0" y="0"/>
+          <a:chExt cx="0" cy="0"/>
+        </a:xfrm>
+      </p:grpSpPr>
+      <p:sp>
+        <p:nvSpPr>
+          <p:cNvPr id="6" name="Title 1">
+            <a:extLst>
+              <a:ext uri="{FF2B5EF4-FFF2-40B4-BE49-F238E27FC236}">
+                <a16:creationId xmlns:a16="http://schemas.microsoft.com/office/drawing/2014/main" id="{486B3CB1-E39C-00F1-DA0D-7AD391283C6E}"/>
+              </a:ext>
+            </a:extLst>
+          </p:cNvPr>
           <p:cNvSpPr>
             <a:spLocks noGrp="1"/>
           </p:cNvSpPr>
@@ -4485,12 +8014,20 @@
           <a:lstStyle/>
           <a:p>
             <a:r>
+              <a:rPr lang="en-US" b="1" dirty="0">
+                <a:solidFill>
+                  <a:srgbClr val="0070C0"/>
+                </a:solidFill>
+              </a:rPr>
+              <a:t>Eq. </a:t>
+            </a:r>
+            <a:r>
               <a:rPr lang="en-US" b="1" dirty="0" err="1">
                 <a:solidFill>
                   <a:srgbClr val="0070C0"/>
                 </a:solidFill>
               </a:rPr>
-              <a:t>Leitura</a:t>
+              <a:t>Recorrência</a:t>
             </a:r>
             <a:r>
               <a:rPr lang="en-US" b="1" dirty="0">
@@ -4498,7 +8035,7 @@
                   <a:srgbClr val="0070C0"/>
                 </a:solidFill>
               </a:rPr>
-              <a:t> </a:t>
+              <a:t> – </a:t>
             </a:r>
             <a:r>
               <a:rPr lang="en-US" b="1" dirty="0" err="1">
@@ -4506,7 +8043,7 @@
                   <a:srgbClr val="0070C0"/>
                 </a:solidFill>
               </a:rPr>
-              <a:t>Específica</a:t>
+              <a:t>Definição</a:t>
             </a:r>
             <a:endParaRPr lang="en-US" b="1" dirty="0">
               <a:solidFill>
@@ -4516,99 +8053,305 @@
           </a:p>
         </p:txBody>
       </p:sp>
-      <p:sp>
-        <p:nvSpPr>
-          <p:cNvPr id="8" name="Text Placeholder 2"/>
-          <p:cNvSpPr>
-            <a:spLocks noGrp="1"/>
-          </p:cNvSpPr>
-          <p:nvPr>
-            <p:ph type="body" sz="half" idx="1"/>
-          </p:nvPr>
-        </p:nvSpPr>
-        <p:spPr>
-          <a:xfrm>
-            <a:off x="142865" y="1200150"/>
-            <a:ext cx="8865056" cy="3737369"/>
-          </a:xfrm>
-        </p:spPr>
-        <p:txBody>
-          <a:bodyPr>
-            <a:noAutofit/>
-          </a:bodyPr>
-          <a:lstStyle/>
-          <a:p>
-            <a:pPr marL="0" indent="0" algn="just">
-              <a:buNone/>
-            </a:pPr>
-            <a:r>
-              <a:rPr lang="pt-BR" sz="2000" dirty="0">
-                <a:latin typeface="Times New Roman" panose="02020603050405020304" pitchFamily="18" charset="0"/>
-                <a:cs typeface="Times New Roman" panose="02020603050405020304" pitchFamily="18" charset="0"/>
-              </a:rPr>
-              <a:t>[1] Algoritmos e Complexidade – Parte 1.</a:t>
-            </a:r>
-          </a:p>
-          <a:p>
-            <a:pPr marL="0" indent="0" algn="just">
-              <a:buNone/>
-            </a:pPr>
-            <a:r>
-              <a:rPr lang="pt-BR" sz="2000" b="1" dirty="0">
-                <a:solidFill>
-                  <a:srgbClr val="FF0000"/>
-                </a:solidFill>
-                <a:latin typeface="Times New Roman" panose="02020603050405020304" pitchFamily="18" charset="0"/>
-                <a:cs typeface="Times New Roman" panose="02020603050405020304" pitchFamily="18" charset="0"/>
-              </a:rPr>
-              <a:t>Disponível em:</a:t>
-            </a:r>
-          </a:p>
-          <a:p>
-            <a:pPr marL="0" indent="0" algn="just">
-              <a:buNone/>
-            </a:pPr>
-            <a:endParaRPr lang="pt-BR" sz="2000" dirty="0">
-              <a:latin typeface="Times New Roman" panose="02020603050405020304" pitchFamily="18" charset="0"/>
-              <a:cs typeface="Times New Roman" panose="02020603050405020304" pitchFamily="18" charset="0"/>
-            </a:endParaRPr>
-          </a:p>
-          <a:p>
-            <a:pPr marL="0" indent="0" algn="just">
-              <a:buNone/>
-            </a:pPr>
-            <a:r>
-              <a:rPr lang="pt-BR" sz="2000" dirty="0">
-                <a:latin typeface="Times New Roman" panose="02020603050405020304" pitchFamily="18" charset="0"/>
-                <a:cs typeface="Times New Roman" panose="02020603050405020304" pitchFamily="18" charset="0"/>
-              </a:rPr>
-              <a:t>[2] Algoritmos e Complexidade – Parte 2. </a:t>
-            </a:r>
-          </a:p>
-          <a:p>
-            <a:pPr marL="0" indent="0" algn="just">
-              <a:buNone/>
-            </a:pPr>
-            <a:r>
-              <a:rPr lang="pt-BR" sz="2000" b="1" dirty="0">
-                <a:solidFill>
-                  <a:srgbClr val="FF0000"/>
-                </a:solidFill>
-                <a:latin typeface="Times New Roman" panose="02020603050405020304" pitchFamily="18" charset="0"/>
-                <a:cs typeface="Times New Roman" panose="02020603050405020304" pitchFamily="18" charset="0"/>
-              </a:rPr>
-              <a:t>Disponível em:</a:t>
-            </a:r>
-            <a:endParaRPr lang="pt-BR" sz="2000" dirty="0">
-              <a:latin typeface="Calibri" panose="020F0502020204030204" pitchFamily="34" charset="0"/>
-            </a:endParaRPr>
-          </a:p>
-        </p:txBody>
-      </p:sp>
+      <mc:AlternateContent xmlns:mc="http://schemas.openxmlformats.org/markup-compatibility/2006" xmlns:a14="http://schemas.microsoft.com/office/drawing/2010/main">
+        <mc:Choice Requires="a14">
+          <p:sp>
+            <p:nvSpPr>
+              <p:cNvPr id="8" name="Text Placeholder 2">
+                <a:extLst>
+                  <a:ext uri="{FF2B5EF4-FFF2-40B4-BE49-F238E27FC236}">
+                    <a16:creationId xmlns:a16="http://schemas.microsoft.com/office/drawing/2014/main" id="{BE741457-4ED9-0257-AF39-8585E24D1060}"/>
+                  </a:ext>
+                </a:extLst>
+              </p:cNvPr>
+              <p:cNvSpPr>
+                <a:spLocks noGrp="1"/>
+              </p:cNvSpPr>
+              <p:nvPr>
+                <p:ph type="body" sz="half" idx="1"/>
+              </p:nvPr>
+            </p:nvSpPr>
+            <p:spPr>
+              <a:xfrm>
+                <a:off x="142865" y="1200150"/>
+                <a:ext cx="8865056" cy="3737370"/>
+              </a:xfrm>
+            </p:spPr>
+            <p:txBody>
+              <a:bodyPr>
+                <a:noAutofit/>
+              </a:bodyPr>
+              <a:lstStyle/>
+              <a:p>
+                <a:pPr marL="0" indent="0">
+                  <a:buNone/>
+                </a:pPr>
+                <a:r>
+                  <a:rPr lang="pt-BR" sz="2200" dirty="0">
+                    <a:latin typeface="Times New Roman" panose="02020603050405020304" pitchFamily="18" charset="0"/>
+                    <a:cs typeface="Times New Roman" panose="02020603050405020304" pitchFamily="18" charset="0"/>
+                  </a:rPr>
+                  <a:t>	Uma </a:t>
+                </a:r>
+                <a:r>
+                  <a:rPr lang="pt-BR" sz="2200" b="1" dirty="0">
+                    <a:latin typeface="Times New Roman" panose="02020603050405020304" pitchFamily="18" charset="0"/>
+                    <a:cs typeface="Times New Roman" panose="02020603050405020304" pitchFamily="18" charset="0"/>
+                  </a:rPr>
+                  <a:t>equação de recorrência</a:t>
+                </a:r>
+                <a:r>
+                  <a:rPr lang="pt-BR" sz="2200" dirty="0">
+                    <a:latin typeface="Times New Roman" panose="02020603050405020304" pitchFamily="18" charset="0"/>
+                    <a:cs typeface="Times New Roman" panose="02020603050405020304" pitchFamily="18" charset="0"/>
+                  </a:rPr>
+                  <a:t> é uma </a:t>
+                </a:r>
+                <a:r>
+                  <a:rPr lang="pt-BR" sz="2200" b="1" dirty="0">
+                    <a:latin typeface="Times New Roman" panose="02020603050405020304" pitchFamily="18" charset="0"/>
+                    <a:cs typeface="Times New Roman" panose="02020603050405020304" pitchFamily="18" charset="0"/>
+                  </a:rPr>
+                  <a:t>expressão matemática que define uma sequência recursivamente</a:t>
+                </a:r>
+                <a:r>
+                  <a:rPr lang="pt-BR" sz="2200" dirty="0">
+                    <a:latin typeface="Times New Roman" panose="02020603050405020304" pitchFamily="18" charset="0"/>
+                    <a:cs typeface="Times New Roman" panose="02020603050405020304" pitchFamily="18" charset="0"/>
+                  </a:rPr>
+                  <a:t>, ou seja, o termo atual é definido em função de termos anteriores.</a:t>
+                </a:r>
+              </a:p>
+              <a:p>
+                <a:pPr marL="0" indent="0">
+                  <a:buNone/>
+                </a:pPr>
+                <a:endParaRPr lang="pt-BR" sz="2200" dirty="0">
+                  <a:latin typeface="Times New Roman" panose="02020603050405020304" pitchFamily="18" charset="0"/>
+                  <a:cs typeface="Times New Roman" panose="02020603050405020304" pitchFamily="18" charset="0"/>
+                </a:endParaRPr>
+              </a:p>
+              <a:p>
+                <a:pPr marL="0" indent="0">
+                  <a:buNone/>
+                </a:pPr>
+                <a:r>
+                  <a:rPr lang="pt-BR" sz="2200" dirty="0">
+                    <a:latin typeface="Times New Roman" panose="02020603050405020304" pitchFamily="18" charset="0"/>
+                    <a:cs typeface="Times New Roman" panose="02020603050405020304" pitchFamily="18" charset="0"/>
+                  </a:rPr>
+                  <a:t>	</a:t>
+                </a:r>
+                <a:r>
+                  <a:rPr lang="pt-BR" sz="2200" b="1" dirty="0">
+                    <a:solidFill>
+                      <a:srgbClr val="FF0000"/>
+                    </a:solidFill>
+                    <a:latin typeface="Times New Roman" panose="02020603050405020304" pitchFamily="18" charset="0"/>
+                    <a:cs typeface="Times New Roman" panose="02020603050405020304" pitchFamily="18" charset="0"/>
+                  </a:rPr>
+                  <a:t>Formalmente</a:t>
+                </a:r>
+                <a:r>
+                  <a:rPr lang="pt-BR" sz="2200" dirty="0">
+                    <a:latin typeface="Times New Roman" panose="02020603050405020304" pitchFamily="18" charset="0"/>
+                    <a:cs typeface="Times New Roman" panose="02020603050405020304" pitchFamily="18" charset="0"/>
+                  </a:rPr>
+                  <a:t>:</a:t>
+                </a:r>
+              </a:p>
+              <a:p>
+                <a:pPr marL="0" indent="0">
+                  <a:buNone/>
+                </a:pPr>
+                <a:endParaRPr lang="pt-BR" sz="2200" dirty="0">
+                  <a:latin typeface="Times New Roman" panose="02020603050405020304" pitchFamily="18" charset="0"/>
+                  <a:cs typeface="Times New Roman" panose="02020603050405020304" pitchFamily="18" charset="0"/>
+                </a:endParaRPr>
+              </a:p>
+              <a:p>
+                <a:pPr marL="0" indent="0">
+                  <a:buNone/>
+                </a:pPr>
+                <a:r>
+                  <a:rPr lang="pt-BR" sz="2200" dirty="0">
+                    <a:latin typeface="Times New Roman" panose="02020603050405020304" pitchFamily="18" charset="0"/>
+                    <a:cs typeface="Times New Roman" panose="02020603050405020304" pitchFamily="18" charset="0"/>
+                  </a:rPr>
+                  <a:t>	Uma </a:t>
+                </a:r>
+                <a:r>
+                  <a:rPr lang="pt-BR" sz="2200" b="1" dirty="0">
+                    <a:latin typeface="Times New Roman" panose="02020603050405020304" pitchFamily="18" charset="0"/>
+                    <a:cs typeface="Times New Roman" panose="02020603050405020304" pitchFamily="18" charset="0"/>
+                  </a:rPr>
+                  <a:t>recorrência</a:t>
+                </a:r>
+                <a:r>
+                  <a:rPr lang="pt-BR" sz="2200" dirty="0">
+                    <a:latin typeface="Times New Roman" panose="02020603050405020304" pitchFamily="18" charset="0"/>
+                    <a:cs typeface="Times New Roman" panose="02020603050405020304" pitchFamily="18" charset="0"/>
+                  </a:rPr>
+                  <a:t> é uma </a:t>
+                </a:r>
+                <a:r>
+                  <a:rPr lang="pt-BR" sz="2200" b="1" dirty="0">
+                    <a:solidFill>
+                      <a:srgbClr val="FF0000"/>
+                    </a:solidFill>
+                    <a:latin typeface="Times New Roman" panose="02020603050405020304" pitchFamily="18" charset="0"/>
+                    <a:cs typeface="Times New Roman" panose="02020603050405020304" pitchFamily="18" charset="0"/>
+                  </a:rPr>
+                  <a:t>equação</a:t>
+                </a:r>
+                <a:r>
+                  <a:rPr lang="pt-BR" sz="2200" dirty="0">
+                    <a:latin typeface="Times New Roman" panose="02020603050405020304" pitchFamily="18" charset="0"/>
+                    <a:cs typeface="Times New Roman" panose="02020603050405020304" pitchFamily="18" charset="0"/>
+                  </a:rPr>
+                  <a:t> que descreve o valor de uma </a:t>
+                </a:r>
+                <a:r>
+                  <a:rPr lang="pt-BR" sz="2200" b="1" dirty="0">
+                    <a:latin typeface="Times New Roman" panose="02020603050405020304" pitchFamily="18" charset="0"/>
+                    <a:cs typeface="Times New Roman" panose="02020603050405020304" pitchFamily="18" charset="0"/>
+                  </a:rPr>
+                  <a:t>função </a:t>
+                </a:r>
+                <a14:m>
+                  <m:oMath xmlns:m="http://schemas.openxmlformats.org/officeDocument/2006/math">
+                    <m:r>
+                      <a:rPr lang="pt-BR" sz="2200" b="1" i="1">
+                        <a:latin typeface="Cambria Math" panose="02040503050406030204" pitchFamily="18" charset="0"/>
+                      </a:rPr>
+                      <m:t>𝑻</m:t>
+                    </m:r>
+                    <m:r>
+                      <a:rPr lang="pt-BR" sz="2200" b="1" i="1">
+                        <a:latin typeface="Cambria Math" panose="02040503050406030204" pitchFamily="18" charset="0"/>
+                      </a:rPr>
+                      <m:t>(</m:t>
+                    </m:r>
+                    <m:r>
+                      <a:rPr lang="pt-BR" sz="2200" b="1" i="1">
+                        <a:latin typeface="Cambria Math" panose="02040503050406030204" pitchFamily="18" charset="0"/>
+                      </a:rPr>
+                      <m:t>𝒏</m:t>
+                    </m:r>
+                    <m:r>
+                      <a:rPr lang="pt-BR" sz="2200" b="1" i="1">
+                        <a:latin typeface="Cambria Math" panose="02040503050406030204" pitchFamily="18" charset="0"/>
+                      </a:rPr>
+                      <m:t>)</m:t>
+                    </m:r>
+                  </m:oMath>
+                </a14:m>
+                <a:r>
+                  <a:rPr lang="pt-BR" sz="2200" dirty="0">
+                    <a:latin typeface="Times New Roman" panose="02020603050405020304" pitchFamily="18" charset="0"/>
+                    <a:cs typeface="Times New Roman" panose="02020603050405020304" pitchFamily="18" charset="0"/>
+                  </a:rPr>
+                  <a:t> em termos de valores menores </a:t>
+                </a:r>
+                <a14:m>
+                  <m:oMath xmlns:m="http://schemas.openxmlformats.org/officeDocument/2006/math">
+                    <m:r>
+                      <a:rPr lang="pt-BR" sz="2200" b="1" i="1">
+                        <a:latin typeface="Cambria Math" panose="02040503050406030204" pitchFamily="18" charset="0"/>
+                      </a:rPr>
+                      <m:t>𝑻</m:t>
+                    </m:r>
+                    <m:r>
+                      <a:rPr lang="pt-BR" sz="2200" b="1" i="1">
+                        <a:latin typeface="Cambria Math" panose="02040503050406030204" pitchFamily="18" charset="0"/>
+                      </a:rPr>
+                      <m:t>(</m:t>
+                    </m:r>
+                    <m:r>
+                      <a:rPr lang="pt-BR" sz="2200" b="1" i="1">
+                        <a:latin typeface="Cambria Math" panose="02040503050406030204" pitchFamily="18" charset="0"/>
+                      </a:rPr>
+                      <m:t>𝒏</m:t>
+                    </m:r>
+                    <m:r>
+                      <a:rPr lang="pt-BR" sz="2200" b="1" i="1">
+                        <a:latin typeface="Cambria Math" panose="02040503050406030204" pitchFamily="18" charset="0"/>
+                      </a:rPr>
+                      <m:t>−</m:t>
+                    </m:r>
+                    <m:r>
+                      <a:rPr lang="pt-BR" sz="2200" b="1" i="1">
+                        <a:latin typeface="Cambria Math" panose="02040503050406030204" pitchFamily="18" charset="0"/>
+                      </a:rPr>
+                      <m:t>𝒌</m:t>
+                    </m:r>
+                    <m:r>
+                      <a:rPr lang="pt-BR" sz="2200" b="1" i="1">
+                        <a:latin typeface="Cambria Math" panose="02040503050406030204" pitchFamily="18" charset="0"/>
+                      </a:rPr>
+                      <m:t>)</m:t>
+                    </m:r>
+                  </m:oMath>
+                </a14:m>
+                <a:r>
+                  <a:rPr lang="pt-BR" sz="2200" b="1" dirty="0">
+                    <a:latin typeface="Times New Roman" panose="02020603050405020304" pitchFamily="18" charset="0"/>
+                    <a:cs typeface="Times New Roman" panose="02020603050405020304" pitchFamily="18" charset="0"/>
+                  </a:rPr>
+                  <a:t>.</a:t>
+                </a:r>
+              </a:p>
+            </p:txBody>
+          </p:sp>
+        </mc:Choice>
+        <mc:Fallback xmlns="">
+          <p:sp>
+            <p:nvSpPr>
+              <p:cNvPr id="8" name="Text Placeholder 2">
+                <a:extLst>
+                  <a:ext uri="{FF2B5EF4-FFF2-40B4-BE49-F238E27FC236}">
+                    <a16:creationId xmlns:a16="http://schemas.microsoft.com/office/drawing/2014/main" id="{BE741457-4ED9-0257-AF39-8585E24D1060}"/>
+                  </a:ext>
+                </a:extLst>
+              </p:cNvPr>
+              <p:cNvSpPr>
+                <a:spLocks noGrp="1" noRot="1" noChangeAspect="1" noMove="1" noResize="1" noEditPoints="1" noAdjustHandles="1" noChangeArrowheads="1" noChangeShapeType="1" noTextEdit="1"/>
+              </p:cNvSpPr>
+              <p:nvPr>
+                <p:ph type="body" sz="half" idx="1"/>
+              </p:nvPr>
+            </p:nvSpPr>
+            <p:spPr>
+              <a:xfrm>
+                <a:off x="142865" y="1200150"/>
+                <a:ext cx="8865056" cy="3737370"/>
+              </a:xfrm>
+              <a:blipFill>
+                <a:blip r:embed="rId3"/>
+                <a:stretch>
+                  <a:fillRect l="-1375" t="-1142" r="-825"/>
+                </a:stretch>
+              </a:blipFill>
+            </p:spPr>
+            <p:txBody>
+              <a:bodyPr/>
+              <a:lstStyle/>
+              <a:p>
+                <a:r>
+                  <a:rPr lang="pt-BR">
+                    <a:noFill/>
+                  </a:rPr>
+                  <a:t> </a:t>
+                </a:r>
+              </a:p>
+            </p:txBody>
+          </p:sp>
+        </mc:Fallback>
+      </mc:AlternateContent>
     </p:spTree>
     <p:extLst>
       <p:ext uri="{BB962C8B-B14F-4D97-AF65-F5344CB8AC3E}">
-        <p14:creationId xmlns:p14="http://schemas.microsoft.com/office/powerpoint/2010/main" val="3680270425"/>
+        <p14:creationId xmlns:p14="http://schemas.microsoft.com/office/powerpoint/2010/main" val="1752125619"/>
       </p:ext>
     </p:extLst>
   </p:cSld>
@@ -4619,12 +8362,18 @@
 </p:sld>
 </file>
 
-<file path=ppt/slides/slide5.xml><?xml version="1.0" encoding="utf-8"?>
+<file path=ppt/slides/slide6.xml><?xml version="1.0" encoding="utf-8"?>
 <p:sld xmlns:a="http://schemas.openxmlformats.org/drawingml/2006/main" xmlns:r="http://schemas.openxmlformats.org/officeDocument/2006/relationships" xmlns:p="http://schemas.openxmlformats.org/presentationml/2006/main">
   <p:cSld>
     <p:spTree>
       <p:nvGrpSpPr>
-        <p:cNvPr id="1" name=""/>
+        <p:cNvPr id="1" name="">
+          <a:extLst>
+            <a:ext uri="{FF2B5EF4-FFF2-40B4-BE49-F238E27FC236}">
+              <a16:creationId xmlns:a16="http://schemas.microsoft.com/office/drawing/2014/main" id="{3FD8CAC7-57FC-489F-9EEB-19B680C261A4}"/>
+            </a:ext>
+          </a:extLst>
+        </p:cNvPr>
         <p:cNvGrpSpPr/>
         <p:nvPr/>
       </p:nvGrpSpPr>
@@ -4638,7 +8387,13 @@
       </p:grpSpPr>
       <p:sp>
         <p:nvSpPr>
-          <p:cNvPr id="6" name="Title 1"/>
+          <p:cNvPr id="6" name="Title 1">
+            <a:extLst>
+              <a:ext uri="{FF2B5EF4-FFF2-40B4-BE49-F238E27FC236}">
+                <a16:creationId xmlns:a16="http://schemas.microsoft.com/office/drawing/2014/main" id="{6BEB06B5-2AA5-4824-88E6-35248B7E3212}"/>
+              </a:ext>
+            </a:extLst>
+          </p:cNvPr>
           <p:cNvSpPr>
             <a:spLocks noGrp="1"/>
           </p:cNvSpPr>
@@ -4659,12 +8414,20 @@
           <a:lstStyle/>
           <a:p>
             <a:r>
+              <a:rPr lang="en-US" b="1" dirty="0">
+                <a:solidFill>
+                  <a:srgbClr val="0070C0"/>
+                </a:solidFill>
+              </a:rPr>
+              <a:t>Eq. </a:t>
+            </a:r>
+            <a:r>
               <a:rPr lang="en-US" b="1" dirty="0" err="1">
                 <a:solidFill>
                   <a:srgbClr val="0070C0"/>
                 </a:solidFill>
               </a:rPr>
-              <a:t>Aprenda</a:t>
+              <a:t>Recorrência</a:t>
             </a:r>
             <a:r>
               <a:rPr lang="en-US" b="1" dirty="0">
@@ -4672,134 +8435,558 @@
                   <a:srgbClr val="0070C0"/>
                 </a:solidFill>
               </a:rPr>
-              <a:t>+</a:t>
-            </a:r>
-          </a:p>
-        </p:txBody>
-      </p:sp>
-      <p:sp>
-        <p:nvSpPr>
-          <p:cNvPr id="8" name="Text Placeholder 2"/>
-          <p:cNvSpPr>
-            <a:spLocks noGrp="1"/>
-          </p:cNvSpPr>
-          <p:nvPr>
-            <p:ph type="body" sz="half" idx="1"/>
-          </p:nvPr>
-        </p:nvSpPr>
-        <p:spPr>
-          <a:xfrm>
-            <a:off x="142865" y="1200150"/>
-            <a:ext cx="8865056" cy="3737370"/>
-          </a:xfrm>
-        </p:spPr>
-        <p:txBody>
-          <a:bodyPr>
-            <a:noAutofit/>
-          </a:bodyPr>
-          <a:lstStyle/>
-          <a:p>
-            <a:pPr marL="0" indent="0" algn="just">
-              <a:buNone/>
-            </a:pPr>
-            <a:r>
-              <a:rPr lang="pt-BR" sz="2400" dirty="0">
-                <a:latin typeface="Times New Roman" panose="02020603050405020304" pitchFamily="18" charset="0"/>
-                <a:cs typeface="Times New Roman" panose="02020603050405020304" pitchFamily="18" charset="0"/>
-              </a:rPr>
-              <a:t>[1] Algoritmos e Complexidade – Parte 1</a:t>
-            </a:r>
-          </a:p>
-          <a:p>
-            <a:pPr marL="0" indent="0" algn="just">
-              <a:buNone/>
-            </a:pPr>
-            <a:r>
-              <a:rPr lang="pt-BR" sz="2400" b="1" dirty="0">
-                <a:solidFill>
-                  <a:srgbClr val="FF0000"/>
-                </a:solidFill>
-                <a:latin typeface="Times New Roman" panose="02020603050405020304" pitchFamily="18" charset="0"/>
-                <a:cs typeface="Times New Roman" panose="02020603050405020304" pitchFamily="18" charset="0"/>
-              </a:rPr>
-              <a:t>Disponível em: </a:t>
-            </a:r>
-            <a:r>
-              <a:rPr lang="pt-BR" sz="2400" dirty="0">
-                <a:latin typeface="Times New Roman" panose="02020603050405020304" pitchFamily="18" charset="0"/>
-                <a:cs typeface="Times New Roman" panose="02020603050405020304" pitchFamily="18" charset="0"/>
-                <a:hlinkClick r:id="rId3"/>
-              </a:rPr>
-              <a:t>https://</a:t>
-            </a:r>
-            <a:endParaRPr lang="pt-BR" sz="2400" dirty="0">
-              <a:latin typeface="Times New Roman" panose="02020603050405020304" pitchFamily="18" charset="0"/>
-              <a:cs typeface="Times New Roman" panose="02020603050405020304" pitchFamily="18" charset="0"/>
-            </a:endParaRPr>
-          </a:p>
-          <a:p>
-            <a:pPr marL="0" indent="0" algn="just">
-              <a:buNone/>
-            </a:pPr>
-            <a:endParaRPr lang="pt-BR" sz="2400" dirty="0">
-              <a:latin typeface="Times New Roman" panose="02020603050405020304" pitchFamily="18" charset="0"/>
-              <a:cs typeface="Times New Roman" panose="02020603050405020304" pitchFamily="18" charset="0"/>
-            </a:endParaRPr>
-          </a:p>
-          <a:p>
-            <a:pPr marL="0" indent="0" algn="just">
-              <a:buNone/>
-            </a:pPr>
-            <a:r>
-              <a:rPr lang="pt-BR" sz="2400" dirty="0">
-                <a:latin typeface="Times New Roman" panose="02020603050405020304" pitchFamily="18" charset="0"/>
-                <a:cs typeface="Times New Roman" panose="02020603050405020304" pitchFamily="18" charset="0"/>
-              </a:rPr>
-              <a:t>[2] Algoritmos e Complexidade – Parte 2</a:t>
-            </a:r>
-          </a:p>
-          <a:p>
-            <a:pPr marL="0" indent="0" algn="just">
-              <a:buNone/>
-            </a:pPr>
-            <a:r>
-              <a:rPr lang="pt-BR" sz="2400" b="1" dirty="0">
-                <a:solidFill>
-                  <a:srgbClr val="FF0000"/>
-                </a:solidFill>
-                <a:latin typeface="Times New Roman" panose="02020603050405020304" pitchFamily="18" charset="0"/>
-                <a:cs typeface="Times New Roman" panose="02020603050405020304" pitchFamily="18" charset="0"/>
-              </a:rPr>
-              <a:t>Disponível em: </a:t>
-            </a:r>
-            <a:r>
-              <a:rPr lang="pt-BR" sz="2400" dirty="0">
-                <a:latin typeface="Times New Roman" panose="02020603050405020304" pitchFamily="18" charset="0"/>
-                <a:cs typeface="Times New Roman" panose="02020603050405020304" pitchFamily="18" charset="0"/>
-                <a:hlinkClick r:id="rId4"/>
-              </a:rPr>
-              <a:t>https://</a:t>
-            </a:r>
-            <a:endParaRPr lang="pt-BR" sz="2400" dirty="0">
-              <a:latin typeface="Times New Roman" panose="02020603050405020304" pitchFamily="18" charset="0"/>
-              <a:cs typeface="Times New Roman" panose="02020603050405020304" pitchFamily="18" charset="0"/>
-            </a:endParaRPr>
-          </a:p>
-          <a:p>
-            <a:pPr marL="0" indent="0" algn="just">
-              <a:buNone/>
-            </a:pPr>
-            <a:endParaRPr lang="pt-BR" sz="2400" dirty="0">
-              <a:latin typeface="Times New Roman" panose="02020603050405020304" pitchFamily="18" charset="0"/>
-              <a:cs typeface="Times New Roman" panose="02020603050405020304" pitchFamily="18" charset="0"/>
+              <a:t> – </a:t>
+            </a:r>
+            <a:r>
+              <a:rPr lang="en-US" b="1" dirty="0" err="1">
+                <a:solidFill>
+                  <a:srgbClr val="0070C0"/>
+                </a:solidFill>
+              </a:rPr>
+              <a:t>Definição</a:t>
+            </a:r>
+            <a:endParaRPr lang="en-US" b="1" dirty="0">
+              <a:solidFill>
+                <a:srgbClr val="0070C0"/>
+              </a:solidFill>
             </a:endParaRPr>
           </a:p>
         </p:txBody>
       </p:sp>
+      <mc:AlternateContent xmlns:mc="http://schemas.openxmlformats.org/markup-compatibility/2006">
+        <mc:Choice xmlns:a14="http://schemas.microsoft.com/office/drawing/2010/main" Requires="a14">
+          <p:sp>
+            <p:nvSpPr>
+              <p:cNvPr id="8" name="Text Placeholder 2">
+                <a:extLst>
+                  <a:ext uri="{FF2B5EF4-FFF2-40B4-BE49-F238E27FC236}">
+                    <a16:creationId xmlns:a16="http://schemas.microsoft.com/office/drawing/2014/main" id="{1D598E05-7ABD-EA1A-FEA4-6FCAD54A581F}"/>
+                  </a:ext>
+                </a:extLst>
+              </p:cNvPr>
+              <p:cNvSpPr>
+                <a:spLocks noGrp="1"/>
+              </p:cNvSpPr>
+              <p:nvPr>
+                <p:ph type="body" sz="half" idx="1"/>
+              </p:nvPr>
+            </p:nvSpPr>
+            <p:spPr>
+              <a:xfrm>
+                <a:off x="142865" y="1200150"/>
+                <a:ext cx="8865056" cy="3737370"/>
+              </a:xfrm>
+            </p:spPr>
+            <p:txBody>
+              <a:bodyPr>
+                <a:noAutofit/>
+              </a:bodyPr>
+              <a:lstStyle/>
+              <a:p>
+                <a:pPr marL="0" indent="0">
+                  <a:buNone/>
+                </a:pPr>
+                <a:r>
+                  <a:rPr lang="pt-BR" sz="2200" b="1" dirty="0">
+                    <a:latin typeface="Times New Roman" panose="02020603050405020304" pitchFamily="18" charset="0"/>
+                    <a:cs typeface="Times New Roman" panose="02020603050405020304" pitchFamily="18" charset="0"/>
+                  </a:rPr>
+                  <a:t>Forma geral:</a:t>
+                </a:r>
+                <a:endParaRPr lang="pt-BR" sz="2200" dirty="0">
+                  <a:solidFill>
+                    <a:srgbClr val="FF0000"/>
+                  </a:solidFill>
+                  <a:latin typeface="Times New Roman" panose="02020603050405020304" pitchFamily="18" charset="0"/>
+                  <a:cs typeface="Times New Roman" panose="02020603050405020304" pitchFamily="18" charset="0"/>
+                </a:endParaRPr>
+              </a:p>
+              <a:p>
+                <a:pPr marL="0" indent="0">
+                  <a:buNone/>
+                </a:pPr>
+                <a14:m>
+                  <m:oMathPara xmlns:m="http://schemas.openxmlformats.org/officeDocument/2006/math">
+                    <m:oMathParaPr>
+                      <m:jc m:val="centerGroup"/>
+                    </m:oMathParaPr>
+                    <m:oMath xmlns:m="http://schemas.openxmlformats.org/officeDocument/2006/math">
+                      <m:r>
+                        <a:rPr lang="pt-BR" sz="2200" b="1" i="1">
+                          <a:solidFill>
+                            <a:srgbClr val="FF0000"/>
+                          </a:solidFill>
+                          <a:latin typeface="Cambria Math" panose="02040503050406030204" pitchFamily="18" charset="0"/>
+                        </a:rPr>
+                        <m:t>𝑻</m:t>
+                      </m:r>
+                      <m:r>
+                        <a:rPr lang="pt-BR" sz="2200" b="1" i="1">
+                          <a:solidFill>
+                            <a:srgbClr val="FF0000"/>
+                          </a:solidFill>
+                          <a:latin typeface="Cambria Math" panose="02040503050406030204" pitchFamily="18" charset="0"/>
+                        </a:rPr>
+                        <m:t>(</m:t>
+                      </m:r>
+                      <m:r>
+                        <a:rPr lang="pt-BR" sz="2200" b="1" i="1">
+                          <a:solidFill>
+                            <a:srgbClr val="FF0000"/>
+                          </a:solidFill>
+                          <a:latin typeface="Cambria Math" panose="02040503050406030204" pitchFamily="18" charset="0"/>
+                        </a:rPr>
+                        <m:t>𝒏</m:t>
+                      </m:r>
+                      <m:r>
+                        <a:rPr lang="pt-BR" sz="2200" b="1" i="1">
+                          <a:solidFill>
+                            <a:srgbClr val="FF0000"/>
+                          </a:solidFill>
+                          <a:latin typeface="Cambria Math" panose="02040503050406030204" pitchFamily="18" charset="0"/>
+                        </a:rPr>
+                        <m:t>)=</m:t>
+                      </m:r>
+                      <m:r>
+                        <a:rPr lang="pt-BR" sz="2200" b="1" i="1">
+                          <a:solidFill>
+                            <a:srgbClr val="FF0000"/>
+                          </a:solidFill>
+                          <a:latin typeface="Cambria Math" panose="02040503050406030204" pitchFamily="18" charset="0"/>
+                        </a:rPr>
+                        <m:t>𝒂</m:t>
+                      </m:r>
+                      <m:r>
+                        <a:rPr lang="pt-BR" sz="2200" b="1" i="1">
+                          <a:solidFill>
+                            <a:srgbClr val="FF0000"/>
+                          </a:solidFill>
+                          <a:latin typeface="Cambria Math" panose="02040503050406030204" pitchFamily="18" charset="0"/>
+                        </a:rPr>
+                        <m:t>⋅</m:t>
+                      </m:r>
+                      <m:r>
+                        <a:rPr lang="pt-BR" sz="2200" b="1" i="1">
+                          <a:solidFill>
+                            <a:srgbClr val="FF0000"/>
+                          </a:solidFill>
+                          <a:latin typeface="Cambria Math" panose="02040503050406030204" pitchFamily="18" charset="0"/>
+                        </a:rPr>
+                        <m:t>𝑻</m:t>
+                      </m:r>
+                      <m:r>
+                        <a:rPr lang="pt-BR" sz="2200" b="1" i="1">
+                          <a:solidFill>
+                            <a:srgbClr val="FF0000"/>
+                          </a:solidFill>
+                          <a:latin typeface="Cambria Math" panose="02040503050406030204" pitchFamily="18" charset="0"/>
+                        </a:rPr>
+                        <m:t>(</m:t>
+                      </m:r>
+                      <m:f>
+                        <m:fPr>
+                          <m:ctrlPr>
+                            <a:rPr lang="pt-BR" sz="2200" b="1" i="1">
+                              <a:solidFill>
+                                <a:srgbClr val="FF0000"/>
+                              </a:solidFill>
+                              <a:latin typeface="Cambria Math" panose="02040503050406030204" pitchFamily="18" charset="0"/>
+                            </a:rPr>
+                          </m:ctrlPr>
+                        </m:fPr>
+                        <m:num>
+                          <m:r>
+                            <a:rPr lang="pt-BR" sz="2200" b="1" i="1">
+                              <a:solidFill>
+                                <a:srgbClr val="FF0000"/>
+                              </a:solidFill>
+                              <a:latin typeface="Cambria Math" panose="02040503050406030204" pitchFamily="18" charset="0"/>
+                            </a:rPr>
+                            <m:t>𝒏</m:t>
+                          </m:r>
+                        </m:num>
+                        <m:den>
+                          <m:r>
+                            <a:rPr lang="pt-BR" sz="2200" b="1" i="1">
+                              <a:solidFill>
+                                <a:srgbClr val="FF0000"/>
+                              </a:solidFill>
+                              <a:latin typeface="Cambria Math" panose="02040503050406030204" pitchFamily="18" charset="0"/>
+                            </a:rPr>
+                            <m:t>𝒃</m:t>
+                          </m:r>
+                        </m:den>
+                      </m:f>
+                      <m:r>
+                        <a:rPr lang="pt-BR" sz="2200" b="1" i="1">
+                          <a:solidFill>
+                            <a:srgbClr val="FF0000"/>
+                          </a:solidFill>
+                          <a:latin typeface="Cambria Math" panose="02040503050406030204" pitchFamily="18" charset="0"/>
+                        </a:rPr>
+                        <m:t>)+</m:t>
+                      </m:r>
+                      <m:r>
+                        <a:rPr lang="pt-BR" sz="2200" b="1" i="1">
+                          <a:solidFill>
+                            <a:srgbClr val="FF0000"/>
+                          </a:solidFill>
+                          <a:latin typeface="Cambria Math" panose="02040503050406030204" pitchFamily="18" charset="0"/>
+                        </a:rPr>
+                        <m:t>𝒇</m:t>
+                      </m:r>
+                      <m:r>
+                        <a:rPr lang="pt-BR" sz="2200" b="1" i="1">
+                          <a:solidFill>
+                            <a:srgbClr val="FF0000"/>
+                          </a:solidFill>
+                          <a:latin typeface="Cambria Math" panose="02040503050406030204" pitchFamily="18" charset="0"/>
+                        </a:rPr>
+                        <m:t>(</m:t>
+                      </m:r>
+                      <m:r>
+                        <a:rPr lang="pt-BR" sz="2200" b="1" i="1">
+                          <a:solidFill>
+                            <a:srgbClr val="FF0000"/>
+                          </a:solidFill>
+                          <a:latin typeface="Cambria Math" panose="02040503050406030204" pitchFamily="18" charset="0"/>
+                        </a:rPr>
+                        <m:t>𝒏</m:t>
+                      </m:r>
+                      <m:r>
+                        <a:rPr lang="pt-BR" sz="2200" b="1" i="1">
+                          <a:solidFill>
+                            <a:srgbClr val="FF0000"/>
+                          </a:solidFill>
+                          <a:latin typeface="Cambria Math" panose="02040503050406030204" pitchFamily="18" charset="0"/>
+                        </a:rPr>
+                        <m:t>)</m:t>
+                      </m:r>
+                    </m:oMath>
+                  </m:oMathPara>
+                </a14:m>
+                <a:br>
+                  <a:rPr lang="pt-BR" sz="2200" i="1" dirty="0">
+                    <a:latin typeface="Times New Roman" panose="02020603050405020304" pitchFamily="18" charset="0"/>
+                    <a:cs typeface="Times New Roman" panose="02020603050405020304" pitchFamily="18" charset="0"/>
+                  </a:rPr>
+                </a:br>
+                <a:endParaRPr lang="pt-BR" sz="2200" dirty="0">
+                  <a:latin typeface="Times New Roman" panose="02020603050405020304" pitchFamily="18" charset="0"/>
+                  <a:cs typeface="Times New Roman" panose="02020603050405020304" pitchFamily="18" charset="0"/>
+                </a:endParaRPr>
+              </a:p>
+              <a:p>
+                <a:pPr marL="0" indent="0">
+                  <a:buNone/>
+                </a:pPr>
+                <a:r>
+                  <a:rPr lang="pt-BR" sz="2200" b="1" dirty="0">
+                    <a:latin typeface="Times New Roman" panose="02020603050405020304" pitchFamily="18" charset="0"/>
+                    <a:cs typeface="Times New Roman" panose="02020603050405020304" pitchFamily="18" charset="0"/>
+                  </a:rPr>
+                  <a:t>onde</a:t>
+                </a:r>
+                <a:r>
+                  <a:rPr lang="pt-BR" sz="2200" dirty="0">
+                    <a:latin typeface="Times New Roman" panose="02020603050405020304" pitchFamily="18" charset="0"/>
+                    <a:cs typeface="Times New Roman" panose="02020603050405020304" pitchFamily="18" charset="0"/>
+                  </a:rPr>
+                  <a:t>:</a:t>
+                </a:r>
+              </a:p>
+              <a:p>
+                <a:pPr lvl="0">
+                  <a:buFont typeface="Wingdings" panose="05000000000000000000" pitchFamily="2" charset="2"/>
+                  <a:buChar char="§"/>
+                </a:pPr>
+                <a14:m>
+                  <m:oMath xmlns:m="http://schemas.openxmlformats.org/officeDocument/2006/math">
+                    <m:r>
+                      <a:rPr lang="pt-BR" sz="2200" i="1">
+                        <a:latin typeface="Cambria Math" panose="02040503050406030204" pitchFamily="18" charset="0"/>
+                      </a:rPr>
+                      <m:t>𝑎</m:t>
+                    </m:r>
+                  </m:oMath>
+                </a14:m>
+                <a:r>
+                  <a:rPr lang="pt-BR" sz="2200" dirty="0">
+                    <a:latin typeface="Times New Roman" panose="02020603050405020304" pitchFamily="18" charset="0"/>
+                    <a:cs typeface="Times New Roman" panose="02020603050405020304" pitchFamily="18" charset="0"/>
+                  </a:rPr>
+                  <a:t>→ número de subproblemas, </a:t>
+                </a:r>
+              </a:p>
+              <a:p>
+                <a:pPr lvl="0">
+                  <a:buFont typeface="Wingdings" panose="05000000000000000000" pitchFamily="2" charset="2"/>
+                  <a:buChar char="§"/>
+                </a:pPr>
+                <a14:m>
+                  <m:oMath xmlns:m="http://schemas.openxmlformats.org/officeDocument/2006/math">
+                    <m:r>
+                      <a:rPr lang="pt-BR" sz="2200" i="1">
+                        <a:latin typeface="Cambria Math" panose="02040503050406030204" pitchFamily="18" charset="0"/>
+                      </a:rPr>
+                      <m:t>𝑏</m:t>
+                    </m:r>
+                  </m:oMath>
+                </a14:m>
+                <a:r>
+                  <a:rPr lang="pt-BR" sz="2200" dirty="0">
+                    <a:latin typeface="Times New Roman" panose="02020603050405020304" pitchFamily="18" charset="0"/>
+                    <a:cs typeface="Times New Roman" panose="02020603050405020304" pitchFamily="18" charset="0"/>
+                  </a:rPr>
+                  <a:t>→ fator de divisão do problema,</a:t>
+                </a:r>
+              </a:p>
+              <a:p>
+                <a:pPr lvl="0">
+                  <a:buFont typeface="Wingdings" panose="05000000000000000000" pitchFamily="2" charset="2"/>
+                  <a:buChar char="§"/>
+                </a:pPr>
+                <a14:m>
+                  <m:oMath xmlns:m="http://schemas.openxmlformats.org/officeDocument/2006/math">
+                    <m:r>
+                      <a:rPr lang="pt-BR" sz="2200" i="1">
+                        <a:latin typeface="Cambria Math" panose="02040503050406030204" pitchFamily="18" charset="0"/>
+                      </a:rPr>
+                      <m:t>𝑓</m:t>
+                    </m:r>
+                    <m:r>
+                      <a:rPr lang="pt-BR" sz="2200" i="1">
+                        <a:latin typeface="Cambria Math" panose="02040503050406030204" pitchFamily="18" charset="0"/>
+                      </a:rPr>
+                      <m:t>(</m:t>
+                    </m:r>
+                    <m:r>
+                      <a:rPr lang="pt-BR" sz="2200" i="1">
+                        <a:latin typeface="Cambria Math" panose="02040503050406030204" pitchFamily="18" charset="0"/>
+                      </a:rPr>
+                      <m:t>𝑛</m:t>
+                    </m:r>
+                    <m:r>
+                      <a:rPr lang="pt-BR" sz="2200" i="1">
+                        <a:latin typeface="Cambria Math" panose="02040503050406030204" pitchFamily="18" charset="0"/>
+                      </a:rPr>
+                      <m:t>)</m:t>
+                    </m:r>
+                  </m:oMath>
+                </a14:m>
+                <a:r>
+                  <a:rPr lang="pt-BR" sz="2200" dirty="0">
+                    <a:latin typeface="Times New Roman" panose="02020603050405020304" pitchFamily="18" charset="0"/>
+                    <a:cs typeface="Times New Roman" panose="02020603050405020304" pitchFamily="18" charset="0"/>
+                  </a:rPr>
+                  <a:t>→ </a:t>
+                </a:r>
+                <a:r>
+                  <a:rPr lang="pt-BR" sz="2200" b="1" dirty="0">
+                    <a:solidFill>
+                      <a:srgbClr val="FF0000"/>
+                    </a:solidFill>
+                    <a:latin typeface="Times New Roman" panose="02020603050405020304" pitchFamily="18" charset="0"/>
+                    <a:cs typeface="Times New Roman" panose="02020603050405020304" pitchFamily="18" charset="0"/>
+                  </a:rPr>
+                  <a:t>custo</a:t>
+                </a:r>
+                <a:r>
+                  <a:rPr lang="pt-BR" sz="2200" dirty="0">
+                    <a:latin typeface="Times New Roman" panose="02020603050405020304" pitchFamily="18" charset="0"/>
+                    <a:cs typeface="Times New Roman" panose="02020603050405020304" pitchFamily="18" charset="0"/>
+                  </a:rPr>
+                  <a:t> do trabalho fora das </a:t>
+                </a:r>
+                <a:r>
+                  <a:rPr lang="pt-BR" sz="2200" b="1" dirty="0">
+                    <a:latin typeface="Times New Roman" panose="02020603050405020304" pitchFamily="18" charset="0"/>
+                    <a:cs typeface="Times New Roman" panose="02020603050405020304" pitchFamily="18" charset="0"/>
+                  </a:rPr>
+                  <a:t>chamadas recursivas</a:t>
+                </a:r>
+                <a:r>
+                  <a:rPr lang="pt-BR" sz="2200" dirty="0">
+                    <a:latin typeface="Times New Roman" panose="02020603050405020304" pitchFamily="18" charset="0"/>
+                    <a:cs typeface="Times New Roman" panose="02020603050405020304" pitchFamily="18" charset="0"/>
+                  </a:rPr>
+                  <a:t>. </a:t>
+                </a:r>
+                <a14:m>
+                  <m:oMath xmlns:m="http://schemas.openxmlformats.org/officeDocument/2006/math">
+                    <m:r>
+                      <a:rPr lang="pt-BR" sz="2200" i="1">
+                        <a:latin typeface="Cambria Math" panose="02040503050406030204" pitchFamily="18" charset="0"/>
+                      </a:rPr>
+                      <m:t>𝑓</m:t>
+                    </m:r>
+                    <m:d>
+                      <m:dPr>
+                        <m:ctrlPr>
+                          <a:rPr lang="pt-BR" sz="2200" i="1">
+                            <a:latin typeface="Cambria Math" panose="02040503050406030204" pitchFamily="18" charset="0"/>
+                          </a:rPr>
+                        </m:ctrlPr>
+                      </m:dPr>
+                      <m:e>
+                        <m:r>
+                          <a:rPr lang="pt-BR" sz="2200" i="1">
+                            <a:latin typeface="Cambria Math" panose="02040503050406030204" pitchFamily="18" charset="0"/>
+                          </a:rPr>
+                          <m:t>𝑛</m:t>
+                        </m:r>
+                      </m:e>
+                    </m:d>
+                    <m:r>
+                      <a:rPr lang="pt-BR" sz="2200" b="0" i="1" smtClean="0">
+                        <a:latin typeface="Cambria Math" panose="02040503050406030204" pitchFamily="18" charset="0"/>
+                      </a:rPr>
+                      <m:t>&gt;0</m:t>
+                    </m:r>
+                  </m:oMath>
+                </a14:m>
+                <a:endParaRPr lang="pt-BR" sz="2200" dirty="0">
+                  <a:latin typeface="Times New Roman" panose="02020603050405020304" pitchFamily="18" charset="0"/>
+                  <a:cs typeface="Times New Roman" panose="02020603050405020304" pitchFamily="18" charset="0"/>
+                </a:endParaRPr>
+              </a:p>
+              <a:p>
+                <a:pPr lvl="0">
+                  <a:buFont typeface="Wingdings" panose="05000000000000000000" pitchFamily="2" charset="2"/>
+                  <a:buChar char="§"/>
+                </a:pPr>
+                <a:r>
+                  <a:rPr lang="pt-BR" sz="2200" b="1" dirty="0">
+                    <a:solidFill>
+                      <a:srgbClr val="FF0000"/>
+                    </a:solidFill>
+                    <a:latin typeface="Times New Roman" panose="02020603050405020304" pitchFamily="18" charset="0"/>
+                    <a:cs typeface="Times New Roman" panose="02020603050405020304" pitchFamily="18" charset="0"/>
+                  </a:rPr>
+                  <a:t>Constantes</a:t>
+                </a:r>
+                <a:r>
+                  <a:rPr lang="pt-BR" sz="2200" dirty="0">
+                    <a:latin typeface="Times New Roman" panose="02020603050405020304" pitchFamily="18" charset="0"/>
+                    <a:cs typeface="Times New Roman" panose="02020603050405020304" pitchFamily="18" charset="0"/>
+                  </a:rPr>
+                  <a:t>: </a:t>
+                </a:r>
+                <a:r>
+                  <a:rPr lang="pt-BR" sz="2200" b="1" dirty="0">
+                    <a:latin typeface="Times New Roman" panose="02020603050405020304" pitchFamily="18" charset="0"/>
+                    <a:cs typeface="Times New Roman" panose="02020603050405020304" pitchFamily="18" charset="0"/>
+                  </a:rPr>
+                  <a:t>a</a:t>
+                </a:r>
+                <a:r>
+                  <a:rPr lang="pt-BR" sz="2200" dirty="0">
+                    <a:latin typeface="Times New Roman" panose="02020603050405020304" pitchFamily="18" charset="0"/>
+                    <a:cs typeface="Times New Roman" panose="02020603050405020304" pitchFamily="18" charset="0"/>
+                  </a:rPr>
+                  <a:t> &gt;= 1; </a:t>
+                </a:r>
+                <a:r>
+                  <a:rPr lang="pt-BR" sz="2200" b="1" dirty="0">
+                    <a:latin typeface="Times New Roman" panose="02020603050405020304" pitchFamily="18" charset="0"/>
+                    <a:cs typeface="Times New Roman" panose="02020603050405020304" pitchFamily="18" charset="0"/>
+                  </a:rPr>
+                  <a:t>b</a:t>
+                </a:r>
+                <a:r>
+                  <a:rPr lang="pt-BR" sz="2200" dirty="0">
+                    <a:latin typeface="Times New Roman" panose="02020603050405020304" pitchFamily="18" charset="0"/>
+                    <a:cs typeface="Times New Roman" panose="02020603050405020304" pitchFamily="18" charset="0"/>
+                  </a:rPr>
+                  <a:t> &gt; 1; </a:t>
+                </a:r>
+                <a:r>
+                  <a:rPr lang="pt-BR" sz="2200" b="1" dirty="0">
+                    <a:latin typeface="Times New Roman" panose="02020603050405020304" pitchFamily="18" charset="0"/>
+                    <a:cs typeface="Times New Roman" panose="02020603050405020304" pitchFamily="18" charset="0"/>
+                  </a:rPr>
+                  <a:t>k</a:t>
+                </a:r>
+                <a:r>
+                  <a:rPr lang="pt-BR" sz="2200" dirty="0">
+                    <a:latin typeface="Times New Roman" panose="02020603050405020304" pitchFamily="18" charset="0"/>
+                    <a:cs typeface="Times New Roman" panose="02020603050405020304" pitchFamily="18" charset="0"/>
+                  </a:rPr>
+                  <a:t> &gt;= 0; O(</a:t>
+                </a:r>
+                <a:r>
+                  <a:rPr lang="pt-BR" sz="2200" dirty="0" err="1">
+                    <a:latin typeface="Times New Roman" panose="02020603050405020304" pitchFamily="18" charset="0"/>
+                    <a:cs typeface="Times New Roman" panose="02020603050405020304" pitchFamily="18" charset="0"/>
+                  </a:rPr>
+                  <a:t>n</a:t>
+                </a:r>
+                <a:r>
+                  <a:rPr lang="pt-BR" sz="2200" baseline="30000" dirty="0" err="1">
+                    <a:latin typeface="Times New Roman" panose="02020603050405020304" pitchFamily="18" charset="0"/>
+                    <a:cs typeface="Times New Roman" panose="02020603050405020304" pitchFamily="18" charset="0"/>
+                  </a:rPr>
+                  <a:t>k</a:t>
+                </a:r>
+                <a:r>
+                  <a:rPr lang="pt-BR" sz="2200" dirty="0">
+                    <a:latin typeface="Times New Roman" panose="02020603050405020304" pitchFamily="18" charset="0"/>
+                    <a:cs typeface="Times New Roman" panose="02020603050405020304" pitchFamily="18" charset="0"/>
+                  </a:rPr>
+                  <a:t>)</a:t>
+                </a:r>
+              </a:p>
+            </p:txBody>
+          </p:sp>
+        </mc:Choice>
+        <mc:Fallback>
+          <p:sp>
+            <p:nvSpPr>
+              <p:cNvPr id="8" name="Text Placeholder 2">
+                <a:extLst>
+                  <a:ext uri="{FF2B5EF4-FFF2-40B4-BE49-F238E27FC236}">
+                    <a16:creationId xmlns:a16="http://schemas.microsoft.com/office/drawing/2014/main" id="{1D598E05-7ABD-EA1A-FEA4-6FCAD54A581F}"/>
+                  </a:ext>
+                </a:extLst>
+              </p:cNvPr>
+              <p:cNvSpPr>
+                <a:spLocks noGrp="1" noRot="1" noChangeAspect="1" noMove="1" noResize="1" noEditPoints="1" noAdjustHandles="1" noChangeArrowheads="1" noChangeShapeType="1" noTextEdit="1"/>
+              </p:cNvSpPr>
+              <p:nvPr>
+                <p:ph type="body" sz="half" idx="1"/>
+              </p:nvPr>
+            </p:nvSpPr>
+            <p:spPr>
+              <a:xfrm>
+                <a:off x="142865" y="1200150"/>
+                <a:ext cx="8865056" cy="3737370"/>
+              </a:xfrm>
+              <a:blipFill>
+                <a:blip r:embed="rId3"/>
+                <a:stretch>
+                  <a:fillRect l="-1375" t="-1142"/>
+                </a:stretch>
+              </a:blipFill>
+            </p:spPr>
+            <p:txBody>
+              <a:bodyPr/>
+              <a:lstStyle/>
+              <a:p>
+                <a:r>
+                  <a:rPr lang="pt-BR">
+                    <a:noFill/>
+                  </a:rPr>
+                  <a:t> </a:t>
+                </a:r>
+              </a:p>
+            </p:txBody>
+          </p:sp>
+        </mc:Fallback>
+      </mc:AlternateContent>
     </p:spTree>
     <p:extLst>
       <p:ext uri="{BB962C8B-B14F-4D97-AF65-F5344CB8AC3E}">
-        <p14:creationId xmlns:p14="http://schemas.microsoft.com/office/powerpoint/2010/main" val="2747596967"/>
+        <p14:creationId xmlns:p14="http://schemas.microsoft.com/office/powerpoint/2010/main" val="998028054"/>
       </p:ext>
     </p:extLst>
   </p:cSld>
@@ -4810,12 +8997,18 @@
 </p:sld>
 </file>
 
-<file path=ppt/slides/slide6.xml><?xml version="1.0" encoding="utf-8"?>
+<file path=ppt/slides/slide7.xml><?xml version="1.0" encoding="utf-8"?>
 <p:sld xmlns:a="http://schemas.openxmlformats.org/drawingml/2006/main" xmlns:r="http://schemas.openxmlformats.org/officeDocument/2006/relationships" xmlns:p="http://schemas.openxmlformats.org/presentationml/2006/main">
   <p:cSld>
     <p:spTree>
       <p:nvGrpSpPr>
-        <p:cNvPr id="1" name=""/>
+        <p:cNvPr id="1" name="">
+          <a:extLst>
+            <a:ext uri="{FF2B5EF4-FFF2-40B4-BE49-F238E27FC236}">
+              <a16:creationId xmlns:a16="http://schemas.microsoft.com/office/drawing/2014/main" id="{EAAA033D-F5C5-3DB2-5858-0ECD8EFB6F08}"/>
+            </a:ext>
+          </a:extLst>
+        </p:cNvPr>
         <p:cNvGrpSpPr/>
         <p:nvPr/>
       </p:nvGrpSpPr>
@@ -4829,7 +9022,13 @@
       </p:grpSpPr>
       <p:sp>
         <p:nvSpPr>
-          <p:cNvPr id="6" name="Title 1"/>
+          <p:cNvPr id="6" name="Title 1">
+            <a:extLst>
+              <a:ext uri="{FF2B5EF4-FFF2-40B4-BE49-F238E27FC236}">
+                <a16:creationId xmlns:a16="http://schemas.microsoft.com/office/drawing/2014/main" id="{25C3BDCC-0FB2-277A-DB13-601CFA246463}"/>
+              </a:ext>
+            </a:extLst>
+          </p:cNvPr>
           <p:cNvSpPr>
             <a:spLocks noGrp="1"/>
           </p:cNvSpPr>
@@ -4850,12 +9049,20 @@
           <a:lstStyle/>
           <a:p>
             <a:r>
+              <a:rPr lang="en-US" b="1" dirty="0">
+                <a:solidFill>
+                  <a:srgbClr val="0070C0"/>
+                </a:solidFill>
+              </a:rPr>
+              <a:t>Eq. </a:t>
+            </a:r>
+            <a:r>
               <a:rPr lang="en-US" b="1" dirty="0" err="1">
                 <a:solidFill>
                   <a:srgbClr val="0070C0"/>
                 </a:solidFill>
               </a:rPr>
-              <a:t>Dinâmica</a:t>
+              <a:t>Recorrência</a:t>
             </a:r>
             <a:r>
               <a:rPr lang="en-US" b="1" dirty="0">
@@ -4863,7 +9070,7 @@
                   <a:srgbClr val="0070C0"/>
                 </a:solidFill>
               </a:rPr>
-              <a:t>/</a:t>
+              <a:t> – </a:t>
             </a:r>
             <a:r>
               <a:rPr lang="en-US" b="1" dirty="0" err="1">
@@ -4871,83 +9078,1151 @@
                   <a:srgbClr val="0070C0"/>
                 </a:solidFill>
               </a:rPr>
-              <a:t>Atividades</a:t>
-            </a:r>
-            <a:endParaRPr lang="en-US" b="1" dirty="0">
-              <a:solidFill>
-                <a:srgbClr val="0070C0"/>
-              </a:solidFill>
-            </a:endParaRPr>
+              <a:t>Teorema</a:t>
+            </a:r>
+            <a:r>
+              <a:rPr lang="en-US" b="1" dirty="0">
+                <a:solidFill>
+                  <a:srgbClr val="0070C0"/>
+                </a:solidFill>
+              </a:rPr>
+              <a:t> Mestre</a:t>
+            </a:r>
           </a:p>
         </p:txBody>
       </p:sp>
-      <p:sp>
-        <p:nvSpPr>
-          <p:cNvPr id="8" name="Text Placeholder 2"/>
-          <p:cNvSpPr>
-            <a:spLocks noGrp="1"/>
-          </p:cNvSpPr>
-          <p:nvPr>
-            <p:ph type="body" sz="half" idx="1"/>
-          </p:nvPr>
-        </p:nvSpPr>
-        <p:spPr>
-          <a:xfrm>
-            <a:off x="139472" y="1063230"/>
-            <a:ext cx="8865056" cy="3606305"/>
-          </a:xfrm>
-        </p:spPr>
-        <p:txBody>
-          <a:bodyPr>
-            <a:noAutofit/>
-          </a:bodyPr>
-          <a:lstStyle/>
-          <a:p>
-            <a:pPr algn="just">
-              <a:buFont typeface="Wingdings" panose="05000000000000000000" pitchFamily="2" charset="2"/>
-              <a:buChar char="§"/>
-            </a:pPr>
-            <a:r>
-              <a:rPr lang="pt-BR" dirty="0">
-                <a:latin typeface="Times New Roman" panose="02020603050405020304" pitchFamily="18" charset="0"/>
-                <a:cs typeface="Times New Roman" panose="02020603050405020304" pitchFamily="18" charset="0"/>
-              </a:rPr>
-              <a:t>	Exercícios (Atividade Verificadora de Aprendizagem)</a:t>
-            </a:r>
-          </a:p>
-          <a:p>
-            <a:pPr marL="0" indent="0" algn="just">
-              <a:buNone/>
-            </a:pPr>
-            <a:r>
-              <a:rPr lang="pt-BR" dirty="0">
-                <a:latin typeface="Times New Roman" panose="02020603050405020304" pitchFamily="18" charset="0"/>
-                <a:cs typeface="Times New Roman" panose="02020603050405020304" pitchFamily="18" charset="0"/>
-              </a:rPr>
-              <a:t> </a:t>
-            </a:r>
-            <a:r>
-              <a:rPr lang="pt-BR" sz="2400" dirty="0">
-                <a:latin typeface="Times New Roman" panose="02020603050405020304" pitchFamily="18" charset="0"/>
-                <a:cs typeface="Times New Roman" panose="02020603050405020304" pitchFamily="18" charset="0"/>
-              </a:rPr>
-              <a:t>	</a:t>
-            </a:r>
-          </a:p>
-          <a:p>
-            <a:pPr marL="0" indent="0" algn="just">
-              <a:buNone/>
-            </a:pPr>
-            <a:endParaRPr lang="pt-BR" sz="2000" dirty="0">
-              <a:latin typeface="Calibri" panose="020F0502020204030204" pitchFamily="34" charset="0"/>
-            </a:endParaRPr>
-          </a:p>
-        </p:txBody>
-      </p:sp>
+      <mc:AlternateContent xmlns:mc="http://schemas.openxmlformats.org/markup-compatibility/2006">
+        <mc:Choice xmlns:a14="http://schemas.microsoft.com/office/drawing/2010/main" Requires="a14">
+          <p:sp>
+            <p:nvSpPr>
+              <p:cNvPr id="8" name="Text Placeholder 2">
+                <a:extLst>
+                  <a:ext uri="{FF2B5EF4-FFF2-40B4-BE49-F238E27FC236}">
+                    <a16:creationId xmlns:a16="http://schemas.microsoft.com/office/drawing/2014/main" id="{5B47A7CB-1E6B-50BC-3DD3-4A913F15E4B0}"/>
+                  </a:ext>
+                </a:extLst>
+              </p:cNvPr>
+              <p:cNvSpPr>
+                <a:spLocks noGrp="1"/>
+              </p:cNvSpPr>
+              <p:nvPr>
+                <p:ph type="body" sz="half" idx="1"/>
+              </p:nvPr>
+            </p:nvSpPr>
+            <p:spPr>
+              <a:xfrm>
+                <a:off x="142865" y="1200150"/>
+                <a:ext cx="8865056" cy="3737370"/>
+              </a:xfrm>
+            </p:spPr>
+            <p:txBody>
+              <a:bodyPr>
+                <a:noAutofit/>
+              </a:bodyPr>
+              <a:lstStyle/>
+              <a:p>
+                <a:pPr marL="0" indent="0">
+                  <a:buNone/>
+                </a:pPr>
+                <a:r>
+                  <a:rPr lang="pt-BR" sz="2200" b="1" dirty="0">
+                    <a:latin typeface="Times New Roman" panose="02020603050405020304" pitchFamily="18" charset="0"/>
+                    <a:cs typeface="Times New Roman" panose="02020603050405020304" pitchFamily="18" charset="0"/>
+                  </a:rPr>
+                  <a:t>Forma geral:</a:t>
+                </a:r>
+                <a:endParaRPr lang="pt-BR" sz="2200" dirty="0">
+                  <a:solidFill>
+                    <a:srgbClr val="FF0000"/>
+                  </a:solidFill>
+                  <a:latin typeface="Times New Roman" panose="02020603050405020304" pitchFamily="18" charset="0"/>
+                  <a:cs typeface="Times New Roman" panose="02020603050405020304" pitchFamily="18" charset="0"/>
+                </a:endParaRPr>
+              </a:p>
+              <a:p>
+                <a:pPr marL="0" indent="0">
+                  <a:buNone/>
+                </a:pPr>
+                <a14:m>
+                  <m:oMathPara xmlns:m="http://schemas.openxmlformats.org/officeDocument/2006/math">
+                    <m:oMathParaPr>
+                      <m:jc m:val="centerGroup"/>
+                    </m:oMathParaPr>
+                    <m:oMath xmlns:m="http://schemas.openxmlformats.org/officeDocument/2006/math">
+                      <m:r>
+                        <a:rPr lang="pt-BR" sz="2200" b="1" i="1">
+                          <a:solidFill>
+                            <a:srgbClr val="FF0000"/>
+                          </a:solidFill>
+                          <a:latin typeface="Cambria Math" panose="02040503050406030204" pitchFamily="18" charset="0"/>
+                        </a:rPr>
+                        <m:t>𝑻</m:t>
+                      </m:r>
+                      <m:r>
+                        <a:rPr lang="pt-BR" sz="2200" b="1" i="1">
+                          <a:solidFill>
+                            <a:srgbClr val="FF0000"/>
+                          </a:solidFill>
+                          <a:latin typeface="Cambria Math" panose="02040503050406030204" pitchFamily="18" charset="0"/>
+                        </a:rPr>
+                        <m:t>(</m:t>
+                      </m:r>
+                      <m:r>
+                        <a:rPr lang="pt-BR" sz="2200" b="1" i="1">
+                          <a:solidFill>
+                            <a:srgbClr val="FF0000"/>
+                          </a:solidFill>
+                          <a:latin typeface="Cambria Math" panose="02040503050406030204" pitchFamily="18" charset="0"/>
+                        </a:rPr>
+                        <m:t>𝒏</m:t>
+                      </m:r>
+                      <m:r>
+                        <a:rPr lang="pt-BR" sz="2200" b="1" i="1">
+                          <a:solidFill>
+                            <a:srgbClr val="FF0000"/>
+                          </a:solidFill>
+                          <a:latin typeface="Cambria Math" panose="02040503050406030204" pitchFamily="18" charset="0"/>
+                        </a:rPr>
+                        <m:t>)=</m:t>
+                      </m:r>
+                      <m:r>
+                        <a:rPr lang="pt-BR" sz="2200" b="1" i="1">
+                          <a:solidFill>
+                            <a:srgbClr val="FF0000"/>
+                          </a:solidFill>
+                          <a:latin typeface="Cambria Math" panose="02040503050406030204" pitchFamily="18" charset="0"/>
+                        </a:rPr>
+                        <m:t>𝒂</m:t>
+                      </m:r>
+                      <m:r>
+                        <a:rPr lang="pt-BR" sz="2200" b="1" i="1">
+                          <a:solidFill>
+                            <a:srgbClr val="FF0000"/>
+                          </a:solidFill>
+                          <a:latin typeface="Cambria Math" panose="02040503050406030204" pitchFamily="18" charset="0"/>
+                        </a:rPr>
+                        <m:t>⋅</m:t>
+                      </m:r>
+                      <m:r>
+                        <a:rPr lang="pt-BR" sz="2200" b="1" i="1">
+                          <a:solidFill>
+                            <a:srgbClr val="FF0000"/>
+                          </a:solidFill>
+                          <a:latin typeface="Cambria Math" panose="02040503050406030204" pitchFamily="18" charset="0"/>
+                        </a:rPr>
+                        <m:t>𝑻</m:t>
+                      </m:r>
+                      <m:r>
+                        <a:rPr lang="pt-BR" sz="2200" b="1" i="1">
+                          <a:solidFill>
+                            <a:srgbClr val="FF0000"/>
+                          </a:solidFill>
+                          <a:latin typeface="Cambria Math" panose="02040503050406030204" pitchFamily="18" charset="0"/>
+                        </a:rPr>
+                        <m:t>(</m:t>
+                      </m:r>
+                      <m:f>
+                        <m:fPr>
+                          <m:ctrlPr>
+                            <a:rPr lang="pt-BR" sz="2200" b="1" i="1">
+                              <a:solidFill>
+                                <a:srgbClr val="FF0000"/>
+                              </a:solidFill>
+                              <a:latin typeface="Cambria Math" panose="02040503050406030204" pitchFamily="18" charset="0"/>
+                            </a:rPr>
+                          </m:ctrlPr>
+                        </m:fPr>
+                        <m:num>
+                          <m:r>
+                            <a:rPr lang="pt-BR" sz="2200" b="1" i="1">
+                              <a:solidFill>
+                                <a:srgbClr val="FF0000"/>
+                              </a:solidFill>
+                              <a:latin typeface="Cambria Math" panose="02040503050406030204" pitchFamily="18" charset="0"/>
+                            </a:rPr>
+                            <m:t>𝒏</m:t>
+                          </m:r>
+                        </m:num>
+                        <m:den>
+                          <m:r>
+                            <a:rPr lang="pt-BR" sz="2200" b="1" i="1">
+                              <a:solidFill>
+                                <a:srgbClr val="FF0000"/>
+                              </a:solidFill>
+                              <a:latin typeface="Cambria Math" panose="02040503050406030204" pitchFamily="18" charset="0"/>
+                            </a:rPr>
+                            <m:t>𝒃</m:t>
+                          </m:r>
+                        </m:den>
+                      </m:f>
+                      <m:r>
+                        <a:rPr lang="pt-BR" sz="2200" b="1" i="1">
+                          <a:solidFill>
+                            <a:srgbClr val="FF0000"/>
+                          </a:solidFill>
+                          <a:latin typeface="Cambria Math" panose="02040503050406030204" pitchFamily="18" charset="0"/>
+                        </a:rPr>
+                        <m:t>)+</m:t>
+                      </m:r>
+                      <m:r>
+                        <a:rPr lang="pt-BR" b="1" i="1" smtClean="0">
+                          <a:solidFill>
+                            <a:srgbClr val="FF0000"/>
+                          </a:solidFill>
+                        </a:rPr>
+                        <m:t>𝜣</m:t>
+                      </m:r>
+                      <m:r>
+                        <a:rPr lang="pt-BR" b="1" i="1" smtClean="0">
+                          <a:solidFill>
+                            <a:srgbClr val="FF0000"/>
+                          </a:solidFill>
+                        </a:rPr>
+                        <m:t>(</m:t>
+                      </m:r>
+                      <m:sSup>
+                        <m:sSupPr>
+                          <m:ctrlPr>
+                            <a:rPr lang="pt-BR" b="1" i="1">
+                              <a:solidFill>
+                                <a:srgbClr val="FF0000"/>
+                              </a:solidFill>
+                            </a:rPr>
+                          </m:ctrlPr>
+                        </m:sSupPr>
+                        <m:e>
+                          <m:r>
+                            <a:rPr lang="pt-BR" b="1" i="1">
+                              <a:solidFill>
+                                <a:srgbClr val="FF0000"/>
+                              </a:solidFill>
+                            </a:rPr>
+                            <m:t>𝒏</m:t>
+                          </m:r>
+                        </m:e>
+                        <m:sup>
+                          <m:r>
+                            <a:rPr lang="pt-BR" b="1" i="1">
+                              <a:solidFill>
+                                <a:srgbClr val="FF0000"/>
+                              </a:solidFill>
+                            </a:rPr>
+                            <m:t>𝒌</m:t>
+                          </m:r>
+                        </m:sup>
+                      </m:sSup>
+                      <m:r>
+                        <a:rPr lang="pt-BR" b="1" i="1">
+                          <a:solidFill>
+                            <a:srgbClr val="FF0000"/>
+                          </a:solidFill>
+                        </a:rPr>
+                        <m:t>)</m:t>
+                      </m:r>
+                    </m:oMath>
+                  </m:oMathPara>
+                </a14:m>
+                <a:br>
+                  <a:rPr lang="pt-BR" sz="2200" b="1" i="1" dirty="0">
+                    <a:solidFill>
+                      <a:srgbClr val="FF0000"/>
+                    </a:solidFill>
+                    <a:latin typeface="Times New Roman" panose="02020603050405020304" pitchFamily="18" charset="0"/>
+                    <a:cs typeface="Times New Roman" panose="02020603050405020304" pitchFamily="18" charset="0"/>
+                  </a:rPr>
+                </a:br>
+                <a:endParaRPr lang="pt-BR" sz="2200" b="1" i="1" dirty="0">
+                  <a:solidFill>
+                    <a:srgbClr val="FF0000"/>
+                  </a:solidFill>
+                  <a:latin typeface="Times New Roman" panose="02020603050405020304" pitchFamily="18" charset="0"/>
+                  <a:cs typeface="Times New Roman" panose="02020603050405020304" pitchFamily="18" charset="0"/>
+                </a:endParaRPr>
+              </a:p>
+              <a:p>
+                <a:pPr marL="0" indent="0">
+                  <a:buNone/>
+                </a:pPr>
+                <a:r>
+                  <a:rPr lang="pt-BR" sz="2000" b="1" dirty="0">
+                    <a:latin typeface="Times New Roman" panose="02020603050405020304" pitchFamily="18" charset="0"/>
+                    <a:cs typeface="Times New Roman" panose="02020603050405020304" pitchFamily="18" charset="0"/>
+                  </a:rPr>
+                  <a:t>temos três casos</a:t>
+                </a:r>
+                <a:r>
+                  <a:rPr lang="pt-BR" sz="2000" dirty="0">
+                    <a:latin typeface="Times New Roman" panose="02020603050405020304" pitchFamily="18" charset="0"/>
+                    <a:cs typeface="Times New Roman" panose="02020603050405020304" pitchFamily="18" charset="0"/>
+                  </a:rPr>
+                  <a:t>:</a:t>
+                </a:r>
+              </a:p>
+              <a:p>
+                <a:pPr lvl="0"/>
+                <a:r>
+                  <a:rPr lang="pt-BR" sz="2000" b="1" dirty="0">
+                    <a:latin typeface="Times New Roman" panose="02020603050405020304" pitchFamily="18" charset="0"/>
+                    <a:cs typeface="Times New Roman" panose="02020603050405020304" pitchFamily="18" charset="0"/>
+                  </a:rPr>
+                  <a:t>Se</a:t>
+                </a:r>
+                <a:r>
+                  <a:rPr lang="pt-BR" sz="2000" dirty="0">
+                    <a:latin typeface="Times New Roman" panose="02020603050405020304" pitchFamily="18" charset="0"/>
+                    <a:cs typeface="Times New Roman" panose="02020603050405020304" pitchFamily="18" charset="0"/>
+                  </a:rPr>
+                  <a:t> </a:t>
+                </a:r>
+                <a14:m>
+                  <m:oMath xmlns:m="http://schemas.openxmlformats.org/officeDocument/2006/math">
+                    <m:r>
+                      <a:rPr lang="pt-BR" sz="2000" i="1"/>
+                      <m:t>𝑓</m:t>
+                    </m:r>
+                    <m:r>
+                      <a:rPr lang="pt-BR" sz="2000" i="1"/>
+                      <m:t>(</m:t>
+                    </m:r>
+                    <m:r>
+                      <a:rPr lang="pt-BR" sz="2000" i="1"/>
+                      <m:t>𝑛</m:t>
+                    </m:r>
+                    <m:r>
+                      <a:rPr lang="pt-BR" sz="2000" i="1"/>
+                      <m:t>)=</m:t>
+                    </m:r>
+                    <m:r>
+                      <a:rPr lang="pt-BR" sz="2000" i="1"/>
+                      <m:t>𝑂</m:t>
+                    </m:r>
+                    <m:d>
+                      <m:dPr>
+                        <m:ctrlPr>
+                          <a:rPr lang="pt-BR" sz="2000" i="1">
+                            <a:latin typeface="Cambria Math" panose="02040503050406030204" pitchFamily="18" charset="0"/>
+                          </a:rPr>
+                        </m:ctrlPr>
+                      </m:dPr>
+                      <m:e>
+                        <m:sSup>
+                          <m:sSupPr>
+                            <m:ctrlPr>
+                              <a:rPr lang="pt-BR" sz="2000" i="1"/>
+                            </m:ctrlPr>
+                          </m:sSupPr>
+                          <m:e>
+                            <m:r>
+                              <a:rPr lang="pt-BR" sz="2000" i="1"/>
+                              <m:t>𝑛</m:t>
+                            </m:r>
+                          </m:e>
+                          <m:sup>
+                            <m:sSub>
+                              <m:sSubPr>
+                                <m:ctrlPr>
+                                  <a:rPr lang="pt-BR" sz="2000" i="1"/>
+                                </m:ctrlPr>
+                              </m:sSubPr>
+                              <m:e>
+                                <m:r>
+                                  <m:rPr>
+                                    <m:sty m:val="p"/>
+                                  </m:rPr>
+                                  <a:rPr lang="pt-BR" sz="2000"/>
+                                  <m:t>log</m:t>
+                                </m:r>
+                              </m:e>
+                              <m:sub>
+                                <m:r>
+                                  <a:rPr lang="pt-BR" sz="2000" i="1"/>
+                                  <m:t>𝑏</m:t>
+                                </m:r>
+                              </m:sub>
+                            </m:sSub>
+                            <m:r>
+                              <a:rPr lang="pt-BR" sz="2000" i="1"/>
+                              <m:t>𝑎</m:t>
+                            </m:r>
+                            <m:r>
+                              <a:rPr lang="pt-BR" sz="2000" i="1"/>
+                              <m:t>−</m:t>
+                            </m:r>
+                            <m:r>
+                              <a:rPr lang="pt-BR" sz="2000" i="1"/>
+                              <m:t>𝜀</m:t>
+                            </m:r>
+                          </m:sup>
+                        </m:sSup>
+                      </m:e>
+                    </m:d>
+                  </m:oMath>
+                </a14:m>
+                <a:r>
+                  <a:rPr lang="pt-BR" sz="2000" dirty="0">
+                    <a:latin typeface="Times New Roman" panose="02020603050405020304" pitchFamily="18" charset="0"/>
+                    <a:cs typeface="Times New Roman" panose="02020603050405020304" pitchFamily="18" charset="0"/>
+                  </a:rPr>
+                  <a:t>para algum </a:t>
+                </a:r>
+                <a14:m>
+                  <m:oMath xmlns:m="http://schemas.openxmlformats.org/officeDocument/2006/math">
+                    <m:r>
+                      <a:rPr lang="pt-BR" sz="2000" b="1" i="1"/>
+                      <m:t>𝜺</m:t>
+                    </m:r>
+                    <m:r>
+                      <a:rPr lang="pt-BR" sz="2000" b="1" i="1"/>
+                      <m:t>&gt;</m:t>
+                    </m:r>
+                    <m:r>
+                      <a:rPr lang="pt-BR" sz="2000" b="1" i="1"/>
+                      <m:t>𝟎</m:t>
+                    </m:r>
+                  </m:oMath>
+                </a14:m>
+                <a:r>
+                  <a:rPr lang="pt-BR" sz="2000" b="1" dirty="0">
+                    <a:latin typeface="Times New Roman" panose="02020603050405020304" pitchFamily="18" charset="0"/>
+                    <a:cs typeface="Times New Roman" panose="02020603050405020304" pitchFamily="18" charset="0"/>
+                  </a:rPr>
+                  <a:t>:</a:t>
+                </a:r>
+                <a:br>
+                  <a:rPr lang="pt-BR" sz="2000" dirty="0">
+                    <a:latin typeface="Times New Roman" panose="02020603050405020304" pitchFamily="18" charset="0"/>
+                    <a:cs typeface="Times New Roman" panose="02020603050405020304" pitchFamily="18" charset="0"/>
+                  </a:rPr>
+                </a:br>
+                <a:r>
+                  <a:rPr lang="pt-BR" sz="2000" dirty="0">
+                    <a:latin typeface="Times New Roman" panose="02020603050405020304" pitchFamily="18" charset="0"/>
+                    <a:cs typeface="Times New Roman" panose="02020603050405020304" pitchFamily="18" charset="0"/>
+                  </a:rPr>
+                  <a:t>→ </a:t>
+                </a:r>
+                <a14:m>
+                  <m:oMath xmlns:m="http://schemas.openxmlformats.org/officeDocument/2006/math">
+                    <m:r>
+                      <a:rPr lang="pt-BR" sz="2000" b="1" i="1" smtClean="0">
+                        <a:solidFill>
+                          <a:srgbClr val="FF0000"/>
+                        </a:solidFill>
+                      </a:rPr>
+                      <m:t>𝑻</m:t>
+                    </m:r>
+                    <m:r>
+                      <a:rPr lang="pt-BR" sz="2000" b="1" i="1" smtClean="0">
+                        <a:solidFill>
+                          <a:srgbClr val="FF0000"/>
+                        </a:solidFill>
+                      </a:rPr>
+                      <m:t>(</m:t>
+                    </m:r>
+                    <m:r>
+                      <a:rPr lang="pt-BR" sz="2000" b="1" i="1" smtClean="0">
+                        <a:solidFill>
+                          <a:srgbClr val="FF0000"/>
+                        </a:solidFill>
+                      </a:rPr>
+                      <m:t>𝒏</m:t>
+                    </m:r>
+                    <m:r>
+                      <a:rPr lang="pt-BR" sz="2000" b="1" i="1" smtClean="0">
+                        <a:solidFill>
+                          <a:srgbClr val="FF0000"/>
+                        </a:solidFill>
+                      </a:rPr>
+                      <m:t>)=</m:t>
+                    </m:r>
+                    <m:r>
+                      <a:rPr lang="pt-BR" sz="2000" b="1" i="1" smtClean="0">
+                        <a:solidFill>
+                          <a:srgbClr val="FF0000"/>
+                        </a:solidFill>
+                      </a:rPr>
+                      <m:t>𝜣</m:t>
+                    </m:r>
+                    <m:r>
+                      <a:rPr lang="pt-BR" sz="2000" b="1" i="1" smtClean="0">
+                        <a:solidFill>
+                          <a:srgbClr val="FF0000"/>
+                        </a:solidFill>
+                      </a:rPr>
+                      <m:t>(</m:t>
+                    </m:r>
+                    <m:sSup>
+                      <m:sSupPr>
+                        <m:ctrlPr>
+                          <a:rPr lang="pt-BR" sz="2000" b="1" i="1">
+                            <a:solidFill>
+                              <a:srgbClr val="FF0000"/>
+                            </a:solidFill>
+                          </a:rPr>
+                        </m:ctrlPr>
+                      </m:sSupPr>
+                      <m:e>
+                        <m:r>
+                          <a:rPr lang="pt-BR" sz="2000" b="1" i="1">
+                            <a:solidFill>
+                              <a:srgbClr val="FF0000"/>
+                            </a:solidFill>
+                          </a:rPr>
+                          <m:t>𝒏</m:t>
+                        </m:r>
+                      </m:e>
+                      <m:sup>
+                        <m:sSub>
+                          <m:sSubPr>
+                            <m:ctrlPr>
+                              <a:rPr lang="pt-BR" sz="2000" b="1" i="1" smtClean="0">
+                                <a:solidFill>
+                                  <a:srgbClr val="FF0000"/>
+                                </a:solidFill>
+                              </a:rPr>
+                            </m:ctrlPr>
+                          </m:sSubPr>
+                          <m:e>
+                            <m:r>
+                              <a:rPr lang="pt-BR" sz="2000" b="1" i="1">
+                                <a:solidFill>
+                                  <a:srgbClr val="FF0000"/>
+                                </a:solidFill>
+                              </a:rPr>
+                              <m:t>𝒍𝒐𝒈</m:t>
+                            </m:r>
+                          </m:e>
+                          <m:sub>
+                            <m:r>
+                              <a:rPr lang="pt-BR" sz="2000" b="1" i="1">
+                                <a:solidFill>
+                                  <a:srgbClr val="FF0000"/>
+                                </a:solidFill>
+                              </a:rPr>
+                              <m:t>𝒃</m:t>
+                            </m:r>
+                          </m:sub>
+                        </m:sSub>
+                        <m:r>
+                          <a:rPr lang="pt-BR" sz="2000" b="1" i="1">
+                            <a:solidFill>
+                              <a:srgbClr val="FF0000"/>
+                            </a:solidFill>
+                          </a:rPr>
+                          <m:t>𝒂</m:t>
+                        </m:r>
+                      </m:sup>
+                    </m:sSup>
+                    <m:r>
+                      <a:rPr lang="pt-BR" sz="2000" b="1" i="1">
+                        <a:solidFill>
+                          <a:srgbClr val="FF0000"/>
+                        </a:solidFill>
+                      </a:rPr>
+                      <m:t>)</m:t>
+                    </m:r>
+                  </m:oMath>
+                </a14:m>
+                <a:endParaRPr lang="pt-BR" sz="2000" b="1" dirty="0">
+                  <a:solidFill>
+                    <a:srgbClr val="FF0000"/>
+                  </a:solidFill>
+                  <a:latin typeface="Times New Roman" panose="02020603050405020304" pitchFamily="18" charset="0"/>
+                  <a:cs typeface="Times New Roman" panose="02020603050405020304" pitchFamily="18" charset="0"/>
+                </a:endParaRPr>
+              </a:p>
+              <a:p>
+                <a:pPr lvl="0"/>
+                <a:r>
+                  <a:rPr lang="pt-BR" sz="2000" b="1" dirty="0">
+                    <a:latin typeface="Times New Roman" panose="02020603050405020304" pitchFamily="18" charset="0"/>
+                    <a:cs typeface="Times New Roman" panose="02020603050405020304" pitchFamily="18" charset="0"/>
+                  </a:rPr>
+                  <a:t>Se</a:t>
+                </a:r>
+                <a:r>
+                  <a:rPr lang="pt-BR" sz="2000" dirty="0">
+                    <a:latin typeface="Times New Roman" panose="02020603050405020304" pitchFamily="18" charset="0"/>
+                    <a:cs typeface="Times New Roman" panose="02020603050405020304" pitchFamily="18" charset="0"/>
+                  </a:rPr>
+                  <a:t> </a:t>
+                </a:r>
+                <a14:m>
+                  <m:oMath xmlns:m="http://schemas.openxmlformats.org/officeDocument/2006/math">
+                    <m:r>
+                      <a:rPr lang="pt-BR" sz="2000" i="1"/>
+                      <m:t>𝑓</m:t>
+                    </m:r>
+                    <m:r>
+                      <a:rPr lang="pt-BR" sz="2000" i="1"/>
+                      <m:t>(</m:t>
+                    </m:r>
+                    <m:r>
+                      <a:rPr lang="pt-BR" sz="2000" i="1"/>
+                      <m:t>𝑛</m:t>
+                    </m:r>
+                    <m:r>
+                      <a:rPr lang="pt-BR" sz="2000" i="1"/>
+                      <m:t>)=</m:t>
+                    </m:r>
+                    <m:r>
+                      <m:rPr>
+                        <m:sty m:val="p"/>
+                      </m:rPr>
+                      <a:rPr lang="pt-BR" sz="2000"/>
+                      <m:t>Θ</m:t>
+                    </m:r>
+                    <m:r>
+                      <a:rPr lang="pt-BR" sz="2000" i="1"/>
+                      <m:t>(</m:t>
+                    </m:r>
+                    <m:sSup>
+                      <m:sSupPr>
+                        <m:ctrlPr>
+                          <a:rPr lang="pt-BR" sz="2000" i="1"/>
+                        </m:ctrlPr>
+                      </m:sSupPr>
+                      <m:e>
+                        <m:r>
+                          <a:rPr lang="pt-BR" sz="2000" i="1"/>
+                          <m:t>𝑛</m:t>
+                        </m:r>
+                      </m:e>
+                      <m:sup>
+                        <m:sSub>
+                          <m:sSubPr>
+                            <m:ctrlPr>
+                              <a:rPr lang="pt-BR" sz="2000" i="1"/>
+                            </m:ctrlPr>
+                          </m:sSubPr>
+                          <m:e>
+                            <m:r>
+                              <m:rPr>
+                                <m:sty m:val="p"/>
+                              </m:rPr>
+                              <a:rPr lang="pt-BR" sz="2000"/>
+                              <m:t>log</m:t>
+                            </m:r>
+                          </m:e>
+                          <m:sub>
+                            <m:r>
+                              <a:rPr lang="pt-BR" sz="2000" i="1"/>
+                              <m:t>𝑏</m:t>
+                            </m:r>
+                          </m:sub>
+                        </m:sSub>
+                        <m:r>
+                          <a:rPr lang="pt-BR" sz="2000" i="1"/>
+                          <m:t>𝑎</m:t>
+                        </m:r>
+                      </m:sup>
+                    </m:sSup>
+                    <m:r>
+                      <a:rPr lang="pt-BR" sz="2000" i="1"/>
+                      <m:t>)</m:t>
+                    </m:r>
+                  </m:oMath>
+                </a14:m>
+                <a:r>
+                  <a:rPr lang="pt-BR" sz="2000" dirty="0">
+                    <a:latin typeface="Times New Roman" panose="02020603050405020304" pitchFamily="18" charset="0"/>
+                    <a:cs typeface="Times New Roman" panose="02020603050405020304" pitchFamily="18" charset="0"/>
+                  </a:rPr>
+                  <a:t>:</a:t>
+                </a:r>
+                <a:br>
+                  <a:rPr lang="pt-BR" sz="2000" dirty="0">
+                    <a:latin typeface="Times New Roman" panose="02020603050405020304" pitchFamily="18" charset="0"/>
+                    <a:cs typeface="Times New Roman" panose="02020603050405020304" pitchFamily="18" charset="0"/>
+                  </a:rPr>
+                </a:br>
+                <a:r>
+                  <a:rPr lang="pt-BR" sz="2000" dirty="0">
+                    <a:latin typeface="Times New Roman" panose="02020603050405020304" pitchFamily="18" charset="0"/>
+                    <a:cs typeface="Times New Roman" panose="02020603050405020304" pitchFamily="18" charset="0"/>
+                  </a:rPr>
+                  <a:t>→ </a:t>
+                </a:r>
+                <a14:m>
+                  <m:oMath xmlns:m="http://schemas.openxmlformats.org/officeDocument/2006/math">
+                    <m:r>
+                      <a:rPr lang="pt-BR" sz="2000" b="1" i="1" smtClean="0">
+                        <a:solidFill>
+                          <a:srgbClr val="FF0000"/>
+                        </a:solidFill>
+                      </a:rPr>
+                      <m:t>𝑻</m:t>
+                    </m:r>
+                    <m:r>
+                      <a:rPr lang="pt-BR" sz="2000" b="1" i="1" smtClean="0">
+                        <a:solidFill>
+                          <a:srgbClr val="FF0000"/>
+                        </a:solidFill>
+                      </a:rPr>
+                      <m:t>(</m:t>
+                    </m:r>
+                    <m:r>
+                      <a:rPr lang="pt-BR" sz="2000" b="1" i="1" smtClean="0">
+                        <a:solidFill>
+                          <a:srgbClr val="FF0000"/>
+                        </a:solidFill>
+                      </a:rPr>
+                      <m:t>𝒏</m:t>
+                    </m:r>
+                    <m:r>
+                      <a:rPr lang="pt-BR" sz="2000" b="1" i="1" smtClean="0">
+                        <a:solidFill>
+                          <a:srgbClr val="FF0000"/>
+                        </a:solidFill>
+                      </a:rPr>
+                      <m:t>)=</m:t>
+                    </m:r>
+                    <m:r>
+                      <a:rPr lang="pt-BR" sz="2000" b="1" i="1">
+                        <a:solidFill>
+                          <a:srgbClr val="FF0000"/>
+                        </a:solidFill>
+                      </a:rPr>
+                      <m:t>𝜣</m:t>
+                    </m:r>
+                    <m:r>
+                      <a:rPr lang="pt-BR" sz="2000" b="1" i="1">
+                        <a:solidFill>
+                          <a:srgbClr val="FF0000"/>
+                        </a:solidFill>
+                      </a:rPr>
+                      <m:t>(</m:t>
+                    </m:r>
+                    <m:sSup>
+                      <m:sSupPr>
+                        <m:ctrlPr>
+                          <a:rPr lang="pt-BR" sz="2000" b="1" i="1">
+                            <a:solidFill>
+                              <a:srgbClr val="FF0000"/>
+                            </a:solidFill>
+                          </a:rPr>
+                        </m:ctrlPr>
+                      </m:sSupPr>
+                      <m:e>
+                        <m:r>
+                          <a:rPr lang="pt-BR" sz="2000" b="1" i="1">
+                            <a:solidFill>
+                              <a:srgbClr val="FF0000"/>
+                            </a:solidFill>
+                          </a:rPr>
+                          <m:t>𝒏</m:t>
+                        </m:r>
+                      </m:e>
+                      <m:sup>
+                        <m:sSub>
+                          <m:sSubPr>
+                            <m:ctrlPr>
+                              <a:rPr lang="pt-BR" sz="2000" b="1" i="1">
+                                <a:solidFill>
+                                  <a:srgbClr val="FF0000"/>
+                                </a:solidFill>
+                              </a:rPr>
+                            </m:ctrlPr>
+                          </m:sSubPr>
+                          <m:e>
+                            <m:r>
+                              <a:rPr lang="pt-BR" sz="2000" b="1" i="1">
+                                <a:solidFill>
+                                  <a:srgbClr val="FF0000"/>
+                                </a:solidFill>
+                              </a:rPr>
+                              <m:t>𝒍𝒐𝒈</m:t>
+                            </m:r>
+                          </m:e>
+                          <m:sub>
+                            <m:r>
+                              <a:rPr lang="pt-BR" sz="2000" b="1" i="1">
+                                <a:solidFill>
+                                  <a:srgbClr val="FF0000"/>
+                                </a:solidFill>
+                              </a:rPr>
+                              <m:t>𝒃</m:t>
+                            </m:r>
+                          </m:sub>
+                        </m:sSub>
+                        <m:r>
+                          <a:rPr lang="pt-BR" sz="2000" b="1" i="1">
+                            <a:solidFill>
+                              <a:srgbClr val="FF0000"/>
+                            </a:solidFill>
+                          </a:rPr>
+                          <m:t>𝒂</m:t>
+                        </m:r>
+                      </m:sup>
+                    </m:sSup>
+                    <m:r>
+                      <a:rPr lang="pt-BR" sz="2000" b="1" i="1">
+                        <a:solidFill>
+                          <a:srgbClr val="FF0000"/>
+                        </a:solidFill>
+                      </a:rPr>
+                      <m:t>𝒍𝒐𝒈𝒏</m:t>
+                    </m:r>
+                    <m:r>
+                      <a:rPr lang="pt-BR" sz="2000" b="1" i="1">
+                        <a:solidFill>
+                          <a:srgbClr val="FF0000"/>
+                        </a:solidFill>
+                      </a:rPr>
+                      <m:t>)</m:t>
+                    </m:r>
+                  </m:oMath>
+                </a14:m>
+                <a:endParaRPr lang="pt-BR" sz="2000" b="1" dirty="0">
+                  <a:solidFill>
+                    <a:srgbClr val="FF0000"/>
+                  </a:solidFill>
+                  <a:latin typeface="Times New Roman" panose="02020603050405020304" pitchFamily="18" charset="0"/>
+                  <a:cs typeface="Times New Roman" panose="02020603050405020304" pitchFamily="18" charset="0"/>
+                </a:endParaRPr>
+              </a:p>
+              <a:p>
+                <a:pPr lvl="0"/>
+                <a:r>
+                  <a:rPr lang="pt-BR" sz="2000" b="1" dirty="0">
+                    <a:latin typeface="Times New Roman" panose="02020603050405020304" pitchFamily="18" charset="0"/>
+                    <a:cs typeface="Times New Roman" panose="02020603050405020304" pitchFamily="18" charset="0"/>
+                  </a:rPr>
+                  <a:t>Se</a:t>
+                </a:r>
+                <a:r>
+                  <a:rPr lang="pt-BR" sz="2000" dirty="0">
+                    <a:latin typeface="Times New Roman" panose="02020603050405020304" pitchFamily="18" charset="0"/>
+                    <a:cs typeface="Times New Roman" panose="02020603050405020304" pitchFamily="18" charset="0"/>
+                  </a:rPr>
+                  <a:t> </a:t>
+                </a:r>
+                <a14:m>
+                  <m:oMath xmlns:m="http://schemas.openxmlformats.org/officeDocument/2006/math">
+                    <m:r>
+                      <a:rPr lang="pt-BR" sz="2000" i="1"/>
+                      <m:t>𝑓</m:t>
+                    </m:r>
+                    <m:r>
+                      <a:rPr lang="pt-BR" sz="2000" i="1"/>
+                      <m:t>(</m:t>
+                    </m:r>
+                    <m:r>
+                      <a:rPr lang="pt-BR" sz="2000" i="1"/>
+                      <m:t>𝑛</m:t>
+                    </m:r>
+                    <m:r>
+                      <a:rPr lang="pt-BR" sz="2000" i="1"/>
+                      <m:t>)=</m:t>
+                    </m:r>
+                    <m:r>
+                      <m:rPr>
+                        <m:sty m:val="p"/>
+                      </m:rPr>
+                      <a:rPr lang="pt-BR" sz="2000"/>
+                      <m:t>Ω</m:t>
+                    </m:r>
+                    <m:r>
+                      <a:rPr lang="pt-BR" sz="2000" i="1"/>
+                      <m:t>(</m:t>
+                    </m:r>
+                    <m:sSup>
+                      <m:sSupPr>
+                        <m:ctrlPr>
+                          <a:rPr lang="pt-BR" sz="2000" i="1"/>
+                        </m:ctrlPr>
+                      </m:sSupPr>
+                      <m:e>
+                        <m:r>
+                          <a:rPr lang="pt-BR" sz="2000" i="1"/>
+                          <m:t>𝑛</m:t>
+                        </m:r>
+                      </m:e>
+                      <m:sup>
+                        <m:sSub>
+                          <m:sSubPr>
+                            <m:ctrlPr>
+                              <a:rPr lang="pt-BR" sz="2000" i="1"/>
+                            </m:ctrlPr>
+                          </m:sSubPr>
+                          <m:e>
+                            <m:r>
+                              <m:rPr>
+                                <m:sty m:val="p"/>
+                              </m:rPr>
+                              <a:rPr lang="pt-BR" sz="2000"/>
+                              <m:t>log</m:t>
+                            </m:r>
+                          </m:e>
+                          <m:sub>
+                            <m:r>
+                              <a:rPr lang="pt-BR" sz="2000" i="1"/>
+                              <m:t>𝑏</m:t>
+                            </m:r>
+                          </m:sub>
+                        </m:sSub>
+                        <m:r>
+                          <a:rPr lang="pt-BR" sz="2000" i="1"/>
+                          <m:t>𝑎</m:t>
+                        </m:r>
+                        <m:r>
+                          <a:rPr lang="pt-BR" sz="2000" i="1"/>
+                          <m:t>+</m:t>
+                        </m:r>
+                        <m:r>
+                          <a:rPr lang="pt-BR" sz="2000" i="1"/>
+                          <m:t>𝜀</m:t>
+                        </m:r>
+                      </m:sup>
+                    </m:sSup>
+                    <m:r>
+                      <a:rPr lang="pt-BR" sz="2000" i="1"/>
+                      <m:t>)</m:t>
+                    </m:r>
+                  </m:oMath>
+                </a14:m>
+                <a:r>
+                  <a:rPr lang="pt-BR" sz="2000" dirty="0">
+                    <a:latin typeface="Times New Roman" panose="02020603050405020304" pitchFamily="18" charset="0"/>
+                    <a:cs typeface="Times New Roman" panose="02020603050405020304" pitchFamily="18" charset="0"/>
+                  </a:rPr>
+                  <a:t>e </a:t>
+                </a:r>
+                <a14:m>
+                  <m:oMath xmlns:m="http://schemas.openxmlformats.org/officeDocument/2006/math">
+                    <m:r>
+                      <a:rPr lang="pt-BR" sz="2000" i="1"/>
+                      <m:t>𝑎𝑓</m:t>
+                    </m:r>
+                    <m:r>
+                      <a:rPr lang="pt-BR" sz="2000" i="1"/>
+                      <m:t>(</m:t>
+                    </m:r>
+                    <m:r>
+                      <a:rPr lang="pt-BR" sz="2000" i="1"/>
+                      <m:t>𝑛</m:t>
+                    </m:r>
+                    <m:r>
+                      <a:rPr lang="pt-BR" sz="2000"/>
+                      <m:t>/</m:t>
+                    </m:r>
+                    <m:r>
+                      <a:rPr lang="pt-BR" sz="2000" i="1"/>
+                      <m:t>𝑏</m:t>
+                    </m:r>
+                    <m:r>
+                      <a:rPr lang="pt-BR" sz="2000" i="1"/>
+                      <m:t>)≤</m:t>
+                    </m:r>
+                    <m:r>
+                      <a:rPr lang="pt-BR" sz="2000" i="1"/>
+                      <m:t>𝑐𝑓</m:t>
+                    </m:r>
+                    <m:r>
+                      <a:rPr lang="pt-BR" sz="2000" i="1"/>
+                      <m:t>(</m:t>
+                    </m:r>
+                    <m:r>
+                      <a:rPr lang="pt-BR" sz="2000" i="1"/>
+                      <m:t>𝑛</m:t>
+                    </m:r>
+                    <m:r>
+                      <a:rPr lang="pt-BR" sz="2000" i="1"/>
+                      <m:t>)</m:t>
+                    </m:r>
+                  </m:oMath>
+                </a14:m>
+                <a:r>
+                  <a:rPr lang="pt-BR" sz="2000" dirty="0">
+                    <a:latin typeface="Times New Roman" panose="02020603050405020304" pitchFamily="18" charset="0"/>
+                    <a:cs typeface="Times New Roman" panose="02020603050405020304" pitchFamily="18" charset="0"/>
+                  </a:rPr>
+                  <a:t>para alguma constante </a:t>
+                </a:r>
+                <a14:m>
+                  <m:oMath xmlns:m="http://schemas.openxmlformats.org/officeDocument/2006/math">
+                    <m:r>
+                      <a:rPr lang="pt-BR" sz="2000" i="1"/>
+                      <m:t>𝑐</m:t>
+                    </m:r>
+                    <m:r>
+                      <a:rPr lang="pt-BR" sz="2000" i="1"/>
+                      <m:t>&lt;1</m:t>
+                    </m:r>
+                  </m:oMath>
+                </a14:m>
+                <a:r>
+                  <a:rPr lang="pt-BR" sz="2000" dirty="0">
+                    <a:latin typeface="Times New Roman" panose="02020603050405020304" pitchFamily="18" charset="0"/>
+                    <a:cs typeface="Times New Roman" panose="02020603050405020304" pitchFamily="18" charset="0"/>
+                  </a:rPr>
+                  <a:t>:</a:t>
+                </a:r>
+                <a:br>
+                  <a:rPr lang="pt-BR" sz="2000" dirty="0">
+                    <a:latin typeface="Times New Roman" panose="02020603050405020304" pitchFamily="18" charset="0"/>
+                    <a:cs typeface="Times New Roman" panose="02020603050405020304" pitchFamily="18" charset="0"/>
+                  </a:rPr>
+                </a:br>
+                <a:r>
+                  <a:rPr lang="pt-BR" sz="2000" dirty="0">
+                    <a:latin typeface="Times New Roman" panose="02020603050405020304" pitchFamily="18" charset="0"/>
+                    <a:cs typeface="Times New Roman" panose="02020603050405020304" pitchFamily="18" charset="0"/>
+                  </a:rPr>
+                  <a:t>→ </a:t>
+                </a:r>
+                <a14:m>
+                  <m:oMath xmlns:m="http://schemas.openxmlformats.org/officeDocument/2006/math">
+                    <m:r>
+                      <a:rPr lang="pt-BR" sz="2000" b="1" i="1" smtClean="0">
+                        <a:solidFill>
+                          <a:srgbClr val="FF0000"/>
+                        </a:solidFill>
+                      </a:rPr>
+                      <m:t>𝑻</m:t>
+                    </m:r>
+                    <m:r>
+                      <a:rPr lang="pt-BR" sz="2000" b="1" i="1" smtClean="0">
+                        <a:solidFill>
+                          <a:srgbClr val="FF0000"/>
+                        </a:solidFill>
+                      </a:rPr>
+                      <m:t>(</m:t>
+                    </m:r>
+                    <m:r>
+                      <a:rPr lang="pt-BR" sz="2000" b="1" i="1" smtClean="0">
+                        <a:solidFill>
+                          <a:srgbClr val="FF0000"/>
+                        </a:solidFill>
+                      </a:rPr>
+                      <m:t>𝒏</m:t>
+                    </m:r>
+                    <m:r>
+                      <a:rPr lang="pt-BR" sz="2000" b="1" i="1" smtClean="0">
+                        <a:solidFill>
+                          <a:srgbClr val="FF0000"/>
+                        </a:solidFill>
+                      </a:rPr>
+                      <m:t>)=</m:t>
+                    </m:r>
+                    <m:r>
+                      <a:rPr lang="pt-BR" sz="2000" b="1" i="1">
+                        <a:solidFill>
+                          <a:srgbClr val="FF0000"/>
+                        </a:solidFill>
+                      </a:rPr>
+                      <m:t>𝜣</m:t>
+                    </m:r>
+                    <m:r>
+                      <a:rPr lang="pt-BR" sz="2000" b="1" i="1">
+                        <a:solidFill>
+                          <a:srgbClr val="FF0000"/>
+                        </a:solidFill>
+                      </a:rPr>
+                      <m:t>(</m:t>
+                    </m:r>
+                    <m:r>
+                      <a:rPr lang="pt-BR" sz="2000" b="1" i="1">
+                        <a:solidFill>
+                          <a:srgbClr val="FF0000"/>
+                        </a:solidFill>
+                      </a:rPr>
+                      <m:t>𝒇</m:t>
+                    </m:r>
+                    <m:r>
+                      <a:rPr lang="pt-BR" sz="2000" b="1" i="1">
+                        <a:solidFill>
+                          <a:srgbClr val="FF0000"/>
+                        </a:solidFill>
+                      </a:rPr>
+                      <m:t>(</m:t>
+                    </m:r>
+                    <m:r>
+                      <a:rPr lang="pt-BR" sz="2000" b="1" i="1">
+                        <a:solidFill>
+                          <a:srgbClr val="FF0000"/>
+                        </a:solidFill>
+                      </a:rPr>
+                      <m:t>𝒏</m:t>
+                    </m:r>
+                    <m:r>
+                      <a:rPr lang="pt-BR" sz="2000" b="1" i="1">
+                        <a:solidFill>
+                          <a:srgbClr val="FF0000"/>
+                        </a:solidFill>
+                      </a:rPr>
+                      <m:t>))</m:t>
+                    </m:r>
+                  </m:oMath>
+                </a14:m>
+                <a:endParaRPr lang="pt-BR" sz="2000" b="1" dirty="0">
+                  <a:solidFill>
+                    <a:srgbClr val="FF0000"/>
+                  </a:solidFill>
+                  <a:latin typeface="Times New Roman" panose="02020603050405020304" pitchFamily="18" charset="0"/>
+                  <a:cs typeface="Times New Roman" panose="02020603050405020304" pitchFamily="18" charset="0"/>
+                </a:endParaRPr>
+              </a:p>
+              <a:p>
+                <a:pPr marL="0" indent="0">
+                  <a:buNone/>
+                </a:pPr>
+                <a:endParaRPr lang="pt-BR" sz="2200" b="1" dirty="0">
+                  <a:latin typeface="Times New Roman" panose="02020603050405020304" pitchFamily="18" charset="0"/>
+                  <a:cs typeface="Times New Roman" panose="02020603050405020304" pitchFamily="18" charset="0"/>
+                </a:endParaRPr>
+              </a:p>
+            </p:txBody>
+          </p:sp>
+        </mc:Choice>
+        <mc:Fallback>
+          <p:sp>
+            <p:nvSpPr>
+              <p:cNvPr id="8" name="Text Placeholder 2">
+                <a:extLst>
+                  <a:ext uri="{FF2B5EF4-FFF2-40B4-BE49-F238E27FC236}">
+                    <a16:creationId xmlns:a16="http://schemas.microsoft.com/office/drawing/2014/main" id="{5B47A7CB-1E6B-50BC-3DD3-4A913F15E4B0}"/>
+                  </a:ext>
+                </a:extLst>
+              </p:cNvPr>
+              <p:cNvSpPr>
+                <a:spLocks noGrp="1" noRot="1" noChangeAspect="1" noMove="1" noResize="1" noEditPoints="1" noAdjustHandles="1" noChangeArrowheads="1" noChangeShapeType="1" noTextEdit="1"/>
+              </p:cNvSpPr>
+              <p:nvPr>
+                <p:ph type="body" sz="half" idx="1"/>
+              </p:nvPr>
+            </p:nvSpPr>
+            <p:spPr>
+              <a:xfrm>
+                <a:off x="142865" y="1200150"/>
+                <a:ext cx="8865056" cy="3737370"/>
+              </a:xfrm>
+              <a:blipFill>
+                <a:blip r:embed="rId3"/>
+                <a:stretch>
+                  <a:fillRect l="-1375" t="-1142"/>
+                </a:stretch>
+              </a:blipFill>
+            </p:spPr>
+            <p:txBody>
+              <a:bodyPr/>
+              <a:lstStyle/>
+              <a:p>
+                <a:r>
+                  <a:rPr lang="pt-BR">
+                    <a:noFill/>
+                  </a:rPr>
+                  <a:t> </a:t>
+                </a:r>
+              </a:p>
+            </p:txBody>
+          </p:sp>
+        </mc:Fallback>
+      </mc:AlternateContent>
     </p:spTree>
     <p:extLst>
       <p:ext uri="{BB962C8B-B14F-4D97-AF65-F5344CB8AC3E}">
-        <p14:creationId xmlns:p14="http://schemas.microsoft.com/office/powerpoint/2010/main" val="2470652989"/>
+        <p14:creationId xmlns:p14="http://schemas.microsoft.com/office/powerpoint/2010/main" val="395116539"/>
       </p:ext>
     </p:extLst>
   </p:cSld>
@@ -4958,12 +10233,18 @@
 </p:sld>
 </file>
 
-<file path=ppt/slides/slide7.xml><?xml version="1.0" encoding="utf-8"?>
+<file path=ppt/slides/slide8.xml><?xml version="1.0" encoding="utf-8"?>
 <p:sld xmlns:a="http://schemas.openxmlformats.org/drawingml/2006/main" xmlns:r="http://schemas.openxmlformats.org/officeDocument/2006/relationships" xmlns:p="http://schemas.openxmlformats.org/presentationml/2006/main">
   <p:cSld>
     <p:spTree>
       <p:nvGrpSpPr>
-        <p:cNvPr id="1" name=""/>
+        <p:cNvPr id="1" name="">
+          <a:extLst>
+            <a:ext uri="{FF2B5EF4-FFF2-40B4-BE49-F238E27FC236}">
+              <a16:creationId xmlns:a16="http://schemas.microsoft.com/office/drawing/2014/main" id="{4EC19539-D2B1-C75B-3CC5-783B857CDB99}"/>
+            </a:ext>
+          </a:extLst>
+        </p:cNvPr>
         <p:cNvGrpSpPr/>
         <p:nvPr/>
       </p:nvGrpSpPr>
@@ -4977,7 +10258,13 @@
       </p:grpSpPr>
       <p:sp>
         <p:nvSpPr>
-          <p:cNvPr id="6" name="Title 1"/>
+          <p:cNvPr id="6" name="Title 1">
+            <a:extLst>
+              <a:ext uri="{FF2B5EF4-FFF2-40B4-BE49-F238E27FC236}">
+                <a16:creationId xmlns:a16="http://schemas.microsoft.com/office/drawing/2014/main" id="{11C1B01C-753C-F8B6-21E7-E5115A9E7DE7}"/>
+              </a:ext>
+            </a:extLst>
+          </p:cNvPr>
           <p:cNvSpPr>
             <a:spLocks noGrp="1"/>
           </p:cNvSpPr>
@@ -4998,12 +10285,20 @@
           <a:lstStyle/>
           <a:p>
             <a:r>
+              <a:rPr lang="en-US" b="1" dirty="0">
+                <a:solidFill>
+                  <a:srgbClr val="0070C0"/>
+                </a:solidFill>
+              </a:rPr>
+              <a:t>Eq. </a:t>
+            </a:r>
+            <a:r>
               <a:rPr lang="en-US" b="1" dirty="0" err="1">
                 <a:solidFill>
                   <a:srgbClr val="0070C0"/>
                 </a:solidFill>
               </a:rPr>
-              <a:t>Referências</a:t>
+              <a:t>Recorrência</a:t>
             </a:r>
             <a:r>
               <a:rPr lang="en-US" b="1" dirty="0">
@@ -5011,7 +10306,7 @@
                   <a:srgbClr val="0070C0"/>
                 </a:solidFill>
               </a:rPr>
-              <a:t> </a:t>
+              <a:t> – </a:t>
             </a:r>
             <a:r>
               <a:rPr lang="en-US" b="1" dirty="0" err="1">
@@ -5019,223 +10314,1084 @@
                   <a:srgbClr val="0070C0"/>
                 </a:solidFill>
               </a:rPr>
-              <a:t>Bibliográficas</a:t>
-            </a:r>
-            <a:endParaRPr lang="en-US" b="1" dirty="0">
-              <a:solidFill>
-                <a:srgbClr val="0070C0"/>
-              </a:solidFill>
-            </a:endParaRPr>
+              <a:t>Teorema</a:t>
+            </a:r>
+            <a:r>
+              <a:rPr lang="en-US" b="1" dirty="0">
+                <a:solidFill>
+                  <a:srgbClr val="0070C0"/>
+                </a:solidFill>
+              </a:rPr>
+              <a:t> Mestre</a:t>
+            </a:r>
           </a:p>
         </p:txBody>
       </p:sp>
+      <mc:AlternateContent xmlns:mc="http://schemas.openxmlformats.org/markup-compatibility/2006">
+        <mc:Choice xmlns:a14="http://schemas.microsoft.com/office/drawing/2010/main" Requires="a14">
+          <p:sp>
+            <p:nvSpPr>
+              <p:cNvPr id="8" name="Text Placeholder 2">
+                <a:extLst>
+                  <a:ext uri="{FF2B5EF4-FFF2-40B4-BE49-F238E27FC236}">
+                    <a16:creationId xmlns:a16="http://schemas.microsoft.com/office/drawing/2014/main" id="{5E58E671-34AB-1005-C984-2BC8E4A45755}"/>
+                  </a:ext>
+                </a:extLst>
+              </p:cNvPr>
+              <p:cNvSpPr>
+                <a:spLocks noGrp="1"/>
+              </p:cNvSpPr>
+              <p:nvPr>
+                <p:ph type="body" sz="half" idx="1"/>
+              </p:nvPr>
+            </p:nvSpPr>
+            <p:spPr>
+              <a:xfrm>
+                <a:off x="142865" y="1200150"/>
+                <a:ext cx="8865056" cy="3737370"/>
+              </a:xfrm>
+            </p:spPr>
+            <p:txBody>
+              <a:bodyPr>
+                <a:noAutofit/>
+              </a:bodyPr>
+              <a:lstStyle/>
+              <a:p>
+                <a:pPr marL="0" indent="0">
+                  <a:buNone/>
+                </a:pPr>
+                <a:r>
+                  <a:rPr lang="pt-BR" sz="2200" b="1" dirty="0">
+                    <a:solidFill>
+                      <a:srgbClr val="FF0000"/>
+                    </a:solidFill>
+                    <a:latin typeface="Times New Roman" panose="02020603050405020304" pitchFamily="18" charset="0"/>
+                    <a:cs typeface="Times New Roman" panose="02020603050405020304" pitchFamily="18" charset="0"/>
+                  </a:rPr>
+                  <a:t>Resumindo os três casos</a:t>
+                </a:r>
+                <a:r>
+                  <a:rPr lang="pt-BR" sz="2200" dirty="0">
+                    <a:latin typeface="Times New Roman" panose="02020603050405020304" pitchFamily="18" charset="0"/>
+                    <a:cs typeface="Times New Roman" panose="02020603050405020304" pitchFamily="18" charset="0"/>
+                  </a:rPr>
+                  <a:t>:</a:t>
+                </a:r>
+              </a:p>
+              <a:p>
+                <a:pPr lvl="0"/>
+                <a:r>
+                  <a:rPr lang="pt-BR" sz="2200" b="1" dirty="0">
+                    <a:latin typeface="Times New Roman" panose="02020603050405020304" pitchFamily="18" charset="0"/>
+                    <a:cs typeface="Times New Roman" panose="02020603050405020304" pitchFamily="18" charset="0"/>
+                  </a:rPr>
+                  <a:t>se a &gt; </a:t>
+                </a:r>
+                <a:r>
+                  <a:rPr lang="pt-BR" sz="2200" b="1" dirty="0" err="1">
+                    <a:latin typeface="Times New Roman" panose="02020603050405020304" pitchFamily="18" charset="0"/>
+                    <a:cs typeface="Times New Roman" panose="02020603050405020304" pitchFamily="18" charset="0"/>
+                  </a:rPr>
+                  <a:t>b</a:t>
+                </a:r>
+                <a:r>
+                  <a:rPr lang="pt-BR" sz="2200" b="1" baseline="30000" dirty="0" err="1">
+                    <a:latin typeface="Times New Roman" panose="02020603050405020304" pitchFamily="18" charset="0"/>
+                    <a:cs typeface="Times New Roman" panose="02020603050405020304" pitchFamily="18" charset="0"/>
+                  </a:rPr>
+                  <a:t>k</a:t>
+                </a:r>
+                <a:r>
+                  <a:rPr lang="pt-BR" sz="2200" dirty="0">
+                    <a:latin typeface="Times New Roman" panose="02020603050405020304" pitchFamily="18" charset="0"/>
+                    <a:cs typeface="Times New Roman" panose="02020603050405020304" pitchFamily="18" charset="0"/>
+                  </a:rPr>
+                  <a:t>, então T(n) = </a:t>
+                </a:r>
+                <a14:m>
+                  <m:oMath xmlns:m="http://schemas.openxmlformats.org/officeDocument/2006/math">
+                    <m:r>
+                      <a:rPr lang="pt-BR" sz="2200" b="1" i="1"/>
+                      <m:t>𝜣</m:t>
+                    </m:r>
+                    <m:r>
+                      <a:rPr lang="pt-BR" sz="2200" b="1" i="1"/>
+                      <m:t>(</m:t>
+                    </m:r>
+                    <m:sSup>
+                      <m:sSupPr>
+                        <m:ctrlPr>
+                          <a:rPr lang="pt-BR" sz="2200" b="1" i="1"/>
+                        </m:ctrlPr>
+                      </m:sSupPr>
+                      <m:e>
+                        <m:r>
+                          <a:rPr lang="pt-BR" sz="2200" b="1" i="1"/>
+                          <m:t>𝒏</m:t>
+                        </m:r>
+                      </m:e>
+                      <m:sup>
+                        <m:sSub>
+                          <m:sSubPr>
+                            <m:ctrlPr>
+                              <a:rPr lang="pt-BR" sz="2200" b="1" i="1"/>
+                            </m:ctrlPr>
+                          </m:sSubPr>
+                          <m:e>
+                            <m:r>
+                              <a:rPr lang="pt-BR" sz="2200" b="1" i="1"/>
+                              <m:t>𝒍𝒐𝒈</m:t>
+                            </m:r>
+                          </m:e>
+                          <m:sub>
+                            <m:r>
+                              <a:rPr lang="pt-BR" sz="2200" b="1" i="1"/>
+                              <m:t>𝒃</m:t>
+                            </m:r>
+                          </m:sub>
+                        </m:sSub>
+                        <m:r>
+                          <a:rPr lang="pt-BR" sz="2200" b="1" i="1"/>
+                          <m:t>𝒂</m:t>
+                        </m:r>
+                      </m:sup>
+                    </m:sSup>
+                    <m:r>
+                      <a:rPr lang="pt-BR" sz="2200" b="1" i="1"/>
+                      <m:t>)</m:t>
+                    </m:r>
+                  </m:oMath>
+                </a14:m>
+                <a:endParaRPr lang="pt-BR" sz="2200" dirty="0">
+                  <a:latin typeface="Times New Roman" panose="02020603050405020304" pitchFamily="18" charset="0"/>
+                  <a:cs typeface="Times New Roman" panose="02020603050405020304" pitchFamily="18" charset="0"/>
+                </a:endParaRPr>
+              </a:p>
+              <a:p>
+                <a:pPr lvl="0"/>
+                <a:r>
+                  <a:rPr lang="pt-BR" sz="2200" b="1" dirty="0">
+                    <a:latin typeface="Times New Roman" panose="02020603050405020304" pitchFamily="18" charset="0"/>
+                    <a:cs typeface="Times New Roman" panose="02020603050405020304" pitchFamily="18" charset="0"/>
+                  </a:rPr>
+                  <a:t>se a = </a:t>
+                </a:r>
+                <a:r>
+                  <a:rPr lang="pt-BR" sz="2200" b="1" dirty="0" err="1">
+                    <a:latin typeface="Times New Roman" panose="02020603050405020304" pitchFamily="18" charset="0"/>
+                    <a:cs typeface="Times New Roman" panose="02020603050405020304" pitchFamily="18" charset="0"/>
+                  </a:rPr>
+                  <a:t>b</a:t>
+                </a:r>
+                <a:r>
+                  <a:rPr lang="pt-BR" sz="2200" b="1" baseline="30000" dirty="0" err="1">
+                    <a:latin typeface="Times New Roman" panose="02020603050405020304" pitchFamily="18" charset="0"/>
+                    <a:cs typeface="Times New Roman" panose="02020603050405020304" pitchFamily="18" charset="0"/>
+                  </a:rPr>
+                  <a:t>k</a:t>
+                </a:r>
+                <a:r>
+                  <a:rPr lang="pt-BR" sz="2200" dirty="0">
+                    <a:latin typeface="Times New Roman" panose="02020603050405020304" pitchFamily="18" charset="0"/>
+                    <a:cs typeface="Times New Roman" panose="02020603050405020304" pitchFamily="18" charset="0"/>
+                  </a:rPr>
+                  <a:t>, então T(n) = </a:t>
+                </a:r>
+                <a14:m>
+                  <m:oMath xmlns:m="http://schemas.openxmlformats.org/officeDocument/2006/math">
+                    <m:r>
+                      <a:rPr lang="pt-BR" sz="2200" b="1" i="1"/>
+                      <m:t>𝜣</m:t>
+                    </m:r>
+                    <m:d>
+                      <m:dPr>
+                        <m:ctrlPr>
+                          <a:rPr lang="pt-BR" sz="2200" b="1" i="1"/>
+                        </m:ctrlPr>
+                      </m:dPr>
+                      <m:e>
+                        <m:sSup>
+                          <m:sSupPr>
+                            <m:ctrlPr>
+                              <a:rPr lang="pt-BR" sz="2200" b="1" i="1"/>
+                            </m:ctrlPr>
+                          </m:sSupPr>
+                          <m:e>
+                            <m:r>
+                              <a:rPr lang="pt-BR" sz="2200" b="1" i="1"/>
+                              <m:t>𝒏</m:t>
+                            </m:r>
+                          </m:e>
+                          <m:sup>
+                            <m:r>
+                              <a:rPr lang="pt-BR" sz="2200" b="1" i="1"/>
+                              <m:t>𝒌</m:t>
+                            </m:r>
+                          </m:sup>
+                        </m:sSup>
+                        <m:r>
+                          <a:rPr lang="pt-BR" sz="2200" b="1" i="1"/>
+                          <m:t>𝒍𝒐𝒈𝒏</m:t>
+                        </m:r>
+                      </m:e>
+                    </m:d>
+                  </m:oMath>
+                </a14:m>
+                <a:endParaRPr lang="pt-BR" sz="2200" dirty="0">
+                  <a:latin typeface="Times New Roman" panose="02020603050405020304" pitchFamily="18" charset="0"/>
+                  <a:cs typeface="Times New Roman" panose="02020603050405020304" pitchFamily="18" charset="0"/>
+                </a:endParaRPr>
+              </a:p>
+              <a:p>
+                <a:pPr lvl="0"/>
+                <a:r>
+                  <a:rPr lang="pt-BR" sz="2200" b="1" dirty="0">
+                    <a:latin typeface="Times New Roman" panose="02020603050405020304" pitchFamily="18" charset="0"/>
+                    <a:cs typeface="Times New Roman" panose="02020603050405020304" pitchFamily="18" charset="0"/>
+                  </a:rPr>
+                  <a:t>se a &lt; </a:t>
+                </a:r>
+                <a:r>
+                  <a:rPr lang="pt-BR" sz="2200" b="1" dirty="0" err="1">
+                    <a:latin typeface="Times New Roman" panose="02020603050405020304" pitchFamily="18" charset="0"/>
+                    <a:cs typeface="Times New Roman" panose="02020603050405020304" pitchFamily="18" charset="0"/>
+                  </a:rPr>
+                  <a:t>b</a:t>
+                </a:r>
+                <a:r>
+                  <a:rPr lang="pt-BR" sz="2200" b="1" baseline="30000" dirty="0" err="1">
+                    <a:latin typeface="Times New Roman" panose="02020603050405020304" pitchFamily="18" charset="0"/>
+                    <a:cs typeface="Times New Roman" panose="02020603050405020304" pitchFamily="18" charset="0"/>
+                  </a:rPr>
+                  <a:t>k</a:t>
+                </a:r>
+                <a:r>
+                  <a:rPr lang="pt-BR" sz="2200" dirty="0">
+                    <a:latin typeface="Times New Roman" panose="02020603050405020304" pitchFamily="18" charset="0"/>
+                    <a:cs typeface="Times New Roman" panose="02020603050405020304" pitchFamily="18" charset="0"/>
+                  </a:rPr>
+                  <a:t>, então T(n) = </a:t>
+                </a:r>
+                <a14:m>
+                  <m:oMath xmlns:m="http://schemas.openxmlformats.org/officeDocument/2006/math">
+                    <m:r>
+                      <a:rPr lang="pt-BR" sz="2200" b="1" i="1"/>
+                      <m:t>𝜣</m:t>
+                    </m:r>
+                    <m:d>
+                      <m:dPr>
+                        <m:ctrlPr>
+                          <a:rPr lang="pt-BR" sz="2200" b="1" i="1"/>
+                        </m:ctrlPr>
+                      </m:dPr>
+                      <m:e>
+                        <m:sSup>
+                          <m:sSupPr>
+                            <m:ctrlPr>
+                              <a:rPr lang="pt-BR" sz="2200" b="1" i="1"/>
+                            </m:ctrlPr>
+                          </m:sSupPr>
+                          <m:e>
+                            <m:r>
+                              <a:rPr lang="pt-BR" sz="2200" b="1" i="1"/>
+                              <m:t>𝒏</m:t>
+                            </m:r>
+                          </m:e>
+                          <m:sup>
+                            <m:r>
+                              <a:rPr lang="pt-BR" sz="2200" b="1" i="1"/>
+                              <m:t>𝒌</m:t>
+                            </m:r>
+                          </m:sup>
+                        </m:sSup>
+                      </m:e>
+                    </m:d>
+                  </m:oMath>
+                </a14:m>
+                <a:endParaRPr lang="pt-BR" sz="2200" b="1" dirty="0">
+                  <a:latin typeface="Times New Roman" panose="02020603050405020304" pitchFamily="18" charset="0"/>
+                  <a:cs typeface="Times New Roman" panose="02020603050405020304" pitchFamily="18" charset="0"/>
+                </a:endParaRPr>
+              </a:p>
+              <a:p>
+                <a:pPr marL="0" indent="0">
+                  <a:buNone/>
+                </a:pPr>
+                <a:endParaRPr lang="pt-BR" sz="2200" b="1" dirty="0">
+                  <a:latin typeface="Times New Roman" panose="02020603050405020304" pitchFamily="18" charset="0"/>
+                  <a:cs typeface="Times New Roman" panose="02020603050405020304" pitchFamily="18" charset="0"/>
+                </a:endParaRPr>
+              </a:p>
+              <a:p>
+                <a:pPr marL="0" indent="0">
+                  <a:buNone/>
+                </a:pPr>
+                <a:r>
+                  <a:rPr lang="pt-BR" sz="2200" b="1" dirty="0">
+                    <a:latin typeface="Times New Roman" panose="02020603050405020304" pitchFamily="18" charset="0"/>
+                    <a:cs typeface="Times New Roman" panose="02020603050405020304" pitchFamily="18" charset="0"/>
+                  </a:rPr>
+                  <a:t>Ex </a:t>
+                </a:r>
+                <a:r>
+                  <a:rPr lang="pt-BR" sz="2200" b="1" dirty="0">
+                    <a:solidFill>
+                      <a:srgbClr val="FF0000"/>
+                    </a:solidFill>
+                    <a:latin typeface="Times New Roman" panose="02020603050405020304" pitchFamily="18" charset="0"/>
+                    <a:cs typeface="Times New Roman" panose="02020603050405020304" pitchFamily="18" charset="0"/>
+                  </a:rPr>
+                  <a:t>MS</a:t>
+                </a:r>
+                <a:r>
+                  <a:rPr lang="pt-BR" sz="2200" b="1" dirty="0">
+                    <a:latin typeface="Times New Roman" panose="02020603050405020304" pitchFamily="18" charset="0"/>
+                    <a:cs typeface="Times New Roman" panose="02020603050405020304" pitchFamily="18" charset="0"/>
+                  </a:rPr>
+                  <a:t>.:</a:t>
+                </a:r>
+                <a14:m>
+                  <m:oMath xmlns:m="http://schemas.openxmlformats.org/officeDocument/2006/math">
+                    <m:r>
+                      <a:rPr lang="pt-BR" sz="2200" b="1" i="0" smtClean="0">
+                        <a:latin typeface="Cambria Math" panose="02040503050406030204" pitchFamily="18" charset="0"/>
+                      </a:rPr>
+                      <m:t> </m:t>
+                    </m:r>
+                    <m:r>
+                      <a:rPr lang="pt-BR" sz="2200" b="1" i="1" smtClean="0">
+                        <a:solidFill>
+                          <a:srgbClr val="FF0000"/>
+                        </a:solidFill>
+                      </a:rPr>
+                      <m:t>𝑻</m:t>
+                    </m:r>
+                    <m:r>
+                      <a:rPr lang="pt-BR" sz="2200" b="1" i="1" smtClean="0">
+                        <a:solidFill>
+                          <a:srgbClr val="FF0000"/>
+                        </a:solidFill>
+                      </a:rPr>
+                      <m:t>(</m:t>
+                    </m:r>
+                    <m:r>
+                      <a:rPr lang="pt-BR" sz="2200" b="1" i="1" smtClean="0">
+                        <a:solidFill>
+                          <a:srgbClr val="FF0000"/>
+                        </a:solidFill>
+                      </a:rPr>
+                      <m:t>𝒏</m:t>
+                    </m:r>
+                    <m:r>
+                      <a:rPr lang="pt-BR" sz="2200" b="1" i="1" smtClean="0">
+                        <a:solidFill>
+                          <a:srgbClr val="FF0000"/>
+                        </a:solidFill>
+                      </a:rPr>
+                      <m:t>)=</m:t>
+                    </m:r>
+                    <m:r>
+                      <a:rPr lang="pt-BR" sz="2200" b="1" i="1" smtClean="0">
+                        <a:solidFill>
+                          <a:srgbClr val="FF0000"/>
+                        </a:solidFill>
+                      </a:rPr>
+                      <m:t>𝟐</m:t>
+                    </m:r>
+                    <m:r>
+                      <a:rPr lang="pt-BR" sz="2200" b="1" i="1" smtClean="0">
+                        <a:solidFill>
+                          <a:srgbClr val="FF0000"/>
+                        </a:solidFill>
+                      </a:rPr>
+                      <m:t>𝑻</m:t>
+                    </m:r>
+                    <m:r>
+                      <a:rPr lang="pt-BR" sz="2200" b="1" i="1" smtClean="0">
+                        <a:solidFill>
+                          <a:srgbClr val="FF0000"/>
+                        </a:solidFill>
+                      </a:rPr>
+                      <m:t>(</m:t>
+                    </m:r>
+                    <m:f>
+                      <m:fPr>
+                        <m:ctrlPr>
+                          <a:rPr lang="pt-BR" sz="2200" b="1" i="1">
+                            <a:solidFill>
+                              <a:srgbClr val="FF0000"/>
+                            </a:solidFill>
+                          </a:rPr>
+                        </m:ctrlPr>
+                      </m:fPr>
+                      <m:num>
+                        <m:r>
+                          <a:rPr lang="pt-BR" sz="2200" b="1" i="1">
+                            <a:solidFill>
+                              <a:srgbClr val="FF0000"/>
+                            </a:solidFill>
+                          </a:rPr>
+                          <m:t>𝒏</m:t>
+                        </m:r>
+                      </m:num>
+                      <m:den>
+                        <m:r>
+                          <a:rPr lang="pt-BR" sz="2200" b="1" i="1">
+                            <a:solidFill>
+                              <a:srgbClr val="FF0000"/>
+                            </a:solidFill>
+                          </a:rPr>
+                          <m:t>𝟐</m:t>
+                        </m:r>
+                      </m:den>
+                    </m:f>
+                    <m:r>
+                      <a:rPr lang="pt-BR" sz="2200" b="1" i="1">
+                        <a:solidFill>
+                          <a:srgbClr val="FF0000"/>
+                        </a:solidFill>
+                      </a:rPr>
+                      <m:t>)+</m:t>
+                    </m:r>
+                    <m:r>
+                      <a:rPr lang="pt-BR" sz="2200" b="1" i="1">
+                        <a:solidFill>
+                          <a:srgbClr val="FF0000"/>
+                        </a:solidFill>
+                      </a:rPr>
+                      <m:t>𝒏</m:t>
+                    </m:r>
+                  </m:oMath>
+                </a14:m>
+                <a:br>
+                  <a:rPr lang="pt-BR" sz="2200" dirty="0"/>
+                </a:br>
+                <a:r>
+                  <a:rPr lang="pt-BR" sz="2200" dirty="0"/>
+                  <a:t>→ </a:t>
+                </a:r>
+                <a14:m>
+                  <m:oMath xmlns:m="http://schemas.openxmlformats.org/officeDocument/2006/math">
+                    <m:r>
+                      <a:rPr lang="pt-BR" sz="2200" i="1"/>
+                      <m:t>𝑎</m:t>
+                    </m:r>
+                    <m:r>
+                      <a:rPr lang="pt-BR" sz="2200" i="1"/>
+                      <m:t>=2,</m:t>
+                    </m:r>
+                    <m:r>
+                      <a:rPr lang="pt-BR" sz="2200" i="1"/>
+                      <m:t>𝑏</m:t>
+                    </m:r>
+                    <m:r>
+                      <a:rPr lang="pt-BR" sz="2200" i="1"/>
+                      <m:t>=2,</m:t>
+                    </m:r>
+                    <m:r>
+                      <a:rPr lang="pt-BR" sz="2200" b="0" i="1" smtClean="0">
+                        <a:latin typeface="Cambria Math" panose="02040503050406030204" pitchFamily="18" charset="0"/>
+                      </a:rPr>
+                      <m:t>𝑘</m:t>
+                    </m:r>
+                    <m:r>
+                      <a:rPr lang="pt-BR" sz="2200" b="0" i="1" smtClean="0">
+                        <a:latin typeface="Cambria Math" panose="02040503050406030204" pitchFamily="18" charset="0"/>
+                      </a:rPr>
+                      <m:t>=1, </m:t>
+                    </m:r>
+                    <m:r>
+                      <a:rPr lang="pt-BR" sz="2200" i="1"/>
+                      <m:t>𝑓</m:t>
+                    </m:r>
+                    <m:r>
+                      <a:rPr lang="pt-BR" sz="2200" i="1"/>
+                      <m:t>(</m:t>
+                    </m:r>
+                    <m:r>
+                      <a:rPr lang="pt-BR" sz="2200" i="1"/>
+                      <m:t>𝑛</m:t>
+                    </m:r>
+                    <m:r>
+                      <a:rPr lang="pt-BR" sz="2200" i="1"/>
+                      <m:t>)=</m:t>
+                    </m:r>
+                    <m:r>
+                      <a:rPr lang="pt-BR" sz="2200" i="1"/>
+                      <m:t>𝑛</m:t>
+                    </m:r>
+                  </m:oMath>
+                </a14:m>
+                <a:endParaRPr lang="pt-BR" sz="2200" dirty="0"/>
+              </a:p>
+              <a:p>
+                <a:pPr marL="0" indent="0">
+                  <a:buNone/>
+                </a:pPr>
+                <a14:m>
+                  <m:oMath xmlns:m="http://schemas.openxmlformats.org/officeDocument/2006/math">
+                    <m:sSup>
+                      <m:sSupPr>
+                        <m:ctrlPr>
+                          <a:rPr lang="pt-BR" sz="2200" b="1" i="1" smtClean="0">
+                            <a:solidFill>
+                              <a:srgbClr val="FF0000"/>
+                            </a:solidFill>
+                          </a:rPr>
+                        </m:ctrlPr>
+                      </m:sSupPr>
+                      <m:e>
+                        <m:r>
+                          <a:rPr lang="pt-BR" sz="2200" b="1" i="1">
+                            <a:solidFill>
+                              <a:srgbClr val="FF0000"/>
+                            </a:solidFill>
+                          </a:rPr>
+                          <m:t>𝒏</m:t>
+                        </m:r>
+                      </m:e>
+                      <m:sup>
+                        <m:sSub>
+                          <m:sSubPr>
+                            <m:ctrlPr>
+                              <a:rPr lang="pt-BR" sz="2200" b="1" i="1">
+                                <a:solidFill>
+                                  <a:srgbClr val="FF0000"/>
+                                </a:solidFill>
+                              </a:rPr>
+                            </m:ctrlPr>
+                          </m:sSubPr>
+                          <m:e>
+                            <m:r>
+                              <a:rPr lang="pt-BR" sz="2200" b="1" i="1">
+                                <a:solidFill>
+                                  <a:srgbClr val="FF0000"/>
+                                </a:solidFill>
+                              </a:rPr>
+                              <m:t>𝒍𝒐𝒈</m:t>
+                            </m:r>
+                          </m:e>
+                          <m:sub>
+                            <m:r>
+                              <a:rPr lang="pt-BR" sz="2200" b="1" i="1">
+                                <a:solidFill>
+                                  <a:srgbClr val="FF0000"/>
+                                </a:solidFill>
+                              </a:rPr>
+                              <m:t>𝟐</m:t>
+                            </m:r>
+                          </m:sub>
+                        </m:sSub>
+                        <m:r>
+                          <a:rPr lang="pt-BR" sz="2200" b="1" i="1">
+                            <a:solidFill>
+                              <a:srgbClr val="FF0000"/>
+                            </a:solidFill>
+                          </a:rPr>
+                          <m:t>𝟐</m:t>
+                        </m:r>
+                      </m:sup>
+                    </m:sSup>
+                    <m:r>
+                      <a:rPr lang="pt-BR" sz="2200" b="1" i="1">
+                        <a:solidFill>
+                          <a:srgbClr val="FF0000"/>
+                        </a:solidFill>
+                      </a:rPr>
+                      <m:t>=</m:t>
+                    </m:r>
+                    <m:sSup>
+                      <m:sSupPr>
+                        <m:ctrlPr>
+                          <a:rPr lang="pt-BR" sz="2200" b="1" i="1">
+                            <a:solidFill>
+                              <a:srgbClr val="FF0000"/>
+                            </a:solidFill>
+                          </a:rPr>
+                        </m:ctrlPr>
+                      </m:sSupPr>
+                      <m:e>
+                        <m:r>
+                          <a:rPr lang="pt-BR" sz="2200" b="1" i="1">
+                            <a:solidFill>
+                              <a:srgbClr val="FF0000"/>
+                            </a:solidFill>
+                          </a:rPr>
+                          <m:t>𝒏</m:t>
+                        </m:r>
+                      </m:e>
+                      <m:sup>
+                        <m:r>
+                          <a:rPr lang="pt-BR" sz="2200" b="1" i="1">
+                            <a:solidFill>
+                              <a:srgbClr val="FF0000"/>
+                            </a:solidFill>
+                          </a:rPr>
+                          <m:t>𝟏</m:t>
+                        </m:r>
+                      </m:sup>
+                    </m:sSup>
+                  </m:oMath>
+                </a14:m>
+                <a:r>
+                  <a:rPr lang="pt-BR" sz="2200" b="1" dirty="0">
+                    <a:latin typeface="Times New Roman" panose="02020603050405020304" pitchFamily="18" charset="0"/>
+                    <a:cs typeface="Times New Roman" panose="02020603050405020304" pitchFamily="18" charset="0"/>
+                  </a:rPr>
+                  <a:t>	</a:t>
+                </a:r>
+                <a:r>
+                  <a:rPr lang="pt-BR" sz="2200" b="1" dirty="0">
+                    <a:solidFill>
+                      <a:srgbClr val="FF0000"/>
+                    </a:solidFill>
+                  </a:rPr>
+                  <a:t> </a:t>
+                </a:r>
+                <a14:m>
+                  <m:oMath xmlns:m="http://schemas.openxmlformats.org/officeDocument/2006/math">
+                    <m:r>
+                      <a:rPr lang="pt-BR" sz="2200" b="1" i="1">
+                        <a:solidFill>
+                          <a:srgbClr val="FF0000"/>
+                        </a:solidFill>
+                        <a:latin typeface="Cambria Math" panose="02040503050406030204" pitchFamily="18" charset="0"/>
+                      </a:rPr>
+                      <m:t>𝜣</m:t>
+                    </m:r>
+                    <m:d>
+                      <m:dPr>
+                        <m:ctrlPr>
+                          <a:rPr lang="pt-BR" sz="2200" b="1" i="1">
+                            <a:solidFill>
+                              <a:srgbClr val="FF0000"/>
+                            </a:solidFill>
+                            <a:latin typeface="Cambria Math" panose="02040503050406030204" pitchFamily="18" charset="0"/>
+                          </a:rPr>
+                        </m:ctrlPr>
+                      </m:dPr>
+                      <m:e>
+                        <m:r>
+                          <a:rPr lang="pt-BR" sz="2200" b="1" i="1" smtClean="0">
+                            <a:solidFill>
+                              <a:srgbClr val="FF0000"/>
+                            </a:solidFill>
+                            <a:latin typeface="Cambria Math" panose="02040503050406030204" pitchFamily="18" charset="0"/>
+                          </a:rPr>
+                          <m:t>𝒏</m:t>
+                        </m:r>
+                      </m:e>
+                    </m:d>
+                  </m:oMath>
+                </a14:m>
+                <a:endParaRPr lang="pt-BR" sz="2200" b="1" dirty="0">
+                  <a:latin typeface="Times New Roman" panose="02020603050405020304" pitchFamily="18" charset="0"/>
+                  <a:cs typeface="Times New Roman" panose="02020603050405020304" pitchFamily="18" charset="0"/>
+                </a:endParaRPr>
+              </a:p>
+            </p:txBody>
+          </p:sp>
+        </mc:Choice>
+        <mc:Fallback>
+          <p:sp>
+            <p:nvSpPr>
+              <p:cNvPr id="8" name="Text Placeholder 2">
+                <a:extLst>
+                  <a:ext uri="{FF2B5EF4-FFF2-40B4-BE49-F238E27FC236}">
+                    <a16:creationId xmlns:a16="http://schemas.microsoft.com/office/drawing/2014/main" id="{5E58E671-34AB-1005-C984-2BC8E4A45755}"/>
+                  </a:ext>
+                </a:extLst>
+              </p:cNvPr>
+              <p:cNvSpPr>
+                <a:spLocks noGrp="1" noRot="1" noChangeAspect="1" noMove="1" noResize="1" noEditPoints="1" noAdjustHandles="1" noChangeArrowheads="1" noChangeShapeType="1" noTextEdit="1"/>
+              </p:cNvSpPr>
+              <p:nvPr>
+                <p:ph type="body" sz="half" idx="1"/>
+              </p:nvPr>
+            </p:nvSpPr>
+            <p:spPr>
+              <a:xfrm>
+                <a:off x="142865" y="1200150"/>
+                <a:ext cx="8865056" cy="3737370"/>
+              </a:xfrm>
+              <a:blipFill>
+                <a:blip r:embed="rId3"/>
+                <a:stretch>
+                  <a:fillRect l="-1375" t="-1142"/>
+                </a:stretch>
+              </a:blipFill>
+            </p:spPr>
+            <p:txBody>
+              <a:bodyPr/>
+              <a:lstStyle/>
+              <a:p>
+                <a:r>
+                  <a:rPr lang="pt-BR">
+                    <a:noFill/>
+                  </a:rPr>
+                  <a:t> </a:t>
+                </a:r>
+              </a:p>
+            </p:txBody>
+          </p:sp>
+        </mc:Fallback>
+      </mc:AlternateContent>
+      <mc:AlternateContent xmlns:mc="http://schemas.openxmlformats.org/markup-compatibility/2006">
+        <mc:Choice xmlns:a14="http://schemas.microsoft.com/office/drawing/2010/main" Requires="a14">
+          <p:sp>
+            <p:nvSpPr>
+              <p:cNvPr id="3" name="CaixaDeTexto 2">
+                <a:extLst>
+                  <a:ext uri="{FF2B5EF4-FFF2-40B4-BE49-F238E27FC236}">
+                    <a16:creationId xmlns:a16="http://schemas.microsoft.com/office/drawing/2014/main" id="{982E2823-E780-8C1F-F5AD-36495D291CA0}"/>
+                  </a:ext>
+                </a:extLst>
+              </p:cNvPr>
+              <p:cNvSpPr txBox="1"/>
+              <p:nvPr/>
+            </p:nvSpPr>
+            <p:spPr>
+              <a:xfrm>
+                <a:off x="4572000" y="3159481"/>
+                <a:ext cx="3509682" cy="922176"/>
+              </a:xfrm>
+              <a:prstGeom prst="rect">
+                <a:avLst/>
+              </a:prstGeom>
+              <a:noFill/>
+              <a:ln w="12700" cap="flat">
+                <a:noFill/>
+                <a:miter lim="400000"/>
+              </a:ln>
+              <a:effectLst/>
+            </p:spPr>
+            <p:style>
+              <a:lnRef idx="0">
+                <a:scrgbClr r="0" g="0" b="0"/>
+              </a:lnRef>
+              <a:fillRef idx="0">
+                <a:scrgbClr r="0" g="0" b="0"/>
+              </a:fillRef>
+              <a:effectRef idx="0">
+                <a:scrgbClr r="0" g="0" b="0"/>
+              </a:effectRef>
+              <a:fontRef idx="none"/>
+            </p:style>
+            <p:txBody>
+              <a:bodyPr wrap="square">
+                <a:spAutoFit/>
+              </a:bodyPr>
+              <a:lstStyle/>
+              <a:p>
+                <a:pPr/>
+                <a14:m>
+                  <m:oMathPara xmlns:m="http://schemas.openxmlformats.org/officeDocument/2006/math">
+                    <m:oMathParaPr>
+                      <m:jc m:val="centerGroup"/>
+                    </m:oMathParaPr>
+                    <m:oMath xmlns:m="http://schemas.openxmlformats.org/officeDocument/2006/math">
+                      <m:r>
+                        <a:rPr lang="pt-BR" sz="2400" i="1" smtClean="0">
+                          <a:solidFill>
+                            <a:srgbClr val="FF0000"/>
+                          </a:solidFill>
+                          <a:highlight>
+                            <a:srgbClr val="FFFF00"/>
+                          </a:highlight>
+                          <a:latin typeface="Cambria Math" panose="02040503050406030204" pitchFamily="18" charset="0"/>
+                        </a:rPr>
+                        <m:t>𝑇</m:t>
+                      </m:r>
+                      <m:d>
+                        <m:dPr>
+                          <m:ctrlPr>
+                            <a:rPr lang="pt-BR" sz="2400" i="1">
+                              <a:solidFill>
+                                <a:srgbClr val="FF0000"/>
+                              </a:solidFill>
+                              <a:highlight>
+                                <a:srgbClr val="FFFF00"/>
+                              </a:highlight>
+                              <a:latin typeface="Cambria Math" panose="02040503050406030204" pitchFamily="18" charset="0"/>
+                            </a:rPr>
+                          </m:ctrlPr>
+                        </m:dPr>
+                        <m:e>
+                          <m:r>
+                            <a:rPr lang="pt-BR" sz="2400" i="1">
+                              <a:solidFill>
+                                <a:srgbClr val="FF0000"/>
+                              </a:solidFill>
+                              <a:highlight>
+                                <a:srgbClr val="FFFF00"/>
+                              </a:highlight>
+                              <a:latin typeface="Cambria Math" panose="02040503050406030204" pitchFamily="18" charset="0"/>
+                            </a:rPr>
+                            <m:t>𝑛</m:t>
+                          </m:r>
+                        </m:e>
+                      </m:d>
+                      <m:r>
+                        <a:rPr lang="pt-BR" sz="2400" i="0">
+                          <a:solidFill>
+                            <a:srgbClr val="FF0000"/>
+                          </a:solidFill>
+                          <a:highlight>
+                            <a:srgbClr val="FFFF00"/>
+                          </a:highlight>
+                          <a:latin typeface="Cambria Math" panose="02040503050406030204" pitchFamily="18" charset="0"/>
+                        </a:rPr>
+                        <m:t>=5</m:t>
+                      </m:r>
+                      <m:r>
+                        <a:rPr lang="pt-BR" sz="2400" i="1">
+                          <a:solidFill>
+                            <a:srgbClr val="FF0000"/>
+                          </a:solidFill>
+                          <a:highlight>
+                            <a:srgbClr val="FFFF00"/>
+                          </a:highlight>
+                          <a:latin typeface="Cambria Math" panose="02040503050406030204" pitchFamily="18" charset="0"/>
+                        </a:rPr>
+                        <m:t>𝑇</m:t>
+                      </m:r>
+                      <m:d>
+                        <m:dPr>
+                          <m:ctrlPr>
+                            <a:rPr lang="pt-BR" sz="2400" i="1">
+                              <a:solidFill>
+                                <a:srgbClr val="FF0000"/>
+                              </a:solidFill>
+                              <a:highlight>
+                                <a:srgbClr val="FFFF00"/>
+                              </a:highlight>
+                              <a:latin typeface="Cambria Math" panose="02040503050406030204" pitchFamily="18" charset="0"/>
+                            </a:rPr>
+                          </m:ctrlPr>
+                        </m:dPr>
+                        <m:e>
+                          <m:f>
+                            <m:fPr>
+                              <m:ctrlPr>
+                                <a:rPr lang="pt-BR" sz="2400" i="1">
+                                  <a:solidFill>
+                                    <a:srgbClr val="FF0000"/>
+                                  </a:solidFill>
+                                  <a:highlight>
+                                    <a:srgbClr val="FFFF00"/>
+                                  </a:highlight>
+                                  <a:latin typeface="Cambria Math" panose="02040503050406030204" pitchFamily="18" charset="0"/>
+                                </a:rPr>
+                              </m:ctrlPr>
+                            </m:fPr>
+                            <m:num>
+                              <m:r>
+                                <a:rPr lang="pt-BR" sz="2400" i="0">
+                                  <a:solidFill>
+                                    <a:srgbClr val="FF0000"/>
+                                  </a:solidFill>
+                                  <a:highlight>
+                                    <a:srgbClr val="FFFF00"/>
+                                  </a:highlight>
+                                  <a:latin typeface="Cambria Math" panose="02040503050406030204" pitchFamily="18" charset="0"/>
+                                </a:rPr>
+                                <m:t>3</m:t>
+                              </m:r>
+                              <m:r>
+                                <a:rPr lang="pt-BR" sz="2400" i="1">
+                                  <a:solidFill>
+                                    <a:srgbClr val="FF0000"/>
+                                  </a:solidFill>
+                                  <a:highlight>
+                                    <a:srgbClr val="FFFF00"/>
+                                  </a:highlight>
+                                  <a:latin typeface="Cambria Math" panose="02040503050406030204" pitchFamily="18" charset="0"/>
+                                </a:rPr>
+                                <m:t>𝑛</m:t>
+                              </m:r>
+                            </m:num>
+                            <m:den>
+                              <m:r>
+                                <a:rPr lang="pt-BR" sz="2400" i="0">
+                                  <a:solidFill>
+                                    <a:srgbClr val="FF0000"/>
+                                  </a:solidFill>
+                                  <a:highlight>
+                                    <a:srgbClr val="FFFF00"/>
+                                  </a:highlight>
+                                  <a:latin typeface="Cambria Math" panose="02040503050406030204" pitchFamily="18" charset="0"/>
+                                </a:rPr>
+                                <m:t>4</m:t>
+                              </m:r>
+                            </m:den>
+                          </m:f>
+                        </m:e>
+                      </m:d>
+                      <m:r>
+                        <a:rPr lang="pt-BR" sz="2400" i="0">
+                          <a:solidFill>
+                            <a:srgbClr val="FF0000"/>
+                          </a:solidFill>
+                          <a:highlight>
+                            <a:srgbClr val="FFFF00"/>
+                          </a:highlight>
+                          <a:latin typeface="Cambria Math" panose="02040503050406030204" pitchFamily="18" charset="0"/>
+                        </a:rPr>
+                        <m:t>+10</m:t>
+                      </m:r>
+                      <m:sSup>
+                        <m:sSupPr>
+                          <m:ctrlPr>
+                            <a:rPr lang="pt-BR" sz="2400" i="1">
+                              <a:solidFill>
+                                <a:srgbClr val="FF0000"/>
+                              </a:solidFill>
+                              <a:highlight>
+                                <a:srgbClr val="FFFF00"/>
+                              </a:highlight>
+                              <a:latin typeface="Cambria Math" panose="02040503050406030204" pitchFamily="18" charset="0"/>
+                            </a:rPr>
+                          </m:ctrlPr>
+                        </m:sSupPr>
+                        <m:e>
+                          <m:r>
+                            <a:rPr lang="pt-BR" sz="2400" i="1">
+                              <a:solidFill>
+                                <a:srgbClr val="FF0000"/>
+                              </a:solidFill>
+                              <a:highlight>
+                                <a:srgbClr val="FFFF00"/>
+                              </a:highlight>
+                              <a:latin typeface="Cambria Math" panose="02040503050406030204" pitchFamily="18" charset="0"/>
+                            </a:rPr>
+                            <m:t>𝑛</m:t>
+                          </m:r>
+                        </m:e>
+                        <m:sup>
+                          <m:r>
+                            <a:rPr lang="pt-BR" sz="2400" i="0">
+                              <a:solidFill>
+                                <a:srgbClr val="FF0000"/>
+                              </a:solidFill>
+                              <a:highlight>
+                                <a:srgbClr val="FFFF00"/>
+                              </a:highlight>
+                              <a:latin typeface="Cambria Math" panose="02040503050406030204" pitchFamily="18" charset="0"/>
+                            </a:rPr>
+                            <m:t>3</m:t>
+                          </m:r>
+                        </m:sup>
+                      </m:sSup>
+                    </m:oMath>
+                  </m:oMathPara>
+                </a14:m>
+                <a:endParaRPr lang="pt-BR" sz="2400" dirty="0">
+                  <a:solidFill>
+                    <a:srgbClr val="FF0000"/>
+                  </a:solidFill>
+                  <a:highlight>
+                    <a:srgbClr val="FFFF00"/>
+                  </a:highlight>
+                </a:endParaRPr>
+              </a:p>
+            </p:txBody>
+          </p:sp>
+        </mc:Choice>
+        <mc:Fallback>
+          <p:sp>
+            <p:nvSpPr>
+              <p:cNvPr id="3" name="CaixaDeTexto 2">
+                <a:extLst>
+                  <a:ext uri="{FF2B5EF4-FFF2-40B4-BE49-F238E27FC236}">
+                    <a16:creationId xmlns:a16="http://schemas.microsoft.com/office/drawing/2014/main" id="{982E2823-E780-8C1F-F5AD-36495D291CA0}"/>
+                  </a:ext>
+                </a:extLst>
+              </p:cNvPr>
+              <p:cNvSpPr txBox="1">
+                <a:spLocks noRot="1" noChangeAspect="1" noMove="1" noResize="1" noEditPoints="1" noAdjustHandles="1" noChangeArrowheads="1" noChangeShapeType="1" noTextEdit="1"/>
+              </p:cNvSpPr>
+              <p:nvPr/>
+            </p:nvSpPr>
+            <p:spPr>
+              <a:xfrm>
+                <a:off x="4572000" y="3159481"/>
+                <a:ext cx="3509682" cy="922176"/>
+              </a:xfrm>
+              <a:prstGeom prst="rect">
+                <a:avLst/>
+              </a:prstGeom>
+              <a:blipFill>
+                <a:blip r:embed="rId4"/>
+                <a:stretch>
+                  <a:fillRect/>
+                </a:stretch>
+              </a:blipFill>
+              <a:ln w="12700" cap="flat">
+                <a:noFill/>
+                <a:miter lim="400000"/>
+              </a:ln>
+              <a:effectLst/>
+            </p:spPr>
+            <p:txBody>
+              <a:bodyPr/>
+              <a:lstStyle/>
+              <a:p>
+                <a:r>
+                  <a:rPr lang="pt-BR">
+                    <a:noFill/>
+                  </a:rPr>
+                  <a:t> </a:t>
+                </a:r>
+              </a:p>
+            </p:txBody>
+          </p:sp>
+        </mc:Fallback>
+      </mc:AlternateContent>
       <p:sp>
         <p:nvSpPr>
-          <p:cNvPr id="8" name="Text Placeholder 2"/>
-          <p:cNvSpPr>
-            <a:spLocks noGrp="1"/>
-          </p:cNvSpPr>
-          <p:nvPr>
-            <p:ph type="body" sz="half" idx="1"/>
-          </p:nvPr>
-        </p:nvSpPr>
-        <p:spPr>
-          <a:xfrm>
-            <a:off x="142865" y="1200151"/>
-            <a:ext cx="8865056" cy="3394472"/>
-          </a:xfrm>
-        </p:spPr>
-        <p:txBody>
-          <a:bodyPr>
-            <a:noAutofit/>
-          </a:bodyPr>
-          <a:lstStyle/>
-          <a:p>
-            <a:pPr marL="0" indent="0" algn="just">
-              <a:buNone/>
-            </a:pPr>
-            <a:r>
-              <a:rPr lang="pt-BR" sz="1800" dirty="0">
-                <a:latin typeface="Calibri" panose="020F0502020204030204" pitchFamily="34" charset="0"/>
-              </a:rPr>
-              <a:t>[1] ...</a:t>
-            </a:r>
-          </a:p>
-          <a:p>
-            <a:pPr marL="0" indent="0" algn="just">
-              <a:buNone/>
-            </a:pPr>
-            <a:endParaRPr lang="pt-BR" sz="1800" dirty="0">
-              <a:latin typeface="Calibri" panose="020F0502020204030204" pitchFamily="34" charset="0"/>
-            </a:endParaRPr>
-          </a:p>
-          <a:p>
-            <a:pPr marL="0" indent="0" algn="just">
-              <a:buNone/>
-            </a:pPr>
-            <a:r>
-              <a:rPr lang="pt-BR" sz="1800" dirty="0">
-                <a:latin typeface="Calibri" panose="020F0502020204030204" pitchFamily="34" charset="0"/>
-              </a:rPr>
-              <a:t>[2] ...</a:t>
-            </a:r>
-          </a:p>
-          <a:p>
-            <a:pPr marL="0" indent="0" algn="just">
-              <a:buNone/>
-            </a:pPr>
-            <a:endParaRPr lang="pt-BR" sz="1800" dirty="0">
-              <a:latin typeface="Calibri" panose="020F0502020204030204" pitchFamily="34" charset="0"/>
-            </a:endParaRPr>
-          </a:p>
-        </p:txBody>
-      </p:sp>
-    </p:spTree>
-    <p:extLst>
-      <p:ext uri="{BB962C8B-B14F-4D97-AF65-F5344CB8AC3E}">
-        <p14:creationId xmlns:p14="http://schemas.microsoft.com/office/powerpoint/2010/main" val="1115311843"/>
-      </p:ext>
-    </p:extLst>
-  </p:cSld>
-  <p:clrMapOvr>
-    <a:masterClrMapping/>
-  </p:clrMapOvr>
-  <p:transition spd="med"/>
-</p:sld>
-</file>
-
-<file path=ppt/slides/slide8.xml><?xml version="1.0" encoding="utf-8"?>
-<p:sld xmlns:a="http://schemas.openxmlformats.org/drawingml/2006/main" xmlns:r="http://schemas.openxmlformats.org/officeDocument/2006/relationships" xmlns:p="http://schemas.openxmlformats.org/presentationml/2006/main">
-  <p:cSld>
-    <p:spTree>
-      <p:nvGrpSpPr>
-        <p:cNvPr id="1" name=""/>
-        <p:cNvGrpSpPr/>
-        <p:nvPr/>
-      </p:nvGrpSpPr>
-      <p:grpSpPr>
-        <a:xfrm>
-          <a:off x="0" y="0"/>
-          <a:ext cx="0" cy="0"/>
-          <a:chOff x="0" y="0"/>
-          <a:chExt cx="0" cy="0"/>
-        </a:xfrm>
-      </p:grpSpPr>
-      <p:pic>
-        <p:nvPicPr>
-          <p:cNvPr id="112" name="Picture 6" descr="Picture 6"/>
-          <p:cNvPicPr>
-            <a:picLocks noChangeAspect="1"/>
-          </p:cNvPicPr>
-          <p:nvPr/>
-        </p:nvPicPr>
-        <p:blipFill>
-          <a:blip r:embed="rId2"/>
-          <a:stretch>
-            <a:fillRect/>
-          </a:stretch>
-        </p:blipFill>
-        <p:spPr>
-          <a:xfrm>
-            <a:off x="0" y="0"/>
-            <a:ext cx="9144000" cy="5143500"/>
-          </a:xfrm>
-          <a:prstGeom prst="rect">
-            <a:avLst/>
-          </a:prstGeom>
-          <a:ln w="12700">
-            <a:miter lim="400000"/>
-            <a:headEnd/>
-            <a:tailEnd/>
-          </a:ln>
-        </p:spPr>
-      </p:pic>
-      <p:pic>
-        <p:nvPicPr>
-          <p:cNvPr id="114" name="Picture 5" descr="Picture 5"/>
-          <p:cNvPicPr>
-            <a:picLocks noChangeAspect="1"/>
-          </p:cNvPicPr>
-          <p:nvPr/>
-        </p:nvPicPr>
-        <p:blipFill>
-          <a:blip r:embed="rId3"/>
-          <a:stretch>
-            <a:fillRect/>
-          </a:stretch>
-        </p:blipFill>
-        <p:spPr>
-          <a:xfrm>
-            <a:off x="469900" y="0"/>
-            <a:ext cx="4391984" cy="171450"/>
-          </a:xfrm>
-          <a:prstGeom prst="rect">
-            <a:avLst/>
-          </a:prstGeom>
-          <a:ln w="12700">
-            <a:miter lim="400000"/>
-            <a:headEnd/>
-            <a:tailEnd/>
-          </a:ln>
-        </p:spPr>
-      </p:pic>
-      <p:sp>
-        <p:nvSpPr>
-          <p:cNvPr id="3" name="Título 2"/>
-          <p:cNvSpPr>
-            <a:spLocks noGrp="1"/>
-          </p:cNvSpPr>
-          <p:nvPr>
-            <p:ph type="title"/>
-          </p:nvPr>
-        </p:nvSpPr>
-        <p:spPr>
-          <a:xfrm>
-            <a:off x="285751" y="2386770"/>
-            <a:ext cx="8615364" cy="1102519"/>
-          </a:xfrm>
-        </p:spPr>
-        <p:txBody>
-          <a:bodyPr>
-            <a:noAutofit/>
-          </a:bodyPr>
-          <a:lstStyle/>
-          <a:p>
-            <a:r>
-              <a:rPr lang="pt-BR" sz="4800" b="1" dirty="0">
-                <a:solidFill>
-                  <a:schemeClr val="bg1"/>
-                </a:solidFill>
-              </a:rPr>
-              <a:t>Algoritmos e Complexidade</a:t>
-            </a:r>
-          </a:p>
-        </p:txBody>
-      </p:sp>
-      <p:sp>
-        <p:nvSpPr>
-          <p:cNvPr id="6" name="Título 2"/>
+          <p:cNvPr id="5" name="CaixaDeTexto 4">
+            <a:extLst>
+              <a:ext uri="{FF2B5EF4-FFF2-40B4-BE49-F238E27FC236}">
+                <a16:creationId xmlns:a16="http://schemas.microsoft.com/office/drawing/2014/main" id="{C23700C0-4564-EFDF-CD63-BE680FA0B54E}"/>
+              </a:ext>
+            </a:extLst>
+          </p:cNvPr>
           <p:cNvSpPr txBox="1"/>
           <p:nvPr/>
         </p:nvSpPr>
         <p:spPr>
           <a:xfrm>
-            <a:off x="975683" y="3866663"/>
-            <a:ext cx="7772400" cy="1102519"/>
+            <a:off x="8081682" y="3435905"/>
+            <a:ext cx="779930" cy="369328"/>
           </a:xfrm>
           <a:prstGeom prst="rect">
             <a:avLst/>
           </a:prstGeom>
-          <a:ln w="12700">
+          <a:noFill/>
+          <a:ln w="12700" cap="flat">
+            <a:noFill/>
             <a:miter lim="400000"/>
           </a:ln>
         </p:spPr>
+        <p:style>
+          <a:lnRef idx="0">
+            <a:scrgbClr r="0" g="0" b="0"/>
+          </a:lnRef>
+          <a:fillRef idx="0">
+            <a:scrgbClr r="0" g="0" b="0"/>
+          </a:fillRef>
+          <a:effectRef idx="0">
+            <a:scrgbClr r="0" g="0" b="0"/>
+          </a:effectRef>
+          <a:fontRef idx="none"/>
+        </p:style>
         <p:txBody>
-          <a:bodyPr lIns="45718" tIns="45718" rIns="45718" bIns="45718" anchor="ctr">
-            <a:noAutofit/>
+          <a:bodyPr rot="0" spcFirstLastPara="1" vertOverflow="overflow" horzOverflow="overflow" vert="horz" wrap="square" lIns="45718" tIns="45718" rIns="45718" bIns="45718" numCol="1" spcCol="38100" rtlCol="0" anchor="t">
+            <a:spAutoFit/>
           </a:bodyPr>
-          <a:lstStyle>
-            <a:lvl1pPr marL="0" marR="0" indent="0" algn="ctr" defTabSz="457200" rtl="0" latinLnBrk="0">
+          <a:lstStyle/>
+          <a:p>
+            <a:pPr marL="0" marR="0" indent="0" algn="l" defTabSz="457200" rtl="0" fontAlgn="auto" latinLnBrk="0" hangingPunct="0">
               <a:lnSpc>
                 <a:spcPct val="100000"/>
               </a:lnSpc>
@@ -5249,21 +11405,321 @@
               <a:buSzTx/>
               <a:buFontTx/>
               <a:buNone/>
-              <a:defRPr sz="4400" b="0" i="0" u="none" strike="noStrike" cap="none" spc="0" baseline="0">
+            </a:pPr>
+            <a:r>
+              <a:rPr kumimoji="0" lang="pt-BR" sz="1800" b="1" i="0" u="none" strike="noStrike" cap="none" spc="0" normalizeH="0" baseline="0" dirty="0">
                 <a:ln>
                   <a:noFill/>
                 </a:ln>
                 <a:solidFill>
-                  <a:srgbClr val="000000"/>
-                </a:solidFill>
+                  <a:srgbClr val="FF0000"/>
+                </a:solidFill>
+                <a:effectLst/>
                 <a:uFillTx/>
-                <a:latin typeface="+mj-lt"/>
-                <a:ea typeface="+mj-ea"/>
-                <a:cs typeface="+mj-cs"/>
+                <a:latin typeface="Times New Roman" panose="02020603050405020304" pitchFamily="18" charset="0"/>
+                <a:cs typeface="Times New Roman" panose="02020603050405020304" pitchFamily="18" charset="0"/>
                 <a:sym typeface="Calibri"/>
-              </a:defRPr>
-            </a:lvl1pPr>
-            <a:lvl2pPr marL="0" marR="0" indent="0" algn="ctr" defTabSz="457200" rtl="0" latinLnBrk="0">
+              </a:rPr>
+              <a:t>Caso 1</a:t>
+            </a:r>
+          </a:p>
+        </p:txBody>
+      </p:sp>
+      <mc:AlternateContent xmlns:mc="http://schemas.openxmlformats.org/markup-compatibility/2006">
+        <mc:Choice xmlns:a14="http://schemas.microsoft.com/office/drawing/2010/main" Requires="a14">
+          <p:sp>
+            <p:nvSpPr>
+              <p:cNvPr id="10" name="CaixaDeTexto 9">
+                <a:extLst>
+                  <a:ext uri="{FF2B5EF4-FFF2-40B4-BE49-F238E27FC236}">
+                    <a16:creationId xmlns:a16="http://schemas.microsoft.com/office/drawing/2014/main" id="{58B735B8-85AB-D7D0-32F0-CF9E78EDCB77}"/>
+                  </a:ext>
+                </a:extLst>
+              </p:cNvPr>
+              <p:cNvSpPr txBox="1"/>
+              <p:nvPr/>
+            </p:nvSpPr>
+            <p:spPr>
+              <a:xfrm>
+                <a:off x="4881282" y="2103288"/>
+                <a:ext cx="3415553" cy="468462"/>
+              </a:xfrm>
+              <a:prstGeom prst="rect">
+                <a:avLst/>
+              </a:prstGeom>
+              <a:noFill/>
+              <a:ln w="12700" cap="flat">
+                <a:noFill/>
+                <a:miter lim="400000"/>
+              </a:ln>
+              <a:effectLst/>
+            </p:spPr>
+            <p:style>
+              <a:lnRef idx="0">
+                <a:scrgbClr r="0" g="0" b="0"/>
+              </a:lnRef>
+              <a:fillRef idx="0">
+                <a:scrgbClr r="0" g="0" b="0"/>
+              </a:fillRef>
+              <a:effectRef idx="0">
+                <a:scrgbClr r="0" g="0" b="0"/>
+              </a:effectRef>
+              <a:fontRef idx="none"/>
+            </p:style>
+            <p:txBody>
+              <a:bodyPr wrap="square">
+                <a:spAutoFit/>
+              </a:bodyPr>
+              <a:lstStyle/>
+              <a:p>
+                <a:pPr/>
+                <a14:m>
+                  <m:oMathPara xmlns:m="http://schemas.openxmlformats.org/officeDocument/2006/math">
+                    <m:oMathParaPr>
+                      <m:jc m:val="centerGroup"/>
+                    </m:oMathParaPr>
+                    <m:oMath xmlns:m="http://schemas.openxmlformats.org/officeDocument/2006/math">
+                      <m:r>
+                        <a:rPr lang="pt-BR" sz="2400" b="1" i="1" smtClean="0">
+                          <a:highlight>
+                            <a:srgbClr val="FFFF00"/>
+                          </a:highlight>
+                          <a:latin typeface="Cambria Math" panose="02040503050406030204" pitchFamily="18" charset="0"/>
+                        </a:rPr>
+                        <m:t>𝑻</m:t>
+                      </m:r>
+                      <m:d>
+                        <m:dPr>
+                          <m:ctrlPr>
+                            <a:rPr lang="pt-BR" sz="2400" b="1" i="1">
+                              <a:highlight>
+                                <a:srgbClr val="FFFF00"/>
+                              </a:highlight>
+                              <a:latin typeface="Cambria Math" panose="02040503050406030204" pitchFamily="18" charset="0"/>
+                            </a:rPr>
+                          </m:ctrlPr>
+                        </m:dPr>
+                        <m:e>
+                          <m:r>
+                            <a:rPr lang="pt-BR" sz="2400" b="1" i="1">
+                              <a:highlight>
+                                <a:srgbClr val="FFFF00"/>
+                              </a:highlight>
+                              <a:latin typeface="Cambria Math" panose="02040503050406030204" pitchFamily="18" charset="0"/>
+                            </a:rPr>
+                            <m:t>𝒏</m:t>
+                          </m:r>
+                        </m:e>
+                      </m:d>
+                      <m:r>
+                        <a:rPr lang="pt-BR" sz="2400" b="1" i="0">
+                          <a:highlight>
+                            <a:srgbClr val="FFFF00"/>
+                          </a:highlight>
+                          <a:latin typeface="Cambria Math" panose="02040503050406030204" pitchFamily="18" charset="0"/>
+                        </a:rPr>
+                        <m:t>=</m:t>
+                      </m:r>
+                      <m:r>
+                        <a:rPr lang="pt-BR" sz="2400" b="1" i="0">
+                          <a:highlight>
+                            <a:srgbClr val="FFFF00"/>
+                          </a:highlight>
+                          <a:latin typeface="Cambria Math" panose="02040503050406030204" pitchFamily="18" charset="0"/>
+                        </a:rPr>
+                        <m:t>𝟐</m:t>
+                      </m:r>
+                      <m:r>
+                        <a:rPr lang="pt-BR" sz="2400" b="1" i="1">
+                          <a:highlight>
+                            <a:srgbClr val="FFFF00"/>
+                          </a:highlight>
+                          <a:latin typeface="Cambria Math" panose="02040503050406030204" pitchFamily="18" charset="0"/>
+                        </a:rPr>
+                        <m:t>𝑻</m:t>
+                      </m:r>
+                      <m:d>
+                        <m:dPr>
+                          <m:ctrlPr>
+                            <a:rPr lang="pt-BR" sz="2400" b="1" i="1">
+                              <a:highlight>
+                                <a:srgbClr val="FFFF00"/>
+                              </a:highlight>
+                              <a:latin typeface="Cambria Math" panose="02040503050406030204" pitchFamily="18" charset="0"/>
+                            </a:rPr>
+                          </m:ctrlPr>
+                        </m:dPr>
+                        <m:e>
+                          <m:r>
+                            <a:rPr lang="pt-BR" sz="2400" b="1" i="1">
+                              <a:highlight>
+                                <a:srgbClr val="FFFF00"/>
+                              </a:highlight>
+                              <a:latin typeface="Cambria Math" panose="02040503050406030204" pitchFamily="18" charset="0"/>
+                            </a:rPr>
+                            <m:t>𝒏</m:t>
+                          </m:r>
+                          <m:r>
+                            <a:rPr lang="pt-BR" sz="2400" b="1" i="0">
+                              <a:highlight>
+                                <a:srgbClr val="FFFF00"/>
+                              </a:highlight>
+                              <a:latin typeface="Cambria Math" panose="02040503050406030204" pitchFamily="18" charset="0"/>
+                            </a:rPr>
+                            <m:t>−</m:t>
+                          </m:r>
+                          <m:r>
+                            <a:rPr lang="pt-BR" sz="2400" b="1" i="0">
+                              <a:highlight>
+                                <a:srgbClr val="FFFF00"/>
+                              </a:highlight>
+                              <a:latin typeface="Cambria Math" panose="02040503050406030204" pitchFamily="18" charset="0"/>
+                            </a:rPr>
+                            <m:t>𝟏</m:t>
+                          </m:r>
+                        </m:e>
+                      </m:d>
+                      <m:r>
+                        <a:rPr lang="pt-BR" sz="2400" b="1" i="0">
+                          <a:highlight>
+                            <a:srgbClr val="FFFF00"/>
+                          </a:highlight>
+                          <a:latin typeface="Cambria Math" panose="02040503050406030204" pitchFamily="18" charset="0"/>
+                        </a:rPr>
+                        <m:t>+</m:t>
+                      </m:r>
+                      <m:rad>
+                        <m:radPr>
+                          <m:degHide m:val="on"/>
+                          <m:ctrlPr>
+                            <a:rPr lang="pt-BR" sz="2400" b="1" i="1">
+                              <a:highlight>
+                                <a:srgbClr val="FFFF00"/>
+                              </a:highlight>
+                              <a:latin typeface="Cambria Math" panose="02040503050406030204" pitchFamily="18" charset="0"/>
+                            </a:rPr>
+                          </m:ctrlPr>
+                        </m:radPr>
+                        <m:deg/>
+                        <m:e>
+                          <m:r>
+                            <a:rPr lang="pt-BR" sz="2400" b="1" i="1">
+                              <a:highlight>
+                                <a:srgbClr val="FFFF00"/>
+                              </a:highlight>
+                              <a:latin typeface="Cambria Math" panose="02040503050406030204" pitchFamily="18" charset="0"/>
+                            </a:rPr>
+                            <m:t>𝒏</m:t>
+                          </m:r>
+                        </m:e>
+                      </m:rad>
+                    </m:oMath>
+                  </m:oMathPara>
+                </a14:m>
+                <a:endParaRPr lang="pt-BR" sz="2400" b="1" dirty="0">
+                  <a:highlight>
+                    <a:srgbClr val="FFFF00"/>
+                  </a:highlight>
+                </a:endParaRPr>
+              </a:p>
+            </p:txBody>
+          </p:sp>
+        </mc:Choice>
+        <mc:Fallback>
+          <p:sp>
+            <p:nvSpPr>
+              <p:cNvPr id="10" name="CaixaDeTexto 9">
+                <a:extLst>
+                  <a:ext uri="{FF2B5EF4-FFF2-40B4-BE49-F238E27FC236}">
+                    <a16:creationId xmlns:a16="http://schemas.microsoft.com/office/drawing/2014/main" id="{58B735B8-85AB-D7D0-32F0-CF9E78EDCB77}"/>
+                  </a:ext>
+                </a:extLst>
+              </p:cNvPr>
+              <p:cNvSpPr txBox="1">
+                <a:spLocks noRot="1" noChangeAspect="1" noMove="1" noResize="1" noEditPoints="1" noAdjustHandles="1" noChangeArrowheads="1" noChangeShapeType="1" noTextEdit="1"/>
+              </p:cNvSpPr>
+              <p:nvPr/>
+            </p:nvSpPr>
+            <p:spPr>
+              <a:xfrm>
+                <a:off x="4881282" y="2103288"/>
+                <a:ext cx="3415553" cy="468462"/>
+              </a:xfrm>
+              <a:prstGeom prst="rect">
+                <a:avLst/>
+              </a:prstGeom>
+              <a:blipFill>
+                <a:blip r:embed="rId5"/>
+                <a:stretch>
+                  <a:fillRect/>
+                </a:stretch>
+              </a:blipFill>
+              <a:ln w="12700" cap="flat">
+                <a:noFill/>
+                <a:miter lim="400000"/>
+              </a:ln>
+              <a:effectLst/>
+            </p:spPr>
+            <p:txBody>
+              <a:bodyPr/>
+              <a:lstStyle/>
+              <a:p>
+                <a:r>
+                  <a:rPr lang="pt-BR">
+                    <a:noFill/>
+                  </a:rPr>
+                  <a:t> </a:t>
+                </a:r>
+              </a:p>
+            </p:txBody>
+          </p:sp>
+        </mc:Fallback>
+      </mc:AlternateContent>
+      <p:sp>
+        <p:nvSpPr>
+          <p:cNvPr id="11" name="CaixaDeTexto 10">
+            <a:extLst>
+              <a:ext uri="{FF2B5EF4-FFF2-40B4-BE49-F238E27FC236}">
+                <a16:creationId xmlns:a16="http://schemas.microsoft.com/office/drawing/2014/main" id="{4D21E7A5-3DAC-5AE9-41A6-4BA7D1AB377A}"/>
+              </a:ext>
+            </a:extLst>
+          </p:cNvPr>
+          <p:cNvSpPr txBox="1"/>
+          <p:nvPr/>
+        </p:nvSpPr>
+        <p:spPr>
+          <a:xfrm>
+            <a:off x="5009029" y="1733960"/>
+            <a:ext cx="3160058" cy="369328"/>
+          </a:xfrm>
+          <a:prstGeom prst="rect">
+            <a:avLst/>
+          </a:prstGeom>
+          <a:noFill/>
+          <a:ln w="12700" cap="flat">
+            <a:noFill/>
+            <a:miter lim="400000"/>
+          </a:ln>
+        </p:spPr>
+        <p:style>
+          <a:lnRef idx="0">
+            <a:scrgbClr r="0" g="0" b="0"/>
+          </a:lnRef>
+          <a:fillRef idx="0">
+            <a:scrgbClr r="0" g="0" b="0"/>
+          </a:fillRef>
+          <a:effectRef idx="0">
+            <a:scrgbClr r="0" g="0" b="0"/>
+          </a:effectRef>
+          <a:fontRef idx="none"/>
+        </p:style>
+        <p:txBody>
+          <a:bodyPr rot="0" spcFirstLastPara="1" vertOverflow="overflow" horzOverflow="overflow" vert="horz" wrap="square" lIns="45718" tIns="45718" rIns="45718" bIns="45718" numCol="1" spcCol="38100" rtlCol="0" anchor="t">
+            <a:spAutoFit/>
+          </a:bodyPr>
+          <a:lstStyle/>
+          <a:p>
+            <a:pPr marL="0" marR="0" indent="0" algn="l" defTabSz="457200" rtl="0" fontAlgn="auto" latinLnBrk="0" hangingPunct="0">
               <a:lnSpc>
                 <a:spcPct val="100000"/>
               </a:lnSpc>
@@ -5277,21 +11733,71 @@
               <a:buSzTx/>
               <a:buFontTx/>
               <a:buNone/>
-              <a:defRPr sz="4400" b="0" i="0" u="none" strike="noStrike" cap="none" spc="0" baseline="0">
+            </a:pPr>
+            <a:r>
+              <a:rPr kumimoji="0" lang="pt-BR" sz="1800" b="1" i="0" u="none" strike="noStrike" cap="none" spc="0" normalizeH="0" baseline="0" dirty="0">
                 <a:ln>
                   <a:noFill/>
                 </a:ln>
                 <a:solidFill>
-                  <a:srgbClr val="000000"/>
-                </a:solidFill>
+                  <a:srgbClr val="FF0000"/>
+                </a:solidFill>
+                <a:effectLst/>
                 <a:uFillTx/>
-                <a:latin typeface="+mj-lt"/>
-                <a:ea typeface="+mj-ea"/>
-                <a:cs typeface="+mj-cs"/>
+                <a:latin typeface="Times New Roman" panose="02020603050405020304" pitchFamily="18" charset="0"/>
+                <a:cs typeface="Times New Roman" panose="02020603050405020304" pitchFamily="18" charset="0"/>
                 <a:sym typeface="Calibri"/>
-              </a:defRPr>
-            </a:lvl2pPr>
-            <a:lvl3pPr marL="0" marR="0" indent="0" algn="ctr" defTabSz="457200" rtl="0" latinLnBrk="0">
+              </a:rPr>
+              <a:t>Não se aplica Teorema Mestre</a:t>
+            </a:r>
+          </a:p>
+        </p:txBody>
+      </p:sp>
+      <p:sp>
+        <p:nvSpPr>
+          <p:cNvPr id="12" name="CaixaDeTexto 11">
+            <a:extLst>
+              <a:ext uri="{FF2B5EF4-FFF2-40B4-BE49-F238E27FC236}">
+                <a16:creationId xmlns:a16="http://schemas.microsoft.com/office/drawing/2014/main" id="{6CB02E2D-7D82-E3ED-AC30-A169A34E0290}"/>
+              </a:ext>
+            </a:extLst>
+          </p:cNvPr>
+          <p:cNvSpPr txBox="1"/>
+          <p:nvPr/>
+        </p:nvSpPr>
+        <p:spPr>
+          <a:xfrm>
+            <a:off x="4921624" y="2884171"/>
+            <a:ext cx="3160058" cy="369328"/>
+          </a:xfrm>
+          <a:prstGeom prst="rect">
+            <a:avLst/>
+          </a:prstGeom>
+          <a:noFill/>
+          <a:ln w="12700" cap="flat">
+            <a:noFill/>
+            <a:miter lim="400000"/>
+          </a:ln>
+        </p:spPr>
+        <p:style>
+          <a:lnRef idx="0">
+            <a:scrgbClr r="0" g="0" b="0"/>
+          </a:lnRef>
+          <a:fillRef idx="0">
+            <a:scrgbClr r="0" g="0" b="0"/>
+          </a:fillRef>
+          <a:effectRef idx="0">
+            <a:scrgbClr r="0" g="0" b="0"/>
+          </a:effectRef>
+          <a:fontRef idx="none"/>
+        </p:style>
+        <p:txBody>
+          <a:bodyPr rot="0" spcFirstLastPara="1" vertOverflow="overflow" horzOverflow="overflow" vert="horz" wrap="square" lIns="45718" tIns="45718" rIns="45718" bIns="45718" numCol="1" spcCol="38100" rtlCol="0" anchor="t">
+            <a:spAutoFit/>
+          </a:bodyPr>
+          <a:lstStyle/>
+          <a:p>
+            <a:pPr marL="0" marR="0" indent="0" algn="l" defTabSz="457200" rtl="0" fontAlgn="auto" latinLnBrk="0" hangingPunct="0">
               <a:lnSpc>
                 <a:spcPct val="100000"/>
               </a:lnSpc>
@@ -5305,252 +11811,491 @@
               <a:buSzTx/>
               <a:buFontTx/>
               <a:buNone/>
-              <a:defRPr sz="4400" b="0" i="0" u="none" strike="noStrike" cap="none" spc="0" baseline="0">
+            </a:pPr>
+            <a:r>
+              <a:rPr kumimoji="0" lang="pt-BR" sz="1800" b="1" i="0" u="none" strike="noStrike" cap="none" spc="0" normalizeH="0" baseline="0" dirty="0">
                 <a:ln>
                   <a:noFill/>
                 </a:ln>
                 <a:solidFill>
-                  <a:srgbClr val="000000"/>
-                </a:solidFill>
+                  <a:schemeClr val="tx1"/>
+                </a:solidFill>
+                <a:effectLst/>
                 <a:uFillTx/>
-                <a:latin typeface="+mj-lt"/>
-                <a:ea typeface="+mj-ea"/>
-                <a:cs typeface="+mj-cs"/>
+                <a:latin typeface="Times New Roman" panose="02020603050405020304" pitchFamily="18" charset="0"/>
+                <a:cs typeface="Times New Roman" panose="02020603050405020304" pitchFamily="18" charset="0"/>
                 <a:sym typeface="Calibri"/>
-              </a:defRPr>
-            </a:lvl3pPr>
-            <a:lvl4pPr marL="0" marR="0" indent="0" algn="ctr" defTabSz="457200" rtl="0" latinLnBrk="0">
-              <a:lnSpc>
-                <a:spcPct val="100000"/>
-              </a:lnSpc>
-              <a:spcBef>
-                <a:spcPts val="0"/>
-              </a:spcBef>
-              <a:spcAft>
-                <a:spcPts val="0"/>
-              </a:spcAft>
-              <a:buClrTx/>
-              <a:buSzTx/>
-              <a:buFontTx/>
-              <a:buNone/>
-              <a:defRPr sz="4400" b="0" i="0" u="none" strike="noStrike" cap="none" spc="0" baseline="0">
-                <a:ln>
-                  <a:noFill/>
-                </a:ln>
-                <a:solidFill>
-                  <a:srgbClr val="000000"/>
-                </a:solidFill>
-                <a:uFillTx/>
-                <a:latin typeface="+mj-lt"/>
-                <a:ea typeface="+mj-ea"/>
-                <a:cs typeface="+mj-cs"/>
-                <a:sym typeface="Calibri"/>
-              </a:defRPr>
-            </a:lvl4pPr>
-            <a:lvl5pPr marL="0" marR="0" indent="0" algn="ctr" defTabSz="457200" rtl="0" latinLnBrk="0">
-              <a:lnSpc>
-                <a:spcPct val="100000"/>
-              </a:lnSpc>
-              <a:spcBef>
-                <a:spcPts val="0"/>
-              </a:spcBef>
-              <a:spcAft>
-                <a:spcPts val="0"/>
-              </a:spcAft>
-              <a:buClrTx/>
-              <a:buSzTx/>
-              <a:buFontTx/>
-              <a:buNone/>
-              <a:defRPr sz="4400" b="0" i="0" u="none" strike="noStrike" cap="none" spc="0" baseline="0">
-                <a:ln>
-                  <a:noFill/>
-                </a:ln>
-                <a:solidFill>
-                  <a:srgbClr val="000000"/>
-                </a:solidFill>
-                <a:uFillTx/>
-                <a:latin typeface="+mj-lt"/>
-                <a:ea typeface="+mj-ea"/>
-                <a:cs typeface="+mj-cs"/>
-                <a:sym typeface="Calibri"/>
-              </a:defRPr>
-            </a:lvl5pPr>
-            <a:lvl6pPr marL="0" marR="0" indent="0" algn="ctr" defTabSz="457200" rtl="0" latinLnBrk="0">
-              <a:lnSpc>
-                <a:spcPct val="100000"/>
-              </a:lnSpc>
-              <a:spcBef>
-                <a:spcPts val="0"/>
-              </a:spcBef>
-              <a:spcAft>
-                <a:spcPts val="0"/>
-              </a:spcAft>
-              <a:buClrTx/>
-              <a:buSzTx/>
-              <a:buFontTx/>
-              <a:buNone/>
-              <a:defRPr sz="4400" b="0" i="0" u="none" strike="noStrike" cap="none" spc="0" baseline="0">
-                <a:ln>
-                  <a:noFill/>
-                </a:ln>
-                <a:solidFill>
-                  <a:srgbClr val="000000"/>
-                </a:solidFill>
-                <a:uFillTx/>
-                <a:latin typeface="+mj-lt"/>
-                <a:ea typeface="+mj-ea"/>
-                <a:cs typeface="+mj-cs"/>
-                <a:sym typeface="Calibri"/>
-              </a:defRPr>
-            </a:lvl6pPr>
-            <a:lvl7pPr marL="0" marR="0" indent="0" algn="ctr" defTabSz="457200" rtl="0" latinLnBrk="0">
-              <a:lnSpc>
-                <a:spcPct val="100000"/>
-              </a:lnSpc>
-              <a:spcBef>
-                <a:spcPts val="0"/>
-              </a:spcBef>
-              <a:spcAft>
-                <a:spcPts val="0"/>
-              </a:spcAft>
-              <a:buClrTx/>
-              <a:buSzTx/>
-              <a:buFontTx/>
-              <a:buNone/>
-              <a:defRPr sz="4400" b="0" i="0" u="none" strike="noStrike" cap="none" spc="0" baseline="0">
-                <a:ln>
-                  <a:noFill/>
-                </a:ln>
-                <a:solidFill>
-                  <a:srgbClr val="000000"/>
-                </a:solidFill>
-                <a:uFillTx/>
-                <a:latin typeface="+mj-lt"/>
-                <a:ea typeface="+mj-ea"/>
-                <a:cs typeface="+mj-cs"/>
-                <a:sym typeface="Calibri"/>
-              </a:defRPr>
-            </a:lvl7pPr>
-            <a:lvl8pPr marL="0" marR="0" indent="0" algn="ctr" defTabSz="457200" rtl="0" latinLnBrk="0">
-              <a:lnSpc>
-                <a:spcPct val="100000"/>
-              </a:lnSpc>
-              <a:spcBef>
-                <a:spcPts val="0"/>
-              </a:spcBef>
-              <a:spcAft>
-                <a:spcPts val="0"/>
-              </a:spcAft>
-              <a:buClrTx/>
-              <a:buSzTx/>
-              <a:buFontTx/>
-              <a:buNone/>
-              <a:defRPr sz="4400" b="0" i="0" u="none" strike="noStrike" cap="none" spc="0" baseline="0">
-                <a:ln>
-                  <a:noFill/>
-                </a:ln>
-                <a:solidFill>
-                  <a:srgbClr val="000000"/>
-                </a:solidFill>
-                <a:uFillTx/>
-                <a:latin typeface="+mj-lt"/>
-                <a:ea typeface="+mj-ea"/>
-                <a:cs typeface="+mj-cs"/>
-                <a:sym typeface="Calibri"/>
-              </a:defRPr>
-            </a:lvl8pPr>
-            <a:lvl9pPr marL="0" marR="0" indent="0" algn="ctr" defTabSz="457200" rtl="0" latinLnBrk="0">
-              <a:lnSpc>
-                <a:spcPct val="100000"/>
-              </a:lnSpc>
-              <a:spcBef>
-                <a:spcPts val="0"/>
-              </a:spcBef>
-              <a:spcAft>
-                <a:spcPts val="0"/>
-              </a:spcAft>
-              <a:buClrTx/>
-              <a:buSzTx/>
-              <a:buFontTx/>
-              <a:buNone/>
-              <a:defRPr sz="4400" b="0" i="0" u="none" strike="noStrike" cap="none" spc="0" baseline="0">
-                <a:ln>
-                  <a:noFill/>
-                </a:ln>
-                <a:solidFill>
-                  <a:srgbClr val="000000"/>
-                </a:solidFill>
-                <a:uFillTx/>
-                <a:latin typeface="+mj-lt"/>
-                <a:ea typeface="+mj-ea"/>
-                <a:cs typeface="+mj-cs"/>
-                <a:sym typeface="Calibri"/>
-              </a:defRPr>
-            </a:lvl9pPr>
-          </a:lstStyle>
-          <a:p>
-            <a:pPr algn="r" hangingPunct="1"/>
-            <a:r>
-              <a:rPr lang="pt-BR" sz="2000" b="1" dirty="0">
-                <a:solidFill>
-                  <a:schemeClr val="bg1"/>
-                </a:solidFill>
-              </a:rPr>
-              <a:t>Professor </a:t>
-            </a:r>
-            <a:r>
-              <a:rPr lang="pt-BR" sz="2000" b="1">
-                <a:solidFill>
-                  <a:schemeClr val="bg1"/>
-                </a:solidFill>
-              </a:rPr>
-              <a:t>M.Sc</a:t>
-            </a:r>
-            <a:r>
-              <a:rPr lang="pt-BR" sz="2000" b="1" dirty="0">
-                <a:solidFill>
-                  <a:schemeClr val="bg1"/>
-                </a:solidFill>
-              </a:rPr>
-              <a:t>. Heleno Cardoso</a:t>
+              </a:rPr>
+              <a:t>Pode aplicar Teorema Mestre</a:t>
             </a:r>
           </a:p>
         </p:txBody>
       </p:sp>
-      <p:pic>
-        <p:nvPicPr>
-          <p:cNvPr id="2" name="Google Shape;62;p1" descr="Imagem">
+    </p:spTree>
+    <p:extLst>
+      <p:ext uri="{BB962C8B-B14F-4D97-AF65-F5344CB8AC3E}">
+        <p14:creationId xmlns:p14="http://schemas.microsoft.com/office/powerpoint/2010/main" val="928485478"/>
+      </p:ext>
+    </p:extLst>
+  </p:cSld>
+  <p:clrMapOvr>
+    <a:masterClrMapping/>
+  </p:clrMapOvr>
+  <p:transition spd="med"/>
+</p:sld>
+</file>
+
+<file path=ppt/slides/slide9.xml><?xml version="1.0" encoding="utf-8"?>
+<p:sld xmlns:a="http://schemas.openxmlformats.org/drawingml/2006/main" xmlns:r="http://schemas.openxmlformats.org/officeDocument/2006/relationships" xmlns:p="http://schemas.openxmlformats.org/presentationml/2006/main">
+  <p:cSld>
+    <p:spTree>
+      <p:nvGrpSpPr>
+        <p:cNvPr id="1" name="">
+          <a:extLst>
+            <a:ext uri="{FF2B5EF4-FFF2-40B4-BE49-F238E27FC236}">
+              <a16:creationId xmlns:a16="http://schemas.microsoft.com/office/drawing/2014/main" id="{6252EBCA-3BCD-6618-1F6B-6033C059640A}"/>
+            </a:ext>
+          </a:extLst>
+        </p:cNvPr>
+        <p:cNvGrpSpPr/>
+        <p:nvPr/>
+      </p:nvGrpSpPr>
+      <p:grpSpPr>
+        <a:xfrm>
+          <a:off x="0" y="0"/>
+          <a:ext cx="0" cy="0"/>
+          <a:chOff x="0" y="0"/>
+          <a:chExt cx="0" cy="0"/>
+        </a:xfrm>
+      </p:grpSpPr>
+      <p:sp>
+        <p:nvSpPr>
+          <p:cNvPr id="6" name="Title 1">
             <a:extLst>
               <a:ext uri="{FF2B5EF4-FFF2-40B4-BE49-F238E27FC236}">
-                <a16:creationId xmlns:a16="http://schemas.microsoft.com/office/drawing/2014/main" id="{9C895622-2963-024D-634E-EA58F5381D06}"/>
+                <a16:creationId xmlns:a16="http://schemas.microsoft.com/office/drawing/2014/main" id="{0088ACD4-165C-EE75-85E6-0F479329BCF9}"/>
               </a:ext>
             </a:extLst>
           </p:cNvPr>
-          <p:cNvPicPr preferRelativeResize="0"/>
-          <p:nvPr/>
-        </p:nvPicPr>
-        <p:blipFill rotWithShape="1">
-          <a:blip r:embed="rId4">
-            <a:alphaModFix/>
-          </a:blip>
-          <a:srcRect/>
-          <a:stretch/>
-        </p:blipFill>
+          <p:cNvSpPr>
+            <a:spLocks noGrp="1"/>
+          </p:cNvSpPr>
+          <p:nvPr>
+            <p:ph type="title"/>
+          </p:nvPr>
+        </p:nvSpPr>
         <p:spPr>
           <a:xfrm>
-            <a:off x="469898" y="343798"/>
-            <a:ext cx="2858518" cy="1338697"/>
+            <a:off x="457200" y="205980"/>
+            <a:ext cx="8229600" cy="857251"/>
           </a:xfrm>
-          <a:prstGeom prst="rect">
-            <a:avLst/>
-          </a:prstGeom>
-          <a:noFill/>
-          <a:ln>
-            <a:noFill/>
-          </a:ln>
         </p:spPr>
-      </p:pic>
+        <p:txBody>
+          <a:bodyPr>
+            <a:normAutofit/>
+          </a:bodyPr>
+          <a:lstStyle/>
+          <a:p>
+            <a:r>
+              <a:rPr lang="en-US" b="1" dirty="0">
+                <a:solidFill>
+                  <a:srgbClr val="0070C0"/>
+                </a:solidFill>
+              </a:rPr>
+              <a:t>Eq. </a:t>
+            </a:r>
+            <a:r>
+              <a:rPr lang="en-US" b="1" dirty="0" err="1">
+                <a:solidFill>
+                  <a:srgbClr val="0070C0"/>
+                </a:solidFill>
+              </a:rPr>
+              <a:t>Recorrência</a:t>
+            </a:r>
+            <a:r>
+              <a:rPr lang="en-US" b="1" dirty="0">
+                <a:solidFill>
+                  <a:srgbClr val="0070C0"/>
+                </a:solidFill>
+              </a:rPr>
+              <a:t> – </a:t>
+            </a:r>
+            <a:r>
+              <a:rPr lang="en-US" b="1" dirty="0" err="1">
+                <a:solidFill>
+                  <a:srgbClr val="0070C0"/>
+                </a:solidFill>
+              </a:rPr>
+              <a:t>Resumo</a:t>
+            </a:r>
+            <a:endParaRPr lang="en-US" b="1" dirty="0">
+              <a:solidFill>
+                <a:srgbClr val="0070C0"/>
+              </a:solidFill>
+            </a:endParaRPr>
+          </a:p>
+        </p:txBody>
+      </p:sp>
+      <p:sp>
+        <p:nvSpPr>
+          <p:cNvPr id="8" name="Text Placeholder 2">
+            <a:extLst>
+              <a:ext uri="{FF2B5EF4-FFF2-40B4-BE49-F238E27FC236}">
+                <a16:creationId xmlns:a16="http://schemas.microsoft.com/office/drawing/2014/main" id="{6B12EB48-927A-8F13-8FE2-D637ED8D2228}"/>
+              </a:ext>
+            </a:extLst>
+          </p:cNvPr>
+          <p:cNvSpPr>
+            <a:spLocks noGrp="1"/>
+          </p:cNvSpPr>
+          <p:nvPr>
+            <p:ph type="body" sz="half" idx="1"/>
+          </p:nvPr>
+        </p:nvSpPr>
+        <p:spPr>
+          <a:xfrm>
+            <a:off x="142865" y="1038786"/>
+            <a:ext cx="8865056" cy="3898734"/>
+          </a:xfrm>
+        </p:spPr>
+        <p:txBody>
+          <a:bodyPr>
+            <a:noAutofit/>
+          </a:bodyPr>
+          <a:lstStyle/>
+          <a:p>
+            <a:r>
+              <a:rPr lang="pt-BR" sz="2400" b="1" dirty="0">
+                <a:solidFill>
+                  <a:schemeClr val="tx1"/>
+                </a:solidFill>
+                <a:latin typeface="Times New Roman" panose="02020603050405020304" pitchFamily="18" charset="0"/>
+                <a:cs typeface="Times New Roman" panose="02020603050405020304" pitchFamily="18" charset="0"/>
+              </a:rPr>
+              <a:t>Eq. Recorrência</a:t>
+            </a:r>
+            <a:r>
+              <a:rPr lang="pt-BR" sz="2400" dirty="0">
+                <a:solidFill>
+                  <a:schemeClr val="tx1"/>
+                </a:solidFill>
+                <a:latin typeface="Times New Roman" panose="02020603050405020304" pitchFamily="18" charset="0"/>
+                <a:cs typeface="Times New Roman" panose="02020603050405020304" pitchFamily="18" charset="0"/>
+              </a:rPr>
+              <a:t>: expressa um </a:t>
+            </a:r>
+            <a:r>
+              <a:rPr lang="pt-BR" sz="2400" b="1" dirty="0">
+                <a:solidFill>
+                  <a:srgbClr val="FF0000"/>
+                </a:solidFill>
+                <a:latin typeface="Times New Roman" panose="02020603050405020304" pitchFamily="18" charset="0"/>
+                <a:cs typeface="Times New Roman" panose="02020603050405020304" pitchFamily="18" charset="0"/>
+              </a:rPr>
+              <a:t>problema recursivo</a:t>
+            </a:r>
+            <a:r>
+              <a:rPr lang="pt-BR" sz="2400" dirty="0">
+                <a:solidFill>
+                  <a:schemeClr val="tx1"/>
+                </a:solidFill>
+                <a:latin typeface="Times New Roman" panose="02020603050405020304" pitchFamily="18" charset="0"/>
+                <a:cs typeface="Times New Roman" panose="02020603050405020304" pitchFamily="18" charset="0"/>
+              </a:rPr>
+              <a:t>.</a:t>
+            </a:r>
+          </a:p>
+          <a:p>
+            <a:pPr marL="0" indent="0">
+              <a:buNone/>
+            </a:pPr>
+            <a:endParaRPr lang="pt-BR" sz="2400" dirty="0">
+              <a:solidFill>
+                <a:schemeClr val="tx1"/>
+              </a:solidFill>
+              <a:latin typeface="Times New Roman" panose="02020603050405020304" pitchFamily="18" charset="0"/>
+              <a:cs typeface="Times New Roman" panose="02020603050405020304" pitchFamily="18" charset="0"/>
+            </a:endParaRPr>
+          </a:p>
+          <a:p>
+            <a:r>
+              <a:rPr lang="pt-BR" sz="2400" b="1" dirty="0">
+                <a:solidFill>
+                  <a:schemeClr val="tx1"/>
+                </a:solidFill>
+                <a:latin typeface="Times New Roman" panose="02020603050405020304" pitchFamily="18" charset="0"/>
+                <a:cs typeface="Times New Roman" panose="02020603050405020304" pitchFamily="18" charset="0"/>
+              </a:rPr>
+              <a:t>Teorema Mestre</a:t>
+            </a:r>
+            <a:r>
+              <a:rPr lang="pt-BR" sz="2400" dirty="0">
+                <a:solidFill>
+                  <a:schemeClr val="tx1"/>
+                </a:solidFill>
+                <a:latin typeface="Times New Roman" panose="02020603050405020304" pitchFamily="18" charset="0"/>
+                <a:cs typeface="Times New Roman" panose="02020603050405020304" pitchFamily="18" charset="0"/>
+              </a:rPr>
+              <a:t>: fornece </a:t>
+            </a:r>
+            <a:r>
+              <a:rPr lang="pt-BR" sz="2400" b="1" dirty="0">
+                <a:solidFill>
+                  <a:srgbClr val="FF0000"/>
+                </a:solidFill>
+                <a:latin typeface="Times New Roman" panose="02020603050405020304" pitchFamily="18" charset="0"/>
+                <a:cs typeface="Times New Roman" panose="02020603050405020304" pitchFamily="18" charset="0"/>
+              </a:rPr>
+              <a:t>solução direta em três casos</a:t>
+            </a:r>
+            <a:r>
+              <a:rPr lang="pt-BR" sz="2400" dirty="0">
+                <a:solidFill>
+                  <a:schemeClr val="tx1"/>
+                </a:solidFill>
+                <a:latin typeface="Times New Roman" panose="02020603050405020304" pitchFamily="18" charset="0"/>
+                <a:cs typeface="Times New Roman" panose="02020603050405020304" pitchFamily="18" charset="0"/>
+              </a:rPr>
+              <a:t>.</a:t>
+            </a:r>
+          </a:p>
+          <a:p>
+            <a:pPr marL="0" indent="0">
+              <a:buNone/>
+            </a:pPr>
+            <a:endParaRPr lang="pt-BR" sz="2400" dirty="0">
+              <a:solidFill>
+                <a:schemeClr val="tx1"/>
+              </a:solidFill>
+              <a:latin typeface="Times New Roman" panose="02020603050405020304" pitchFamily="18" charset="0"/>
+              <a:cs typeface="Times New Roman" panose="02020603050405020304" pitchFamily="18" charset="0"/>
+            </a:endParaRPr>
+          </a:p>
+          <a:p>
+            <a:r>
+              <a:rPr lang="pt-BR" sz="2400" b="1" dirty="0">
+                <a:solidFill>
+                  <a:schemeClr val="tx1"/>
+                </a:solidFill>
+                <a:latin typeface="Times New Roman" panose="02020603050405020304" pitchFamily="18" charset="0"/>
+                <a:cs typeface="Times New Roman" panose="02020603050405020304" pitchFamily="18" charset="0"/>
+              </a:rPr>
+              <a:t>Aplicações</a:t>
+            </a:r>
+            <a:r>
+              <a:rPr lang="pt-BR" sz="2400" dirty="0">
+                <a:solidFill>
+                  <a:schemeClr val="tx1"/>
+                </a:solidFill>
+                <a:latin typeface="Times New Roman" panose="02020603050405020304" pitchFamily="18" charset="0"/>
+                <a:cs typeface="Times New Roman" panose="02020603050405020304" pitchFamily="18" charset="0"/>
+              </a:rPr>
+              <a:t>: análise de </a:t>
+            </a:r>
+            <a:r>
+              <a:rPr lang="pt-BR" sz="2400" b="1" dirty="0">
+                <a:solidFill>
+                  <a:srgbClr val="FF0000"/>
+                </a:solidFill>
+                <a:latin typeface="Times New Roman" panose="02020603050405020304" pitchFamily="18" charset="0"/>
+                <a:cs typeface="Times New Roman" panose="02020603050405020304" pitchFamily="18" charset="0"/>
+              </a:rPr>
+              <a:t>algoritmos</a:t>
+            </a:r>
+            <a:r>
+              <a:rPr lang="pt-BR" sz="2400" dirty="0">
+                <a:solidFill>
+                  <a:schemeClr val="tx1"/>
+                </a:solidFill>
+                <a:latin typeface="Times New Roman" panose="02020603050405020304" pitchFamily="18" charset="0"/>
+                <a:cs typeface="Times New Roman" panose="02020603050405020304" pitchFamily="18" charset="0"/>
+              </a:rPr>
+              <a:t> como </a:t>
+            </a:r>
+            <a:r>
+              <a:rPr lang="pt-BR" sz="2400" b="1" dirty="0">
+                <a:solidFill>
+                  <a:srgbClr val="FF0000"/>
+                </a:solidFill>
+                <a:latin typeface="Times New Roman" panose="02020603050405020304" pitchFamily="18" charset="0"/>
+                <a:cs typeface="Times New Roman" panose="02020603050405020304" pitchFamily="18" charset="0"/>
+              </a:rPr>
+              <a:t>Merge </a:t>
+            </a:r>
+            <a:r>
+              <a:rPr lang="pt-BR" sz="2400" b="1" dirty="0" err="1">
+                <a:solidFill>
+                  <a:srgbClr val="FF0000"/>
+                </a:solidFill>
+                <a:latin typeface="Times New Roman" panose="02020603050405020304" pitchFamily="18" charset="0"/>
+                <a:cs typeface="Times New Roman" panose="02020603050405020304" pitchFamily="18" charset="0"/>
+              </a:rPr>
+              <a:t>Sort</a:t>
+            </a:r>
+            <a:r>
+              <a:rPr lang="pt-BR" sz="2400" b="1" dirty="0">
+                <a:solidFill>
+                  <a:srgbClr val="FF0000"/>
+                </a:solidFill>
+                <a:latin typeface="Times New Roman" panose="02020603050405020304" pitchFamily="18" charset="0"/>
+                <a:cs typeface="Times New Roman" panose="02020603050405020304" pitchFamily="18" charset="0"/>
+              </a:rPr>
+              <a:t>, </a:t>
+            </a:r>
+            <a:r>
+              <a:rPr lang="pt-BR" sz="2400" b="1" dirty="0" err="1">
+                <a:solidFill>
+                  <a:srgbClr val="FF0000"/>
+                </a:solidFill>
+                <a:latin typeface="Times New Roman" panose="02020603050405020304" pitchFamily="18" charset="0"/>
+                <a:cs typeface="Times New Roman" panose="02020603050405020304" pitchFamily="18" charset="0"/>
+              </a:rPr>
+              <a:t>QuickSort</a:t>
+            </a:r>
+            <a:r>
+              <a:rPr lang="pt-BR" sz="2400" b="1" dirty="0">
+                <a:solidFill>
+                  <a:srgbClr val="FF0000"/>
+                </a:solidFill>
+                <a:latin typeface="Times New Roman" panose="02020603050405020304" pitchFamily="18" charset="0"/>
+                <a:cs typeface="Times New Roman" panose="02020603050405020304" pitchFamily="18" charset="0"/>
+              </a:rPr>
+              <a:t>, </a:t>
+            </a:r>
+            <a:r>
+              <a:rPr lang="pt-BR" sz="2400" b="1" dirty="0" err="1">
+                <a:solidFill>
+                  <a:srgbClr val="FF0000"/>
+                </a:solidFill>
+                <a:latin typeface="Times New Roman" panose="02020603050405020304" pitchFamily="18" charset="0"/>
+                <a:cs typeface="Times New Roman" panose="02020603050405020304" pitchFamily="18" charset="0"/>
+              </a:rPr>
+              <a:t>Binary</a:t>
+            </a:r>
+            <a:r>
+              <a:rPr lang="pt-BR" sz="2400" b="1" dirty="0">
+                <a:solidFill>
+                  <a:srgbClr val="FF0000"/>
+                </a:solidFill>
+                <a:latin typeface="Times New Roman" panose="02020603050405020304" pitchFamily="18" charset="0"/>
+                <a:cs typeface="Times New Roman" panose="02020603050405020304" pitchFamily="18" charset="0"/>
+              </a:rPr>
+              <a:t> Search</a:t>
+            </a:r>
+            <a:r>
+              <a:rPr lang="pt-BR" sz="2400" dirty="0">
+                <a:solidFill>
+                  <a:schemeClr val="tx1"/>
+                </a:solidFill>
+                <a:latin typeface="Times New Roman" panose="02020603050405020304" pitchFamily="18" charset="0"/>
+                <a:cs typeface="Times New Roman" panose="02020603050405020304" pitchFamily="18" charset="0"/>
+              </a:rPr>
+              <a:t> etc.</a:t>
+            </a:r>
+          </a:p>
+          <a:p>
+            <a:pPr marL="0" indent="0">
+              <a:buNone/>
+            </a:pPr>
+            <a:endParaRPr lang="pt-BR" sz="2400" dirty="0">
+              <a:solidFill>
+                <a:schemeClr val="tx1"/>
+              </a:solidFill>
+              <a:latin typeface="Times New Roman" panose="02020603050405020304" pitchFamily="18" charset="0"/>
+              <a:cs typeface="Times New Roman" panose="02020603050405020304" pitchFamily="18" charset="0"/>
+            </a:endParaRPr>
+          </a:p>
+          <a:p>
+            <a:pPr algn="just"/>
+            <a:r>
+              <a:rPr lang="pt-BR" sz="2400" b="1" dirty="0">
+                <a:solidFill>
+                  <a:schemeClr val="tx1"/>
+                </a:solidFill>
+                <a:latin typeface="Times New Roman" panose="02020603050405020304" pitchFamily="18" charset="0"/>
+                <a:cs typeface="Times New Roman" panose="02020603050405020304" pitchFamily="18" charset="0"/>
+              </a:rPr>
+              <a:t>Outros Métodos para Resolução de Recorrências</a:t>
+            </a:r>
+            <a:r>
+              <a:rPr lang="pt-BR" sz="2400" dirty="0">
+                <a:solidFill>
+                  <a:schemeClr val="tx1"/>
+                </a:solidFill>
+                <a:latin typeface="Times New Roman" panose="02020603050405020304" pitchFamily="18" charset="0"/>
+                <a:cs typeface="Times New Roman" panose="02020603050405020304" pitchFamily="18" charset="0"/>
+              </a:rPr>
+              <a:t>: </a:t>
+            </a:r>
+            <a:r>
+              <a:rPr lang="pt-BR" sz="2400" b="1" dirty="0">
+                <a:solidFill>
+                  <a:srgbClr val="FF0000"/>
+                </a:solidFill>
+                <a:latin typeface="Times New Roman" panose="02020603050405020304" pitchFamily="18" charset="0"/>
+                <a:cs typeface="Times New Roman" panose="02020603050405020304" pitchFamily="18" charset="0"/>
+              </a:rPr>
+              <a:t>Substituição</a:t>
+            </a:r>
+            <a:r>
+              <a:rPr lang="pt-BR" sz="2400" dirty="0">
+                <a:solidFill>
+                  <a:schemeClr val="tx1"/>
+                </a:solidFill>
+                <a:latin typeface="Times New Roman" panose="02020603050405020304" pitchFamily="18" charset="0"/>
+                <a:cs typeface="Times New Roman" panose="02020603050405020304" pitchFamily="18" charset="0"/>
+              </a:rPr>
+              <a:t> e  </a:t>
+            </a:r>
+            <a:r>
+              <a:rPr lang="pt-BR" sz="2400" b="1" dirty="0">
+                <a:solidFill>
+                  <a:srgbClr val="FF0000"/>
+                </a:solidFill>
+                <a:latin typeface="Times New Roman" panose="02020603050405020304" pitchFamily="18" charset="0"/>
+                <a:cs typeface="Times New Roman" panose="02020603050405020304" pitchFamily="18" charset="0"/>
+              </a:rPr>
+              <a:t>Interação</a:t>
+            </a:r>
+            <a:r>
+              <a:rPr lang="pt-BR" sz="2400" dirty="0">
+                <a:solidFill>
+                  <a:schemeClr val="tx1"/>
+                </a:solidFill>
+                <a:latin typeface="Times New Roman" panose="02020603050405020304" pitchFamily="18" charset="0"/>
+                <a:cs typeface="Times New Roman" panose="02020603050405020304" pitchFamily="18" charset="0"/>
+              </a:rPr>
+              <a:t>, </a:t>
+            </a:r>
+            <a:r>
+              <a:rPr lang="pt-BR" sz="2400" b="1" dirty="0">
+                <a:solidFill>
+                  <a:srgbClr val="FF0000"/>
+                </a:solidFill>
+                <a:latin typeface="Times New Roman" panose="02020603050405020304" pitchFamily="18" charset="0"/>
+                <a:cs typeface="Times New Roman" panose="02020603050405020304" pitchFamily="18" charset="0"/>
+              </a:rPr>
+              <a:t>Árvore de Recursão</a:t>
+            </a:r>
+            <a:r>
+              <a:rPr lang="pt-BR" sz="2400" dirty="0">
+                <a:solidFill>
+                  <a:schemeClr val="tx1"/>
+                </a:solidFill>
+                <a:latin typeface="Times New Roman" panose="02020603050405020304" pitchFamily="18" charset="0"/>
+                <a:cs typeface="Times New Roman" panose="02020603050405020304" pitchFamily="18" charset="0"/>
+              </a:rPr>
+              <a:t>.</a:t>
+            </a:r>
+          </a:p>
+        </p:txBody>
+      </p:sp>
     </p:spTree>
+    <p:extLst>
+      <p:ext uri="{BB962C8B-B14F-4D97-AF65-F5344CB8AC3E}">
+        <p14:creationId xmlns:p14="http://schemas.microsoft.com/office/powerpoint/2010/main" val="1249440076"/>
+      </p:ext>
+    </p:extLst>
   </p:cSld>
   <p:clrMapOvr>
     <a:masterClrMapping/>

--- a/01 Classes/Aula 08 - Algoritmos e Complexidade - Equações de Recorrência.pptx
+++ b/01 Classes/Aula 08 - Algoritmos e Complexidade - Equações de Recorrência.pptx
@@ -5,7 +5,7 @@
     <p:sldMasterId id="2147483648" r:id="rId1"/>
   </p:sldMasterIdLst>
   <p:notesMasterIdLst>
-    <p:notesMasterId r:id="rId17"/>
+    <p:notesMasterId r:id="rId18"/>
   </p:notesMasterIdLst>
   <p:sldIdLst>
     <p:sldId id="256" r:id="rId2"/>
@@ -15,14 +15,15 @@
     <p:sldId id="339" r:id="rId6"/>
     <p:sldId id="340" r:id="rId7"/>
     <p:sldId id="342" r:id="rId8"/>
-    <p:sldId id="344" r:id="rId9"/>
-    <p:sldId id="343" r:id="rId10"/>
-    <p:sldId id="341" r:id="rId11"/>
-    <p:sldId id="333" r:id="rId12"/>
-    <p:sldId id="323" r:id="rId13"/>
-    <p:sldId id="334" r:id="rId14"/>
-    <p:sldId id="337" r:id="rId15"/>
-    <p:sldId id="309" r:id="rId16"/>
+    <p:sldId id="345" r:id="rId9"/>
+    <p:sldId id="344" r:id="rId10"/>
+    <p:sldId id="343" r:id="rId11"/>
+    <p:sldId id="341" r:id="rId12"/>
+    <p:sldId id="333" r:id="rId13"/>
+    <p:sldId id="323" r:id="rId14"/>
+    <p:sldId id="334" r:id="rId15"/>
+    <p:sldId id="337" r:id="rId16"/>
+    <p:sldId id="309" r:id="rId17"/>
   </p:sldIdLst>
   <p:sldSz cx="9144000" cy="5143500" type="screen16x9"/>
   <p:notesSz cx="6858000" cy="9144000"/>
@@ -574,7 +575,13 @@
   <p:cSld>
     <p:spTree>
       <p:nvGrpSpPr>
-        <p:cNvPr id="1" name=""/>
+        <p:cNvPr id="1" name="">
+          <a:extLst>
+            <a:ext uri="{FF2B5EF4-FFF2-40B4-BE49-F238E27FC236}">
+              <a16:creationId xmlns:a16="http://schemas.microsoft.com/office/drawing/2014/main" id="{893E377A-031C-9951-8BCD-F5FA88901752}"/>
+            </a:ext>
+          </a:extLst>
+        </p:cNvPr>
         <p:cNvGrpSpPr/>
         <p:nvPr/>
       </p:nvGrpSpPr>
@@ -588,7 +595,13 @@
       </p:grpSpPr>
       <p:sp>
         <p:nvSpPr>
-          <p:cNvPr id="2" name="Espaço Reservado para Imagem de Slide 1"/>
+          <p:cNvPr id="2" name="Espaço Reservado para Imagem de Slide 1">
+            <a:extLst>
+              <a:ext uri="{FF2B5EF4-FFF2-40B4-BE49-F238E27FC236}">
+                <a16:creationId xmlns:a16="http://schemas.microsoft.com/office/drawing/2014/main" id="{AF571FBA-3889-9CB4-6768-C8E168299CC0}"/>
+              </a:ext>
+            </a:extLst>
+          </p:cNvPr>
           <p:cNvSpPr>
             <a:spLocks noGrp="1" noRot="1" noChangeAspect="1"/>
           </p:cNvSpPr>
@@ -605,7 +618,13 @@
       </p:sp>
       <p:sp>
         <p:nvSpPr>
-          <p:cNvPr id="3" name="Espaço Reservado para Anotações 2"/>
+          <p:cNvPr id="3" name="Espaço Reservado para Anotações 2">
+            <a:extLst>
+              <a:ext uri="{FF2B5EF4-FFF2-40B4-BE49-F238E27FC236}">
+                <a16:creationId xmlns:a16="http://schemas.microsoft.com/office/drawing/2014/main" id="{07F8FB45-DF29-5280-11C2-ACF07AC95660}"/>
+              </a:ext>
+            </a:extLst>
+          </p:cNvPr>
           <p:cNvSpPr>
             <a:spLocks noGrp="1"/>
           </p:cNvSpPr>
@@ -625,7 +644,7 @@
     </p:spTree>
     <p:extLst>
       <p:ext uri="{BB962C8B-B14F-4D97-AF65-F5344CB8AC3E}">
-        <p14:creationId xmlns:p14="http://schemas.microsoft.com/office/powerpoint/2010/main" val="585304384"/>
+        <p14:creationId xmlns:p14="http://schemas.microsoft.com/office/powerpoint/2010/main" val="520992971"/>
       </p:ext>
     </p:extLst>
   </p:cSld>
@@ -691,7 +710,7 @@
     </p:spTree>
     <p:extLst>
       <p:ext uri="{BB962C8B-B14F-4D97-AF65-F5344CB8AC3E}">
-        <p14:creationId xmlns:p14="http://schemas.microsoft.com/office/powerpoint/2010/main" val="2709569597"/>
+        <p14:creationId xmlns:p14="http://schemas.microsoft.com/office/powerpoint/2010/main" val="585304384"/>
       </p:ext>
     </p:extLst>
   </p:cSld>
@@ -757,6 +776,72 @@
     </p:spTree>
     <p:extLst>
       <p:ext uri="{BB962C8B-B14F-4D97-AF65-F5344CB8AC3E}">
+        <p14:creationId xmlns:p14="http://schemas.microsoft.com/office/powerpoint/2010/main" val="2709569597"/>
+      </p:ext>
+    </p:extLst>
+  </p:cSld>
+  <p:clrMapOvr>
+    <a:masterClrMapping/>
+  </p:clrMapOvr>
+</p:notes>
+</file>
+
+<file path=ppt/notesSlides/notesSlide13.xml><?xml version="1.0" encoding="utf-8"?>
+<p:notes xmlns:a="http://schemas.openxmlformats.org/drawingml/2006/main" xmlns:r="http://schemas.openxmlformats.org/officeDocument/2006/relationships" xmlns:p="http://schemas.openxmlformats.org/presentationml/2006/main">
+  <p:cSld>
+    <p:spTree>
+      <p:nvGrpSpPr>
+        <p:cNvPr id="1" name=""/>
+        <p:cNvGrpSpPr/>
+        <p:nvPr/>
+      </p:nvGrpSpPr>
+      <p:grpSpPr>
+        <a:xfrm>
+          <a:off x="0" y="0"/>
+          <a:ext cx="0" cy="0"/>
+          <a:chOff x="0" y="0"/>
+          <a:chExt cx="0" cy="0"/>
+        </a:xfrm>
+      </p:grpSpPr>
+      <p:sp>
+        <p:nvSpPr>
+          <p:cNvPr id="2" name="Espaço Reservado para Imagem de Slide 1"/>
+          <p:cNvSpPr>
+            <a:spLocks noGrp="1" noRot="1" noChangeAspect="1"/>
+          </p:cNvSpPr>
+          <p:nvPr>
+            <p:ph type="sldImg"/>
+          </p:nvPr>
+        </p:nvSpPr>
+        <p:spPr>
+          <a:xfrm>
+            <a:off x="381000" y="685800"/>
+            <a:ext cx="6096000" cy="3429000"/>
+          </a:xfrm>
+        </p:spPr>
+      </p:sp>
+      <p:sp>
+        <p:nvSpPr>
+          <p:cNvPr id="3" name="Espaço Reservado para Anotações 2"/>
+          <p:cNvSpPr>
+            <a:spLocks noGrp="1"/>
+          </p:cNvSpPr>
+          <p:nvPr>
+            <p:ph type="body" idx="1"/>
+          </p:nvPr>
+        </p:nvSpPr>
+        <p:spPr/>
+        <p:txBody>
+          <a:bodyPr/>
+          <a:lstStyle/>
+          <a:p>
+            <a:endParaRPr lang="pt-BR" dirty="0"/>
+          </a:p>
+        </p:txBody>
+      </p:sp>
+    </p:spTree>
+    <p:extLst>
+      <p:ext uri="{BB962C8B-B14F-4D97-AF65-F5344CB8AC3E}">
         <p14:creationId xmlns:p14="http://schemas.microsoft.com/office/powerpoint/2010/main" val="2296249050"/>
       </p:ext>
     </p:extLst>
@@ -767,7 +852,7 @@
 </p:notes>
 </file>
 
-<file path=ppt/notesSlides/notesSlide13.xml><?xml version="1.0" encoding="utf-8"?>
+<file path=ppt/notesSlides/notesSlide14.xml><?xml version="1.0" encoding="utf-8"?>
 <p:notes xmlns:a="http://schemas.openxmlformats.org/drawingml/2006/main" xmlns:r="http://schemas.openxmlformats.org/officeDocument/2006/relationships" xmlns:p="http://schemas.openxmlformats.org/presentationml/2006/main">
   <p:cSld>
     <p:spTree>
@@ -1243,6 +1328,90 @@
         <p:cNvPr id="1" name="">
           <a:extLst>
             <a:ext uri="{FF2B5EF4-FFF2-40B4-BE49-F238E27FC236}">
+              <a16:creationId xmlns:a16="http://schemas.microsoft.com/office/drawing/2014/main" id="{09056A37-2DAA-9828-3FAE-97507A2CED4B}"/>
+            </a:ext>
+          </a:extLst>
+        </p:cNvPr>
+        <p:cNvGrpSpPr/>
+        <p:nvPr/>
+      </p:nvGrpSpPr>
+      <p:grpSpPr>
+        <a:xfrm>
+          <a:off x="0" y="0"/>
+          <a:ext cx="0" cy="0"/>
+          <a:chOff x="0" y="0"/>
+          <a:chExt cx="0" cy="0"/>
+        </a:xfrm>
+      </p:grpSpPr>
+      <p:sp>
+        <p:nvSpPr>
+          <p:cNvPr id="2" name="Espaço Reservado para Imagem de Slide 1">
+            <a:extLst>
+              <a:ext uri="{FF2B5EF4-FFF2-40B4-BE49-F238E27FC236}">
+                <a16:creationId xmlns:a16="http://schemas.microsoft.com/office/drawing/2014/main" id="{E49D2152-FFFD-0223-FA2D-DAAB1339C3D8}"/>
+              </a:ext>
+            </a:extLst>
+          </p:cNvPr>
+          <p:cNvSpPr>
+            <a:spLocks noGrp="1" noRot="1" noChangeAspect="1"/>
+          </p:cNvSpPr>
+          <p:nvPr>
+            <p:ph type="sldImg"/>
+          </p:nvPr>
+        </p:nvSpPr>
+        <p:spPr>
+          <a:xfrm>
+            <a:off x="381000" y="685800"/>
+            <a:ext cx="6096000" cy="3429000"/>
+          </a:xfrm>
+        </p:spPr>
+      </p:sp>
+      <p:sp>
+        <p:nvSpPr>
+          <p:cNvPr id="3" name="Espaço Reservado para Anotações 2">
+            <a:extLst>
+              <a:ext uri="{FF2B5EF4-FFF2-40B4-BE49-F238E27FC236}">
+                <a16:creationId xmlns:a16="http://schemas.microsoft.com/office/drawing/2014/main" id="{27D30A68-3E78-FD5C-9CDE-6FEEF54A3B8B}"/>
+              </a:ext>
+            </a:extLst>
+          </p:cNvPr>
+          <p:cNvSpPr>
+            <a:spLocks noGrp="1"/>
+          </p:cNvSpPr>
+          <p:nvPr>
+            <p:ph type="body" idx="1"/>
+          </p:nvPr>
+        </p:nvSpPr>
+        <p:spPr/>
+        <p:txBody>
+          <a:bodyPr/>
+          <a:lstStyle/>
+          <a:p>
+            <a:endParaRPr lang="pt-BR" dirty="0"/>
+          </a:p>
+        </p:txBody>
+      </p:sp>
+    </p:spTree>
+    <p:extLst>
+      <p:ext uri="{BB962C8B-B14F-4D97-AF65-F5344CB8AC3E}">
+        <p14:creationId xmlns:p14="http://schemas.microsoft.com/office/powerpoint/2010/main" val="275629501"/>
+      </p:ext>
+    </p:extLst>
+  </p:cSld>
+  <p:clrMapOvr>
+    <a:masterClrMapping/>
+  </p:clrMapOvr>
+</p:notes>
+</file>
+
+<file path=ppt/notesSlides/notesSlide8.xml><?xml version="1.0" encoding="utf-8"?>
+<p:notes xmlns:a="http://schemas.openxmlformats.org/drawingml/2006/main" xmlns:r="http://schemas.openxmlformats.org/officeDocument/2006/relationships" xmlns:p="http://schemas.openxmlformats.org/presentationml/2006/main">
+  <p:cSld>
+    <p:spTree>
+      <p:nvGrpSpPr>
+        <p:cNvPr id="1" name="">
+          <a:extLst>
+            <a:ext uri="{FF2B5EF4-FFF2-40B4-BE49-F238E27FC236}">
               <a16:creationId xmlns:a16="http://schemas.microsoft.com/office/drawing/2014/main" id="{C0B3663D-F46B-1D8E-0DB6-4E69B2C41D34}"/>
             </a:ext>
           </a:extLst>
@@ -1319,7 +1488,7 @@
 </p:notes>
 </file>
 
-<file path=ppt/notesSlides/notesSlide8.xml><?xml version="1.0" encoding="utf-8"?>
+<file path=ppt/notesSlides/notesSlide9.xml><?xml version="1.0" encoding="utf-8"?>
 <p:notes xmlns:a="http://schemas.openxmlformats.org/drawingml/2006/main" xmlns:r="http://schemas.openxmlformats.org/officeDocument/2006/relationships" xmlns:p="http://schemas.openxmlformats.org/presentationml/2006/main">
   <p:cSld>
     <p:spTree>
@@ -1394,90 +1563,6 @@
     <p:extLst>
       <p:ext uri="{BB962C8B-B14F-4D97-AF65-F5344CB8AC3E}">
         <p14:creationId xmlns:p14="http://schemas.microsoft.com/office/powerpoint/2010/main" val="3549617526"/>
-      </p:ext>
-    </p:extLst>
-  </p:cSld>
-  <p:clrMapOvr>
-    <a:masterClrMapping/>
-  </p:clrMapOvr>
-</p:notes>
-</file>
-
-<file path=ppt/notesSlides/notesSlide9.xml><?xml version="1.0" encoding="utf-8"?>
-<p:notes xmlns:a="http://schemas.openxmlformats.org/drawingml/2006/main" xmlns:r="http://schemas.openxmlformats.org/officeDocument/2006/relationships" xmlns:p="http://schemas.openxmlformats.org/presentationml/2006/main">
-  <p:cSld>
-    <p:spTree>
-      <p:nvGrpSpPr>
-        <p:cNvPr id="1" name="">
-          <a:extLst>
-            <a:ext uri="{FF2B5EF4-FFF2-40B4-BE49-F238E27FC236}">
-              <a16:creationId xmlns:a16="http://schemas.microsoft.com/office/drawing/2014/main" id="{893E377A-031C-9951-8BCD-F5FA88901752}"/>
-            </a:ext>
-          </a:extLst>
-        </p:cNvPr>
-        <p:cNvGrpSpPr/>
-        <p:nvPr/>
-      </p:nvGrpSpPr>
-      <p:grpSpPr>
-        <a:xfrm>
-          <a:off x="0" y="0"/>
-          <a:ext cx="0" cy="0"/>
-          <a:chOff x="0" y="0"/>
-          <a:chExt cx="0" cy="0"/>
-        </a:xfrm>
-      </p:grpSpPr>
-      <p:sp>
-        <p:nvSpPr>
-          <p:cNvPr id="2" name="Espaço Reservado para Imagem de Slide 1">
-            <a:extLst>
-              <a:ext uri="{FF2B5EF4-FFF2-40B4-BE49-F238E27FC236}">
-                <a16:creationId xmlns:a16="http://schemas.microsoft.com/office/drawing/2014/main" id="{AF571FBA-3889-9CB4-6768-C8E168299CC0}"/>
-              </a:ext>
-            </a:extLst>
-          </p:cNvPr>
-          <p:cNvSpPr>
-            <a:spLocks noGrp="1" noRot="1" noChangeAspect="1"/>
-          </p:cNvSpPr>
-          <p:nvPr>
-            <p:ph type="sldImg"/>
-          </p:nvPr>
-        </p:nvSpPr>
-        <p:spPr>
-          <a:xfrm>
-            <a:off x="381000" y="685800"/>
-            <a:ext cx="6096000" cy="3429000"/>
-          </a:xfrm>
-        </p:spPr>
-      </p:sp>
-      <p:sp>
-        <p:nvSpPr>
-          <p:cNvPr id="3" name="Espaço Reservado para Anotações 2">
-            <a:extLst>
-              <a:ext uri="{FF2B5EF4-FFF2-40B4-BE49-F238E27FC236}">
-                <a16:creationId xmlns:a16="http://schemas.microsoft.com/office/drawing/2014/main" id="{07F8FB45-DF29-5280-11C2-ACF07AC95660}"/>
-              </a:ext>
-            </a:extLst>
-          </p:cNvPr>
-          <p:cNvSpPr>
-            <a:spLocks noGrp="1"/>
-          </p:cNvSpPr>
-          <p:nvPr>
-            <p:ph type="body" idx="1"/>
-          </p:nvPr>
-        </p:nvSpPr>
-        <p:spPr/>
-        <p:txBody>
-          <a:bodyPr/>
-          <a:lstStyle/>
-          <a:p>
-            <a:endParaRPr lang="pt-BR" dirty="0"/>
-          </a:p>
-        </p:txBody>
-      </p:sp>
-    </p:spTree>
-    <p:extLst>
-      <p:ext uri="{BB962C8B-B14F-4D97-AF65-F5344CB8AC3E}">
-        <p14:creationId xmlns:p14="http://schemas.microsoft.com/office/powerpoint/2010/main" val="520992971"/>
       </p:ext>
     </p:extLst>
   </p:cSld>
@@ -4432,6 +4517,465 @@
         <p:cNvPr id="1" name="">
           <a:extLst>
             <a:ext uri="{FF2B5EF4-FFF2-40B4-BE49-F238E27FC236}">
+              <a16:creationId xmlns:a16="http://schemas.microsoft.com/office/drawing/2014/main" id="{6252EBCA-3BCD-6618-1F6B-6033C059640A}"/>
+            </a:ext>
+          </a:extLst>
+        </p:cNvPr>
+        <p:cNvGrpSpPr/>
+        <p:nvPr/>
+      </p:nvGrpSpPr>
+      <p:grpSpPr>
+        <a:xfrm>
+          <a:off x="0" y="0"/>
+          <a:ext cx="0" cy="0"/>
+          <a:chOff x="0" y="0"/>
+          <a:chExt cx="0" cy="0"/>
+        </a:xfrm>
+      </p:grpSpPr>
+      <p:sp>
+        <p:nvSpPr>
+          <p:cNvPr id="6" name="Title 1">
+            <a:extLst>
+              <a:ext uri="{FF2B5EF4-FFF2-40B4-BE49-F238E27FC236}">
+                <a16:creationId xmlns:a16="http://schemas.microsoft.com/office/drawing/2014/main" id="{0088ACD4-165C-EE75-85E6-0F479329BCF9}"/>
+              </a:ext>
+            </a:extLst>
+          </p:cNvPr>
+          <p:cNvSpPr>
+            <a:spLocks noGrp="1"/>
+          </p:cNvSpPr>
+          <p:nvPr>
+            <p:ph type="title"/>
+          </p:nvPr>
+        </p:nvSpPr>
+        <p:spPr>
+          <a:xfrm>
+            <a:off x="457200" y="205980"/>
+            <a:ext cx="8229600" cy="857251"/>
+          </a:xfrm>
+        </p:spPr>
+        <p:txBody>
+          <a:bodyPr>
+            <a:normAutofit/>
+          </a:bodyPr>
+          <a:lstStyle/>
+          <a:p>
+            <a:r>
+              <a:rPr lang="en-US" b="1" dirty="0">
+                <a:solidFill>
+                  <a:srgbClr val="0070C0"/>
+                </a:solidFill>
+              </a:rPr>
+              <a:t>Eq. </a:t>
+            </a:r>
+            <a:r>
+              <a:rPr lang="en-US" b="1" dirty="0" err="1">
+                <a:solidFill>
+                  <a:srgbClr val="0070C0"/>
+                </a:solidFill>
+              </a:rPr>
+              <a:t>Recorrência</a:t>
+            </a:r>
+            <a:r>
+              <a:rPr lang="en-US" b="1" dirty="0">
+                <a:solidFill>
+                  <a:srgbClr val="0070C0"/>
+                </a:solidFill>
+              </a:rPr>
+              <a:t> – </a:t>
+            </a:r>
+            <a:r>
+              <a:rPr lang="en-US" b="1" dirty="0" err="1">
+                <a:solidFill>
+                  <a:srgbClr val="0070C0"/>
+                </a:solidFill>
+              </a:rPr>
+              <a:t>Resumo</a:t>
+            </a:r>
+            <a:endParaRPr lang="en-US" b="1" dirty="0">
+              <a:solidFill>
+                <a:srgbClr val="0070C0"/>
+              </a:solidFill>
+            </a:endParaRPr>
+          </a:p>
+        </p:txBody>
+      </p:sp>
+      <p:sp>
+        <p:nvSpPr>
+          <p:cNvPr id="8" name="Text Placeholder 2">
+            <a:extLst>
+              <a:ext uri="{FF2B5EF4-FFF2-40B4-BE49-F238E27FC236}">
+                <a16:creationId xmlns:a16="http://schemas.microsoft.com/office/drawing/2014/main" id="{6B12EB48-927A-8F13-8FE2-D637ED8D2228}"/>
+              </a:ext>
+            </a:extLst>
+          </p:cNvPr>
+          <p:cNvSpPr>
+            <a:spLocks noGrp="1"/>
+          </p:cNvSpPr>
+          <p:nvPr>
+            <p:ph type="body" sz="half" idx="1"/>
+          </p:nvPr>
+        </p:nvSpPr>
+        <p:spPr>
+          <a:xfrm>
+            <a:off x="142865" y="1038786"/>
+            <a:ext cx="8865056" cy="3898734"/>
+          </a:xfrm>
+        </p:spPr>
+        <p:txBody>
+          <a:bodyPr>
+            <a:noAutofit/>
+          </a:bodyPr>
+          <a:lstStyle/>
+          <a:p>
+            <a:r>
+              <a:rPr lang="pt-BR" sz="2400" b="1" dirty="0">
+                <a:solidFill>
+                  <a:schemeClr val="tx1"/>
+                </a:solidFill>
+                <a:latin typeface="Times New Roman" panose="02020603050405020304" pitchFamily="18" charset="0"/>
+                <a:cs typeface="Times New Roman" panose="02020603050405020304" pitchFamily="18" charset="0"/>
+              </a:rPr>
+              <a:t>Eq. Recorrência</a:t>
+            </a:r>
+            <a:r>
+              <a:rPr lang="pt-BR" sz="2400" dirty="0">
+                <a:solidFill>
+                  <a:schemeClr val="tx1"/>
+                </a:solidFill>
+                <a:latin typeface="Times New Roman" panose="02020603050405020304" pitchFamily="18" charset="0"/>
+                <a:cs typeface="Times New Roman" panose="02020603050405020304" pitchFamily="18" charset="0"/>
+              </a:rPr>
+              <a:t>: expressa um </a:t>
+            </a:r>
+            <a:r>
+              <a:rPr lang="pt-BR" sz="2400" b="1" dirty="0">
+                <a:solidFill>
+                  <a:srgbClr val="FF0000"/>
+                </a:solidFill>
+                <a:latin typeface="Times New Roman" panose="02020603050405020304" pitchFamily="18" charset="0"/>
+                <a:cs typeface="Times New Roman" panose="02020603050405020304" pitchFamily="18" charset="0"/>
+              </a:rPr>
+              <a:t>problema recursivo</a:t>
+            </a:r>
+            <a:r>
+              <a:rPr lang="pt-BR" sz="2400" dirty="0">
+                <a:solidFill>
+                  <a:schemeClr val="tx1"/>
+                </a:solidFill>
+                <a:latin typeface="Times New Roman" panose="02020603050405020304" pitchFamily="18" charset="0"/>
+                <a:cs typeface="Times New Roman" panose="02020603050405020304" pitchFamily="18" charset="0"/>
+              </a:rPr>
+              <a:t>.</a:t>
+            </a:r>
+          </a:p>
+          <a:p>
+            <a:pPr marL="0" indent="0">
+              <a:buNone/>
+            </a:pPr>
+            <a:endParaRPr lang="pt-BR" sz="2400" dirty="0">
+              <a:solidFill>
+                <a:schemeClr val="tx1"/>
+              </a:solidFill>
+              <a:latin typeface="Times New Roman" panose="02020603050405020304" pitchFamily="18" charset="0"/>
+              <a:cs typeface="Times New Roman" panose="02020603050405020304" pitchFamily="18" charset="0"/>
+            </a:endParaRPr>
+          </a:p>
+          <a:p>
+            <a:r>
+              <a:rPr lang="pt-BR" sz="2400" b="1" dirty="0">
+                <a:solidFill>
+                  <a:schemeClr val="tx1"/>
+                </a:solidFill>
+                <a:latin typeface="Times New Roman" panose="02020603050405020304" pitchFamily="18" charset="0"/>
+                <a:cs typeface="Times New Roman" panose="02020603050405020304" pitchFamily="18" charset="0"/>
+              </a:rPr>
+              <a:t>Teorema Mestre</a:t>
+            </a:r>
+            <a:r>
+              <a:rPr lang="pt-BR" sz="2400" dirty="0">
+                <a:solidFill>
+                  <a:schemeClr val="tx1"/>
+                </a:solidFill>
+                <a:latin typeface="Times New Roman" panose="02020603050405020304" pitchFamily="18" charset="0"/>
+                <a:cs typeface="Times New Roman" panose="02020603050405020304" pitchFamily="18" charset="0"/>
+              </a:rPr>
+              <a:t>: fornece </a:t>
+            </a:r>
+            <a:r>
+              <a:rPr lang="pt-BR" sz="2400" b="1" dirty="0">
+                <a:solidFill>
+                  <a:srgbClr val="FF0000"/>
+                </a:solidFill>
+                <a:latin typeface="Times New Roman" panose="02020603050405020304" pitchFamily="18" charset="0"/>
+                <a:cs typeface="Times New Roman" panose="02020603050405020304" pitchFamily="18" charset="0"/>
+              </a:rPr>
+              <a:t>solução direta em três casos</a:t>
+            </a:r>
+            <a:r>
+              <a:rPr lang="pt-BR" sz="2400" dirty="0">
+                <a:solidFill>
+                  <a:schemeClr val="tx1"/>
+                </a:solidFill>
+                <a:latin typeface="Times New Roman" panose="02020603050405020304" pitchFamily="18" charset="0"/>
+                <a:cs typeface="Times New Roman" panose="02020603050405020304" pitchFamily="18" charset="0"/>
+              </a:rPr>
+              <a:t>.</a:t>
+            </a:r>
+          </a:p>
+          <a:p>
+            <a:pPr marL="0" indent="0">
+              <a:buNone/>
+            </a:pPr>
+            <a:endParaRPr lang="pt-BR" sz="2400" dirty="0">
+              <a:solidFill>
+                <a:schemeClr val="tx1"/>
+              </a:solidFill>
+              <a:latin typeface="Times New Roman" panose="02020603050405020304" pitchFamily="18" charset="0"/>
+              <a:cs typeface="Times New Roman" panose="02020603050405020304" pitchFamily="18" charset="0"/>
+            </a:endParaRPr>
+          </a:p>
+          <a:p>
+            <a:r>
+              <a:rPr lang="pt-BR" sz="2400" b="1" dirty="0">
+                <a:solidFill>
+                  <a:schemeClr val="tx1"/>
+                </a:solidFill>
+                <a:latin typeface="Times New Roman" panose="02020603050405020304" pitchFamily="18" charset="0"/>
+                <a:cs typeface="Times New Roman" panose="02020603050405020304" pitchFamily="18" charset="0"/>
+              </a:rPr>
+              <a:t>Aplicações</a:t>
+            </a:r>
+            <a:r>
+              <a:rPr lang="pt-BR" sz="2400" dirty="0">
+                <a:solidFill>
+                  <a:schemeClr val="tx1"/>
+                </a:solidFill>
+                <a:latin typeface="Times New Roman" panose="02020603050405020304" pitchFamily="18" charset="0"/>
+                <a:cs typeface="Times New Roman" panose="02020603050405020304" pitchFamily="18" charset="0"/>
+              </a:rPr>
+              <a:t>: análise de </a:t>
+            </a:r>
+            <a:r>
+              <a:rPr lang="pt-BR" sz="2400" b="1" dirty="0">
+                <a:solidFill>
+                  <a:srgbClr val="FF0000"/>
+                </a:solidFill>
+                <a:latin typeface="Times New Roman" panose="02020603050405020304" pitchFamily="18" charset="0"/>
+                <a:cs typeface="Times New Roman" panose="02020603050405020304" pitchFamily="18" charset="0"/>
+              </a:rPr>
+              <a:t>algoritmos</a:t>
+            </a:r>
+            <a:r>
+              <a:rPr lang="pt-BR" sz="2400" dirty="0">
+                <a:solidFill>
+                  <a:schemeClr val="tx1"/>
+                </a:solidFill>
+                <a:latin typeface="Times New Roman" panose="02020603050405020304" pitchFamily="18" charset="0"/>
+                <a:cs typeface="Times New Roman" panose="02020603050405020304" pitchFamily="18" charset="0"/>
+              </a:rPr>
+              <a:t> como </a:t>
+            </a:r>
+            <a:r>
+              <a:rPr lang="pt-BR" sz="2400" b="1" dirty="0">
+                <a:solidFill>
+                  <a:srgbClr val="FF0000"/>
+                </a:solidFill>
+                <a:latin typeface="Times New Roman" panose="02020603050405020304" pitchFamily="18" charset="0"/>
+                <a:cs typeface="Times New Roman" panose="02020603050405020304" pitchFamily="18" charset="0"/>
+              </a:rPr>
+              <a:t>Merge </a:t>
+            </a:r>
+            <a:r>
+              <a:rPr lang="pt-BR" sz="2400" b="1" dirty="0" err="1">
+                <a:solidFill>
+                  <a:srgbClr val="FF0000"/>
+                </a:solidFill>
+                <a:latin typeface="Times New Roman" panose="02020603050405020304" pitchFamily="18" charset="0"/>
+                <a:cs typeface="Times New Roman" panose="02020603050405020304" pitchFamily="18" charset="0"/>
+              </a:rPr>
+              <a:t>Sort</a:t>
+            </a:r>
+            <a:r>
+              <a:rPr lang="pt-BR" sz="2400" b="1" dirty="0">
+                <a:solidFill>
+                  <a:srgbClr val="FF0000"/>
+                </a:solidFill>
+                <a:latin typeface="Times New Roman" panose="02020603050405020304" pitchFamily="18" charset="0"/>
+                <a:cs typeface="Times New Roman" panose="02020603050405020304" pitchFamily="18" charset="0"/>
+              </a:rPr>
+              <a:t>, </a:t>
+            </a:r>
+            <a:r>
+              <a:rPr lang="pt-BR" sz="2400" b="1" dirty="0" err="1">
+                <a:solidFill>
+                  <a:srgbClr val="FF0000"/>
+                </a:solidFill>
+                <a:latin typeface="Times New Roman" panose="02020603050405020304" pitchFamily="18" charset="0"/>
+                <a:cs typeface="Times New Roman" panose="02020603050405020304" pitchFamily="18" charset="0"/>
+              </a:rPr>
+              <a:t>QuickSort</a:t>
+            </a:r>
+            <a:r>
+              <a:rPr lang="pt-BR" sz="2400" b="1" dirty="0">
+                <a:solidFill>
+                  <a:srgbClr val="FF0000"/>
+                </a:solidFill>
+                <a:latin typeface="Times New Roman" panose="02020603050405020304" pitchFamily="18" charset="0"/>
+                <a:cs typeface="Times New Roman" panose="02020603050405020304" pitchFamily="18" charset="0"/>
+              </a:rPr>
+              <a:t>, </a:t>
+            </a:r>
+            <a:r>
+              <a:rPr lang="pt-BR" sz="2400" b="1" dirty="0" err="1">
+                <a:solidFill>
+                  <a:srgbClr val="FF0000"/>
+                </a:solidFill>
+                <a:latin typeface="Times New Roman" panose="02020603050405020304" pitchFamily="18" charset="0"/>
+                <a:cs typeface="Times New Roman" panose="02020603050405020304" pitchFamily="18" charset="0"/>
+              </a:rPr>
+              <a:t>Binary</a:t>
+            </a:r>
+            <a:r>
+              <a:rPr lang="pt-BR" sz="2400" b="1" dirty="0">
+                <a:solidFill>
+                  <a:srgbClr val="FF0000"/>
+                </a:solidFill>
+                <a:latin typeface="Times New Roman" panose="02020603050405020304" pitchFamily="18" charset="0"/>
+                <a:cs typeface="Times New Roman" panose="02020603050405020304" pitchFamily="18" charset="0"/>
+              </a:rPr>
+              <a:t> Search</a:t>
+            </a:r>
+            <a:r>
+              <a:rPr lang="pt-BR" sz="2400" dirty="0">
+                <a:solidFill>
+                  <a:schemeClr val="tx1"/>
+                </a:solidFill>
+                <a:latin typeface="Times New Roman" panose="02020603050405020304" pitchFamily="18" charset="0"/>
+                <a:cs typeface="Times New Roman" panose="02020603050405020304" pitchFamily="18" charset="0"/>
+              </a:rPr>
+              <a:t> etc.</a:t>
+            </a:r>
+          </a:p>
+          <a:p>
+            <a:pPr marL="0" indent="0">
+              <a:buNone/>
+            </a:pPr>
+            <a:endParaRPr lang="pt-BR" sz="2400" dirty="0">
+              <a:solidFill>
+                <a:schemeClr val="tx1"/>
+              </a:solidFill>
+              <a:latin typeface="Times New Roman" panose="02020603050405020304" pitchFamily="18" charset="0"/>
+              <a:cs typeface="Times New Roman" panose="02020603050405020304" pitchFamily="18" charset="0"/>
+            </a:endParaRPr>
+          </a:p>
+          <a:p>
+            <a:pPr algn="just"/>
+            <a:r>
+              <a:rPr lang="pt-BR" sz="2400" b="1" dirty="0">
+                <a:solidFill>
+                  <a:schemeClr val="tx1"/>
+                </a:solidFill>
+                <a:latin typeface="Times New Roman" panose="02020603050405020304" pitchFamily="18" charset="0"/>
+                <a:cs typeface="Times New Roman" panose="02020603050405020304" pitchFamily="18" charset="0"/>
+              </a:rPr>
+              <a:t>Outros Métodos para Resolução de Recorrências</a:t>
+            </a:r>
+            <a:r>
+              <a:rPr lang="pt-BR" sz="2400" dirty="0">
+                <a:solidFill>
+                  <a:schemeClr val="tx1"/>
+                </a:solidFill>
+                <a:latin typeface="Times New Roman" panose="02020603050405020304" pitchFamily="18" charset="0"/>
+                <a:cs typeface="Times New Roman" panose="02020603050405020304" pitchFamily="18" charset="0"/>
+              </a:rPr>
+              <a:t>: </a:t>
+            </a:r>
+            <a:r>
+              <a:rPr lang="pt-BR" sz="2400" b="1" dirty="0">
+                <a:solidFill>
+                  <a:srgbClr val="FF0000"/>
+                </a:solidFill>
+                <a:latin typeface="Times New Roman" panose="02020603050405020304" pitchFamily="18" charset="0"/>
+                <a:cs typeface="Times New Roman" panose="02020603050405020304" pitchFamily="18" charset="0"/>
+              </a:rPr>
+              <a:t>Substituição</a:t>
+            </a:r>
+            <a:r>
+              <a:rPr lang="pt-BR" sz="2400" dirty="0">
+                <a:solidFill>
+                  <a:schemeClr val="tx1"/>
+                </a:solidFill>
+                <a:latin typeface="Times New Roman" panose="02020603050405020304" pitchFamily="18" charset="0"/>
+                <a:cs typeface="Times New Roman" panose="02020603050405020304" pitchFamily="18" charset="0"/>
+              </a:rPr>
+              <a:t> e  </a:t>
+            </a:r>
+            <a:r>
+              <a:rPr lang="pt-BR" sz="2400" b="1" dirty="0">
+                <a:solidFill>
+                  <a:srgbClr val="FF0000"/>
+                </a:solidFill>
+                <a:latin typeface="Times New Roman" panose="02020603050405020304" pitchFamily="18" charset="0"/>
+                <a:cs typeface="Times New Roman" panose="02020603050405020304" pitchFamily="18" charset="0"/>
+              </a:rPr>
+              <a:t>Interação</a:t>
+            </a:r>
+            <a:r>
+              <a:rPr lang="pt-BR" sz="2400" dirty="0">
+                <a:solidFill>
+                  <a:schemeClr val="tx1"/>
+                </a:solidFill>
+                <a:latin typeface="Times New Roman" panose="02020603050405020304" pitchFamily="18" charset="0"/>
+                <a:cs typeface="Times New Roman" panose="02020603050405020304" pitchFamily="18" charset="0"/>
+              </a:rPr>
+              <a:t>, </a:t>
+            </a:r>
+            <a:r>
+              <a:rPr lang="pt-BR" sz="2400" b="1" dirty="0">
+                <a:solidFill>
+                  <a:srgbClr val="FF0000"/>
+                </a:solidFill>
+                <a:latin typeface="Times New Roman" panose="02020603050405020304" pitchFamily="18" charset="0"/>
+                <a:cs typeface="Times New Roman" panose="02020603050405020304" pitchFamily="18" charset="0"/>
+              </a:rPr>
+              <a:t>Árvore de Recursão</a:t>
+            </a:r>
+            <a:r>
+              <a:rPr lang="pt-BR" sz="2400" dirty="0">
+                <a:solidFill>
+                  <a:schemeClr val="tx1"/>
+                </a:solidFill>
+                <a:latin typeface="Times New Roman" panose="02020603050405020304" pitchFamily="18" charset="0"/>
+                <a:cs typeface="Times New Roman" panose="02020603050405020304" pitchFamily="18" charset="0"/>
+              </a:rPr>
+              <a:t>.</a:t>
+            </a:r>
+          </a:p>
+        </p:txBody>
+      </p:sp>
+    </p:spTree>
+    <p:extLst>
+      <p:ext uri="{BB962C8B-B14F-4D97-AF65-F5344CB8AC3E}">
+        <p14:creationId xmlns:p14="http://schemas.microsoft.com/office/powerpoint/2010/main" val="1249440076"/>
+      </p:ext>
+    </p:extLst>
+  </p:cSld>
+  <p:clrMapOvr>
+    <a:masterClrMapping/>
+  </p:clrMapOvr>
+  <p:transition spd="med"/>
+</p:sld>
+</file>
+
+<file path=ppt/slides/slide11.xml><?xml version="1.0" encoding="utf-8"?>
+<p:sld xmlns:a="http://schemas.openxmlformats.org/drawingml/2006/main" xmlns:r="http://schemas.openxmlformats.org/officeDocument/2006/relationships" xmlns:p="http://schemas.openxmlformats.org/presentationml/2006/main">
+  <p:cSld>
+    <p:spTree>
+      <p:nvGrpSpPr>
+        <p:cNvPr id="1" name="">
+          <a:extLst>
+            <a:ext uri="{FF2B5EF4-FFF2-40B4-BE49-F238E27FC236}">
               <a16:creationId xmlns:a16="http://schemas.microsoft.com/office/drawing/2014/main" id="{54D8E3F0-F408-9B3D-2C3F-A0FD997BC59C}"/>
             </a:ext>
           </a:extLst>
@@ -4633,7 +5177,19 @@
                         <a:rPr lang="pt-BR" sz="2200" i="1">
                           <a:latin typeface="Cambria Math" panose="02040503050406030204" pitchFamily="18" charset="0"/>
                         </a:rPr>
-                        <m:t>−1)+</m:t>
+                        <m:t>−</m:t>
+                      </m:r>
+                      <m:r>
+                        <a:rPr lang="pt-BR" sz="2200" i="1">
+                          <a:latin typeface="Cambria Math" panose="02040503050406030204" pitchFamily="18" charset="0"/>
+                        </a:rPr>
+                        <m:t>1</m:t>
+                      </m:r>
+                      <m:r>
+                        <a:rPr lang="pt-BR" sz="2200" i="1">
+                          <a:latin typeface="Cambria Math" panose="02040503050406030204" pitchFamily="18" charset="0"/>
+                        </a:rPr>
+                        <m:t>)+</m:t>
                       </m:r>
                       <m:r>
                         <a:rPr lang="pt-BR" sz="2200" i="1">
@@ -4657,7 +5213,19 @@
                         <a:rPr lang="pt-BR" sz="2200" i="1">
                           <a:latin typeface="Cambria Math" panose="02040503050406030204" pitchFamily="18" charset="0"/>
                         </a:rPr>
-                        <m:t>−2),</m:t>
+                        <m:t>−</m:t>
+                      </m:r>
+                      <m:r>
+                        <a:rPr lang="pt-BR" sz="2200" i="1">
+                          <a:latin typeface="Cambria Math" panose="02040503050406030204" pitchFamily="18" charset="0"/>
+                        </a:rPr>
+                        <m:t>2</m:t>
+                      </m:r>
+                      <m:r>
+                        <a:rPr lang="pt-BR" sz="2200" i="1">
+                          <a:latin typeface="Cambria Math" panose="02040503050406030204" pitchFamily="18" charset="0"/>
+                        </a:rPr>
+                        <m:t>),</m:t>
                       </m:r>
                       <m:r>
                         <a:rPr lang="pt-BR" sz="2200" i="1">
@@ -4669,7 +5237,31 @@
                         <a:rPr lang="pt-BR" sz="2200" i="1">
                           <a:latin typeface="Cambria Math" panose="02040503050406030204" pitchFamily="18" charset="0"/>
                         </a:rPr>
-                        <m:t>(0)=0,</m:t>
+                        <m:t>(</m:t>
+                      </m:r>
+                      <m:r>
+                        <a:rPr lang="pt-BR" sz="2200" i="1">
+                          <a:latin typeface="Cambria Math" panose="02040503050406030204" pitchFamily="18" charset="0"/>
+                        </a:rPr>
+                        <m:t>0</m:t>
+                      </m:r>
+                      <m:r>
+                        <a:rPr lang="pt-BR" sz="2200" i="1">
+                          <a:latin typeface="Cambria Math" panose="02040503050406030204" pitchFamily="18" charset="0"/>
+                        </a:rPr>
+                        <m:t>)=</m:t>
+                      </m:r>
+                      <m:r>
+                        <a:rPr lang="pt-BR" sz="2200" i="1">
+                          <a:latin typeface="Cambria Math" panose="02040503050406030204" pitchFamily="18" charset="0"/>
+                        </a:rPr>
+                        <m:t>0</m:t>
+                      </m:r>
+                      <m:r>
+                        <a:rPr lang="pt-BR" sz="2200" i="1">
+                          <a:latin typeface="Cambria Math" panose="02040503050406030204" pitchFamily="18" charset="0"/>
+                        </a:rPr>
+                        <m:t>,</m:t>
                       </m:r>
                       <m:r>
                         <m:rPr>
@@ -4691,7 +5283,25 @@
                         <a:rPr lang="pt-BR" sz="2200" i="1">
                           <a:latin typeface="Cambria Math" panose="02040503050406030204" pitchFamily="18" charset="0"/>
                         </a:rPr>
-                        <m:t>(1)=1</m:t>
+                        <m:t>(</m:t>
+                      </m:r>
+                      <m:r>
+                        <a:rPr lang="pt-BR" sz="2200" i="1">
+                          <a:latin typeface="Cambria Math" panose="02040503050406030204" pitchFamily="18" charset="0"/>
+                        </a:rPr>
+                        <m:t>1</m:t>
+                      </m:r>
+                      <m:r>
+                        <a:rPr lang="pt-BR" sz="2200" i="1">
+                          <a:latin typeface="Cambria Math" panose="02040503050406030204" pitchFamily="18" charset="0"/>
+                        </a:rPr>
+                        <m:t>)=</m:t>
+                      </m:r>
+                      <m:r>
+                        <a:rPr lang="pt-BR" sz="2200" i="1">
+                          <a:latin typeface="Cambria Math" panose="02040503050406030204" pitchFamily="18" charset="0"/>
+                        </a:rPr>
+                        <m:t>1</m:t>
                       </m:r>
                     </m:oMath>
                   </m:oMathPara>
@@ -4900,12 +5510,18 @@
                       <a:rPr lang="pt-BR" sz="2200" i="1">
                         <a:latin typeface="Cambria Math" panose="02040503050406030204" pitchFamily="18" charset="0"/>
                       </a:rPr>
-                      <m:t>)=2</m:t>
+                      <m:t>)=</m:t>
                     </m:r>
                     <m:r>
                       <a:rPr lang="pt-BR" sz="2200" i="1">
                         <a:latin typeface="Cambria Math" panose="02040503050406030204" pitchFamily="18" charset="0"/>
                       </a:rPr>
+                      <m:t>2</m:t>
+                    </m:r>
+                    <m:r>
+                      <a:rPr lang="pt-BR" sz="2200" i="1">
+                        <a:latin typeface="Cambria Math" panose="02040503050406030204" pitchFamily="18" charset="0"/>
+                      </a:rPr>
                       <m:t>𝑇</m:t>
                     </m:r>
                     <m:r>
@@ -4930,7 +5546,13 @@
                       <a:rPr lang="pt-BR" sz="2200" i="1">
                         <a:latin typeface="Cambria Math" panose="02040503050406030204" pitchFamily="18" charset="0"/>
                       </a:rPr>
-                      <m:t>2)+</m:t>
+                      <m:t>2</m:t>
+                    </m:r>
+                    <m:r>
+                      <a:rPr lang="pt-BR" sz="2200" i="1">
+                        <a:latin typeface="Cambria Math" panose="02040503050406030204" pitchFamily="18" charset="0"/>
+                      </a:rPr>
+                      <m:t>)+</m:t>
                     </m:r>
                     <m:r>
                       <a:rPr lang="pt-BR" sz="2200" i="1">
@@ -5152,7 +5774,25 @@
                       <a:rPr lang="pt-BR" sz="2200" i="1">
                         <a:latin typeface="Cambria Math" panose="02040503050406030204" pitchFamily="18" charset="0"/>
                       </a:rPr>
-                      <m:t>2)+1⇒</m:t>
+                      <m:t>2</m:t>
+                    </m:r>
+                    <m:r>
+                      <a:rPr lang="pt-BR" sz="2200" i="1">
+                        <a:latin typeface="Cambria Math" panose="02040503050406030204" pitchFamily="18" charset="0"/>
+                      </a:rPr>
+                      <m:t>)+</m:t>
+                    </m:r>
+                    <m:r>
+                      <a:rPr lang="pt-BR" sz="2200" i="1">
+                        <a:latin typeface="Cambria Math" panose="02040503050406030204" pitchFamily="18" charset="0"/>
+                      </a:rPr>
+                      <m:t>1</m:t>
+                    </m:r>
+                    <m:r>
+                      <a:rPr lang="pt-BR" sz="2200" i="1">
+                        <a:latin typeface="Cambria Math" panose="02040503050406030204" pitchFamily="18" charset="0"/>
+                      </a:rPr>
+                      <m:t>⇒</m:t>
                     </m:r>
                     <m:r>
                       <a:rPr lang="pt-BR" sz="2200" i="1">
@@ -5288,268 +5928,6 @@
 </p:sld>
 </file>
 
-<file path=ppt/slides/slide11.xml><?xml version="1.0" encoding="utf-8"?>
-<p:sld xmlns:a="http://schemas.openxmlformats.org/drawingml/2006/main" xmlns:r="http://schemas.openxmlformats.org/officeDocument/2006/relationships" xmlns:p="http://schemas.openxmlformats.org/presentationml/2006/main">
-  <p:cSld>
-    <p:spTree>
-      <p:nvGrpSpPr>
-        <p:cNvPr id="1" name=""/>
-        <p:cNvGrpSpPr/>
-        <p:nvPr/>
-      </p:nvGrpSpPr>
-      <p:grpSpPr>
-        <a:xfrm>
-          <a:off x="0" y="0"/>
-          <a:ext cx="0" cy="0"/>
-          <a:chOff x="0" y="0"/>
-          <a:chExt cx="0" cy="0"/>
-        </a:xfrm>
-      </p:grpSpPr>
-      <p:sp>
-        <p:nvSpPr>
-          <p:cNvPr id="6" name="Title 1"/>
-          <p:cNvSpPr>
-            <a:spLocks noGrp="1"/>
-          </p:cNvSpPr>
-          <p:nvPr>
-            <p:ph type="title"/>
-          </p:nvPr>
-        </p:nvSpPr>
-        <p:spPr>
-          <a:xfrm>
-            <a:off x="457200" y="205980"/>
-            <a:ext cx="8229600" cy="857251"/>
-          </a:xfrm>
-        </p:spPr>
-        <p:txBody>
-          <a:bodyPr>
-            <a:normAutofit/>
-          </a:bodyPr>
-          <a:lstStyle/>
-          <a:p>
-            <a:r>
-              <a:rPr lang="en-US" b="1" dirty="0" err="1">
-                <a:solidFill>
-                  <a:srgbClr val="0070C0"/>
-                </a:solidFill>
-              </a:rPr>
-              <a:t>Leitura</a:t>
-            </a:r>
-            <a:r>
-              <a:rPr lang="en-US" b="1" dirty="0">
-                <a:solidFill>
-                  <a:srgbClr val="0070C0"/>
-                </a:solidFill>
-              </a:rPr>
-              <a:t> </a:t>
-            </a:r>
-            <a:r>
-              <a:rPr lang="en-US" b="1" dirty="0" err="1">
-                <a:solidFill>
-                  <a:srgbClr val="0070C0"/>
-                </a:solidFill>
-              </a:rPr>
-              <a:t>Específica</a:t>
-            </a:r>
-            <a:endParaRPr lang="en-US" b="1" dirty="0">
-              <a:solidFill>
-                <a:srgbClr val="0070C0"/>
-              </a:solidFill>
-            </a:endParaRPr>
-          </a:p>
-        </p:txBody>
-      </p:sp>
-      <p:sp>
-        <p:nvSpPr>
-          <p:cNvPr id="8" name="Text Placeholder 2"/>
-          <p:cNvSpPr>
-            <a:spLocks noGrp="1"/>
-          </p:cNvSpPr>
-          <p:nvPr>
-            <p:ph type="body" sz="half" idx="1"/>
-          </p:nvPr>
-        </p:nvSpPr>
-        <p:spPr>
-          <a:xfrm>
-            <a:off x="142865" y="1025339"/>
-            <a:ext cx="8865056" cy="3912181"/>
-          </a:xfrm>
-        </p:spPr>
-        <p:txBody>
-          <a:bodyPr>
-            <a:noAutofit/>
-          </a:bodyPr>
-          <a:lstStyle/>
-          <a:p>
-            <a:pPr marL="0" indent="0" algn="just">
-              <a:buNone/>
-            </a:pPr>
-            <a:r>
-              <a:rPr lang="pt-BR" sz="2200" dirty="0">
-                <a:latin typeface="Times New Roman" panose="02020603050405020304" pitchFamily="18" charset="0"/>
-                <a:cs typeface="Times New Roman" panose="02020603050405020304" pitchFamily="18" charset="0"/>
-              </a:rPr>
-              <a:t>[1] </a:t>
-            </a:r>
-            <a:r>
-              <a:rPr lang="en-US" sz="2200" b="1" dirty="0">
-                <a:latin typeface="Times New Roman" panose="02020603050405020304" pitchFamily="18" charset="0"/>
-                <a:cs typeface="Times New Roman" panose="02020603050405020304" pitchFamily="18" charset="0"/>
-              </a:rPr>
-              <a:t>An Introduction to Recurrence Relations</a:t>
-            </a:r>
-            <a:r>
-              <a:rPr lang="pt-BR" sz="2200" b="1" dirty="0">
-                <a:latin typeface="Times New Roman" panose="02020603050405020304" pitchFamily="18" charset="0"/>
-                <a:cs typeface="Times New Roman" panose="02020603050405020304" pitchFamily="18" charset="0"/>
-              </a:rPr>
-              <a:t>(</a:t>
-            </a:r>
-            <a:r>
-              <a:rPr lang="pt-BR" sz="2200" b="1" dirty="0">
-                <a:solidFill>
-                  <a:srgbClr val="FF0000"/>
-                </a:solidFill>
-                <a:latin typeface="Times New Roman" panose="02020603050405020304" pitchFamily="18" charset="0"/>
-                <a:cs typeface="Times New Roman" panose="02020603050405020304" pitchFamily="18" charset="0"/>
-              </a:rPr>
-              <a:t>em inglês</a:t>
-            </a:r>
-            <a:r>
-              <a:rPr lang="pt-BR" sz="2200" b="1" dirty="0">
-                <a:latin typeface="Times New Roman" panose="02020603050405020304" pitchFamily="18" charset="0"/>
-                <a:cs typeface="Times New Roman" panose="02020603050405020304" pitchFamily="18" charset="0"/>
-              </a:rPr>
-              <a:t>). </a:t>
-            </a:r>
-          </a:p>
-          <a:p>
-            <a:pPr marL="0" indent="0" algn="just">
-              <a:buNone/>
-            </a:pPr>
-            <a:r>
-              <a:rPr lang="pt-BR" sz="2200" b="1" dirty="0">
-                <a:solidFill>
-                  <a:srgbClr val="FF0000"/>
-                </a:solidFill>
-                <a:latin typeface="Times New Roman" panose="02020603050405020304" pitchFamily="18" charset="0"/>
-                <a:cs typeface="Times New Roman" panose="02020603050405020304" pitchFamily="18" charset="0"/>
-              </a:rPr>
-              <a:t>Disponível em: </a:t>
-            </a:r>
-          </a:p>
-          <a:p>
-            <a:pPr marL="0" indent="0" algn="just">
-              <a:buNone/>
-            </a:pPr>
-            <a:r>
-              <a:rPr lang="pt-BR" sz="2200" dirty="0">
-                <a:solidFill>
-                  <a:srgbClr val="FF0000"/>
-                </a:solidFill>
-                <a:latin typeface="Times New Roman" panose="02020603050405020304" pitchFamily="18" charset="0"/>
-                <a:cs typeface="Times New Roman" panose="02020603050405020304" pitchFamily="18" charset="0"/>
-                <a:hlinkClick r:id="rId3"/>
-              </a:rPr>
-              <a:t>https://opendsa-server.cs.vt.edu/ODSA/Books/CS3/html/RecurrenceIntro.html?utm_source=chatgpt.com</a:t>
-            </a:r>
-            <a:r>
-              <a:rPr lang="pt-BR" sz="2200" dirty="0">
-                <a:solidFill>
-                  <a:srgbClr val="FF0000"/>
-                </a:solidFill>
-                <a:latin typeface="Times New Roman" panose="02020603050405020304" pitchFamily="18" charset="0"/>
-                <a:cs typeface="Times New Roman" panose="02020603050405020304" pitchFamily="18" charset="0"/>
-              </a:rPr>
-              <a:t> </a:t>
-            </a:r>
-          </a:p>
-          <a:p>
-            <a:pPr marL="0" indent="0" algn="just">
-              <a:buNone/>
-            </a:pPr>
-            <a:endParaRPr lang="pt-BR" sz="2200" dirty="0">
-              <a:latin typeface="Times New Roman" panose="02020603050405020304" pitchFamily="18" charset="0"/>
-              <a:cs typeface="Times New Roman" panose="02020603050405020304" pitchFamily="18" charset="0"/>
-            </a:endParaRPr>
-          </a:p>
-          <a:p>
-            <a:pPr marL="0" indent="0" algn="just">
-              <a:buNone/>
-            </a:pPr>
-            <a:r>
-              <a:rPr lang="pt-BR" sz="2200" dirty="0">
-                <a:latin typeface="Times New Roman" panose="02020603050405020304" pitchFamily="18" charset="0"/>
-                <a:cs typeface="Times New Roman" panose="02020603050405020304" pitchFamily="18" charset="0"/>
-              </a:rPr>
-              <a:t>[2] </a:t>
-            </a:r>
-            <a:r>
-              <a:rPr lang="pt-BR" sz="2200" b="1" dirty="0">
-                <a:latin typeface="Times New Roman" panose="02020603050405020304" pitchFamily="18" charset="0"/>
-                <a:cs typeface="Times New Roman" panose="02020603050405020304" pitchFamily="18" charset="0"/>
-              </a:rPr>
-              <a:t>Recorrências: Conceitos e Aplicações.</a:t>
-            </a:r>
-            <a:r>
-              <a:rPr lang="pt-BR" sz="2200" dirty="0">
-                <a:latin typeface="Times New Roman" panose="02020603050405020304" pitchFamily="18" charset="0"/>
-                <a:cs typeface="Times New Roman" panose="02020603050405020304" pitchFamily="18" charset="0"/>
-              </a:rPr>
-              <a:t> </a:t>
-            </a:r>
-          </a:p>
-          <a:p>
-            <a:pPr marL="0" indent="0" algn="just">
-              <a:buNone/>
-            </a:pPr>
-            <a:r>
-              <a:rPr lang="pt-BR" sz="2200" b="1" dirty="0">
-                <a:solidFill>
-                  <a:srgbClr val="FF0000"/>
-                </a:solidFill>
-                <a:latin typeface="Times New Roman" panose="02020603050405020304" pitchFamily="18" charset="0"/>
-                <a:cs typeface="Times New Roman" panose="02020603050405020304" pitchFamily="18" charset="0"/>
-              </a:rPr>
-              <a:t>Disponível em:</a:t>
-            </a:r>
-          </a:p>
-          <a:p>
-            <a:pPr marL="0" indent="0" algn="just">
-              <a:buNone/>
-            </a:pPr>
-            <a:r>
-              <a:rPr lang="pt-BR" sz="2200" dirty="0">
-                <a:solidFill>
-                  <a:srgbClr val="FF0000"/>
-                </a:solidFill>
-                <a:latin typeface="Times New Roman" panose="02020603050405020304" pitchFamily="18" charset="0"/>
-                <a:cs typeface="Times New Roman" panose="02020603050405020304" pitchFamily="18" charset="0"/>
-                <a:hlinkClick r:id="rId4"/>
-              </a:rPr>
-              <a:t>https://repositorio.ufpb.br/jspui/bitstream/tede/7533/5/arquivototal.pdf?utm_source=chatgpt.com</a:t>
-            </a:r>
-            <a:endParaRPr lang="pt-BR" sz="2200" dirty="0">
-              <a:latin typeface="Times New Roman" panose="02020603050405020304" pitchFamily="18" charset="0"/>
-              <a:cs typeface="Times New Roman" panose="02020603050405020304" pitchFamily="18" charset="0"/>
-            </a:endParaRPr>
-          </a:p>
-        </p:txBody>
-      </p:sp>
-    </p:spTree>
-    <p:extLst>
-      <p:ext uri="{BB962C8B-B14F-4D97-AF65-F5344CB8AC3E}">
-        <p14:creationId xmlns:p14="http://schemas.microsoft.com/office/powerpoint/2010/main" val="3680270425"/>
-      </p:ext>
-    </p:extLst>
-  </p:cSld>
-  <p:clrMapOvr>
-    <a:masterClrMapping/>
-  </p:clrMapOvr>
-  <p:transition spd="med"/>
-</p:sld>
-</file>
-
 <file path=ppt/slides/slide12.xml><?xml version="1.0" encoding="utf-8"?>
 <p:sld xmlns:a="http://schemas.openxmlformats.org/drawingml/2006/main" xmlns:r="http://schemas.openxmlformats.org/officeDocument/2006/relationships" xmlns:p="http://schemas.openxmlformats.org/presentationml/2006/main">
   <p:cSld>
@@ -5595,7 +5973,7 @@
                   <a:srgbClr val="0070C0"/>
                 </a:solidFill>
               </a:rPr>
-              <a:t>Aprenda</a:t>
+              <a:t>Leitura</a:t>
             </a:r>
             <a:r>
               <a:rPr lang="en-US" b="1" dirty="0">
@@ -5603,8 +5981,21 @@
                   <a:srgbClr val="0070C0"/>
                 </a:solidFill>
               </a:rPr>
-              <a:t>+</a:t>
-            </a:r>
+              <a:t> </a:t>
+            </a:r>
+            <a:r>
+              <a:rPr lang="en-US" b="1" dirty="0" err="1">
+                <a:solidFill>
+                  <a:srgbClr val="0070C0"/>
+                </a:solidFill>
+              </a:rPr>
+              <a:t>Específica</a:t>
+            </a:r>
+            <a:endParaRPr lang="en-US" b="1" dirty="0">
+              <a:solidFill>
+                <a:srgbClr val="0070C0"/>
+              </a:solidFill>
+            </a:endParaRPr>
           </a:p>
         </p:txBody>
       </p:sp>
@@ -5620,8 +6011,8 @@
         </p:nvSpPr>
         <p:spPr>
           <a:xfrm>
-            <a:off x="142865" y="1200150"/>
-            <a:ext cx="8865056" cy="3737370"/>
+            <a:off x="142865" y="1025339"/>
+            <a:ext cx="8865056" cy="3912181"/>
           </a:xfrm>
         </p:spPr>
         <p:txBody>
@@ -5641,12 +6032,82 @@
               <a:t>[1] </a:t>
             </a:r>
             <a:r>
+              <a:rPr lang="en-US" sz="2200" b="1" dirty="0">
+                <a:latin typeface="Times New Roman" panose="02020603050405020304" pitchFamily="18" charset="0"/>
+                <a:cs typeface="Times New Roman" panose="02020603050405020304" pitchFamily="18" charset="0"/>
+              </a:rPr>
+              <a:t>An Introduction to Recurrence Relations</a:t>
+            </a:r>
+            <a:r>
               <a:rPr lang="pt-BR" sz="2200" b="1" dirty="0">
                 <a:latin typeface="Times New Roman" panose="02020603050405020304" pitchFamily="18" charset="0"/>
                 <a:cs typeface="Times New Roman" panose="02020603050405020304" pitchFamily="18" charset="0"/>
               </a:rPr>
-              <a:t>Teorema Mestre / recorrências</a:t>
-            </a:r>
+              <a:t>(</a:t>
+            </a:r>
+            <a:r>
+              <a:rPr lang="pt-BR" sz="2200" b="1" dirty="0">
+                <a:solidFill>
+                  <a:srgbClr val="FF0000"/>
+                </a:solidFill>
+                <a:latin typeface="Times New Roman" panose="02020603050405020304" pitchFamily="18" charset="0"/>
+                <a:cs typeface="Times New Roman" panose="02020603050405020304" pitchFamily="18" charset="0"/>
+              </a:rPr>
+              <a:t>em inglês</a:t>
+            </a:r>
+            <a:r>
+              <a:rPr lang="pt-BR" sz="2200" b="1" dirty="0">
+                <a:latin typeface="Times New Roman" panose="02020603050405020304" pitchFamily="18" charset="0"/>
+                <a:cs typeface="Times New Roman" panose="02020603050405020304" pitchFamily="18" charset="0"/>
+              </a:rPr>
+              <a:t>). </a:t>
+            </a:r>
+          </a:p>
+          <a:p>
+            <a:pPr marL="0" indent="0" algn="just">
+              <a:buNone/>
+            </a:pPr>
+            <a:r>
+              <a:rPr lang="pt-BR" sz="2200" b="1" dirty="0">
+                <a:solidFill>
+                  <a:srgbClr val="FF0000"/>
+                </a:solidFill>
+                <a:latin typeface="Times New Roman" panose="02020603050405020304" pitchFamily="18" charset="0"/>
+                <a:cs typeface="Times New Roman" panose="02020603050405020304" pitchFamily="18" charset="0"/>
+              </a:rPr>
+              <a:t>Disponível em: </a:t>
+            </a:r>
+          </a:p>
+          <a:p>
+            <a:pPr marL="0" indent="0" algn="just">
+              <a:buNone/>
+            </a:pPr>
+            <a:r>
+              <a:rPr lang="pt-BR" sz="2200" dirty="0">
+                <a:solidFill>
+                  <a:srgbClr val="FF0000"/>
+                </a:solidFill>
+                <a:latin typeface="Times New Roman" panose="02020603050405020304" pitchFamily="18" charset="0"/>
+                <a:cs typeface="Times New Roman" panose="02020603050405020304" pitchFamily="18" charset="0"/>
+                <a:hlinkClick r:id="rId3"/>
+              </a:rPr>
+              <a:t>https://opendsa-server.cs.vt.edu/ODSA/Books/CS3/html/RecurrenceIntro.html?utm_source=chatgpt.com</a:t>
+            </a:r>
+            <a:r>
+              <a:rPr lang="pt-BR" sz="2200" dirty="0">
+                <a:solidFill>
+                  <a:srgbClr val="FF0000"/>
+                </a:solidFill>
+                <a:latin typeface="Times New Roman" panose="02020603050405020304" pitchFamily="18" charset="0"/>
+                <a:cs typeface="Times New Roman" panose="02020603050405020304" pitchFamily="18" charset="0"/>
+              </a:rPr>
+              <a:t> </a:t>
+            </a:r>
+          </a:p>
+          <a:p>
+            <a:pPr marL="0" indent="0" algn="just">
+              <a:buNone/>
+            </a:pPr>
             <a:endParaRPr lang="pt-BR" sz="2200" dirty="0">
               <a:latin typeface="Times New Roman" panose="02020603050405020304" pitchFamily="18" charset="0"/>
               <a:cs typeface="Times New Roman" panose="02020603050405020304" pitchFamily="18" charset="0"/>
@@ -5657,6 +6118,32 @@
               <a:buNone/>
             </a:pPr>
             <a:r>
+              <a:rPr lang="pt-BR" sz="2200" dirty="0">
+                <a:latin typeface="Times New Roman" panose="02020603050405020304" pitchFamily="18" charset="0"/>
+                <a:cs typeface="Times New Roman" panose="02020603050405020304" pitchFamily="18" charset="0"/>
+              </a:rPr>
+              <a:t>[2] </a:t>
+            </a:r>
+            <a:r>
+              <a:rPr lang="pt-BR" sz="2200" b="1" dirty="0">
+                <a:latin typeface="Times New Roman" panose="02020603050405020304" pitchFamily="18" charset="0"/>
+                <a:cs typeface="Times New Roman" panose="02020603050405020304" pitchFamily="18" charset="0"/>
+              </a:rPr>
+              <a:t>Recorrências: Conceitos e Aplicações.</a:t>
+            </a:r>
+            <a:r>
+              <a:rPr lang="pt-BR" sz="2200" dirty="0">
+                <a:latin typeface="Times New Roman" panose="02020603050405020304" pitchFamily="18" charset="0"/>
+                <a:cs typeface="Times New Roman" panose="02020603050405020304" pitchFamily="18" charset="0"/>
+              </a:rPr>
+              <a:t> </a:t>
+            </a:r>
+          </a:p>
+          <a:p>
+            <a:pPr marL="0" indent="0" algn="just">
+              <a:buNone/>
+            </a:pPr>
+            <a:r>
               <a:rPr lang="pt-BR" sz="2200" b="1" dirty="0">
                 <a:solidFill>
                   <a:srgbClr val="FF0000"/>
@@ -5664,22 +6151,7 @@
                 <a:latin typeface="Times New Roman" panose="02020603050405020304" pitchFamily="18" charset="0"/>
                 <a:cs typeface="Times New Roman" panose="02020603050405020304" pitchFamily="18" charset="0"/>
               </a:rPr>
-              <a:t>Disponível em: </a:t>
-            </a:r>
-            <a:r>
-              <a:rPr lang="pt-BR" sz="2200" dirty="0">
-                <a:latin typeface="Times New Roman" panose="02020603050405020304" pitchFamily="18" charset="0"/>
-                <a:cs typeface="Times New Roman" panose="02020603050405020304" pitchFamily="18" charset="0"/>
-                <a:hlinkClick r:id="rId3"/>
-              </a:rPr>
-              <a:t>https://youtu.be/6FcHxGcZnIQ</a:t>
-            </a:r>
-            <a:r>
-              <a:rPr lang="pt-BR" sz="2200" dirty="0">
-                <a:latin typeface="Times New Roman" panose="02020603050405020304" pitchFamily="18" charset="0"/>
-                <a:cs typeface="Times New Roman" panose="02020603050405020304" pitchFamily="18" charset="0"/>
-              </a:rPr>
-              <a:t> </a:t>
+              <a:t>Disponível em:</a:t>
             </a:r>
           </a:p>
           <a:p>
@@ -5688,152 +6160,14 @@
             </a:pPr>
             <a:r>
               <a:rPr lang="pt-BR" sz="2200" dirty="0">
-                <a:latin typeface="Times New Roman" panose="02020603050405020304" pitchFamily="18" charset="0"/>
-                <a:cs typeface="Times New Roman" panose="02020603050405020304" pitchFamily="18" charset="0"/>
-              </a:rPr>
-              <a:t>[2] </a:t>
-            </a:r>
-            <a:r>
-              <a:rPr lang="pt-BR" sz="2200" b="1" dirty="0">
-                <a:latin typeface="Times New Roman" panose="02020603050405020304" pitchFamily="18" charset="0"/>
-                <a:cs typeface="Times New Roman" panose="02020603050405020304" pitchFamily="18" charset="0"/>
-              </a:rPr>
-              <a:t>Teorema Mestre</a:t>
-            </a:r>
-          </a:p>
-          <a:p>
-            <a:pPr marL="0" indent="0" algn="just">
-              <a:buNone/>
-            </a:pPr>
-            <a:r>
-              <a:rPr lang="pt-BR" sz="2200" b="1" dirty="0">
                 <a:solidFill>
                   <a:srgbClr val="FF0000"/>
                 </a:solidFill>
                 <a:latin typeface="Times New Roman" panose="02020603050405020304" pitchFamily="18" charset="0"/>
                 <a:cs typeface="Times New Roman" panose="02020603050405020304" pitchFamily="18" charset="0"/>
-              </a:rPr>
-              <a:t>Disponível em: </a:t>
-            </a:r>
-            <a:r>
-              <a:rPr lang="pt-BR" sz="2200" dirty="0">
-                <a:latin typeface="Times New Roman" panose="02020603050405020304" pitchFamily="18" charset="0"/>
-                <a:cs typeface="Times New Roman" panose="02020603050405020304" pitchFamily="18" charset="0"/>
                 <a:hlinkClick r:id="rId4"/>
               </a:rPr>
-              <a:t>https://youtu.be/EZzXpzBUpmw</a:t>
-            </a:r>
-            <a:r>
-              <a:rPr lang="pt-BR" sz="2200" dirty="0">
-                <a:latin typeface="Times New Roman" panose="02020603050405020304" pitchFamily="18" charset="0"/>
-                <a:cs typeface="Times New Roman" panose="02020603050405020304" pitchFamily="18" charset="0"/>
-              </a:rPr>
-              <a:t> </a:t>
-            </a:r>
-          </a:p>
-          <a:p>
-            <a:pPr marL="0" indent="0" algn="just">
-              <a:buNone/>
-            </a:pPr>
-            <a:r>
-              <a:rPr lang="pt-BR" sz="2200" dirty="0">
-                <a:latin typeface="Times New Roman" panose="02020603050405020304" pitchFamily="18" charset="0"/>
-                <a:cs typeface="Times New Roman" panose="02020603050405020304" pitchFamily="18" charset="0"/>
-              </a:rPr>
-              <a:t>[3] </a:t>
-            </a:r>
-            <a:r>
-              <a:rPr lang="pt-BR" sz="2200" b="1" dirty="0">
-                <a:latin typeface="Times New Roman" panose="02020603050405020304" pitchFamily="18" charset="0"/>
-                <a:cs typeface="Times New Roman" panose="02020603050405020304" pitchFamily="18" charset="0"/>
-              </a:rPr>
-              <a:t>Aula 11 - Teorema Mestre (Parte 01)</a:t>
-            </a:r>
-          </a:p>
-          <a:p>
-            <a:pPr marL="0" indent="0" algn="just">
-              <a:buNone/>
-            </a:pPr>
-            <a:r>
-              <a:rPr lang="pt-BR" sz="2200" b="1" dirty="0">
-                <a:solidFill>
-                  <a:srgbClr val="FF0000"/>
-                </a:solidFill>
-                <a:latin typeface="Times New Roman" panose="02020603050405020304" pitchFamily="18" charset="0"/>
-                <a:cs typeface="Times New Roman" panose="02020603050405020304" pitchFamily="18" charset="0"/>
-              </a:rPr>
-              <a:t>Disponível em:</a:t>
-            </a:r>
-            <a:r>
-              <a:rPr lang="pt-BR" sz="2200" dirty="0">
-                <a:latin typeface="Times New Roman" panose="02020603050405020304" pitchFamily="18" charset="0"/>
-                <a:cs typeface="Times New Roman" panose="02020603050405020304" pitchFamily="18" charset="0"/>
-              </a:rPr>
-              <a:t> </a:t>
-            </a:r>
-            <a:r>
-              <a:rPr lang="pt-BR" sz="2200" dirty="0">
-                <a:latin typeface="Times New Roman" panose="02020603050405020304" pitchFamily="18" charset="0"/>
-                <a:cs typeface="Times New Roman" panose="02020603050405020304" pitchFamily="18" charset="0"/>
-                <a:hlinkClick r:id="rId5"/>
-              </a:rPr>
-              <a:t>https://youtu.be/XWAkJsN_MuY</a:t>
-            </a:r>
-            <a:r>
-              <a:rPr lang="pt-BR" sz="2200" dirty="0">
-                <a:latin typeface="Times New Roman" panose="02020603050405020304" pitchFamily="18" charset="0"/>
-                <a:cs typeface="Times New Roman" panose="02020603050405020304" pitchFamily="18" charset="0"/>
-              </a:rPr>
-              <a:t> </a:t>
-            </a:r>
-          </a:p>
-          <a:p>
-            <a:pPr marL="0" indent="0" algn="just">
-              <a:buNone/>
-            </a:pPr>
-            <a:r>
-              <a:rPr lang="pt-BR" sz="2200" dirty="0">
-                <a:latin typeface="Times New Roman" panose="02020603050405020304" pitchFamily="18" charset="0"/>
-                <a:cs typeface="Times New Roman" panose="02020603050405020304" pitchFamily="18" charset="0"/>
-              </a:rPr>
-              <a:t>[4] </a:t>
-            </a:r>
-            <a:r>
-              <a:rPr lang="pt-BR" sz="2200" b="1" dirty="0">
-                <a:latin typeface="Times New Roman" panose="02020603050405020304" pitchFamily="18" charset="0"/>
-                <a:cs typeface="Times New Roman" panose="02020603050405020304" pitchFamily="18" charset="0"/>
-              </a:rPr>
-              <a:t>Aula 08: Resolução de Recorrências - Teorema Mestre</a:t>
-            </a:r>
-          </a:p>
-          <a:p>
-            <a:pPr marL="0" indent="0" algn="just">
-              <a:buNone/>
-            </a:pPr>
-            <a:r>
-              <a:rPr lang="pt-BR" sz="2200" b="1" dirty="0">
-                <a:solidFill>
-                  <a:srgbClr val="FF0000"/>
-                </a:solidFill>
-                <a:latin typeface="Times New Roman" panose="02020603050405020304" pitchFamily="18" charset="0"/>
-                <a:cs typeface="Times New Roman" panose="02020603050405020304" pitchFamily="18" charset="0"/>
-              </a:rPr>
-              <a:t>Disponível em:</a:t>
-            </a:r>
-            <a:r>
-              <a:rPr lang="pt-BR" sz="2200" dirty="0">
-                <a:latin typeface="Times New Roman" panose="02020603050405020304" pitchFamily="18" charset="0"/>
-                <a:cs typeface="Times New Roman" panose="02020603050405020304" pitchFamily="18" charset="0"/>
-              </a:rPr>
-              <a:t> </a:t>
-            </a:r>
-            <a:r>
-              <a:rPr lang="pt-BR" sz="2200" dirty="0">
-                <a:latin typeface="Times New Roman" panose="02020603050405020304" pitchFamily="18" charset="0"/>
-                <a:cs typeface="Times New Roman" panose="02020603050405020304" pitchFamily="18" charset="0"/>
-                <a:hlinkClick r:id="rId6"/>
-              </a:rPr>
-              <a:t>https://youtu.be/bNuROOivJRU</a:t>
+              <a:t>https://repositorio.ufpb.br/jspui/bitstream/tede/7533/5/arquivototal.pdf?utm_source=chatgpt.com</a:t>
             </a:r>
             <a:endParaRPr lang="pt-BR" sz="2200" dirty="0">
               <a:latin typeface="Times New Roman" panose="02020603050405020304" pitchFamily="18" charset="0"/>
@@ -5845,7 +6179,7 @@
     </p:spTree>
     <p:extLst>
       <p:ext uri="{BB962C8B-B14F-4D97-AF65-F5344CB8AC3E}">
-        <p14:creationId xmlns:p14="http://schemas.microsoft.com/office/powerpoint/2010/main" val="2747596967"/>
+        <p14:creationId xmlns:p14="http://schemas.microsoft.com/office/powerpoint/2010/main" val="3680270425"/>
       </p:ext>
     </p:extLst>
   </p:cSld>
@@ -5901,7 +6235,7 @@
                   <a:srgbClr val="0070C0"/>
                 </a:solidFill>
               </a:rPr>
-              <a:t>Dinâmica</a:t>
+              <a:t>Aprenda</a:t>
             </a:r>
             <a:r>
               <a:rPr lang="en-US" b="1" dirty="0">
@@ -5909,23 +6243,7 @@
                   <a:srgbClr val="0070C0"/>
                 </a:solidFill>
               </a:rPr>
-              <a:t>: Grupo de 3 </a:t>
-            </a:r>
-            <a:r>
-              <a:rPr lang="en-US" b="1" dirty="0" err="1">
-                <a:solidFill>
-                  <a:srgbClr val="0070C0"/>
-                </a:solidFill>
-              </a:rPr>
-              <a:t>ou</a:t>
-            </a:r>
-            <a:r>
-              <a:rPr lang="en-US" b="1" dirty="0">
-                <a:solidFill>
-                  <a:srgbClr val="0070C0"/>
-                </a:solidFill>
-              </a:rPr>
-              <a:t> 4</a:t>
+              <a:t>+</a:t>
             </a:r>
           </a:p>
         </p:txBody>
@@ -5942,8 +6260,8 @@
         </p:nvSpPr>
         <p:spPr>
           <a:xfrm>
-            <a:off x="139472" y="1063230"/>
-            <a:ext cx="8865056" cy="3606305"/>
+            <a:off x="142865" y="1200150"/>
+            <a:ext cx="8865056" cy="3737370"/>
           </a:xfrm>
         </p:spPr>
         <p:txBody>
@@ -5952,259 +6270,222 @@
           </a:bodyPr>
           <a:lstStyle/>
           <a:p>
-            <a:pPr marL="0" lvl="0" indent="0" algn="just">
+            <a:pPr marL="0" indent="0" algn="just">
               <a:buNone/>
             </a:pPr>
             <a:r>
-              <a:rPr lang="pt-BR" sz="2000" dirty="0">
+              <a:rPr lang="pt-BR" sz="2200" dirty="0">
                 <a:latin typeface="Times New Roman" panose="02020603050405020304" pitchFamily="18" charset="0"/>
                 <a:cs typeface="Times New Roman" panose="02020603050405020304" pitchFamily="18" charset="0"/>
               </a:rPr>
-              <a:t>Pesquisar um </a:t>
-            </a:r>
-            <a:r>
-              <a:rPr lang="pt-BR" sz="2000" b="1" dirty="0">
+              <a:t>[1] </a:t>
+            </a:r>
+            <a:r>
+              <a:rPr lang="pt-BR" sz="2200" b="1" dirty="0">
                 <a:latin typeface="Times New Roman" panose="02020603050405020304" pitchFamily="18" charset="0"/>
                 <a:cs typeface="Times New Roman" panose="02020603050405020304" pitchFamily="18" charset="0"/>
               </a:rPr>
-              <a:t>pseudocódigo</a:t>
-            </a:r>
-            <a:r>
-              <a:rPr lang="pt-BR" sz="2000" dirty="0">
-                <a:latin typeface="Times New Roman" panose="02020603050405020304" pitchFamily="18" charset="0"/>
-                <a:cs typeface="Times New Roman" panose="02020603050405020304" pitchFamily="18" charset="0"/>
-              </a:rPr>
-              <a:t> de </a:t>
-            </a:r>
-            <a:r>
-              <a:rPr lang="pt-BR" sz="2000" b="1" dirty="0">
+              <a:t>Teorema Mestre / recorrências</a:t>
+            </a:r>
+            <a:endParaRPr lang="pt-BR" sz="2200" dirty="0">
+              <a:latin typeface="Times New Roman" panose="02020603050405020304" pitchFamily="18" charset="0"/>
+              <a:cs typeface="Times New Roman" panose="02020603050405020304" pitchFamily="18" charset="0"/>
+            </a:endParaRPr>
+          </a:p>
+          <a:p>
+            <a:pPr marL="0" indent="0" algn="just">
+              <a:buNone/>
+            </a:pPr>
+            <a:r>
+              <a:rPr lang="pt-BR" sz="2200" b="1" dirty="0">
                 <a:solidFill>
                   <a:srgbClr val="FF0000"/>
                 </a:solidFill>
                 <a:latin typeface="Times New Roman" panose="02020603050405020304" pitchFamily="18" charset="0"/>
                 <a:cs typeface="Times New Roman" panose="02020603050405020304" pitchFamily="18" charset="0"/>
               </a:rPr>
-              <a:t>algoritmo recursivo </a:t>
-            </a:r>
-            <a:r>
-              <a:rPr lang="pt-BR" sz="2000" dirty="0">
+              <a:t>Disponível em: </a:t>
+            </a:r>
+            <a:r>
+              <a:rPr lang="pt-BR" sz="2200" dirty="0">
                 <a:latin typeface="Times New Roman" panose="02020603050405020304" pitchFamily="18" charset="0"/>
                 <a:cs typeface="Times New Roman" panose="02020603050405020304" pitchFamily="18" charset="0"/>
-              </a:rPr>
-              <a:t>(</a:t>
-            </a:r>
-            <a:r>
-              <a:rPr lang="pt-BR" sz="2000" dirty="0" err="1">
+                <a:hlinkClick r:id="rId3"/>
+              </a:rPr>
+              <a:t>https://youtu.be/6FcHxGcZnIQ</a:t>
+            </a:r>
+            <a:r>
+              <a:rPr lang="pt-BR" sz="2200" dirty="0">
                 <a:latin typeface="Times New Roman" panose="02020603050405020304" pitchFamily="18" charset="0"/>
                 <a:cs typeface="Times New Roman" panose="02020603050405020304" pitchFamily="18" charset="0"/>
               </a:rPr>
-              <a:t>ex</a:t>
-            </a:r>
-            <a:r>
-              <a:rPr lang="pt-BR" sz="2000" dirty="0">
+              <a:t> </a:t>
+            </a:r>
+          </a:p>
+          <a:p>
+            <a:pPr marL="0" indent="0" algn="just">
+              <a:buNone/>
+            </a:pPr>
+            <a:r>
+              <a:rPr lang="pt-BR" sz="2200" dirty="0">
                 <a:latin typeface="Times New Roman" panose="02020603050405020304" pitchFamily="18" charset="0"/>
                 <a:cs typeface="Times New Roman" panose="02020603050405020304" pitchFamily="18" charset="0"/>
               </a:rPr>
-              <a:t>: </a:t>
-            </a:r>
-            <a:r>
-              <a:rPr lang="pt-BR" sz="2000" b="1" dirty="0">
+              <a:t>[2] </a:t>
+            </a:r>
+            <a:r>
+              <a:rPr lang="pt-BR" sz="2200" b="1" dirty="0">
                 <a:latin typeface="Times New Roman" panose="02020603050405020304" pitchFamily="18" charset="0"/>
                 <a:cs typeface="Times New Roman" panose="02020603050405020304" pitchFamily="18" charset="0"/>
               </a:rPr>
-              <a:t>Fatorial, Merge </a:t>
-            </a:r>
-            <a:r>
-              <a:rPr lang="pt-BR" sz="2000" b="1" dirty="0" err="1">
-                <a:latin typeface="Times New Roman" panose="02020603050405020304" pitchFamily="18" charset="0"/>
-                <a:cs typeface="Times New Roman" panose="02020603050405020304" pitchFamily="18" charset="0"/>
-              </a:rPr>
-              <a:t>Sort</a:t>
-            </a:r>
-            <a:r>
-              <a:rPr lang="pt-BR" sz="2000" b="1" dirty="0">
-                <a:latin typeface="Times New Roman" panose="02020603050405020304" pitchFamily="18" charset="0"/>
-                <a:cs typeface="Times New Roman" panose="02020603050405020304" pitchFamily="18" charset="0"/>
-              </a:rPr>
-              <a:t>, Pesquisa Binária, Torre de Hanói, </a:t>
-            </a:r>
-            <a:r>
-              <a:rPr lang="pt-BR" sz="2000" b="1" dirty="0" err="1">
-                <a:latin typeface="Times New Roman" panose="02020603050405020304" pitchFamily="18" charset="0"/>
-                <a:cs typeface="Times New Roman" panose="02020603050405020304" pitchFamily="18" charset="0"/>
-              </a:rPr>
-              <a:t>etc</a:t>
-            </a:r>
-            <a:r>
-              <a:rPr lang="pt-BR" sz="2000" dirty="0">
-                <a:latin typeface="Times New Roman" panose="02020603050405020304" pitchFamily="18" charset="0"/>
-                <a:cs typeface="Times New Roman" panose="02020603050405020304" pitchFamily="18" charset="0"/>
-              </a:rPr>
-              <a:t>).</a:t>
+              <a:t>Teorema Mestre</a:t>
             </a:r>
           </a:p>
           <a:p>
-            <a:pPr marL="0" lvl="0" indent="0">
+            <a:pPr marL="0" indent="0" algn="just">
               <a:buNone/>
             </a:pPr>
-            <a:endParaRPr lang="pt-BR" sz="2000" dirty="0">
-              <a:latin typeface="Times New Roman" panose="02020603050405020304" pitchFamily="18" charset="0"/>
-              <a:cs typeface="Times New Roman" panose="02020603050405020304" pitchFamily="18" charset="0"/>
-            </a:endParaRPr>
-          </a:p>
-          <a:p>
-            <a:pPr marL="0" lvl="0" indent="0">
-              <a:buNone/>
-            </a:pPr>
-            <a:r>
-              <a:rPr lang="pt-BR" sz="2000" b="1" dirty="0">
+            <a:r>
+              <a:rPr lang="pt-BR" sz="2200" b="1" dirty="0">
                 <a:solidFill>
                   <a:srgbClr val="FF0000"/>
                 </a:solidFill>
                 <a:latin typeface="Times New Roman" panose="02020603050405020304" pitchFamily="18" charset="0"/>
                 <a:cs typeface="Times New Roman" panose="02020603050405020304" pitchFamily="18" charset="0"/>
               </a:rPr>
-              <a:t>O grupo deverá</a:t>
-            </a:r>
-            <a:r>
-              <a:rPr lang="pt-BR" sz="2000" dirty="0">
+              <a:t>Disponível em: </a:t>
+            </a:r>
+            <a:r>
+              <a:rPr lang="pt-BR" sz="2200" dirty="0">
                 <a:latin typeface="Times New Roman" panose="02020603050405020304" pitchFamily="18" charset="0"/>
                 <a:cs typeface="Times New Roman" panose="02020603050405020304" pitchFamily="18" charset="0"/>
-              </a:rPr>
-              <a:t>:</a:t>
+                <a:hlinkClick r:id="rId4"/>
+              </a:rPr>
+              <a:t>https://youtu.be/EZzXpzBUpmw</a:t>
+            </a:r>
+            <a:r>
+              <a:rPr lang="pt-BR" sz="2200" dirty="0">
+                <a:latin typeface="Times New Roman" panose="02020603050405020304" pitchFamily="18" charset="0"/>
+                <a:cs typeface="Times New Roman" panose="02020603050405020304" pitchFamily="18" charset="0"/>
+              </a:rPr>
+              <a:t> </a:t>
             </a:r>
           </a:p>
           <a:p>
-            <a:pPr lvl="1">
-              <a:buFont typeface="Wingdings" panose="05000000000000000000" pitchFamily="2" charset="2"/>
-              <a:buChar char="§"/>
+            <a:pPr marL="0" indent="0" algn="just">
+              <a:buNone/>
             </a:pPr>
             <a:r>
-              <a:rPr lang="pt-BR" sz="2000" dirty="0">
+              <a:rPr lang="pt-BR" sz="2200" dirty="0">
                 <a:latin typeface="Times New Roman" panose="02020603050405020304" pitchFamily="18" charset="0"/>
                 <a:cs typeface="Times New Roman" panose="02020603050405020304" pitchFamily="18" charset="0"/>
               </a:rPr>
-              <a:t>Identificar a </a:t>
-            </a:r>
-            <a:r>
-              <a:rPr lang="pt-BR" sz="2000" b="1" dirty="0">
+              <a:t>[3] </a:t>
+            </a:r>
+            <a:r>
+              <a:rPr lang="pt-BR" sz="2200" b="1" dirty="0">
                 <a:latin typeface="Times New Roman" panose="02020603050405020304" pitchFamily="18" charset="0"/>
                 <a:cs typeface="Times New Roman" panose="02020603050405020304" pitchFamily="18" charset="0"/>
               </a:rPr>
-              <a:t>equação de recorrência </a:t>
-            </a:r>
-            <a:r>
-              <a:rPr lang="pt-BR" sz="2000" dirty="0">
-                <a:latin typeface="Times New Roman" panose="02020603050405020304" pitchFamily="18" charset="0"/>
-                <a:cs typeface="Times New Roman" panose="02020603050405020304" pitchFamily="18" charset="0"/>
-              </a:rPr>
-              <a:t>correspondente;</a:t>
+              <a:t>Aula 11 - Teorema Mestre (Parte 01)</a:t>
             </a:r>
           </a:p>
           <a:p>
-            <a:pPr lvl="1">
-              <a:buFont typeface="Wingdings" panose="05000000000000000000" pitchFamily="2" charset="2"/>
-              <a:buChar char="§"/>
+            <a:pPr marL="0" indent="0" algn="just">
+              <a:buNone/>
             </a:pPr>
             <a:r>
-              <a:rPr lang="pt-BR" sz="2000" dirty="0">
-                <a:latin typeface="Times New Roman" panose="02020603050405020304" pitchFamily="18" charset="0"/>
-                <a:cs typeface="Times New Roman" panose="02020603050405020304" pitchFamily="18" charset="0"/>
-              </a:rPr>
-              <a:t>Resolver ou simplificar a equação (</a:t>
-            </a:r>
-            <a:r>
-              <a:rPr lang="pt-BR" sz="2000" b="1" dirty="0">
-                <a:latin typeface="Times New Roman" panose="02020603050405020304" pitchFamily="18" charset="0"/>
-                <a:cs typeface="Times New Roman" panose="02020603050405020304" pitchFamily="18" charset="0"/>
-              </a:rPr>
-              <a:t>usando expansão </a:t>
-            </a:r>
-            <a:r>
-              <a:rPr lang="pt-BR" sz="2000" dirty="0">
-                <a:latin typeface="Times New Roman" panose="02020603050405020304" pitchFamily="18" charset="0"/>
-                <a:cs typeface="Times New Roman" panose="02020603050405020304" pitchFamily="18" charset="0"/>
-              </a:rPr>
-              <a:t>ou </a:t>
-            </a:r>
-            <a:r>
-              <a:rPr lang="pt-BR" sz="2000" b="1" dirty="0">
+              <a:rPr lang="pt-BR" sz="2200" b="1" dirty="0">
                 <a:solidFill>
                   <a:srgbClr val="FF0000"/>
                 </a:solidFill>
                 <a:latin typeface="Times New Roman" panose="02020603050405020304" pitchFamily="18" charset="0"/>
                 <a:cs typeface="Times New Roman" panose="02020603050405020304" pitchFamily="18" charset="0"/>
               </a:rPr>
-              <a:t>Teorema Mestre</a:t>
-            </a:r>
-            <a:r>
-              <a:rPr lang="pt-BR" sz="2000" dirty="0">
+              <a:t>Disponível em:</a:t>
+            </a:r>
+            <a:r>
+              <a:rPr lang="pt-BR" sz="2200" dirty="0">
                 <a:latin typeface="Times New Roman" panose="02020603050405020304" pitchFamily="18" charset="0"/>
                 <a:cs typeface="Times New Roman" panose="02020603050405020304" pitchFamily="18" charset="0"/>
               </a:rPr>
-              <a:t>);</a:t>
+              <a:t> </a:t>
+            </a:r>
+            <a:r>
+              <a:rPr lang="pt-BR" sz="2200" dirty="0">
+                <a:latin typeface="Times New Roman" panose="02020603050405020304" pitchFamily="18" charset="0"/>
+                <a:cs typeface="Times New Roman" panose="02020603050405020304" pitchFamily="18" charset="0"/>
+                <a:hlinkClick r:id="rId5"/>
+              </a:rPr>
+              <a:t>https://youtu.be/XWAkJsN_MuY</a:t>
+            </a:r>
+            <a:r>
+              <a:rPr lang="pt-BR" sz="2200" dirty="0">
+                <a:latin typeface="Times New Roman" panose="02020603050405020304" pitchFamily="18" charset="0"/>
+                <a:cs typeface="Times New Roman" panose="02020603050405020304" pitchFamily="18" charset="0"/>
+              </a:rPr>
+              <a:t> </a:t>
             </a:r>
           </a:p>
           <a:p>
-            <a:pPr lvl="1">
-              <a:buFont typeface="Wingdings" panose="05000000000000000000" pitchFamily="2" charset="2"/>
-              <a:buChar char="§"/>
+            <a:pPr marL="0" indent="0" algn="just">
+              <a:buNone/>
             </a:pPr>
             <a:r>
-              <a:rPr lang="pt-BR" sz="2000" dirty="0">
+              <a:rPr lang="pt-BR" sz="2200" dirty="0">
                 <a:latin typeface="Times New Roman" panose="02020603050405020304" pitchFamily="18" charset="0"/>
                 <a:cs typeface="Times New Roman" panose="02020603050405020304" pitchFamily="18" charset="0"/>
               </a:rPr>
-              <a:t>Apresentar a </a:t>
-            </a:r>
-            <a:r>
-              <a:rPr lang="pt-BR" sz="2000" b="1" dirty="0">
+              <a:t>[4] </a:t>
+            </a:r>
+            <a:r>
+              <a:rPr lang="pt-BR" sz="2200" b="1" dirty="0">
                 <a:latin typeface="Times New Roman" panose="02020603050405020304" pitchFamily="18" charset="0"/>
                 <a:cs typeface="Times New Roman" panose="02020603050405020304" pitchFamily="18" charset="0"/>
               </a:rPr>
-              <a:t>complexidade assintótica final</a:t>
-            </a:r>
-            <a:r>
-              <a:rPr lang="pt-BR" sz="2000" dirty="0">
+              <a:t>Aula 08: Resolução de Recorrências - Teorema Mestre</a:t>
+            </a:r>
+          </a:p>
+          <a:p>
+            <a:pPr marL="0" indent="0" algn="just">
+              <a:buNone/>
+            </a:pPr>
+            <a:r>
+              <a:rPr lang="pt-BR" sz="2200" b="1" dirty="0">
+                <a:solidFill>
+                  <a:srgbClr val="FF0000"/>
+                </a:solidFill>
                 <a:latin typeface="Times New Roman" panose="02020603050405020304" pitchFamily="18" charset="0"/>
                 <a:cs typeface="Times New Roman" panose="02020603050405020304" pitchFamily="18" charset="0"/>
               </a:rPr>
-              <a:t>.</a:t>
-            </a:r>
-          </a:p>
-          <a:p>
-            <a:pPr lvl="1">
-              <a:buFont typeface="Wingdings" panose="05000000000000000000" pitchFamily="2" charset="2"/>
-              <a:buChar char="§"/>
-            </a:pPr>
-            <a:r>
-              <a:rPr lang="pt-BR" sz="2000" dirty="0">
+              <a:t>Disponível em:</a:t>
+            </a:r>
+            <a:r>
+              <a:rPr lang="pt-BR" sz="2200" dirty="0">
                 <a:latin typeface="Times New Roman" panose="02020603050405020304" pitchFamily="18" charset="0"/>
                 <a:cs typeface="Times New Roman" panose="02020603050405020304" pitchFamily="18" charset="0"/>
               </a:rPr>
-              <a:t>Cada grupo apresenta sua solução em até </a:t>
-            </a:r>
-            <a:r>
-              <a:rPr lang="pt-BR" sz="2000" b="1" dirty="0">
+              <a:t> </a:t>
+            </a:r>
+            <a:r>
+              <a:rPr lang="pt-BR" sz="2200" dirty="0">
                 <a:latin typeface="Times New Roman" panose="02020603050405020304" pitchFamily="18" charset="0"/>
                 <a:cs typeface="Times New Roman" panose="02020603050405020304" pitchFamily="18" charset="0"/>
-              </a:rPr>
-              <a:t>5 minutos</a:t>
-            </a:r>
-            <a:r>
-              <a:rPr lang="pt-BR" sz="2000" dirty="0">
-                <a:latin typeface="Times New Roman" panose="02020603050405020304" pitchFamily="18" charset="0"/>
-                <a:cs typeface="Times New Roman" panose="02020603050405020304" pitchFamily="18" charset="0"/>
-              </a:rPr>
-              <a:t>.</a:t>
-            </a:r>
+                <a:hlinkClick r:id="rId6"/>
+              </a:rPr>
+              <a:t>https://youtu.be/bNuROOivJRU</a:t>
+            </a:r>
+            <a:endParaRPr lang="pt-BR" sz="2200" dirty="0">
+              <a:latin typeface="Times New Roman" panose="02020603050405020304" pitchFamily="18" charset="0"/>
+              <a:cs typeface="Times New Roman" panose="02020603050405020304" pitchFamily="18" charset="0"/>
+            </a:endParaRPr>
           </a:p>
         </p:txBody>
       </p:sp>
     </p:spTree>
     <p:extLst>
       <p:ext uri="{BB962C8B-B14F-4D97-AF65-F5344CB8AC3E}">
-        <p14:creationId xmlns:p14="http://schemas.microsoft.com/office/powerpoint/2010/main" val="2470652989"/>
+        <p14:creationId xmlns:p14="http://schemas.microsoft.com/office/powerpoint/2010/main" val="2747596967"/>
       </p:ext>
     </p:extLst>
   </p:cSld>
@@ -6260,6 +6541,365 @@
                   <a:srgbClr val="0070C0"/>
                 </a:solidFill>
               </a:rPr>
+              <a:t>Dinâmica</a:t>
+            </a:r>
+            <a:r>
+              <a:rPr lang="en-US" b="1" dirty="0">
+                <a:solidFill>
+                  <a:srgbClr val="0070C0"/>
+                </a:solidFill>
+              </a:rPr>
+              <a:t>: Grupo de 3 </a:t>
+            </a:r>
+            <a:r>
+              <a:rPr lang="en-US" b="1" dirty="0" err="1">
+                <a:solidFill>
+                  <a:srgbClr val="0070C0"/>
+                </a:solidFill>
+              </a:rPr>
+              <a:t>ou</a:t>
+            </a:r>
+            <a:r>
+              <a:rPr lang="en-US" b="1" dirty="0">
+                <a:solidFill>
+                  <a:srgbClr val="0070C0"/>
+                </a:solidFill>
+              </a:rPr>
+              <a:t> 4</a:t>
+            </a:r>
+          </a:p>
+        </p:txBody>
+      </p:sp>
+      <p:sp>
+        <p:nvSpPr>
+          <p:cNvPr id="8" name="Text Placeholder 2"/>
+          <p:cNvSpPr>
+            <a:spLocks noGrp="1"/>
+          </p:cNvSpPr>
+          <p:nvPr>
+            <p:ph type="body" sz="half" idx="1"/>
+          </p:nvPr>
+        </p:nvSpPr>
+        <p:spPr>
+          <a:xfrm>
+            <a:off x="139472" y="1063230"/>
+            <a:ext cx="8865056" cy="3606305"/>
+          </a:xfrm>
+        </p:spPr>
+        <p:txBody>
+          <a:bodyPr>
+            <a:noAutofit/>
+          </a:bodyPr>
+          <a:lstStyle/>
+          <a:p>
+            <a:pPr marL="0" lvl="0" indent="0" algn="just">
+              <a:buNone/>
+            </a:pPr>
+            <a:r>
+              <a:rPr lang="pt-BR" sz="2000" dirty="0">
+                <a:latin typeface="Times New Roman" panose="02020603050405020304" pitchFamily="18" charset="0"/>
+                <a:cs typeface="Times New Roman" panose="02020603050405020304" pitchFamily="18" charset="0"/>
+              </a:rPr>
+              <a:t>Pesquisar um </a:t>
+            </a:r>
+            <a:r>
+              <a:rPr lang="pt-BR" sz="2000" b="1" dirty="0">
+                <a:latin typeface="Times New Roman" panose="02020603050405020304" pitchFamily="18" charset="0"/>
+                <a:cs typeface="Times New Roman" panose="02020603050405020304" pitchFamily="18" charset="0"/>
+              </a:rPr>
+              <a:t>pseudocódigo</a:t>
+            </a:r>
+            <a:r>
+              <a:rPr lang="pt-BR" sz="2000" dirty="0">
+                <a:latin typeface="Times New Roman" panose="02020603050405020304" pitchFamily="18" charset="0"/>
+                <a:cs typeface="Times New Roman" panose="02020603050405020304" pitchFamily="18" charset="0"/>
+              </a:rPr>
+              <a:t> de </a:t>
+            </a:r>
+            <a:r>
+              <a:rPr lang="pt-BR" sz="2000" b="1" dirty="0">
+                <a:solidFill>
+                  <a:srgbClr val="FF0000"/>
+                </a:solidFill>
+                <a:latin typeface="Times New Roman" panose="02020603050405020304" pitchFamily="18" charset="0"/>
+                <a:cs typeface="Times New Roman" panose="02020603050405020304" pitchFamily="18" charset="0"/>
+              </a:rPr>
+              <a:t>algoritmo recursivo </a:t>
+            </a:r>
+            <a:r>
+              <a:rPr lang="pt-BR" sz="2000" dirty="0">
+                <a:latin typeface="Times New Roman" panose="02020603050405020304" pitchFamily="18" charset="0"/>
+                <a:cs typeface="Times New Roman" panose="02020603050405020304" pitchFamily="18" charset="0"/>
+              </a:rPr>
+              <a:t>(</a:t>
+            </a:r>
+            <a:r>
+              <a:rPr lang="pt-BR" sz="2000" dirty="0" err="1">
+                <a:latin typeface="Times New Roman" panose="02020603050405020304" pitchFamily="18" charset="0"/>
+                <a:cs typeface="Times New Roman" panose="02020603050405020304" pitchFamily="18" charset="0"/>
+              </a:rPr>
+              <a:t>ex</a:t>
+            </a:r>
+            <a:r>
+              <a:rPr lang="pt-BR" sz="2000" dirty="0">
+                <a:latin typeface="Times New Roman" panose="02020603050405020304" pitchFamily="18" charset="0"/>
+                <a:cs typeface="Times New Roman" panose="02020603050405020304" pitchFamily="18" charset="0"/>
+              </a:rPr>
+              <a:t>: </a:t>
+            </a:r>
+            <a:r>
+              <a:rPr lang="pt-BR" sz="2000" b="1" dirty="0">
+                <a:latin typeface="Times New Roman" panose="02020603050405020304" pitchFamily="18" charset="0"/>
+                <a:cs typeface="Times New Roman" panose="02020603050405020304" pitchFamily="18" charset="0"/>
+              </a:rPr>
+              <a:t>Fatorial, Merge </a:t>
+            </a:r>
+            <a:r>
+              <a:rPr lang="pt-BR" sz="2000" b="1" dirty="0" err="1">
+                <a:latin typeface="Times New Roman" panose="02020603050405020304" pitchFamily="18" charset="0"/>
+                <a:cs typeface="Times New Roman" panose="02020603050405020304" pitchFamily="18" charset="0"/>
+              </a:rPr>
+              <a:t>Sort</a:t>
+            </a:r>
+            <a:r>
+              <a:rPr lang="pt-BR" sz="2000" b="1" dirty="0">
+                <a:latin typeface="Times New Roman" panose="02020603050405020304" pitchFamily="18" charset="0"/>
+                <a:cs typeface="Times New Roman" panose="02020603050405020304" pitchFamily="18" charset="0"/>
+              </a:rPr>
+              <a:t>, Pesquisa Binária, Torre de Hanói, </a:t>
+            </a:r>
+            <a:r>
+              <a:rPr lang="pt-BR" sz="2000" b="1" dirty="0" err="1">
+                <a:latin typeface="Times New Roman" panose="02020603050405020304" pitchFamily="18" charset="0"/>
+                <a:cs typeface="Times New Roman" panose="02020603050405020304" pitchFamily="18" charset="0"/>
+              </a:rPr>
+              <a:t>etc</a:t>
+            </a:r>
+            <a:r>
+              <a:rPr lang="pt-BR" sz="2000" dirty="0">
+                <a:latin typeface="Times New Roman" panose="02020603050405020304" pitchFamily="18" charset="0"/>
+                <a:cs typeface="Times New Roman" panose="02020603050405020304" pitchFamily="18" charset="0"/>
+              </a:rPr>
+              <a:t>).</a:t>
+            </a:r>
+          </a:p>
+          <a:p>
+            <a:pPr marL="0" lvl="0" indent="0">
+              <a:buNone/>
+            </a:pPr>
+            <a:endParaRPr lang="pt-BR" sz="2000" dirty="0">
+              <a:latin typeface="Times New Roman" panose="02020603050405020304" pitchFamily="18" charset="0"/>
+              <a:cs typeface="Times New Roman" panose="02020603050405020304" pitchFamily="18" charset="0"/>
+            </a:endParaRPr>
+          </a:p>
+          <a:p>
+            <a:pPr marL="0" lvl="0" indent="0">
+              <a:buNone/>
+            </a:pPr>
+            <a:r>
+              <a:rPr lang="pt-BR" sz="2000" b="1" dirty="0">
+                <a:solidFill>
+                  <a:srgbClr val="FF0000"/>
+                </a:solidFill>
+                <a:latin typeface="Times New Roman" panose="02020603050405020304" pitchFamily="18" charset="0"/>
+                <a:cs typeface="Times New Roman" panose="02020603050405020304" pitchFamily="18" charset="0"/>
+              </a:rPr>
+              <a:t>O grupo deverá</a:t>
+            </a:r>
+            <a:r>
+              <a:rPr lang="pt-BR" sz="2000" dirty="0">
+                <a:latin typeface="Times New Roman" panose="02020603050405020304" pitchFamily="18" charset="0"/>
+                <a:cs typeface="Times New Roman" panose="02020603050405020304" pitchFamily="18" charset="0"/>
+              </a:rPr>
+              <a:t>:</a:t>
+            </a:r>
+          </a:p>
+          <a:p>
+            <a:pPr lvl="1">
+              <a:buFont typeface="Wingdings" panose="05000000000000000000" pitchFamily="2" charset="2"/>
+              <a:buChar char="§"/>
+            </a:pPr>
+            <a:r>
+              <a:rPr lang="pt-BR" sz="2000" dirty="0">
+                <a:latin typeface="Times New Roman" panose="02020603050405020304" pitchFamily="18" charset="0"/>
+                <a:cs typeface="Times New Roman" panose="02020603050405020304" pitchFamily="18" charset="0"/>
+              </a:rPr>
+              <a:t>Identificar a </a:t>
+            </a:r>
+            <a:r>
+              <a:rPr lang="pt-BR" sz="2000" b="1" dirty="0">
+                <a:latin typeface="Times New Roman" panose="02020603050405020304" pitchFamily="18" charset="0"/>
+                <a:cs typeface="Times New Roman" panose="02020603050405020304" pitchFamily="18" charset="0"/>
+              </a:rPr>
+              <a:t>equação de recorrência </a:t>
+            </a:r>
+            <a:r>
+              <a:rPr lang="pt-BR" sz="2000" dirty="0">
+                <a:latin typeface="Times New Roman" panose="02020603050405020304" pitchFamily="18" charset="0"/>
+                <a:cs typeface="Times New Roman" panose="02020603050405020304" pitchFamily="18" charset="0"/>
+              </a:rPr>
+              <a:t>correspondente;</a:t>
+            </a:r>
+          </a:p>
+          <a:p>
+            <a:pPr lvl="1">
+              <a:buFont typeface="Wingdings" panose="05000000000000000000" pitchFamily="2" charset="2"/>
+              <a:buChar char="§"/>
+            </a:pPr>
+            <a:r>
+              <a:rPr lang="pt-BR" sz="2000" dirty="0">
+                <a:latin typeface="Times New Roman" panose="02020603050405020304" pitchFamily="18" charset="0"/>
+                <a:cs typeface="Times New Roman" panose="02020603050405020304" pitchFamily="18" charset="0"/>
+              </a:rPr>
+              <a:t>Resolver ou simplificar a equação (</a:t>
+            </a:r>
+            <a:r>
+              <a:rPr lang="pt-BR" sz="2000" b="1" dirty="0">
+                <a:latin typeface="Times New Roman" panose="02020603050405020304" pitchFamily="18" charset="0"/>
+                <a:cs typeface="Times New Roman" panose="02020603050405020304" pitchFamily="18" charset="0"/>
+              </a:rPr>
+              <a:t>usando expansão </a:t>
+            </a:r>
+            <a:r>
+              <a:rPr lang="pt-BR" sz="2000" dirty="0">
+                <a:latin typeface="Times New Roman" panose="02020603050405020304" pitchFamily="18" charset="0"/>
+                <a:cs typeface="Times New Roman" panose="02020603050405020304" pitchFamily="18" charset="0"/>
+              </a:rPr>
+              <a:t>ou </a:t>
+            </a:r>
+            <a:r>
+              <a:rPr lang="pt-BR" sz="2000" b="1" dirty="0">
+                <a:solidFill>
+                  <a:srgbClr val="FF0000"/>
+                </a:solidFill>
+                <a:latin typeface="Times New Roman" panose="02020603050405020304" pitchFamily="18" charset="0"/>
+                <a:cs typeface="Times New Roman" panose="02020603050405020304" pitchFamily="18" charset="0"/>
+              </a:rPr>
+              <a:t>Teorema Mestre</a:t>
+            </a:r>
+            <a:r>
+              <a:rPr lang="pt-BR" sz="2000" dirty="0">
+                <a:latin typeface="Times New Roman" panose="02020603050405020304" pitchFamily="18" charset="0"/>
+                <a:cs typeface="Times New Roman" panose="02020603050405020304" pitchFamily="18" charset="0"/>
+              </a:rPr>
+              <a:t>);</a:t>
+            </a:r>
+          </a:p>
+          <a:p>
+            <a:pPr lvl="1">
+              <a:buFont typeface="Wingdings" panose="05000000000000000000" pitchFamily="2" charset="2"/>
+              <a:buChar char="§"/>
+            </a:pPr>
+            <a:r>
+              <a:rPr lang="pt-BR" sz="2000" dirty="0">
+                <a:latin typeface="Times New Roman" panose="02020603050405020304" pitchFamily="18" charset="0"/>
+                <a:cs typeface="Times New Roman" panose="02020603050405020304" pitchFamily="18" charset="0"/>
+              </a:rPr>
+              <a:t>Apresentar a </a:t>
+            </a:r>
+            <a:r>
+              <a:rPr lang="pt-BR" sz="2000" b="1" dirty="0">
+                <a:latin typeface="Times New Roman" panose="02020603050405020304" pitchFamily="18" charset="0"/>
+                <a:cs typeface="Times New Roman" panose="02020603050405020304" pitchFamily="18" charset="0"/>
+              </a:rPr>
+              <a:t>complexidade assintótica final</a:t>
+            </a:r>
+            <a:r>
+              <a:rPr lang="pt-BR" sz="2000" dirty="0">
+                <a:latin typeface="Times New Roman" panose="02020603050405020304" pitchFamily="18" charset="0"/>
+                <a:cs typeface="Times New Roman" panose="02020603050405020304" pitchFamily="18" charset="0"/>
+              </a:rPr>
+              <a:t>.</a:t>
+            </a:r>
+          </a:p>
+          <a:p>
+            <a:pPr lvl="1">
+              <a:buFont typeface="Wingdings" panose="05000000000000000000" pitchFamily="2" charset="2"/>
+              <a:buChar char="§"/>
+            </a:pPr>
+            <a:r>
+              <a:rPr lang="pt-BR" sz="2000" dirty="0">
+                <a:latin typeface="Times New Roman" panose="02020603050405020304" pitchFamily="18" charset="0"/>
+                <a:cs typeface="Times New Roman" panose="02020603050405020304" pitchFamily="18" charset="0"/>
+              </a:rPr>
+              <a:t>Cada grupo apresenta sua solução em até </a:t>
+            </a:r>
+            <a:r>
+              <a:rPr lang="pt-BR" sz="2000" b="1" dirty="0">
+                <a:latin typeface="Times New Roman" panose="02020603050405020304" pitchFamily="18" charset="0"/>
+                <a:cs typeface="Times New Roman" panose="02020603050405020304" pitchFamily="18" charset="0"/>
+              </a:rPr>
+              <a:t>5 minutos</a:t>
+            </a:r>
+            <a:r>
+              <a:rPr lang="pt-BR" sz="2000" dirty="0">
+                <a:latin typeface="Times New Roman" panose="02020603050405020304" pitchFamily="18" charset="0"/>
+                <a:cs typeface="Times New Roman" panose="02020603050405020304" pitchFamily="18" charset="0"/>
+              </a:rPr>
+              <a:t>.</a:t>
+            </a:r>
+          </a:p>
+        </p:txBody>
+      </p:sp>
+    </p:spTree>
+    <p:extLst>
+      <p:ext uri="{BB962C8B-B14F-4D97-AF65-F5344CB8AC3E}">
+        <p14:creationId xmlns:p14="http://schemas.microsoft.com/office/powerpoint/2010/main" val="2470652989"/>
+      </p:ext>
+    </p:extLst>
+  </p:cSld>
+  <p:clrMapOvr>
+    <a:masterClrMapping/>
+  </p:clrMapOvr>
+  <p:transition spd="med"/>
+</p:sld>
+</file>
+
+<file path=ppt/slides/slide15.xml><?xml version="1.0" encoding="utf-8"?>
+<p:sld xmlns:a="http://schemas.openxmlformats.org/drawingml/2006/main" xmlns:r="http://schemas.openxmlformats.org/officeDocument/2006/relationships" xmlns:p="http://schemas.openxmlformats.org/presentationml/2006/main">
+  <p:cSld>
+    <p:spTree>
+      <p:nvGrpSpPr>
+        <p:cNvPr id="1" name=""/>
+        <p:cNvGrpSpPr/>
+        <p:nvPr/>
+      </p:nvGrpSpPr>
+      <p:grpSpPr>
+        <a:xfrm>
+          <a:off x="0" y="0"/>
+          <a:ext cx="0" cy="0"/>
+          <a:chOff x="0" y="0"/>
+          <a:chExt cx="0" cy="0"/>
+        </a:xfrm>
+      </p:grpSpPr>
+      <p:sp>
+        <p:nvSpPr>
+          <p:cNvPr id="6" name="Title 1"/>
+          <p:cNvSpPr>
+            <a:spLocks noGrp="1"/>
+          </p:cNvSpPr>
+          <p:nvPr>
+            <p:ph type="title"/>
+          </p:nvPr>
+        </p:nvSpPr>
+        <p:spPr>
+          <a:xfrm>
+            <a:off x="457200" y="205980"/>
+            <a:ext cx="8229600" cy="857251"/>
+          </a:xfrm>
+        </p:spPr>
+        <p:txBody>
+          <a:bodyPr>
+            <a:normAutofit/>
+          </a:bodyPr>
+          <a:lstStyle/>
+          <a:p>
+            <a:r>
+              <a:rPr lang="en-US" b="1" dirty="0" err="1">
+                <a:solidFill>
+                  <a:srgbClr val="0070C0"/>
+                </a:solidFill>
+              </a:rPr>
               <a:t>Referências</a:t>
             </a:r>
             <a:r>
@@ -6434,7 +7074,7 @@
 </p:sld>
 </file>
 
-<file path=ppt/slides/slide15.xml><?xml version="1.0" encoding="utf-8"?>
+<file path=ppt/slides/slide16.xml><?xml version="1.0" encoding="utf-8"?>
 <p:sld xmlns:a="http://schemas.openxmlformats.org/drawingml/2006/main" xmlns:r="http://schemas.openxmlformats.org/officeDocument/2006/relationships" xmlns:p="http://schemas.openxmlformats.org/presentationml/2006/main">
   <p:cSld>
     <p:spTree>
@@ -8453,8 +9093,8 @@
           </a:p>
         </p:txBody>
       </p:sp>
-      <mc:AlternateContent xmlns:mc="http://schemas.openxmlformats.org/markup-compatibility/2006">
-        <mc:Choice xmlns:a14="http://schemas.microsoft.com/office/drawing/2010/main" Requires="a14">
+      <mc:AlternateContent xmlns:mc="http://schemas.openxmlformats.org/markup-compatibility/2006" xmlns:a14="http://schemas.microsoft.com/office/drawing/2010/main">
+        <mc:Choice Requires="a14">
           <p:sp>
             <p:nvSpPr>
               <p:cNvPr id="8" name="Text Placeholder 2">
@@ -8841,7 +9481,13 @@
                       <a:rPr lang="pt-BR" sz="2200" b="0" i="1" smtClean="0">
                         <a:latin typeface="Cambria Math" panose="02040503050406030204" pitchFamily="18" charset="0"/>
                       </a:rPr>
-                      <m:t>&gt;0</m:t>
+                      <m:t>&gt;</m:t>
+                    </m:r>
+                    <m:r>
+                      <a:rPr lang="pt-BR" sz="2200" b="0" i="1" smtClean="0">
+                        <a:latin typeface="Cambria Math" panose="02040503050406030204" pitchFamily="18" charset="0"/>
+                      </a:rPr>
+                      <m:t>0</m:t>
                     </m:r>
                   </m:oMath>
                 </a14:m>
@@ -8939,7 +9585,7 @@
             </p:txBody>
           </p:sp>
         </mc:Choice>
-        <mc:Fallback>
+        <mc:Fallback xmlns="">
           <p:sp>
             <p:nvSpPr>
               <p:cNvPr id="8" name="Text Placeholder 2">
@@ -9111,8 +9757,8 @@
             </p:nvSpPr>
             <p:spPr>
               <a:xfrm>
-                <a:off x="142865" y="1200150"/>
-                <a:ext cx="8865056" cy="3737370"/>
+                <a:off x="142865" y="1079126"/>
+                <a:ext cx="8865056" cy="3858393"/>
               </a:xfrm>
             </p:spPr>
             <p:txBody>
@@ -9125,16 +9771,122 @@
                   <a:buNone/>
                 </a:pPr>
                 <a:r>
-                  <a:rPr lang="pt-BR" sz="2200" b="1" dirty="0">
+                  <a:rPr lang="pt-BR" sz="1800" b="1" dirty="0">
                     <a:latin typeface="Times New Roman" panose="02020603050405020304" pitchFamily="18" charset="0"/>
                     <a:cs typeface="Times New Roman" panose="02020603050405020304" pitchFamily="18" charset="0"/>
                   </a:rPr>
-                  <a:t>Forma geral:</a:t>
+                  <a:t>Forma geral: </a:t>
                 </a:r>
-                <a:endParaRPr lang="pt-BR" sz="2200" dirty="0">
-                  <a:solidFill>
-                    <a:srgbClr val="FF0000"/>
-                  </a:solidFill>
+                <a:r>
+                  <a:rPr lang="pt-BR" sz="1800" b="1" dirty="0">
+                    <a:solidFill>
+                      <a:srgbClr val="FF0000"/>
+                    </a:solidFill>
+                    <a:latin typeface="Times New Roman" panose="02020603050405020304" pitchFamily="18" charset="0"/>
+                    <a:cs typeface="Times New Roman" panose="02020603050405020304" pitchFamily="18" charset="0"/>
+                  </a:rPr>
+                  <a:t>Critério de comparação é entre </a:t>
+                </a:r>
+                <a14:m>
+                  <m:oMath xmlns:m="http://schemas.openxmlformats.org/officeDocument/2006/math">
+                    <m:r>
+                      <a:rPr lang="pt-BR" sz="1800" b="1" i="1" smtClean="0">
+                        <a:solidFill>
+                          <a:schemeClr val="tx1"/>
+                        </a:solidFill>
+                        <a:latin typeface="Times New Roman" panose="02020603050405020304" pitchFamily="18" charset="0"/>
+                        <a:cs typeface="Times New Roman" panose="02020603050405020304" pitchFamily="18" charset="0"/>
+                      </a:rPr>
+                      <m:t>𝒇</m:t>
+                    </m:r>
+                    <m:d>
+                      <m:dPr>
+                        <m:ctrlPr>
+                          <a:rPr lang="ar-AE" sz="1800" b="1">
+                            <a:solidFill>
+                              <a:schemeClr val="tx1"/>
+                            </a:solidFill>
+                            <a:latin typeface="Times New Roman" panose="02020603050405020304" pitchFamily="18" charset="0"/>
+                            <a:cs typeface="Times New Roman" panose="02020603050405020304" pitchFamily="18" charset="0"/>
+                          </a:rPr>
+                        </m:ctrlPr>
+                      </m:dPr>
+                      <m:e>
+                        <m:r>
+                          <a:rPr lang="ar-AE" sz="1800" b="1" i="1">
+                            <a:solidFill>
+                              <a:schemeClr val="tx1"/>
+                            </a:solidFill>
+                            <a:latin typeface="Times New Roman" panose="02020603050405020304" pitchFamily="18" charset="0"/>
+                            <a:cs typeface="Times New Roman" panose="02020603050405020304" pitchFamily="18" charset="0"/>
+                          </a:rPr>
+                          <m:t>𝒏</m:t>
+                        </m:r>
+                      </m:e>
+                    </m:d>
+                  </m:oMath>
+                </a14:m>
+                <a:r>
+                  <a:rPr lang="pt-BR" sz="1800" b="1" dirty="0">
+                    <a:solidFill>
+                      <a:schemeClr val="tx1"/>
+                    </a:solidFill>
+                    <a:latin typeface="Times New Roman" panose="02020603050405020304" pitchFamily="18" charset="0"/>
+                    <a:cs typeface="Times New Roman" panose="02020603050405020304" pitchFamily="18" charset="0"/>
+                  </a:rPr>
+                  <a:t> </a:t>
+                </a:r>
+                <a:r>
+                  <a:rPr lang="pt-BR" sz="1800" b="1" dirty="0">
+                    <a:solidFill>
+                      <a:srgbClr val="FF0000"/>
+                    </a:solidFill>
+                    <a:latin typeface="Times New Roman" panose="02020603050405020304" pitchFamily="18" charset="0"/>
+                    <a:cs typeface="Times New Roman" panose="02020603050405020304" pitchFamily="18" charset="0"/>
+                  </a:rPr>
+                  <a:t>e </a:t>
+                </a:r>
+                <a:r>
+                  <a:rPr lang="pt-BR" sz="1800" b="1" dirty="0" err="1">
+                    <a:solidFill>
+                      <a:srgbClr val="FF0000"/>
+                    </a:solidFill>
+                    <a:latin typeface="Times New Roman" panose="02020603050405020304" pitchFamily="18" charset="0"/>
+                    <a:cs typeface="Times New Roman" panose="02020603050405020304" pitchFamily="18" charset="0"/>
+                  </a:rPr>
+                  <a:t>n</a:t>
+                </a:r>
+                <a:r>
+                  <a:rPr lang="pt-BR" sz="1800" b="1" baseline="30000" dirty="0" err="1">
+                    <a:solidFill>
+                      <a:srgbClr val="FF0000"/>
+                    </a:solidFill>
+                    <a:latin typeface="Times New Roman" panose="02020603050405020304" pitchFamily="18" charset="0"/>
+                    <a:cs typeface="Times New Roman" panose="02020603050405020304" pitchFamily="18" charset="0"/>
+                  </a:rPr>
+                  <a:t>log</a:t>
+                </a:r>
+                <a:r>
+                  <a:rPr lang="pt-BR" sz="1800" b="1" baseline="-25000" dirty="0" err="1">
+                    <a:solidFill>
+                      <a:srgbClr val="FF0000"/>
+                    </a:solidFill>
+                    <a:latin typeface="Times New Roman" panose="02020603050405020304" pitchFamily="18" charset="0"/>
+                    <a:cs typeface="Times New Roman" panose="02020603050405020304" pitchFamily="18" charset="0"/>
+                  </a:rPr>
+                  <a:t>b</a:t>
+                </a:r>
+                <a:r>
+                  <a:rPr lang="pt-BR" sz="1800" b="1" baseline="30000" dirty="0" err="1">
+                    <a:solidFill>
+                      <a:srgbClr val="FF0000"/>
+                    </a:solidFill>
+                    <a:latin typeface="Times New Roman" panose="02020603050405020304" pitchFamily="18" charset="0"/>
+                    <a:cs typeface="Times New Roman" panose="02020603050405020304" pitchFamily="18" charset="0"/>
+                  </a:rPr>
+                  <a:t>a</a:t>
+                </a:r>
+                <a:endParaRPr lang="pt-BR" sz="1800" b="1" baseline="30000" dirty="0">
                   <a:latin typeface="Times New Roman" panose="02020603050405020304" pitchFamily="18" charset="0"/>
                   <a:cs typeface="Times New Roman" panose="02020603050405020304" pitchFamily="18" charset="0"/>
                 </a:endParaRPr>
@@ -9143,195 +9895,170 @@
                 <a:pPr marL="0" indent="0">
                   <a:buNone/>
                 </a:pPr>
-                <a14:m>
-                  <m:oMathPara xmlns:m="http://schemas.openxmlformats.org/officeDocument/2006/math">
-                    <m:oMathParaPr>
-                      <m:jc m:val="centerGroup"/>
-                    </m:oMathParaPr>
-                    <m:oMath xmlns:m="http://schemas.openxmlformats.org/officeDocument/2006/math">
-                      <m:r>
-                        <a:rPr lang="pt-BR" sz="2200" b="1" i="1">
-                          <a:solidFill>
-                            <a:srgbClr val="FF0000"/>
-                          </a:solidFill>
-                          <a:latin typeface="Cambria Math" panose="02040503050406030204" pitchFamily="18" charset="0"/>
-                        </a:rPr>
-                        <m:t>𝑻</m:t>
-                      </m:r>
-                      <m:r>
-                        <a:rPr lang="pt-BR" sz="2200" b="1" i="1">
-                          <a:solidFill>
-                            <a:srgbClr val="FF0000"/>
-                          </a:solidFill>
-                          <a:latin typeface="Cambria Math" panose="02040503050406030204" pitchFamily="18" charset="0"/>
-                        </a:rPr>
-                        <m:t>(</m:t>
-                      </m:r>
-                      <m:r>
-                        <a:rPr lang="pt-BR" sz="2200" b="1" i="1">
-                          <a:solidFill>
-                            <a:srgbClr val="FF0000"/>
-                          </a:solidFill>
-                          <a:latin typeface="Cambria Math" panose="02040503050406030204" pitchFamily="18" charset="0"/>
-                        </a:rPr>
-                        <m:t>𝒏</m:t>
-                      </m:r>
-                      <m:r>
-                        <a:rPr lang="pt-BR" sz="2200" b="1" i="1">
-                          <a:solidFill>
-                            <a:srgbClr val="FF0000"/>
-                          </a:solidFill>
-                          <a:latin typeface="Cambria Math" panose="02040503050406030204" pitchFamily="18" charset="0"/>
-                        </a:rPr>
-                        <m:t>)=</m:t>
-                      </m:r>
-                      <m:r>
-                        <a:rPr lang="pt-BR" sz="2200" b="1" i="1">
-                          <a:solidFill>
-                            <a:srgbClr val="FF0000"/>
-                          </a:solidFill>
-                          <a:latin typeface="Cambria Math" panose="02040503050406030204" pitchFamily="18" charset="0"/>
-                        </a:rPr>
-                        <m:t>𝒂</m:t>
-                      </m:r>
-                      <m:r>
-                        <a:rPr lang="pt-BR" sz="2200" b="1" i="1">
-                          <a:solidFill>
-                            <a:srgbClr val="FF0000"/>
-                          </a:solidFill>
-                          <a:latin typeface="Cambria Math" panose="02040503050406030204" pitchFamily="18" charset="0"/>
-                        </a:rPr>
-                        <m:t>⋅</m:t>
-                      </m:r>
-                      <m:r>
-                        <a:rPr lang="pt-BR" sz="2200" b="1" i="1">
-                          <a:solidFill>
-                            <a:srgbClr val="FF0000"/>
-                          </a:solidFill>
-                          <a:latin typeface="Cambria Math" panose="02040503050406030204" pitchFamily="18" charset="0"/>
-                        </a:rPr>
-                        <m:t>𝑻</m:t>
-                      </m:r>
-                      <m:r>
-                        <a:rPr lang="pt-BR" sz="2200" b="1" i="1">
-                          <a:solidFill>
-                            <a:srgbClr val="FF0000"/>
-                          </a:solidFill>
-                          <a:latin typeface="Cambria Math" panose="02040503050406030204" pitchFamily="18" charset="0"/>
-                        </a:rPr>
-                        <m:t>(</m:t>
-                      </m:r>
-                      <m:f>
-                        <m:fPr>
-                          <m:ctrlPr>
-                            <a:rPr lang="pt-BR" sz="2200" b="1" i="1">
-                              <a:solidFill>
-                                <a:srgbClr val="FF0000"/>
-                              </a:solidFill>
-                              <a:latin typeface="Cambria Math" panose="02040503050406030204" pitchFamily="18" charset="0"/>
-                            </a:rPr>
-                          </m:ctrlPr>
-                        </m:fPr>
-                        <m:num>
-                          <m:r>
-                            <a:rPr lang="pt-BR" sz="2200" b="1" i="1">
-                              <a:solidFill>
-                                <a:srgbClr val="FF0000"/>
-                              </a:solidFill>
-                              <a:latin typeface="Cambria Math" panose="02040503050406030204" pitchFamily="18" charset="0"/>
-                            </a:rPr>
-                            <m:t>𝒏</m:t>
-                          </m:r>
-                        </m:num>
-                        <m:den>
-                          <m:r>
-                            <a:rPr lang="pt-BR" sz="2200" b="1" i="1">
-                              <a:solidFill>
-                                <a:srgbClr val="FF0000"/>
-                              </a:solidFill>
-                              <a:latin typeface="Cambria Math" panose="02040503050406030204" pitchFamily="18" charset="0"/>
-                            </a:rPr>
-                            <m:t>𝒃</m:t>
-                          </m:r>
-                        </m:den>
-                      </m:f>
-                      <m:r>
-                        <a:rPr lang="pt-BR" sz="2200" b="1" i="1">
-                          <a:solidFill>
-                            <a:srgbClr val="FF0000"/>
-                          </a:solidFill>
-                          <a:latin typeface="Cambria Math" panose="02040503050406030204" pitchFamily="18" charset="0"/>
-                        </a:rPr>
-                        <m:t>)+</m:t>
-                      </m:r>
-                      <m:r>
-                        <a:rPr lang="pt-BR" b="1" i="1" smtClean="0">
-                          <a:solidFill>
-                            <a:srgbClr val="FF0000"/>
-                          </a:solidFill>
-                        </a:rPr>
-                        <m:t>𝜣</m:t>
-                      </m:r>
-                      <m:r>
-                        <a:rPr lang="pt-BR" b="1" i="1" smtClean="0">
-                          <a:solidFill>
-                            <a:srgbClr val="FF0000"/>
-                          </a:solidFill>
-                        </a:rPr>
-                        <m:t>(</m:t>
-                      </m:r>
-                      <m:sSup>
-                        <m:sSupPr>
-                          <m:ctrlPr>
-                            <a:rPr lang="pt-BR" b="1" i="1">
-                              <a:solidFill>
-                                <a:srgbClr val="FF0000"/>
-                              </a:solidFill>
-                            </a:rPr>
-                          </m:ctrlPr>
-                        </m:sSupPr>
-                        <m:e>
-                          <m:r>
-                            <a:rPr lang="pt-BR" b="1" i="1">
-                              <a:solidFill>
-                                <a:srgbClr val="FF0000"/>
-                              </a:solidFill>
-                            </a:rPr>
-                            <m:t>𝒏</m:t>
-                          </m:r>
-                        </m:e>
-                        <m:sup>
-                          <m:r>
-                            <a:rPr lang="pt-BR" b="1" i="1">
-                              <a:solidFill>
-                                <a:srgbClr val="FF0000"/>
-                              </a:solidFill>
-                            </a:rPr>
-                            <m:t>𝒌</m:t>
-                          </m:r>
-                        </m:sup>
-                      </m:sSup>
-                      <m:r>
-                        <a:rPr lang="pt-BR" b="1" i="1">
-                          <a:solidFill>
-                            <a:srgbClr val="FF0000"/>
-                          </a:solidFill>
-                        </a:rPr>
-                        <m:t>)</m:t>
-                      </m:r>
-                    </m:oMath>
-                  </m:oMathPara>
-                </a14:m>
-                <a:br>
-                  <a:rPr lang="pt-BR" sz="2200" b="1" i="1" dirty="0">
+                <a:r>
+                  <a:rPr lang="pt-BR" sz="1800" b="1" dirty="0">
                     <a:solidFill>
                       <a:srgbClr val="FF0000"/>
                     </a:solidFill>
-                    <a:latin typeface="Times New Roman" panose="02020603050405020304" pitchFamily="18" charset="0"/>
-                    <a:cs typeface="Times New Roman" panose="02020603050405020304" pitchFamily="18" charset="0"/>
                   </a:rPr>
-                </a:br>
-                <a:endParaRPr lang="pt-BR" sz="2200" b="1" i="1" dirty="0">
+                  <a:t>	</a:t>
+                </a:r>
+                <a14:m>
+                  <m:oMath xmlns:m="http://schemas.openxmlformats.org/officeDocument/2006/math">
+                    <m:r>
+                      <a:rPr lang="pt-BR" sz="1800" b="1" i="1">
+                        <a:solidFill>
+                          <a:srgbClr val="FF0000"/>
+                        </a:solidFill>
+                        <a:latin typeface="Cambria Math" panose="02040503050406030204" pitchFamily="18" charset="0"/>
+                      </a:rPr>
+                      <m:t>𝑻</m:t>
+                    </m:r>
+                    <m:r>
+                      <a:rPr lang="pt-BR" sz="1800" b="1" i="1">
+                        <a:solidFill>
+                          <a:srgbClr val="FF0000"/>
+                        </a:solidFill>
+                        <a:latin typeface="Cambria Math" panose="02040503050406030204" pitchFamily="18" charset="0"/>
+                      </a:rPr>
+                      <m:t>(</m:t>
+                    </m:r>
+                    <m:r>
+                      <a:rPr lang="pt-BR" sz="1800" b="1" i="1">
+                        <a:solidFill>
+                          <a:srgbClr val="FF0000"/>
+                        </a:solidFill>
+                        <a:latin typeface="Cambria Math" panose="02040503050406030204" pitchFamily="18" charset="0"/>
+                      </a:rPr>
+                      <m:t>𝒏</m:t>
+                    </m:r>
+                    <m:r>
+                      <a:rPr lang="pt-BR" sz="1800" b="1" i="1">
+                        <a:solidFill>
+                          <a:srgbClr val="FF0000"/>
+                        </a:solidFill>
+                        <a:latin typeface="Cambria Math" panose="02040503050406030204" pitchFamily="18" charset="0"/>
+                      </a:rPr>
+                      <m:t>)=</m:t>
+                    </m:r>
+                    <m:r>
+                      <a:rPr lang="pt-BR" sz="1800" b="1" i="1">
+                        <a:solidFill>
+                          <a:srgbClr val="FF0000"/>
+                        </a:solidFill>
+                        <a:latin typeface="Cambria Math" panose="02040503050406030204" pitchFamily="18" charset="0"/>
+                      </a:rPr>
+                      <m:t>𝒂</m:t>
+                    </m:r>
+                    <m:r>
+                      <a:rPr lang="pt-BR" sz="1800" b="1" i="1">
+                        <a:solidFill>
+                          <a:srgbClr val="FF0000"/>
+                        </a:solidFill>
+                        <a:latin typeface="Cambria Math" panose="02040503050406030204" pitchFamily="18" charset="0"/>
+                      </a:rPr>
+                      <m:t>⋅</m:t>
+                    </m:r>
+                    <m:r>
+                      <a:rPr lang="pt-BR" sz="1800" b="1" i="1">
+                        <a:solidFill>
+                          <a:srgbClr val="FF0000"/>
+                        </a:solidFill>
+                        <a:latin typeface="Cambria Math" panose="02040503050406030204" pitchFamily="18" charset="0"/>
+                      </a:rPr>
+                      <m:t>𝑻</m:t>
+                    </m:r>
+                    <m:r>
+                      <a:rPr lang="pt-BR" sz="1800" b="1" i="1">
+                        <a:solidFill>
+                          <a:srgbClr val="FF0000"/>
+                        </a:solidFill>
+                        <a:latin typeface="Cambria Math" panose="02040503050406030204" pitchFamily="18" charset="0"/>
+                      </a:rPr>
+                      <m:t>(</m:t>
+                    </m:r>
+                    <m:f>
+                      <m:fPr>
+                        <m:ctrlPr>
+                          <a:rPr lang="pt-BR" sz="1800" b="1" i="1">
+                            <a:solidFill>
+                              <a:srgbClr val="FF0000"/>
+                            </a:solidFill>
+                            <a:latin typeface="Cambria Math" panose="02040503050406030204" pitchFamily="18" charset="0"/>
+                          </a:rPr>
+                        </m:ctrlPr>
+                      </m:fPr>
+                      <m:num>
+                        <m:r>
+                          <a:rPr lang="pt-BR" sz="1800" b="1" i="1">
+                            <a:solidFill>
+                              <a:srgbClr val="FF0000"/>
+                            </a:solidFill>
+                            <a:latin typeface="Cambria Math" panose="02040503050406030204" pitchFamily="18" charset="0"/>
+                          </a:rPr>
+                          <m:t>𝒏</m:t>
+                        </m:r>
+                      </m:num>
+                      <m:den>
+                        <m:r>
+                          <a:rPr lang="pt-BR" sz="1800" b="1" i="1">
+                            <a:solidFill>
+                              <a:srgbClr val="FF0000"/>
+                            </a:solidFill>
+                            <a:latin typeface="Cambria Math" panose="02040503050406030204" pitchFamily="18" charset="0"/>
+                          </a:rPr>
+                          <m:t>𝒃</m:t>
+                        </m:r>
+                      </m:den>
+                    </m:f>
+                    <m:r>
+                      <a:rPr lang="pt-BR" sz="1800" b="1" i="1">
+                        <a:solidFill>
+                          <a:srgbClr val="FF0000"/>
+                        </a:solidFill>
+                        <a:latin typeface="Cambria Math" panose="02040503050406030204" pitchFamily="18" charset="0"/>
+                      </a:rPr>
+                      <m:t>)+</m:t>
+                    </m:r>
+                    <m:r>
+                      <a:rPr lang="pt-BR" sz="1800" b="1" i="1" smtClean="0">
+                        <a:solidFill>
+                          <a:srgbClr val="FF0000"/>
+                        </a:solidFill>
+                        <a:latin typeface="Cambria Math" panose="02040503050406030204" pitchFamily="18" charset="0"/>
+                      </a:rPr>
+                      <m:t>𝒇</m:t>
+                    </m:r>
+                    <m:r>
+                      <a:rPr lang="pt-BR" sz="1800" b="1" i="1" smtClean="0">
+                        <a:solidFill>
+                          <a:srgbClr val="FF0000"/>
+                        </a:solidFill>
+                        <a:latin typeface="Cambria Math" panose="02040503050406030204" pitchFamily="18" charset="0"/>
+                      </a:rPr>
+                      <m:t>(</m:t>
+                    </m:r>
+                    <m:r>
+                      <a:rPr lang="pt-BR" sz="1800" b="1" i="1" smtClean="0">
+                        <a:solidFill>
+                          <a:srgbClr val="FF0000"/>
+                        </a:solidFill>
+                        <a:latin typeface="Cambria Math" panose="02040503050406030204" pitchFamily="18" charset="0"/>
+                      </a:rPr>
+                      <m:t>𝒏</m:t>
+                    </m:r>
+                    <m:r>
+                      <a:rPr lang="pt-BR" sz="1800" b="1" i="1" smtClean="0">
+                        <a:solidFill>
+                          <a:srgbClr val="FF0000"/>
+                        </a:solidFill>
+                        <a:latin typeface="Cambria Math" panose="02040503050406030204" pitchFamily="18" charset="0"/>
+                      </a:rPr>
+                      <m:t>)</m:t>
+                    </m:r>
+                  </m:oMath>
+                </a14:m>
+                <a:endParaRPr lang="pt-BR" sz="1800" b="1" i="1" dirty="0">
                   <a:solidFill>
                     <a:srgbClr val="FF0000"/>
                   </a:solidFill>
@@ -9344,14 +10071,14 @@
                   <a:buNone/>
                 </a:pPr>
                 <a:r>
-                  <a:rPr lang="pt-BR" sz="2000" b="1" dirty="0">
+                  <a:rPr lang="pt-BR" sz="1800" b="1" dirty="0">
                     <a:latin typeface="Times New Roman" panose="02020603050405020304" pitchFamily="18" charset="0"/>
                     <a:cs typeface="Times New Roman" panose="02020603050405020304" pitchFamily="18" charset="0"/>
                   </a:rPr>
-                  <a:t>temos três casos</a:t>
+                  <a:t>Três casos</a:t>
                 </a:r>
                 <a:r>
-                  <a:rPr lang="pt-BR" sz="2000" dirty="0">
+                  <a:rPr lang="pt-BR" sz="1800" dirty="0">
                     <a:latin typeface="Times New Roman" panose="02020603050405020304" pitchFamily="18" charset="0"/>
                     <a:cs typeface="Times New Roman" panose="02020603050405020304" pitchFamily="18" charset="0"/>
                   </a:rPr>
@@ -9359,16 +10086,15 @@
                 </a:r>
               </a:p>
               <a:p>
-                <a:pPr lvl="0"/>
                 <a:r>
-                  <a:rPr lang="pt-BR" sz="2000" b="1" dirty="0">
+                  <a:rPr lang="pt-BR" sz="1800" b="1" dirty="0">
                     <a:latin typeface="Times New Roman" panose="02020603050405020304" pitchFamily="18" charset="0"/>
                     <a:cs typeface="Times New Roman" panose="02020603050405020304" pitchFamily="18" charset="0"/>
                   </a:rPr>
-                  <a:t>Se</a:t>
+                  <a:t>Caso 1: Se</a:t>
                 </a:r>
                 <a:r>
-                  <a:rPr lang="pt-BR" sz="2000" dirty="0">
+                  <a:rPr lang="pt-BR" sz="1800" dirty="0">
                     <a:latin typeface="Times New Roman" panose="02020603050405020304" pitchFamily="18" charset="0"/>
                     <a:cs typeface="Times New Roman" panose="02020603050405020304" pitchFamily="18" charset="0"/>
                   </a:rPr>
@@ -9377,29 +10103,45 @@
                 <a14:m>
                   <m:oMath xmlns:m="http://schemas.openxmlformats.org/officeDocument/2006/math">
                     <m:r>
-                      <a:rPr lang="pt-BR" sz="2000" i="1"/>
-                      <m:t>𝑓</m:t>
-                    </m:r>
-                    <m:r>
-                      <a:rPr lang="pt-BR" sz="2000" i="1"/>
+                      <a:rPr lang="pt-BR" sz="1800" b="1" i="1">
+                        <a:latin typeface="Cambria Math" panose="02040503050406030204" pitchFamily="18" charset="0"/>
+                      </a:rPr>
+                      <m:t>𝒇</m:t>
+                    </m:r>
+                    <m:r>
+                      <a:rPr lang="pt-BR" sz="1800" b="1" i="1">
+                        <a:latin typeface="Cambria Math" panose="02040503050406030204" pitchFamily="18" charset="0"/>
+                      </a:rPr>
                       <m:t>(</m:t>
                     </m:r>
                     <m:r>
-                      <a:rPr lang="pt-BR" sz="2000" i="1"/>
-                      <m:t>𝑛</m:t>
-                    </m:r>
-                    <m:r>
-                      <a:rPr lang="pt-BR" sz="2000" i="1"/>
+                      <a:rPr lang="pt-BR" sz="1800" b="1" i="1">
+                        <a:latin typeface="Cambria Math" panose="02040503050406030204" pitchFamily="18" charset="0"/>
+                      </a:rPr>
+                      <m:t>𝒏</m:t>
+                    </m:r>
+                    <m:r>
+                      <a:rPr lang="pt-BR" sz="1800" b="1" i="1">
+                        <a:latin typeface="Cambria Math" panose="02040503050406030204" pitchFamily="18" charset="0"/>
+                      </a:rPr>
                       <m:t>)=</m:t>
                     </m:r>
                     <m:r>
-                      <a:rPr lang="pt-BR" sz="2000" i="1"/>
-                      <m:t>𝑂</m:t>
+                      <a:rPr lang="pt-BR" sz="1800" b="1" i="1" smtClean="0">
+                        <a:solidFill>
+                          <a:srgbClr val="002060"/>
+                        </a:solidFill>
+                        <a:latin typeface="Cambria Math" panose="02040503050406030204" pitchFamily="18" charset="0"/>
+                      </a:rPr>
+                      <m:t>𝑶</m:t>
                     </m:r>
                     <m:d>
                       <m:dPr>
                         <m:ctrlPr>
-                          <a:rPr lang="pt-BR" sz="2000" i="1">
+                          <a:rPr lang="pt-BR" sz="1800" b="1" i="1">
+                            <a:solidFill>
+                              <a:srgbClr val="002060"/>
+                            </a:solidFill>
                             <a:latin typeface="Cambria Math" panose="02040503050406030204" pitchFamily="18" charset="0"/>
                           </a:rPr>
                         </m:ctrlPr>
@@ -9408,49 +10150,86 @@
                         <m:sSup>
                           <m:sSupPr>
                             <m:ctrlPr>
-                              <a:rPr lang="pt-BR" sz="2000" i="1"/>
+                              <a:rPr lang="pt-BR" sz="1800" b="1" i="1">
+                                <a:solidFill>
+                                  <a:srgbClr val="002060"/>
+                                </a:solidFill>
+                                <a:latin typeface="Cambria Math" panose="02040503050406030204" pitchFamily="18" charset="0"/>
+                              </a:rPr>
                             </m:ctrlPr>
                           </m:sSupPr>
                           <m:e>
                             <m:r>
-                              <a:rPr lang="pt-BR" sz="2000" i="1"/>
-                              <m:t>𝑛</m:t>
+                              <a:rPr lang="pt-BR" sz="1800" b="1" i="1">
+                                <a:solidFill>
+                                  <a:srgbClr val="002060"/>
+                                </a:solidFill>
+                                <a:latin typeface="Cambria Math" panose="02040503050406030204" pitchFamily="18" charset="0"/>
+                              </a:rPr>
+                              <m:t>𝒏</m:t>
                             </m:r>
                           </m:e>
                           <m:sup>
                             <m:sSub>
                               <m:sSubPr>
                                 <m:ctrlPr>
-                                  <a:rPr lang="pt-BR" sz="2000" i="1"/>
+                                  <a:rPr lang="pt-BR" sz="1800" b="1" i="1">
+                                    <a:solidFill>
+                                      <a:srgbClr val="002060"/>
+                                    </a:solidFill>
+                                    <a:latin typeface="Cambria Math" panose="02040503050406030204" pitchFamily="18" charset="0"/>
+                                  </a:rPr>
                                 </m:ctrlPr>
                               </m:sSubPr>
                               <m:e>
                                 <m:r>
-                                  <m:rPr>
-                                    <m:sty m:val="p"/>
-                                  </m:rPr>
-                                  <a:rPr lang="pt-BR" sz="2000"/>
-                                  <m:t>log</m:t>
+                                  <a:rPr lang="pt-BR" sz="1800" b="1" i="1">
+                                    <a:solidFill>
+                                      <a:srgbClr val="002060"/>
+                                    </a:solidFill>
+                                    <a:latin typeface="Cambria Math" panose="02040503050406030204" pitchFamily="18" charset="0"/>
+                                  </a:rPr>
+                                  <m:t>𝒍𝒐𝒈</m:t>
                                 </m:r>
                               </m:e>
                               <m:sub>
                                 <m:r>
-                                  <a:rPr lang="pt-BR" sz="2000" i="1"/>
-                                  <m:t>𝑏</m:t>
+                                  <a:rPr lang="pt-BR" sz="1800" b="1" i="1">
+                                    <a:solidFill>
+                                      <a:srgbClr val="002060"/>
+                                    </a:solidFill>
+                                    <a:latin typeface="Cambria Math" panose="02040503050406030204" pitchFamily="18" charset="0"/>
+                                  </a:rPr>
+                                  <m:t>𝒃</m:t>
                                 </m:r>
                               </m:sub>
                             </m:sSub>
                             <m:r>
-                              <a:rPr lang="pt-BR" sz="2000" i="1"/>
-                              <m:t>𝑎</m:t>
+                              <a:rPr lang="pt-BR" sz="1800" b="1" i="1">
+                                <a:solidFill>
+                                  <a:srgbClr val="002060"/>
+                                </a:solidFill>
+                                <a:latin typeface="Cambria Math" panose="02040503050406030204" pitchFamily="18" charset="0"/>
+                              </a:rPr>
+                              <m:t>𝒂</m:t>
                             </m:r>
                             <m:r>
-                              <a:rPr lang="pt-BR" sz="2000" i="1"/>
+                              <a:rPr lang="pt-BR" sz="1800" b="1" i="1">
+                                <a:solidFill>
+                                  <a:srgbClr val="002060"/>
+                                </a:solidFill>
+                                <a:latin typeface="Cambria Math" panose="02040503050406030204" pitchFamily="18" charset="0"/>
+                              </a:rPr>
                               <m:t>−</m:t>
                             </m:r>
                             <m:r>
-                              <a:rPr lang="pt-BR" sz="2000" i="1"/>
-                              <m:t>𝜀</m:t>
+                              <a:rPr lang="pt-BR" sz="1800" b="1" i="1">
+                                <a:solidFill>
+                                  <a:srgbClr val="002060"/>
+                                </a:solidFill>
+                                <a:latin typeface="Cambria Math" panose="02040503050406030204" pitchFamily="18" charset="0"/>
+                              </a:rPr>
+                              <m:t>𝜺</m:t>
                             </m:r>
                           </m:sup>
                         </m:sSup>
@@ -9459,114 +10238,238 @@
                   </m:oMath>
                 </a14:m>
                 <a:r>
-                  <a:rPr lang="pt-BR" sz="2000" dirty="0">
+                  <a:rPr lang="pt-BR" sz="1800" dirty="0">
                     <a:latin typeface="Times New Roman" panose="02020603050405020304" pitchFamily="18" charset="0"/>
                     <a:cs typeface="Times New Roman" panose="02020603050405020304" pitchFamily="18" charset="0"/>
                   </a:rPr>
-                  <a:t>para algum </a:t>
+                  <a:t>, para algum </a:t>
                 </a:r>
                 <a14:m>
                   <m:oMath xmlns:m="http://schemas.openxmlformats.org/officeDocument/2006/math">
                     <m:r>
-                      <a:rPr lang="pt-BR" sz="2000" b="1" i="1"/>
+                      <a:rPr lang="pt-BR" sz="1800" b="1" i="1">
+                        <a:latin typeface="Cambria Math" panose="02040503050406030204" pitchFamily="18" charset="0"/>
+                      </a:rPr>
                       <m:t>𝜺</m:t>
                     </m:r>
                     <m:r>
-                      <a:rPr lang="pt-BR" sz="2000" b="1" i="1"/>
+                      <a:rPr lang="pt-BR" sz="1800" b="1" i="1">
+                        <a:latin typeface="Cambria Math" panose="02040503050406030204" pitchFamily="18" charset="0"/>
+                      </a:rPr>
                       <m:t>&gt;</m:t>
                     </m:r>
                     <m:r>
-                      <a:rPr lang="pt-BR" sz="2000" b="1" i="1"/>
+                      <a:rPr lang="pt-BR" sz="1800" b="1" i="1">
+                        <a:latin typeface="Cambria Math" panose="02040503050406030204" pitchFamily="18" charset="0"/>
+                      </a:rPr>
                       <m:t>𝟎</m:t>
                     </m:r>
                   </m:oMath>
                 </a14:m>
                 <a:r>
-                  <a:rPr lang="pt-BR" sz="2000" b="1" dirty="0">
+                  <a:rPr lang="pt-BR" sz="1800" b="1" dirty="0">
                     <a:latin typeface="Times New Roman" panose="02020603050405020304" pitchFamily="18" charset="0"/>
                     <a:cs typeface="Times New Roman" panose="02020603050405020304" pitchFamily="18" charset="0"/>
                   </a:rPr>
-                  <a:t>:</a:t>
+                  <a:t>: </a:t>
                 </a:r>
-                <a:br>
-                  <a:rPr lang="pt-BR" sz="2000" dirty="0">
+                <a14:m>
+                  <m:oMath xmlns:m="http://schemas.openxmlformats.org/officeDocument/2006/math">
+                    <m:r>
+                      <a:rPr lang="pt-BR" sz="1800" b="1" i="1">
+                        <a:solidFill>
+                          <a:schemeClr val="tx1"/>
+                        </a:solidFill>
+                        <a:latin typeface="Cambria Math" panose="02040503050406030204" pitchFamily="18" charset="0"/>
+                        <a:cs typeface="Times New Roman" panose="02020603050405020304" pitchFamily="18" charset="0"/>
+                      </a:rPr>
+                      <m:t>𝒇</m:t>
+                    </m:r>
+                    <m:d>
+                      <m:dPr>
+                        <m:ctrlPr>
+                          <a:rPr lang="ar-AE" sz="1800" b="1" i="1">
+                            <a:solidFill>
+                              <a:schemeClr val="tx1"/>
+                            </a:solidFill>
+                            <a:latin typeface="Cambria Math" panose="02040503050406030204" pitchFamily="18" charset="0"/>
+                            <a:cs typeface="Times New Roman" panose="02020603050405020304" pitchFamily="18" charset="0"/>
+                          </a:rPr>
+                        </m:ctrlPr>
+                      </m:dPr>
+                      <m:e>
+                        <m:r>
+                          <a:rPr lang="ar-AE" sz="1800" b="1" i="1">
+                            <a:solidFill>
+                              <a:schemeClr val="tx1"/>
+                            </a:solidFill>
+                            <a:latin typeface="Cambria Math" panose="02040503050406030204" pitchFamily="18" charset="0"/>
+                            <a:cs typeface="Times New Roman" panose="02020603050405020304" pitchFamily="18" charset="0"/>
+                          </a:rPr>
+                          <m:t>𝒏</m:t>
+                        </m:r>
+                      </m:e>
+                    </m:d>
+                  </m:oMath>
+                </a14:m>
+                <a:r>
+                  <a:rPr lang="pt-BR" sz="1800" b="1" dirty="0">
+                    <a:solidFill>
+                      <a:schemeClr val="tx1"/>
+                    </a:solidFill>
                     <a:latin typeface="Times New Roman" panose="02020603050405020304" pitchFamily="18" charset="0"/>
                     <a:cs typeface="Times New Roman" panose="02020603050405020304" pitchFamily="18" charset="0"/>
                   </a:rPr>
-                </a:br>
+                  <a:t> &gt;</a:t>
+                </a:r>
                 <a:r>
-                  <a:rPr lang="pt-BR" sz="2000" dirty="0">
+                  <a:rPr lang="pt-BR" sz="1800" b="1" dirty="0">
+                    <a:solidFill>
+                      <a:srgbClr val="FF0000"/>
+                    </a:solidFill>
                     <a:latin typeface="Times New Roman" panose="02020603050405020304" pitchFamily="18" charset="0"/>
                     <a:cs typeface="Times New Roman" panose="02020603050405020304" pitchFamily="18" charset="0"/>
                   </a:rPr>
-                  <a:t>→ </a:t>
+                  <a:t> </a:t>
+                </a:r>
+                <a:r>
+                  <a:rPr lang="pt-BR" sz="1800" b="1" dirty="0" err="1">
+                    <a:solidFill>
+                      <a:srgbClr val="FF0000"/>
+                    </a:solidFill>
+                    <a:latin typeface="Times New Roman" panose="02020603050405020304" pitchFamily="18" charset="0"/>
+                    <a:cs typeface="Times New Roman" panose="02020603050405020304" pitchFamily="18" charset="0"/>
+                  </a:rPr>
+                  <a:t>n</a:t>
+                </a:r>
+                <a:r>
+                  <a:rPr lang="pt-BR" sz="1800" b="1" baseline="30000" dirty="0" err="1">
+                    <a:solidFill>
+                      <a:srgbClr val="FF0000"/>
+                    </a:solidFill>
+                    <a:latin typeface="Times New Roman" panose="02020603050405020304" pitchFamily="18" charset="0"/>
+                    <a:cs typeface="Times New Roman" panose="02020603050405020304" pitchFamily="18" charset="0"/>
+                  </a:rPr>
+                  <a:t>log</a:t>
+                </a:r>
+                <a:r>
+                  <a:rPr lang="pt-BR" sz="1800" b="1" baseline="-25000" dirty="0" err="1">
+                    <a:solidFill>
+                      <a:srgbClr val="FF0000"/>
+                    </a:solidFill>
+                    <a:latin typeface="Times New Roman" panose="02020603050405020304" pitchFamily="18" charset="0"/>
+                    <a:cs typeface="Times New Roman" panose="02020603050405020304" pitchFamily="18" charset="0"/>
+                  </a:rPr>
+                  <a:t>b</a:t>
+                </a:r>
+                <a:r>
+                  <a:rPr lang="pt-BR" sz="1800" b="1" baseline="30000" dirty="0" err="1">
+                    <a:solidFill>
+                      <a:srgbClr val="FF0000"/>
+                    </a:solidFill>
+                    <a:latin typeface="Times New Roman" panose="02020603050405020304" pitchFamily="18" charset="0"/>
+                    <a:cs typeface="Times New Roman" panose="02020603050405020304" pitchFamily="18" charset="0"/>
+                  </a:rPr>
+                  <a:t>a</a:t>
+                </a:r>
+                <a:endParaRPr lang="pt-BR" sz="1800" b="1" baseline="30000" dirty="0">
+                  <a:latin typeface="Times New Roman" panose="02020603050405020304" pitchFamily="18" charset="0"/>
+                  <a:cs typeface="Times New Roman" panose="02020603050405020304" pitchFamily="18" charset="0"/>
+                </a:endParaRPr>
+              </a:p>
+              <a:p>
+                <a:pPr lvl="0"/>
+                <a:r>
+                  <a:rPr lang="pt-BR" sz="1800" b="1" dirty="0">
+                    <a:solidFill>
+                      <a:srgbClr val="FF0000"/>
+                    </a:solidFill>
+                    <a:latin typeface="Times New Roman" panose="02020603050405020304" pitchFamily="18" charset="0"/>
+                    <a:cs typeface="Times New Roman" panose="02020603050405020304" pitchFamily="18" charset="0"/>
+                  </a:rPr>
+                  <a:t>solução:</a:t>
+                </a:r>
+                <a:r>
+                  <a:rPr lang="pt-BR" sz="1800" dirty="0">
+                    <a:latin typeface="Times New Roman" panose="02020603050405020304" pitchFamily="18" charset="0"/>
+                    <a:cs typeface="Times New Roman" panose="02020603050405020304" pitchFamily="18" charset="0"/>
+                  </a:rPr>
+                  <a:t> → </a:t>
                 </a:r>
                 <a14:m>
                   <m:oMath xmlns:m="http://schemas.openxmlformats.org/officeDocument/2006/math">
                     <m:r>
-                      <a:rPr lang="pt-BR" sz="2000" b="1" i="1" smtClean="0">
+                      <a:rPr lang="pt-BR" sz="1800" b="1" i="1" smtClean="0">
                         <a:solidFill>
                           <a:srgbClr val="FF0000"/>
                         </a:solidFill>
+                        <a:latin typeface="Cambria Math" panose="02040503050406030204" pitchFamily="18" charset="0"/>
                       </a:rPr>
                       <m:t>𝑻</m:t>
                     </m:r>
                     <m:r>
-                      <a:rPr lang="pt-BR" sz="2000" b="1" i="1" smtClean="0">
+                      <a:rPr lang="pt-BR" sz="1800" b="1" i="1" smtClean="0">
                         <a:solidFill>
                           <a:srgbClr val="FF0000"/>
                         </a:solidFill>
+                        <a:latin typeface="Cambria Math" panose="02040503050406030204" pitchFamily="18" charset="0"/>
                       </a:rPr>
                       <m:t>(</m:t>
                     </m:r>
                     <m:r>
-                      <a:rPr lang="pt-BR" sz="2000" b="1" i="1" smtClean="0">
+                      <a:rPr lang="pt-BR" sz="1800" b="1" i="1" smtClean="0">
                         <a:solidFill>
                           <a:srgbClr val="FF0000"/>
                         </a:solidFill>
+                        <a:latin typeface="Cambria Math" panose="02040503050406030204" pitchFamily="18" charset="0"/>
                       </a:rPr>
                       <m:t>𝒏</m:t>
                     </m:r>
                     <m:r>
-                      <a:rPr lang="pt-BR" sz="2000" b="1" i="1" smtClean="0">
+                      <a:rPr lang="pt-BR" sz="1800" b="1" i="1" smtClean="0">
                         <a:solidFill>
                           <a:srgbClr val="FF0000"/>
                         </a:solidFill>
+                        <a:latin typeface="Cambria Math" panose="02040503050406030204" pitchFamily="18" charset="0"/>
                       </a:rPr>
                       <m:t>)=</m:t>
                     </m:r>
                     <m:r>
-                      <a:rPr lang="pt-BR" sz="2000" b="1" i="1" smtClean="0">
+                      <a:rPr lang="pt-BR" sz="1800" b="1" i="1" smtClean="0">
                         <a:solidFill>
                           <a:srgbClr val="FF0000"/>
                         </a:solidFill>
+                        <a:latin typeface="Cambria Math" panose="02040503050406030204" pitchFamily="18" charset="0"/>
                       </a:rPr>
                       <m:t>𝜣</m:t>
                     </m:r>
                     <m:r>
-                      <a:rPr lang="pt-BR" sz="2000" b="1" i="1" smtClean="0">
+                      <a:rPr lang="pt-BR" sz="1800" b="1" i="1" smtClean="0">
                         <a:solidFill>
                           <a:srgbClr val="FF0000"/>
                         </a:solidFill>
+                        <a:latin typeface="Cambria Math" panose="02040503050406030204" pitchFamily="18" charset="0"/>
                       </a:rPr>
                       <m:t>(</m:t>
                     </m:r>
                     <m:sSup>
                       <m:sSupPr>
                         <m:ctrlPr>
-                          <a:rPr lang="pt-BR" sz="2000" b="1" i="1">
+                          <a:rPr lang="pt-BR" sz="1800" b="1" i="1">
                             <a:solidFill>
                               <a:srgbClr val="FF0000"/>
                             </a:solidFill>
+                            <a:latin typeface="Cambria Math" panose="02040503050406030204" pitchFamily="18" charset="0"/>
                           </a:rPr>
                         </m:ctrlPr>
                       </m:sSupPr>
                       <m:e>
                         <m:r>
-                          <a:rPr lang="pt-BR" sz="2000" b="1" i="1">
+                          <a:rPr lang="pt-BR" sz="1800" b="1" i="1">
                             <a:solidFill>
                               <a:srgbClr val="FF0000"/>
                             </a:solidFill>
+                            <a:latin typeface="Cambria Math" panose="02040503050406030204" pitchFamily="18" charset="0"/>
                           </a:rPr>
                           <m:t>𝒏</m:t>
                         </m:r>
@@ -9575,55 +10478,60 @@
                         <m:sSub>
                           <m:sSubPr>
                             <m:ctrlPr>
-                              <a:rPr lang="pt-BR" sz="2000" b="1" i="1" smtClean="0">
+                              <a:rPr lang="pt-BR" sz="1800" b="1" i="1" smtClean="0">
                                 <a:solidFill>
                                   <a:srgbClr val="FF0000"/>
                                 </a:solidFill>
+                                <a:latin typeface="Cambria Math" panose="02040503050406030204" pitchFamily="18" charset="0"/>
                               </a:rPr>
                             </m:ctrlPr>
                           </m:sSubPr>
                           <m:e>
                             <m:r>
-                              <a:rPr lang="pt-BR" sz="2000" b="1" i="1">
+                              <a:rPr lang="pt-BR" sz="1800" b="1" i="1">
                                 <a:solidFill>
                                   <a:srgbClr val="FF0000"/>
                                 </a:solidFill>
+                                <a:latin typeface="Cambria Math" panose="02040503050406030204" pitchFamily="18" charset="0"/>
                               </a:rPr>
                               <m:t>𝒍𝒐𝒈</m:t>
                             </m:r>
                           </m:e>
                           <m:sub>
                             <m:r>
-                              <a:rPr lang="pt-BR" sz="2000" b="1" i="1">
+                              <a:rPr lang="pt-BR" sz="1800" b="1" i="1">
                                 <a:solidFill>
                                   <a:srgbClr val="FF0000"/>
                                 </a:solidFill>
+                                <a:latin typeface="Cambria Math" panose="02040503050406030204" pitchFamily="18" charset="0"/>
                               </a:rPr>
                               <m:t>𝒃</m:t>
                             </m:r>
                           </m:sub>
                         </m:sSub>
                         <m:r>
-                          <a:rPr lang="pt-BR" sz="2000" b="1" i="1">
+                          <a:rPr lang="pt-BR" sz="1800" b="1" i="1">
                             <a:solidFill>
                               <a:srgbClr val="FF0000"/>
                             </a:solidFill>
+                            <a:latin typeface="Cambria Math" panose="02040503050406030204" pitchFamily="18" charset="0"/>
                           </a:rPr>
                           <m:t>𝒂</m:t>
                         </m:r>
                       </m:sup>
                     </m:sSup>
                     <m:r>
-                      <a:rPr lang="pt-BR" sz="2000" b="1" i="1">
+                      <a:rPr lang="pt-BR" sz="1800" b="1" i="1">
                         <a:solidFill>
                           <a:srgbClr val="FF0000"/>
                         </a:solidFill>
+                        <a:latin typeface="Cambria Math" panose="02040503050406030204" pitchFamily="18" charset="0"/>
                       </a:rPr>
                       <m:t>)</m:t>
                     </m:r>
                   </m:oMath>
                 </a14:m>
-                <a:endParaRPr lang="pt-BR" sz="2000" b="1" dirty="0">
+                <a:endParaRPr lang="pt-BR" sz="1800" b="1" dirty="0">
                   <a:solidFill>
                     <a:srgbClr val="FF0000"/>
                   </a:solidFill>
@@ -9632,183 +10540,99 @@
                 </a:endParaRPr>
               </a:p>
               <a:p>
-                <a:pPr lvl="0"/>
+                <a:pPr marL="0" lvl="0" indent="0">
+                  <a:buNone/>
+                </a:pPr>
+                <a:endParaRPr lang="pt-BR" sz="1800" b="1" dirty="0">
+                  <a:solidFill>
+                    <a:srgbClr val="FF0000"/>
+                  </a:solidFill>
+                  <a:latin typeface="Times New Roman" panose="02020603050405020304" pitchFamily="18" charset="0"/>
+                  <a:cs typeface="Times New Roman" panose="02020603050405020304" pitchFamily="18" charset="0"/>
+                </a:endParaRPr>
+              </a:p>
+              <a:p>
                 <a:r>
-                  <a:rPr lang="pt-BR" sz="2000" b="1" dirty="0">
+                  <a:rPr lang="pt-BR" sz="1800" b="1" dirty="0">
                     <a:latin typeface="Times New Roman" panose="02020603050405020304" pitchFamily="18" charset="0"/>
                     <a:cs typeface="Times New Roman" panose="02020603050405020304" pitchFamily="18" charset="0"/>
                   </a:rPr>
-                  <a:t>Se</a:t>
-                </a:r>
-                <a:r>
-                  <a:rPr lang="pt-BR" sz="2000" dirty="0">
-                    <a:latin typeface="Times New Roman" panose="02020603050405020304" pitchFamily="18" charset="0"/>
-                    <a:cs typeface="Times New Roman" panose="02020603050405020304" pitchFamily="18" charset="0"/>
-                  </a:rPr>
-                  <a:t> </a:t>
+                  <a:t>Caso 2:  Se </a:t>
                 </a:r>
                 <a14:m>
                   <m:oMath xmlns:m="http://schemas.openxmlformats.org/officeDocument/2006/math">
                     <m:r>
-                      <a:rPr lang="pt-BR" sz="2000" i="1"/>
-                      <m:t>𝑓</m:t>
-                    </m:r>
-                    <m:r>
-                      <a:rPr lang="pt-BR" sz="2000" i="1"/>
+                      <a:rPr lang="pt-BR" sz="1800" b="1" i="1">
+                        <a:solidFill>
+                          <a:srgbClr val="002060"/>
+                        </a:solidFill>
+                        <a:latin typeface="Cambria Math" panose="02040503050406030204" pitchFamily="18" charset="0"/>
+                      </a:rPr>
+                      <m:t>𝒇</m:t>
+                    </m:r>
+                    <m:r>
+                      <a:rPr lang="pt-BR" sz="1800" b="1" i="1">
+                        <a:solidFill>
+                          <a:srgbClr val="002060"/>
+                        </a:solidFill>
+                        <a:latin typeface="Cambria Math" panose="02040503050406030204" pitchFamily="18" charset="0"/>
+                      </a:rPr>
                       <m:t>(</m:t>
                     </m:r>
                     <m:r>
-                      <a:rPr lang="pt-BR" sz="2000" i="1"/>
-                      <m:t>𝑛</m:t>
-                    </m:r>
-                    <m:r>
-                      <a:rPr lang="pt-BR" sz="2000" i="1"/>
+                      <a:rPr lang="pt-BR" sz="1800" b="1" i="1">
+                        <a:solidFill>
+                          <a:srgbClr val="002060"/>
+                        </a:solidFill>
+                        <a:latin typeface="Cambria Math" panose="02040503050406030204" pitchFamily="18" charset="0"/>
+                      </a:rPr>
+                      <m:t>𝒏</m:t>
+                    </m:r>
+                    <m:r>
+                      <a:rPr lang="pt-BR" sz="1800" b="1" i="1">
+                        <a:solidFill>
+                          <a:srgbClr val="002060"/>
+                        </a:solidFill>
+                        <a:latin typeface="Cambria Math" panose="02040503050406030204" pitchFamily="18" charset="0"/>
+                      </a:rPr>
                       <m:t>)=</m:t>
                     </m:r>
                     <m:r>
-                      <m:rPr>
-                        <m:sty m:val="p"/>
-                      </m:rPr>
-                      <a:rPr lang="pt-BR" sz="2000"/>
-                      <m:t>Θ</m:t>
-                    </m:r>
-                    <m:r>
-                      <a:rPr lang="pt-BR" sz="2000" i="1"/>
+                      <a:rPr lang="pt-BR" sz="1800" b="1" i="1">
+                        <a:solidFill>
+                          <a:srgbClr val="002060"/>
+                        </a:solidFill>
+                        <a:latin typeface="Cambria Math" panose="02040503050406030204" pitchFamily="18" charset="0"/>
+                      </a:rPr>
+                      <m:t>𝚯</m:t>
+                    </m:r>
+                    <m:r>
+                      <a:rPr lang="pt-BR" sz="1800" b="1" i="1">
+                        <a:solidFill>
+                          <a:srgbClr val="002060"/>
+                        </a:solidFill>
+                        <a:latin typeface="Cambria Math" panose="02040503050406030204" pitchFamily="18" charset="0"/>
+                      </a:rPr>
                       <m:t>(</m:t>
                     </m:r>
                     <m:sSup>
                       <m:sSupPr>
                         <m:ctrlPr>
-                          <a:rPr lang="pt-BR" sz="2000" i="1"/>
-                        </m:ctrlPr>
-                      </m:sSupPr>
-                      <m:e>
-                        <m:r>
-                          <a:rPr lang="pt-BR" sz="2000" i="1"/>
-                          <m:t>𝑛</m:t>
-                        </m:r>
-                      </m:e>
-                      <m:sup>
-                        <m:sSub>
-                          <m:sSubPr>
-                            <m:ctrlPr>
-                              <a:rPr lang="pt-BR" sz="2000" i="1"/>
-                            </m:ctrlPr>
-                          </m:sSubPr>
-                          <m:e>
-                            <m:r>
-                              <m:rPr>
-                                <m:sty m:val="p"/>
-                              </m:rPr>
-                              <a:rPr lang="pt-BR" sz="2000"/>
-                              <m:t>log</m:t>
-                            </m:r>
-                          </m:e>
-                          <m:sub>
-                            <m:r>
-                              <a:rPr lang="pt-BR" sz="2000" i="1"/>
-                              <m:t>𝑏</m:t>
-                            </m:r>
-                          </m:sub>
-                        </m:sSub>
-                        <m:r>
-                          <a:rPr lang="pt-BR" sz="2000" i="1"/>
-                          <m:t>𝑎</m:t>
-                        </m:r>
-                      </m:sup>
-                    </m:sSup>
-                    <m:r>
-                      <a:rPr lang="pt-BR" sz="2000" i="1"/>
-                      <m:t>)</m:t>
-                    </m:r>
-                  </m:oMath>
-                </a14:m>
-                <a:r>
-                  <a:rPr lang="pt-BR" sz="2000" dirty="0">
-                    <a:latin typeface="Times New Roman" panose="02020603050405020304" pitchFamily="18" charset="0"/>
-                    <a:cs typeface="Times New Roman" panose="02020603050405020304" pitchFamily="18" charset="0"/>
-                  </a:rPr>
-                  <a:t>:</a:t>
-                </a:r>
-                <a:br>
-                  <a:rPr lang="pt-BR" sz="2000" dirty="0">
-                    <a:latin typeface="Times New Roman" panose="02020603050405020304" pitchFamily="18" charset="0"/>
-                    <a:cs typeface="Times New Roman" panose="02020603050405020304" pitchFamily="18" charset="0"/>
-                  </a:rPr>
-                </a:br>
-                <a:r>
-                  <a:rPr lang="pt-BR" sz="2000" dirty="0">
-                    <a:latin typeface="Times New Roman" panose="02020603050405020304" pitchFamily="18" charset="0"/>
-                    <a:cs typeface="Times New Roman" panose="02020603050405020304" pitchFamily="18" charset="0"/>
-                  </a:rPr>
-                  <a:t>→ </a:t>
-                </a:r>
-                <a14:m>
-                  <m:oMath xmlns:m="http://schemas.openxmlformats.org/officeDocument/2006/math">
-                    <m:r>
-                      <a:rPr lang="pt-BR" sz="2000" b="1" i="1" smtClean="0">
-                        <a:solidFill>
-                          <a:srgbClr val="FF0000"/>
-                        </a:solidFill>
-                      </a:rPr>
-                      <m:t>𝑻</m:t>
-                    </m:r>
-                    <m:r>
-                      <a:rPr lang="pt-BR" sz="2000" b="1" i="1" smtClean="0">
-                        <a:solidFill>
-                          <a:srgbClr val="FF0000"/>
-                        </a:solidFill>
-                      </a:rPr>
-                      <m:t>(</m:t>
-                    </m:r>
-                    <m:r>
-                      <a:rPr lang="pt-BR" sz="2000" b="1" i="1" smtClean="0">
-                        <a:solidFill>
-                          <a:srgbClr val="FF0000"/>
-                        </a:solidFill>
-                      </a:rPr>
-                      <m:t>𝒏</m:t>
-                    </m:r>
-                    <m:r>
-                      <a:rPr lang="pt-BR" sz="2000" b="1" i="1" smtClean="0">
-                        <a:solidFill>
-                          <a:srgbClr val="FF0000"/>
-                        </a:solidFill>
-                      </a:rPr>
-                      <m:t>)=</m:t>
-                    </m:r>
-                    <m:r>
-                      <a:rPr lang="pt-BR" sz="2000" b="1" i="1">
-                        <a:solidFill>
-                          <a:srgbClr val="FF0000"/>
-                        </a:solidFill>
-                      </a:rPr>
-                      <m:t>𝜣</m:t>
-                    </m:r>
-                    <m:r>
-                      <a:rPr lang="pt-BR" sz="2000" b="1" i="1">
-                        <a:solidFill>
-                          <a:srgbClr val="FF0000"/>
-                        </a:solidFill>
-                      </a:rPr>
-                      <m:t>(</m:t>
-                    </m:r>
-                    <m:sSup>
-                      <m:sSupPr>
-                        <m:ctrlPr>
-                          <a:rPr lang="pt-BR" sz="2000" b="1" i="1">
+                          <a:rPr lang="pt-BR" sz="1800" b="1" i="1">
                             <a:solidFill>
-                              <a:srgbClr val="FF0000"/>
+                              <a:srgbClr val="002060"/>
                             </a:solidFill>
+                            <a:latin typeface="Cambria Math" panose="02040503050406030204" pitchFamily="18" charset="0"/>
                           </a:rPr>
                         </m:ctrlPr>
                       </m:sSupPr>
                       <m:e>
                         <m:r>
-                          <a:rPr lang="pt-BR" sz="2000" b="1" i="1">
+                          <a:rPr lang="pt-BR" sz="1800" b="1" i="1">
                             <a:solidFill>
-                              <a:srgbClr val="FF0000"/>
+                              <a:srgbClr val="002060"/>
                             </a:solidFill>
+                            <a:latin typeface="Cambria Math" panose="02040503050406030204" pitchFamily="18" charset="0"/>
                           </a:rPr>
                           <m:t>𝒏</m:t>
                         </m:r>
@@ -9817,63 +10641,466 @@
                         <m:sSub>
                           <m:sSubPr>
                             <m:ctrlPr>
-                              <a:rPr lang="pt-BR" sz="2000" b="1" i="1">
+                              <a:rPr lang="pt-BR" sz="1800" b="1" i="1" smtClean="0">
                                 <a:solidFill>
-                                  <a:srgbClr val="FF0000"/>
+                                  <a:srgbClr val="002060"/>
                                 </a:solidFill>
+                                <a:latin typeface="Cambria Math" panose="02040503050406030204" pitchFamily="18" charset="0"/>
                               </a:rPr>
                             </m:ctrlPr>
                           </m:sSubPr>
                           <m:e>
                             <m:r>
-                              <a:rPr lang="pt-BR" sz="2000" b="1" i="1">
+                              <a:rPr lang="pt-BR" sz="1800" b="1" i="1">
                                 <a:solidFill>
-                                  <a:srgbClr val="FF0000"/>
+                                  <a:srgbClr val="002060"/>
                                 </a:solidFill>
+                                <a:latin typeface="Cambria Math" panose="02040503050406030204" pitchFamily="18" charset="0"/>
                               </a:rPr>
                               <m:t>𝒍𝒐𝒈</m:t>
                             </m:r>
                           </m:e>
                           <m:sub>
                             <m:r>
-                              <a:rPr lang="pt-BR" sz="2000" b="1" i="1">
+                              <a:rPr lang="pt-BR" sz="1800" b="1" i="1">
                                 <a:solidFill>
-                                  <a:srgbClr val="FF0000"/>
+                                  <a:srgbClr val="002060"/>
                                 </a:solidFill>
+                                <a:latin typeface="Cambria Math" panose="02040503050406030204" pitchFamily="18" charset="0"/>
                               </a:rPr>
                               <m:t>𝒃</m:t>
                             </m:r>
                           </m:sub>
                         </m:sSub>
                         <m:r>
-                          <a:rPr lang="pt-BR" sz="2000" b="1" i="1">
+                          <a:rPr lang="pt-BR" sz="1800" b="1" i="1">
                             <a:solidFill>
-                              <a:srgbClr val="FF0000"/>
+                              <a:srgbClr val="002060"/>
                             </a:solidFill>
+                            <a:latin typeface="Cambria Math" panose="02040503050406030204" pitchFamily="18" charset="0"/>
                           </a:rPr>
                           <m:t>𝒂</m:t>
                         </m:r>
                       </m:sup>
                     </m:sSup>
                     <m:r>
-                      <a:rPr lang="pt-BR" sz="2000" b="1" i="1">
+                      <m:rPr>
+                        <m:nor/>
+                      </m:rPr>
+                      <a:rPr lang="pt-BR" sz="1800" b="1">
+                        <a:solidFill>
+                          <a:srgbClr val="002060"/>
+                        </a:solidFill>
+                        <a:latin typeface="Cambria Math" panose="02040503050406030204" pitchFamily="18" charset="0"/>
+                      </a:rPr>
+                      <m:t>log</m:t>
+                    </m:r>
+                    <m:r>
+                      <m:rPr>
+                        <m:nor/>
+                      </m:rPr>
+                      <a:rPr lang="pt-BR" sz="1800" b="1" baseline="30000">
+                        <a:solidFill>
+                          <a:srgbClr val="002060"/>
+                        </a:solidFill>
+                        <a:latin typeface="Cambria Math" panose="02040503050406030204" pitchFamily="18" charset="0"/>
+                      </a:rPr>
+                      <m:t>k</m:t>
+                    </m:r>
+                    <m:r>
+                      <m:rPr>
+                        <m:nor/>
+                      </m:rPr>
+                      <a:rPr lang="pt-BR" sz="1800" b="1">
+                        <a:solidFill>
+                          <a:srgbClr val="002060"/>
+                        </a:solidFill>
+                        <a:latin typeface="Cambria Math" panose="02040503050406030204" pitchFamily="18" charset="0"/>
+                      </a:rPr>
+                      <m:t>n</m:t>
+                    </m:r>
+                    <m:r>
+                      <a:rPr lang="pt-BR" sz="1800" b="1" i="1">
+                        <a:solidFill>
+                          <a:srgbClr val="002060"/>
+                        </a:solidFill>
+                        <a:latin typeface="Cambria Math" panose="02040503050406030204" pitchFamily="18" charset="0"/>
+                      </a:rPr>
+                      <m:t>)</m:t>
+                    </m:r>
+                  </m:oMath>
+                </a14:m>
+                <a:r>
+                  <a:rPr lang="pt-BR" sz="1800" b="1" dirty="0">
+                    <a:solidFill>
+                      <a:srgbClr val="002060"/>
+                    </a:solidFill>
+                    <a:latin typeface="Times New Roman" panose="02020603050405020304" pitchFamily="18" charset="0"/>
+                    <a:cs typeface="Times New Roman" panose="02020603050405020304" pitchFamily="18" charset="0"/>
+                  </a:rPr>
+                  <a:t>:	</a:t>
+                </a:r>
+                <a14:m>
+                  <m:oMath xmlns:m="http://schemas.openxmlformats.org/officeDocument/2006/math">
+                    <m:r>
+                      <a:rPr lang="pt-BR" sz="1800" b="1" i="1">
+                        <a:solidFill>
+                          <a:schemeClr val="tx1"/>
+                        </a:solidFill>
+                        <a:latin typeface="Cambria Math" panose="02040503050406030204" pitchFamily="18" charset="0"/>
+                        <a:cs typeface="Times New Roman" panose="02020603050405020304" pitchFamily="18" charset="0"/>
+                      </a:rPr>
+                      <m:t>𝒇</m:t>
+                    </m:r>
+                    <m:d>
+                      <m:dPr>
+                        <m:ctrlPr>
+                          <a:rPr lang="ar-AE" sz="1800" b="1" i="1">
+                            <a:solidFill>
+                              <a:schemeClr val="tx1"/>
+                            </a:solidFill>
+                            <a:latin typeface="Cambria Math" panose="02040503050406030204" pitchFamily="18" charset="0"/>
+                            <a:cs typeface="Times New Roman" panose="02020603050405020304" pitchFamily="18" charset="0"/>
+                          </a:rPr>
+                        </m:ctrlPr>
+                      </m:dPr>
+                      <m:e>
+                        <m:r>
+                          <a:rPr lang="ar-AE" sz="1800" b="1" i="1">
+                            <a:solidFill>
+                              <a:schemeClr val="tx1"/>
+                            </a:solidFill>
+                            <a:latin typeface="Cambria Math" panose="02040503050406030204" pitchFamily="18" charset="0"/>
+                            <a:cs typeface="Times New Roman" panose="02020603050405020304" pitchFamily="18" charset="0"/>
+                          </a:rPr>
+                          <m:t>𝒏</m:t>
+                        </m:r>
+                      </m:e>
+                    </m:d>
+                  </m:oMath>
+                </a14:m>
+                <a:r>
+                  <a:rPr lang="pt-BR" sz="1800" b="1" dirty="0">
+                    <a:solidFill>
+                      <a:schemeClr val="tx1"/>
+                    </a:solidFill>
+                    <a:latin typeface="Times New Roman" panose="02020603050405020304" pitchFamily="18" charset="0"/>
+                    <a:cs typeface="Times New Roman" panose="02020603050405020304" pitchFamily="18" charset="0"/>
+                  </a:rPr>
+                  <a:t> =</a:t>
+                </a:r>
+                <a:r>
+                  <a:rPr lang="pt-BR" sz="1800" b="1" dirty="0">
+                    <a:solidFill>
+                      <a:srgbClr val="FF0000"/>
+                    </a:solidFill>
+                    <a:latin typeface="Times New Roman" panose="02020603050405020304" pitchFamily="18" charset="0"/>
+                    <a:cs typeface="Times New Roman" panose="02020603050405020304" pitchFamily="18" charset="0"/>
+                  </a:rPr>
+                  <a:t> </a:t>
+                </a:r>
+                <a:r>
+                  <a:rPr lang="pt-BR" sz="1800" b="1" dirty="0" err="1">
+                    <a:solidFill>
+                      <a:srgbClr val="FF0000"/>
+                    </a:solidFill>
+                    <a:latin typeface="Times New Roman" panose="02020603050405020304" pitchFamily="18" charset="0"/>
+                    <a:cs typeface="Times New Roman" panose="02020603050405020304" pitchFamily="18" charset="0"/>
+                  </a:rPr>
+                  <a:t>n</a:t>
+                </a:r>
+                <a:r>
+                  <a:rPr lang="pt-BR" sz="1800" b="1" baseline="30000" dirty="0" err="1">
+                    <a:solidFill>
+                      <a:srgbClr val="FF0000"/>
+                    </a:solidFill>
+                    <a:latin typeface="Times New Roman" panose="02020603050405020304" pitchFamily="18" charset="0"/>
+                    <a:cs typeface="Times New Roman" panose="02020603050405020304" pitchFamily="18" charset="0"/>
+                  </a:rPr>
+                  <a:t>log</a:t>
+                </a:r>
+                <a:r>
+                  <a:rPr lang="pt-BR" sz="1800" b="1" baseline="-25000" dirty="0" err="1">
+                    <a:solidFill>
+                      <a:srgbClr val="FF0000"/>
+                    </a:solidFill>
+                    <a:latin typeface="Times New Roman" panose="02020603050405020304" pitchFamily="18" charset="0"/>
+                    <a:cs typeface="Times New Roman" panose="02020603050405020304" pitchFamily="18" charset="0"/>
+                  </a:rPr>
+                  <a:t>b</a:t>
+                </a:r>
+                <a:r>
+                  <a:rPr lang="pt-BR" sz="1800" b="1" baseline="30000" dirty="0" err="1">
+                    <a:solidFill>
+                      <a:srgbClr val="FF0000"/>
+                    </a:solidFill>
+                    <a:latin typeface="Times New Roman" panose="02020603050405020304" pitchFamily="18" charset="0"/>
+                    <a:cs typeface="Times New Roman" panose="02020603050405020304" pitchFamily="18" charset="0"/>
+                  </a:rPr>
+                  <a:t>a</a:t>
+                </a:r>
+                <a:endParaRPr lang="pt-BR" sz="1800" b="1" baseline="30000" dirty="0">
+                  <a:latin typeface="Times New Roman" panose="02020603050405020304" pitchFamily="18" charset="0"/>
+                  <a:cs typeface="Times New Roman" panose="02020603050405020304" pitchFamily="18" charset="0"/>
+                </a:endParaRPr>
+              </a:p>
+              <a:p>
+                <a:pPr lvl="0"/>
+                <a:r>
+                  <a:rPr lang="pt-BR" sz="1800" b="1" dirty="0">
+                    <a:solidFill>
+                      <a:srgbClr val="FF0000"/>
+                    </a:solidFill>
+                    <a:latin typeface="Times New Roman" panose="02020603050405020304" pitchFamily="18" charset="0"/>
+                    <a:cs typeface="Times New Roman" panose="02020603050405020304" pitchFamily="18" charset="0"/>
+                  </a:rPr>
+                  <a:t>solução: </a:t>
+                </a:r>
+                <a:r>
+                  <a:rPr lang="pt-BR" sz="1800" dirty="0">
+                    <a:latin typeface="Times New Roman" panose="02020603050405020304" pitchFamily="18" charset="0"/>
+                    <a:cs typeface="Times New Roman" panose="02020603050405020304" pitchFamily="18" charset="0"/>
+                  </a:rPr>
+                  <a:t>→ </a:t>
+                </a:r>
+                <a14:m>
+                  <m:oMath xmlns:m="http://schemas.openxmlformats.org/officeDocument/2006/math">
+                    <m:r>
+                      <a:rPr lang="pt-BR" sz="1800" b="1" i="1" smtClean="0">
                         <a:solidFill>
                           <a:srgbClr val="FF0000"/>
                         </a:solidFill>
-                      </a:rPr>
-                      <m:t>𝒍𝒐𝒈𝒏</m:t>
-                    </m:r>
-                    <m:r>
-                      <a:rPr lang="pt-BR" sz="2000" b="1" i="1">
+                        <a:latin typeface="Cambria Math" panose="02040503050406030204" pitchFamily="18" charset="0"/>
+                      </a:rPr>
+                      <m:t>𝑻</m:t>
+                    </m:r>
+                    <m:d>
+                      <m:dPr>
+                        <m:ctrlPr>
+                          <a:rPr lang="pt-BR" sz="1800" b="1" i="1" smtClean="0">
+                            <a:solidFill>
+                              <a:srgbClr val="FF0000"/>
+                            </a:solidFill>
+                            <a:latin typeface="Cambria Math" panose="02040503050406030204" pitchFamily="18" charset="0"/>
+                          </a:rPr>
+                        </m:ctrlPr>
+                      </m:dPr>
+                      <m:e>
+                        <m:r>
+                          <a:rPr lang="pt-BR" sz="1800" b="1" i="1" smtClean="0">
+                            <a:solidFill>
+                              <a:srgbClr val="FF0000"/>
+                            </a:solidFill>
+                            <a:latin typeface="Cambria Math" panose="02040503050406030204" pitchFamily="18" charset="0"/>
+                          </a:rPr>
+                          <m:t>𝒏</m:t>
+                        </m:r>
+                      </m:e>
+                    </m:d>
+                    <m:r>
+                      <a:rPr lang="pt-BR" sz="1800" b="1" i="1" smtClean="0">
                         <a:solidFill>
                           <a:srgbClr val="FF0000"/>
                         </a:solidFill>
-                      </a:rPr>
-                      <m:t>)</m:t>
+                        <a:latin typeface="Cambria Math" panose="02040503050406030204" pitchFamily="18" charset="0"/>
+                      </a:rPr>
+                      <m:t>=</m:t>
+                    </m:r>
+                    <m:r>
+                      <a:rPr lang="pt-BR" sz="1800" b="1" i="1">
+                        <a:solidFill>
+                          <a:srgbClr val="FF0000"/>
+                        </a:solidFill>
+                        <a:latin typeface="Cambria Math" panose="02040503050406030204" pitchFamily="18" charset="0"/>
+                      </a:rPr>
+                      <m:t>𝜣</m:t>
+                    </m:r>
+                    <m:d>
+                      <m:dPr>
+                        <m:ctrlPr>
+                          <a:rPr lang="pt-BR" sz="1800" b="1" i="1">
+                            <a:solidFill>
+                              <a:srgbClr val="FF0000"/>
+                            </a:solidFill>
+                            <a:latin typeface="Cambria Math" panose="02040503050406030204" pitchFamily="18" charset="0"/>
+                          </a:rPr>
+                        </m:ctrlPr>
+                      </m:dPr>
+                      <m:e>
+                        <m:sSup>
+                          <m:sSupPr>
+                            <m:ctrlPr>
+                              <a:rPr lang="pt-BR" sz="1800" b="1" i="1">
+                                <a:solidFill>
+                                  <a:srgbClr val="FF0000"/>
+                                </a:solidFill>
+                                <a:latin typeface="Cambria Math" panose="02040503050406030204" pitchFamily="18" charset="0"/>
+                              </a:rPr>
+                            </m:ctrlPr>
+                          </m:sSupPr>
+                          <m:e>
+                            <m:r>
+                              <a:rPr lang="pt-BR" sz="1800" b="1" i="1">
+                                <a:solidFill>
+                                  <a:srgbClr val="FF0000"/>
+                                </a:solidFill>
+                                <a:latin typeface="Cambria Math" panose="02040503050406030204" pitchFamily="18" charset="0"/>
+                              </a:rPr>
+                              <m:t>𝒏</m:t>
+                            </m:r>
+                          </m:e>
+                          <m:sup>
+                            <m:sSub>
+                              <m:sSubPr>
+                                <m:ctrlPr>
+                                  <a:rPr lang="pt-BR" sz="1800" b="1" i="1">
+                                    <a:solidFill>
+                                      <a:srgbClr val="FF0000"/>
+                                    </a:solidFill>
+                                    <a:latin typeface="Cambria Math" panose="02040503050406030204" pitchFamily="18" charset="0"/>
+                                  </a:rPr>
+                                </m:ctrlPr>
+                              </m:sSubPr>
+                              <m:e>
+                                <m:r>
+                                  <a:rPr lang="pt-BR" sz="1800" b="1" i="1">
+                                    <a:solidFill>
+                                      <a:srgbClr val="FF0000"/>
+                                    </a:solidFill>
+                                    <a:latin typeface="Cambria Math" panose="02040503050406030204" pitchFamily="18" charset="0"/>
+                                  </a:rPr>
+                                  <m:t>𝒍𝒐𝒈</m:t>
+                                </m:r>
+                              </m:e>
+                              <m:sub>
+                                <m:r>
+                                  <a:rPr lang="pt-BR" sz="1800" b="1" i="1">
+                                    <a:solidFill>
+                                      <a:srgbClr val="FF0000"/>
+                                    </a:solidFill>
+                                    <a:latin typeface="Cambria Math" panose="02040503050406030204" pitchFamily="18" charset="0"/>
+                                  </a:rPr>
+                                  <m:t>𝒃</m:t>
+                                </m:r>
+                              </m:sub>
+                            </m:sSub>
+                            <m:r>
+                              <a:rPr lang="pt-BR" sz="1800" b="1" i="1">
+                                <a:solidFill>
+                                  <a:srgbClr val="FF0000"/>
+                                </a:solidFill>
+                                <a:latin typeface="Cambria Math" panose="02040503050406030204" pitchFamily="18" charset="0"/>
+                              </a:rPr>
+                              <m:t>𝒂</m:t>
+                            </m:r>
+                          </m:sup>
+                        </m:sSup>
+                        <m:r>
+                          <a:rPr lang="pt-BR" sz="1800" b="1" i="1">
+                            <a:solidFill>
+                              <a:srgbClr val="FF0000"/>
+                            </a:solidFill>
+                            <a:latin typeface="Cambria Math" panose="02040503050406030204" pitchFamily="18" charset="0"/>
+                          </a:rPr>
+                          <m:t>𝒍𝒐𝒈</m:t>
+                        </m:r>
+                        <m:r>
+                          <m:rPr>
+                            <m:nor/>
+                          </m:rPr>
+                          <a:rPr lang="pt-BR" sz="1800" b="1" baseline="30000" dirty="0">
+                            <a:solidFill>
+                              <a:srgbClr val="FF0000"/>
+                            </a:solidFill>
+                            <a:latin typeface="Times New Roman" panose="02020603050405020304" pitchFamily="18" charset="0"/>
+                            <a:cs typeface="Times New Roman" panose="02020603050405020304" pitchFamily="18" charset="0"/>
+                          </a:rPr>
+                          <m:t>k</m:t>
+                        </m:r>
+                        <m:r>
+                          <m:rPr>
+                            <m:nor/>
+                          </m:rPr>
+                          <a:rPr lang="pt-BR" sz="1800" b="1" i="0" baseline="30000" dirty="0" smtClean="0">
+                            <a:solidFill>
+                              <a:srgbClr val="FF0000"/>
+                            </a:solidFill>
+                            <a:latin typeface="Times New Roman" panose="02020603050405020304" pitchFamily="18" charset="0"/>
+                            <a:cs typeface="Times New Roman" panose="02020603050405020304" pitchFamily="18" charset="0"/>
+                          </a:rPr>
+                          <m:t>+</m:t>
+                        </m:r>
+                        <m:r>
+                          <m:rPr>
+                            <m:nor/>
+                          </m:rPr>
+                          <a:rPr lang="pt-BR" sz="1800" b="1" i="0" baseline="30000" dirty="0" smtClean="0">
+                            <a:solidFill>
+                              <a:srgbClr val="FF0000"/>
+                            </a:solidFill>
+                            <a:latin typeface="Times New Roman" panose="02020603050405020304" pitchFamily="18" charset="0"/>
+                            <a:cs typeface="Times New Roman" panose="02020603050405020304" pitchFamily="18" charset="0"/>
+                          </a:rPr>
+                          <m:t>1</m:t>
+                        </m:r>
+                        <m:r>
+                          <a:rPr lang="pt-BR" sz="1800" b="1" i="1">
+                            <a:solidFill>
+                              <a:srgbClr val="FF0000"/>
+                            </a:solidFill>
+                            <a:latin typeface="Cambria Math" panose="02040503050406030204" pitchFamily="18" charset="0"/>
+                          </a:rPr>
+                          <m:t>𝒏</m:t>
+                        </m:r>
+                      </m:e>
+                    </m:d>
+                    <m:r>
+                      <a:rPr lang="pt-BR" sz="1800" b="1" i="0" smtClean="0">
+                        <a:solidFill>
+                          <a:srgbClr val="FF0000"/>
+                        </a:solidFill>
+                        <a:latin typeface="Cambria Math" panose="02040503050406030204" pitchFamily="18" charset="0"/>
+                      </a:rPr>
+                      <m:t>,</m:t>
                     </m:r>
                   </m:oMath>
                 </a14:m>
-                <a:endParaRPr lang="pt-BR" sz="2000" b="1" dirty="0">
+                <a:r>
+                  <a:rPr lang="pt-BR" sz="1800" b="1" dirty="0">
+                    <a:solidFill>
+                      <a:srgbClr val="FF0000"/>
+                    </a:solidFill>
+                    <a:latin typeface="Times New Roman" panose="02020603050405020304" pitchFamily="18" charset="0"/>
+                    <a:cs typeface="Times New Roman" panose="02020603050405020304" pitchFamily="18" charset="0"/>
+                  </a:rPr>
+                  <a:t> </a:t>
+                </a:r>
+                <a:r>
+                  <a:rPr lang="pt-BR" sz="1800" dirty="0">
+                    <a:solidFill>
+                      <a:srgbClr val="FF0000"/>
+                    </a:solidFill>
+                    <a:latin typeface="Times New Roman" panose="02020603050405020304" pitchFamily="18" charset="0"/>
+                    <a:cs typeface="Times New Roman" panose="02020603050405020304" pitchFamily="18" charset="0"/>
+                  </a:rPr>
+                  <a:t>para</a:t>
+                </a:r>
+                <a:r>
+                  <a:rPr lang="pt-BR" sz="1800" b="1" dirty="0">
+                    <a:solidFill>
+                      <a:srgbClr val="FF0000"/>
+                    </a:solidFill>
+                    <a:latin typeface="Times New Roman" panose="02020603050405020304" pitchFamily="18" charset="0"/>
+                    <a:cs typeface="Times New Roman" panose="02020603050405020304" pitchFamily="18" charset="0"/>
+                  </a:rPr>
+                  <a:t> k &gt;= 0</a:t>
+                </a:r>
+              </a:p>
+              <a:p>
+                <a:pPr marL="0" lvl="0" indent="0">
+                  <a:buNone/>
+                </a:pPr>
+                <a:endParaRPr lang="pt-BR" sz="1800" b="1" dirty="0">
                   <a:solidFill>
                     <a:srgbClr val="FF0000"/>
                   </a:solidFill>
@@ -9882,16 +11109,15 @@
                 </a:endParaRPr>
               </a:p>
               <a:p>
-                <a:pPr lvl="0"/>
                 <a:r>
-                  <a:rPr lang="pt-BR" sz="2000" b="1" dirty="0">
+                  <a:rPr lang="pt-BR" sz="1800" b="1" dirty="0">
                     <a:latin typeface="Times New Roman" panose="02020603050405020304" pitchFamily="18" charset="0"/>
                     <a:cs typeface="Times New Roman" panose="02020603050405020304" pitchFamily="18" charset="0"/>
                   </a:rPr>
-                  <a:t>Se</a:t>
+                  <a:t>Caso 3: Se</a:t>
                 </a:r>
                 <a:r>
-                  <a:rPr lang="pt-BR" sz="2000" dirty="0">
+                  <a:rPr lang="pt-BR" sz="1800" dirty="0">
                     <a:latin typeface="Times New Roman" panose="02020603050405020304" pitchFamily="18" charset="0"/>
                     <a:cs typeface="Times New Roman" panose="02020603050405020304" pitchFamily="18" charset="0"/>
                   </a:rPr>
@@ -9900,172 +11126,298 @@
                 <a14:m>
                   <m:oMath xmlns:m="http://schemas.openxmlformats.org/officeDocument/2006/math">
                     <m:r>
-                      <a:rPr lang="pt-BR" sz="2000" i="1"/>
-                      <m:t>𝑓</m:t>
-                    </m:r>
-                    <m:r>
-                      <a:rPr lang="pt-BR" sz="2000" i="1"/>
+                      <a:rPr lang="pt-BR" sz="1800" b="1" i="1">
+                        <a:latin typeface="Cambria Math" panose="02040503050406030204" pitchFamily="18" charset="0"/>
+                      </a:rPr>
+                      <m:t>𝒇</m:t>
+                    </m:r>
+                    <m:r>
+                      <a:rPr lang="pt-BR" sz="1800" b="1" i="1">
+                        <a:latin typeface="Cambria Math" panose="02040503050406030204" pitchFamily="18" charset="0"/>
+                      </a:rPr>
                       <m:t>(</m:t>
                     </m:r>
                     <m:r>
-                      <a:rPr lang="pt-BR" sz="2000" i="1"/>
-                      <m:t>𝑛</m:t>
-                    </m:r>
-                    <m:r>
-                      <a:rPr lang="pt-BR" sz="2000" i="1"/>
-                      <m:t>)=</m:t>
+                      <a:rPr lang="pt-BR" sz="1800" b="1" i="1">
+                        <a:latin typeface="Cambria Math" panose="02040503050406030204" pitchFamily="18" charset="0"/>
+                      </a:rPr>
+                      <m:t>𝒏</m:t>
+                    </m:r>
+                    <m:r>
+                      <a:rPr lang="pt-BR" sz="1800" b="1" i="1">
+                        <a:latin typeface="Cambria Math" panose="02040503050406030204" pitchFamily="18" charset="0"/>
+                      </a:rPr>
+                      <m:t>)</m:t>
+                    </m:r>
+                    <m:r>
+                      <a:rPr lang="pt-BR" sz="1800" i="1">
+                        <a:latin typeface="Cambria Math" panose="02040503050406030204" pitchFamily="18" charset="0"/>
+                      </a:rPr>
+                      <m:t>=</m:t>
                     </m:r>
                     <m:r>
                       <m:rPr>
                         <m:sty m:val="p"/>
                       </m:rPr>
-                      <a:rPr lang="pt-BR" sz="2000"/>
+                      <a:rPr lang="pt-BR" sz="1800">
+                        <a:latin typeface="Cambria Math" panose="02040503050406030204" pitchFamily="18" charset="0"/>
+                      </a:rPr>
                       <m:t>Ω</m:t>
                     </m:r>
                     <m:r>
-                      <a:rPr lang="pt-BR" sz="2000" i="1"/>
+                      <a:rPr lang="pt-BR" sz="1800" i="1">
+                        <a:latin typeface="Cambria Math" panose="02040503050406030204" pitchFamily="18" charset="0"/>
+                      </a:rPr>
                       <m:t>(</m:t>
                     </m:r>
                     <m:sSup>
                       <m:sSupPr>
                         <m:ctrlPr>
-                          <a:rPr lang="pt-BR" sz="2000" i="1"/>
+                          <a:rPr lang="pt-BR" sz="1800" b="1" i="1" smtClean="0">
+                            <a:solidFill>
+                              <a:srgbClr val="002060"/>
+                            </a:solidFill>
+                            <a:latin typeface="Cambria Math" panose="02040503050406030204" pitchFamily="18" charset="0"/>
+                          </a:rPr>
                         </m:ctrlPr>
                       </m:sSupPr>
                       <m:e>
                         <m:r>
-                          <a:rPr lang="pt-BR" sz="2000" i="1"/>
-                          <m:t>𝑛</m:t>
+                          <a:rPr lang="pt-BR" sz="1800" b="1" i="1">
+                            <a:solidFill>
+                              <a:srgbClr val="002060"/>
+                            </a:solidFill>
+                            <a:latin typeface="Cambria Math" panose="02040503050406030204" pitchFamily="18" charset="0"/>
+                          </a:rPr>
+                          <m:t>𝒏</m:t>
                         </m:r>
                       </m:e>
                       <m:sup>
                         <m:sSub>
                           <m:sSubPr>
                             <m:ctrlPr>
-                              <a:rPr lang="pt-BR" sz="2000" i="1"/>
+                              <a:rPr lang="pt-BR" sz="1800" b="1" i="1">
+                                <a:solidFill>
+                                  <a:srgbClr val="002060"/>
+                                </a:solidFill>
+                                <a:latin typeface="Cambria Math" panose="02040503050406030204" pitchFamily="18" charset="0"/>
+                              </a:rPr>
                             </m:ctrlPr>
                           </m:sSubPr>
                           <m:e>
                             <m:r>
-                              <m:rPr>
-                                <m:sty m:val="p"/>
-                              </m:rPr>
-                              <a:rPr lang="pt-BR" sz="2000"/>
-                              <m:t>log</m:t>
+                              <a:rPr lang="pt-BR" sz="1800" b="1" i="1">
+                                <a:solidFill>
+                                  <a:srgbClr val="002060"/>
+                                </a:solidFill>
+                                <a:latin typeface="Cambria Math" panose="02040503050406030204" pitchFamily="18" charset="0"/>
+                              </a:rPr>
+                              <m:t>𝒍𝒐𝒈</m:t>
                             </m:r>
                           </m:e>
                           <m:sub>
                             <m:r>
-                              <a:rPr lang="pt-BR" sz="2000" i="1"/>
-                              <m:t>𝑏</m:t>
+                              <a:rPr lang="pt-BR" sz="1800" b="1" i="1">
+                                <a:solidFill>
+                                  <a:srgbClr val="002060"/>
+                                </a:solidFill>
+                                <a:latin typeface="Cambria Math" panose="02040503050406030204" pitchFamily="18" charset="0"/>
+                              </a:rPr>
+                              <m:t>𝒃</m:t>
                             </m:r>
                           </m:sub>
                         </m:sSub>
                         <m:r>
-                          <a:rPr lang="pt-BR" sz="2000" i="1"/>
-                          <m:t>𝑎</m:t>
+                          <a:rPr lang="pt-BR" sz="1800" b="1" i="1">
+                            <a:solidFill>
+                              <a:srgbClr val="002060"/>
+                            </a:solidFill>
+                            <a:latin typeface="Cambria Math" panose="02040503050406030204" pitchFamily="18" charset="0"/>
+                          </a:rPr>
+                          <m:t>𝒂</m:t>
                         </m:r>
                         <m:r>
-                          <a:rPr lang="pt-BR" sz="2000" i="1"/>
+                          <a:rPr lang="pt-BR" sz="1800" b="1" i="1">
+                            <a:solidFill>
+                              <a:srgbClr val="002060"/>
+                            </a:solidFill>
+                            <a:latin typeface="Cambria Math" panose="02040503050406030204" pitchFamily="18" charset="0"/>
+                          </a:rPr>
                           <m:t>+</m:t>
                         </m:r>
                         <m:r>
-                          <a:rPr lang="pt-BR" sz="2000" i="1"/>
-                          <m:t>𝜀</m:t>
+                          <a:rPr lang="pt-BR" sz="1800" b="1" i="1">
+                            <a:solidFill>
+                              <a:srgbClr val="002060"/>
+                            </a:solidFill>
+                            <a:latin typeface="Cambria Math" panose="02040503050406030204" pitchFamily="18" charset="0"/>
+                          </a:rPr>
+                          <m:t>𝜺</m:t>
                         </m:r>
                       </m:sup>
                     </m:sSup>
                     <m:r>
-                      <a:rPr lang="pt-BR" sz="2000" i="1"/>
+                      <a:rPr lang="pt-BR" sz="1800" i="1">
+                        <a:latin typeface="Cambria Math" panose="02040503050406030204" pitchFamily="18" charset="0"/>
+                      </a:rPr>
                       <m:t>)</m:t>
                     </m:r>
                   </m:oMath>
                 </a14:m>
                 <a:r>
-                  <a:rPr lang="pt-BR" sz="2000" dirty="0">
+                  <a:rPr lang="pt-BR" sz="1800" dirty="0">
                     <a:latin typeface="Times New Roman" panose="02020603050405020304" pitchFamily="18" charset="0"/>
                     <a:cs typeface="Times New Roman" panose="02020603050405020304" pitchFamily="18" charset="0"/>
                   </a:rPr>
-                  <a:t>e </a:t>
+                  <a:t> e </a:t>
                 </a:r>
                 <a14:m>
                   <m:oMath xmlns:m="http://schemas.openxmlformats.org/officeDocument/2006/math">
                     <m:r>
-                      <a:rPr lang="pt-BR" sz="2000" i="1"/>
-                      <m:t>𝑎𝑓</m:t>
-                    </m:r>
-                    <m:r>
-                      <a:rPr lang="pt-BR" sz="2000" i="1"/>
+                      <a:rPr lang="pt-BR" sz="1800" b="1" i="1">
+                        <a:latin typeface="Cambria Math" panose="02040503050406030204" pitchFamily="18" charset="0"/>
+                      </a:rPr>
+                      <m:t>𝒂𝒇</m:t>
+                    </m:r>
+                    <m:r>
+                      <a:rPr lang="pt-BR" sz="1800" b="1" i="1">
+                        <a:latin typeface="Cambria Math" panose="02040503050406030204" pitchFamily="18" charset="0"/>
+                      </a:rPr>
                       <m:t>(</m:t>
                     </m:r>
                     <m:r>
-                      <a:rPr lang="pt-BR" sz="2000" i="1"/>
-                      <m:t>𝑛</m:t>
-                    </m:r>
-                    <m:r>
-                      <a:rPr lang="pt-BR" sz="2000"/>
+                      <a:rPr lang="pt-BR" sz="1800" b="1" i="1">
+                        <a:latin typeface="Cambria Math" panose="02040503050406030204" pitchFamily="18" charset="0"/>
+                      </a:rPr>
+                      <m:t>𝒏</m:t>
+                    </m:r>
+                    <m:r>
+                      <a:rPr lang="pt-BR" sz="1800" b="1">
+                        <a:latin typeface="Cambria Math" panose="02040503050406030204" pitchFamily="18" charset="0"/>
+                      </a:rPr>
                       <m:t>/</m:t>
                     </m:r>
                     <m:r>
-                      <a:rPr lang="pt-BR" sz="2000" i="1"/>
-                      <m:t>𝑏</m:t>
-                    </m:r>
-                    <m:r>
-                      <a:rPr lang="pt-BR" sz="2000" i="1"/>
+                      <a:rPr lang="pt-BR" sz="1800" b="1" i="1">
+                        <a:latin typeface="Cambria Math" panose="02040503050406030204" pitchFamily="18" charset="0"/>
+                      </a:rPr>
+                      <m:t>𝒃</m:t>
+                    </m:r>
+                    <m:r>
+                      <a:rPr lang="pt-BR" sz="1800" b="1" i="1">
+                        <a:latin typeface="Cambria Math" panose="02040503050406030204" pitchFamily="18" charset="0"/>
+                      </a:rPr>
                       <m:t>)≤</m:t>
                     </m:r>
                     <m:r>
-                      <a:rPr lang="pt-BR" sz="2000" i="1"/>
-                      <m:t>𝑐𝑓</m:t>
-                    </m:r>
-                    <m:r>
-                      <a:rPr lang="pt-BR" sz="2000" i="1"/>
+                      <a:rPr lang="pt-BR" sz="1800" b="1" i="1">
+                        <a:latin typeface="Cambria Math" panose="02040503050406030204" pitchFamily="18" charset="0"/>
+                      </a:rPr>
+                      <m:t>𝒄𝒇</m:t>
+                    </m:r>
+                    <m:r>
+                      <a:rPr lang="pt-BR" sz="1800" b="1" i="1">
+                        <a:latin typeface="Cambria Math" panose="02040503050406030204" pitchFamily="18" charset="0"/>
+                      </a:rPr>
                       <m:t>(</m:t>
                     </m:r>
                     <m:r>
-                      <a:rPr lang="pt-BR" sz="2000" i="1"/>
-                      <m:t>𝑛</m:t>
-                    </m:r>
-                    <m:r>
-                      <a:rPr lang="pt-BR" sz="2000" i="1"/>
+                      <a:rPr lang="pt-BR" sz="1800" b="1" i="1">
+                        <a:latin typeface="Cambria Math" panose="02040503050406030204" pitchFamily="18" charset="0"/>
+                      </a:rPr>
+                      <m:t>𝒏</m:t>
+                    </m:r>
+                    <m:r>
+                      <a:rPr lang="pt-BR" sz="1800" b="1" i="1">
+                        <a:latin typeface="Cambria Math" panose="02040503050406030204" pitchFamily="18" charset="0"/>
+                      </a:rPr>
                       <m:t>)</m:t>
                     </m:r>
                   </m:oMath>
                 </a14:m>
                 <a:r>
-                  <a:rPr lang="pt-BR" sz="2000" dirty="0">
+                  <a:rPr lang="pt-BR" sz="1800" dirty="0">
                     <a:latin typeface="Times New Roman" panose="02020603050405020304" pitchFamily="18" charset="0"/>
                     <a:cs typeface="Times New Roman" panose="02020603050405020304" pitchFamily="18" charset="0"/>
                   </a:rPr>
-                  <a:t>para alguma constante </a:t>
+                  <a:t>, para </a:t>
                 </a:r>
                 <a14:m>
                   <m:oMath xmlns:m="http://schemas.openxmlformats.org/officeDocument/2006/math">
                     <m:r>
-                      <a:rPr lang="pt-BR" sz="2000" i="1"/>
-                      <m:t>𝑐</m:t>
-                    </m:r>
-                    <m:r>
-                      <a:rPr lang="pt-BR" sz="2000" i="1"/>
-                      <m:t>&lt;1</m:t>
+                      <a:rPr lang="pt-BR" sz="1800" b="1" i="1">
+                        <a:latin typeface="Cambria Math" panose="02040503050406030204" pitchFamily="18" charset="0"/>
+                      </a:rPr>
+                      <m:t>𝜺</m:t>
+                    </m:r>
+                    <m:r>
+                      <a:rPr lang="pt-BR" sz="1800" b="1" i="1">
+                        <a:latin typeface="Cambria Math" panose="02040503050406030204" pitchFamily="18" charset="0"/>
+                      </a:rPr>
+                      <m:t>&gt;</m:t>
+                    </m:r>
+                    <m:r>
+                      <a:rPr lang="pt-BR" sz="1800" b="1" i="1">
+                        <a:latin typeface="Cambria Math" panose="02040503050406030204" pitchFamily="18" charset="0"/>
+                      </a:rPr>
+                      <m:t>𝟎</m:t>
+                    </m:r>
+                    <m:r>
+                      <a:rPr lang="pt-BR" sz="1800" b="1" i="1" smtClean="0">
+                        <a:latin typeface="Cambria Math" panose="02040503050406030204" pitchFamily="18" charset="0"/>
+                      </a:rPr>
+                      <m:t> </m:t>
                     </m:r>
                   </m:oMath>
                 </a14:m>
                 <a:r>
-                  <a:rPr lang="pt-BR" sz="2000" dirty="0">
+                  <a:rPr lang="pt-BR" sz="1800" dirty="0">
                     <a:latin typeface="Times New Roman" panose="02020603050405020304" pitchFamily="18" charset="0"/>
                     <a:cs typeface="Times New Roman" panose="02020603050405020304" pitchFamily="18" charset="0"/>
                   </a:rPr>
-                  <a:t>:</a:t>
+                  <a:t>e alguma constante </a:t>
                 </a:r>
-                <a:br>
-                  <a:rPr lang="pt-BR" sz="2000" dirty="0">
+                <a14:m>
+                  <m:oMath xmlns:m="http://schemas.openxmlformats.org/officeDocument/2006/math">
+                    <m:r>
+                      <a:rPr lang="pt-BR" sz="1800" i="1">
+                        <a:latin typeface="Cambria Math" panose="02040503050406030204" pitchFamily="18" charset="0"/>
+                      </a:rPr>
+                      <m:t>𝑐</m:t>
+                    </m:r>
+                    <m:r>
+                      <a:rPr lang="pt-BR" sz="1800" i="1">
+                        <a:latin typeface="Cambria Math" panose="02040503050406030204" pitchFamily="18" charset="0"/>
+                      </a:rPr>
+                      <m:t>&lt;</m:t>
+                    </m:r>
+                    <m:r>
+                      <a:rPr lang="pt-BR" sz="1800" i="1">
+                        <a:latin typeface="Cambria Math" panose="02040503050406030204" pitchFamily="18" charset="0"/>
+                      </a:rPr>
+                      <m:t>1</m:t>
+                    </m:r>
+                  </m:oMath>
+                </a14:m>
+                <a:r>
+                  <a:rPr lang="pt-BR" sz="1800" dirty="0">
                     <a:latin typeface="Times New Roman" panose="02020603050405020304" pitchFamily="18" charset="0"/>
                     <a:cs typeface="Times New Roman" panose="02020603050405020304" pitchFamily="18" charset="0"/>
                   </a:rPr>
-                </a:br>
+                  <a:t>: </a:t>
+                </a:r>
                 <a:r>
-                  <a:rPr lang="pt-BR" sz="2000" dirty="0">
+                  <a:rPr lang="pt-BR" sz="1800" b="1" dirty="0">
+                    <a:solidFill>
+                      <a:srgbClr val="FF0000"/>
+                    </a:solidFill>
+                    <a:latin typeface="Times New Roman" panose="02020603050405020304" pitchFamily="18" charset="0"/>
+                    <a:cs typeface="Times New Roman" panose="02020603050405020304" pitchFamily="18" charset="0"/>
+                  </a:rPr>
+                  <a:t>solução: </a:t>
+                </a:r>
+                <a:r>
+                  <a:rPr lang="pt-BR" sz="1800" dirty="0">
                     <a:latin typeface="Times New Roman" panose="02020603050405020304" pitchFamily="18" charset="0"/>
                     <a:cs typeface="Times New Roman" panose="02020603050405020304" pitchFamily="18" charset="0"/>
                   </a:rPr>
@@ -10074,100 +11426,239 @@
                 <a14:m>
                   <m:oMath xmlns:m="http://schemas.openxmlformats.org/officeDocument/2006/math">
                     <m:r>
-                      <a:rPr lang="pt-BR" sz="2000" b="1" i="1" smtClean="0">
+                      <a:rPr lang="pt-BR" sz="1800" b="1" i="1" smtClean="0">
                         <a:solidFill>
                           <a:srgbClr val="FF0000"/>
                         </a:solidFill>
+                        <a:latin typeface="Cambria Math" panose="02040503050406030204" pitchFamily="18" charset="0"/>
                       </a:rPr>
                       <m:t>𝑻</m:t>
                     </m:r>
-                    <m:r>
-                      <a:rPr lang="pt-BR" sz="2000" b="1" i="1" smtClean="0">
+                    <m:d>
+                      <m:dPr>
+                        <m:ctrlPr>
+                          <a:rPr lang="pt-BR" sz="1800" b="1" i="1" smtClean="0">
+                            <a:solidFill>
+                              <a:srgbClr val="FF0000"/>
+                            </a:solidFill>
+                            <a:latin typeface="Cambria Math" panose="02040503050406030204" pitchFamily="18" charset="0"/>
+                          </a:rPr>
+                        </m:ctrlPr>
+                      </m:dPr>
+                      <m:e>
+                        <m:r>
+                          <a:rPr lang="pt-BR" sz="1800" b="1" i="1" smtClean="0">
+                            <a:solidFill>
+                              <a:srgbClr val="FF0000"/>
+                            </a:solidFill>
+                            <a:latin typeface="Cambria Math" panose="02040503050406030204" pitchFamily="18" charset="0"/>
+                          </a:rPr>
+                          <m:t>𝒏</m:t>
+                        </m:r>
+                      </m:e>
+                    </m:d>
+                    <m:r>
+                      <a:rPr lang="pt-BR" sz="1800" b="1" i="1" smtClean="0">
                         <a:solidFill>
                           <a:srgbClr val="FF0000"/>
                         </a:solidFill>
-                      </a:rPr>
-                      <m:t>(</m:t>
-                    </m:r>
-                    <m:r>
-                      <a:rPr lang="pt-BR" sz="2000" b="1" i="1" smtClean="0">
+                        <a:latin typeface="Cambria Math" panose="02040503050406030204" pitchFamily="18" charset="0"/>
+                      </a:rPr>
+                      <m:t>=</m:t>
+                    </m:r>
+                    <m:r>
+                      <a:rPr lang="pt-BR" sz="1800" b="1" i="1">
                         <a:solidFill>
                           <a:srgbClr val="FF0000"/>
                         </a:solidFill>
-                      </a:rPr>
-                      <m:t>𝒏</m:t>
-                    </m:r>
-                    <m:r>
-                      <a:rPr lang="pt-BR" sz="2000" b="1" i="1" smtClean="0">
+                        <a:latin typeface="Cambria Math" panose="02040503050406030204" pitchFamily="18" charset="0"/>
+                      </a:rPr>
+                      <m:t>𝜣</m:t>
+                    </m:r>
+                    <m:d>
+                      <m:dPr>
+                        <m:ctrlPr>
+                          <a:rPr lang="pt-BR" sz="1800" b="1" i="1">
+                            <a:solidFill>
+                              <a:srgbClr val="FF0000"/>
+                            </a:solidFill>
+                            <a:latin typeface="Cambria Math" panose="02040503050406030204" pitchFamily="18" charset="0"/>
+                          </a:rPr>
+                        </m:ctrlPr>
+                      </m:dPr>
+                      <m:e>
+                        <m:r>
+                          <a:rPr lang="pt-BR" sz="1800" b="1" i="1">
+                            <a:solidFill>
+                              <a:srgbClr val="FF0000"/>
+                            </a:solidFill>
+                            <a:latin typeface="Cambria Math" panose="02040503050406030204" pitchFamily="18" charset="0"/>
+                          </a:rPr>
+                          <m:t>𝒇</m:t>
+                        </m:r>
+                        <m:d>
+                          <m:dPr>
+                            <m:ctrlPr>
+                              <a:rPr lang="pt-BR" sz="1800" b="1" i="1">
+                                <a:solidFill>
+                                  <a:srgbClr val="FF0000"/>
+                                </a:solidFill>
+                                <a:latin typeface="Cambria Math" panose="02040503050406030204" pitchFamily="18" charset="0"/>
+                              </a:rPr>
+                            </m:ctrlPr>
+                          </m:dPr>
+                          <m:e>
+                            <m:r>
+                              <a:rPr lang="pt-BR" sz="1800" b="1" i="1">
+                                <a:solidFill>
+                                  <a:srgbClr val="FF0000"/>
+                                </a:solidFill>
+                                <a:latin typeface="Cambria Math" panose="02040503050406030204" pitchFamily="18" charset="0"/>
+                              </a:rPr>
+                              <m:t>𝒏</m:t>
+                            </m:r>
+                          </m:e>
+                        </m:d>
+                      </m:e>
+                    </m:d>
+                    <m:r>
+                      <a:rPr lang="pt-BR" sz="1800" b="1" i="1" smtClean="0">
                         <a:solidFill>
                           <a:srgbClr val="FF0000"/>
                         </a:solidFill>
-                      </a:rPr>
-                      <m:t>)=</m:t>
-                    </m:r>
-                    <m:r>
-                      <a:rPr lang="pt-BR" sz="2000" b="1" i="1">
+                        <a:latin typeface="Cambria Math" panose="02040503050406030204" pitchFamily="18" charset="0"/>
+                      </a:rPr>
+                      <m:t>          </m:t>
+                    </m:r>
+                    <m:r>
+                      <a:rPr lang="pt-BR" sz="1800" b="1" i="1">
+                        <a:solidFill>
+                          <a:schemeClr val="tx1"/>
+                        </a:solidFill>
+                        <a:latin typeface="Cambria Math" panose="02040503050406030204" pitchFamily="18" charset="0"/>
+                        <a:cs typeface="Times New Roman" panose="02020603050405020304" pitchFamily="18" charset="0"/>
+                      </a:rPr>
+                      <m:t>𝒇</m:t>
+                    </m:r>
+                    <m:d>
+                      <m:dPr>
+                        <m:ctrlPr>
+                          <a:rPr lang="ar-AE" sz="1800" b="1" i="1">
+                            <a:solidFill>
+                              <a:schemeClr val="tx1"/>
+                            </a:solidFill>
+                            <a:latin typeface="Cambria Math" panose="02040503050406030204" pitchFamily="18" charset="0"/>
+                            <a:cs typeface="Times New Roman" panose="02020603050405020304" pitchFamily="18" charset="0"/>
+                          </a:rPr>
+                        </m:ctrlPr>
+                      </m:dPr>
+                      <m:e>
+                        <m:r>
+                          <a:rPr lang="ar-AE" sz="1800" b="1" i="1">
+                            <a:solidFill>
+                              <a:schemeClr val="tx1"/>
+                            </a:solidFill>
+                            <a:latin typeface="Cambria Math" panose="02040503050406030204" pitchFamily="18" charset="0"/>
+                            <a:cs typeface="Times New Roman" panose="02020603050405020304" pitchFamily="18" charset="0"/>
+                          </a:rPr>
+                          <m:t>𝒏</m:t>
+                        </m:r>
+                      </m:e>
+                    </m:d>
+                    <m:r>
+                      <m:rPr>
+                        <m:nor/>
+                      </m:rPr>
+                      <a:rPr lang="pt-BR" sz="1800" b="1" dirty="0">
+                        <a:solidFill>
+                          <a:schemeClr val="tx1"/>
+                        </a:solidFill>
+                        <a:latin typeface="Times New Roman" panose="02020603050405020304" pitchFamily="18" charset="0"/>
+                        <a:cs typeface="Times New Roman" panose="02020603050405020304" pitchFamily="18" charset="0"/>
+                      </a:rPr>
+                      <m:t> </m:t>
+                    </m:r>
+                    <m:r>
+                      <m:rPr>
+                        <m:nor/>
+                      </m:rPr>
+                      <a:rPr lang="pt-BR" sz="1800" b="1" i="0" dirty="0" smtClean="0">
+                        <a:solidFill>
+                          <a:schemeClr val="tx1"/>
+                        </a:solidFill>
+                        <a:latin typeface="Times New Roman" panose="02020603050405020304" pitchFamily="18" charset="0"/>
+                        <a:cs typeface="Times New Roman" panose="02020603050405020304" pitchFamily="18" charset="0"/>
+                      </a:rPr>
+                      <m:t>&lt;</m:t>
+                    </m:r>
+                    <m:r>
+                      <m:rPr>
+                        <m:nor/>
+                      </m:rPr>
+                      <a:rPr lang="pt-BR" sz="1800" b="1" dirty="0">
                         <a:solidFill>
                           <a:srgbClr val="FF0000"/>
                         </a:solidFill>
-                      </a:rPr>
-                      <m:t>𝜣</m:t>
-                    </m:r>
-                    <m:r>
-                      <a:rPr lang="pt-BR" sz="2000" b="1" i="1">
+                        <a:latin typeface="Times New Roman" panose="02020603050405020304" pitchFamily="18" charset="0"/>
+                        <a:cs typeface="Times New Roman" panose="02020603050405020304" pitchFamily="18" charset="0"/>
+                      </a:rPr>
+                      <m:t> </m:t>
+                    </m:r>
+                    <m:r>
+                      <m:rPr>
+                        <m:nor/>
+                      </m:rPr>
+                      <a:rPr lang="pt-BR" sz="1800" b="1" dirty="0" err="1">
                         <a:solidFill>
                           <a:srgbClr val="FF0000"/>
                         </a:solidFill>
-                      </a:rPr>
-                      <m:t>(</m:t>
-                    </m:r>
-                    <m:r>
-                      <a:rPr lang="pt-BR" sz="2000" b="1" i="1">
+                        <a:latin typeface="Times New Roman" panose="02020603050405020304" pitchFamily="18" charset="0"/>
+                        <a:cs typeface="Times New Roman" panose="02020603050405020304" pitchFamily="18" charset="0"/>
+                      </a:rPr>
+                      <m:t>n</m:t>
+                    </m:r>
+                    <m:r>
+                      <m:rPr>
+                        <m:nor/>
+                      </m:rPr>
+                      <a:rPr lang="pt-BR" sz="1800" b="1" baseline="30000" dirty="0" err="1">
                         <a:solidFill>
                           <a:srgbClr val="FF0000"/>
                         </a:solidFill>
-                      </a:rPr>
-                      <m:t>𝒇</m:t>
-                    </m:r>
-                    <m:r>
-                      <a:rPr lang="pt-BR" sz="2000" b="1" i="1">
+                        <a:latin typeface="Times New Roman" panose="02020603050405020304" pitchFamily="18" charset="0"/>
+                        <a:cs typeface="Times New Roman" panose="02020603050405020304" pitchFamily="18" charset="0"/>
+                      </a:rPr>
+                      <m:t>log</m:t>
+                    </m:r>
+                    <m:r>
+                      <m:rPr>
+                        <m:nor/>
+                      </m:rPr>
+                      <a:rPr lang="pt-BR" sz="1800" b="1" baseline="-25000" dirty="0" err="1">
                         <a:solidFill>
                           <a:srgbClr val="FF0000"/>
                         </a:solidFill>
-                      </a:rPr>
-                      <m:t>(</m:t>
-                    </m:r>
-                    <m:r>
-                      <a:rPr lang="pt-BR" sz="2000" b="1" i="1">
+                        <a:latin typeface="Times New Roman" panose="02020603050405020304" pitchFamily="18" charset="0"/>
+                        <a:cs typeface="Times New Roman" panose="02020603050405020304" pitchFamily="18" charset="0"/>
+                      </a:rPr>
+                      <m:t>b</m:t>
+                    </m:r>
+                    <m:r>
+                      <m:rPr>
+                        <m:nor/>
+                      </m:rPr>
+                      <a:rPr lang="pt-BR" sz="1800" b="1" baseline="30000" dirty="0" err="1">
                         <a:solidFill>
                           <a:srgbClr val="FF0000"/>
                         </a:solidFill>
-                      </a:rPr>
-                      <m:t>𝒏</m:t>
-                    </m:r>
-                    <m:r>
-                      <a:rPr lang="pt-BR" sz="2000" b="1" i="1">
-                        <a:solidFill>
-                          <a:srgbClr val="FF0000"/>
-                        </a:solidFill>
-                      </a:rPr>
-                      <m:t>))</m:t>
+                        <a:latin typeface="Times New Roman" panose="02020603050405020304" pitchFamily="18" charset="0"/>
+                        <a:cs typeface="Times New Roman" panose="02020603050405020304" pitchFamily="18" charset="0"/>
+                      </a:rPr>
+                      <m:t>a</m:t>
                     </m:r>
                   </m:oMath>
                 </a14:m>
-                <a:endParaRPr lang="pt-BR" sz="2000" b="1" dirty="0">
-                  <a:solidFill>
-                    <a:srgbClr val="FF0000"/>
-                  </a:solidFill>
-                  <a:latin typeface="Times New Roman" panose="02020603050405020304" pitchFamily="18" charset="0"/>
-                  <a:cs typeface="Times New Roman" panose="02020603050405020304" pitchFamily="18" charset="0"/>
-                </a:endParaRPr>
-              </a:p>
-              <a:p>
-                <a:pPr marL="0" indent="0">
-                  <a:buNone/>
-                </a:pPr>
-                <a:endParaRPr lang="pt-BR" sz="2200" b="1" dirty="0">
+                <a:endParaRPr lang="pt-BR" sz="1800" b="1" dirty="0">
                   <a:latin typeface="Times New Roman" panose="02020603050405020304" pitchFamily="18" charset="0"/>
                   <a:cs typeface="Times New Roman" panose="02020603050405020304" pitchFamily="18" charset="0"/>
                 </a:endParaRPr>
@@ -10194,13 +11685,13 @@
             </p:nvSpPr>
             <p:spPr>
               <a:xfrm>
-                <a:off x="142865" y="1200150"/>
-                <a:ext cx="8865056" cy="3737370"/>
+                <a:off x="142865" y="1079126"/>
+                <a:ext cx="8865056" cy="3858393"/>
               </a:xfrm>
               <a:blipFill>
                 <a:blip r:embed="rId3"/>
                 <a:stretch>
-                  <a:fillRect l="-1375" t="-1142"/>
+                  <a:fillRect l="-1100" t="-790" b="-6319"/>
                 </a:stretch>
               </a:blipFill>
             </p:spPr>
@@ -10234,6 +11725,1302 @@
 </file>
 
 <file path=ppt/slides/slide8.xml><?xml version="1.0" encoding="utf-8"?>
+<p:sld xmlns:a="http://schemas.openxmlformats.org/drawingml/2006/main" xmlns:r="http://schemas.openxmlformats.org/officeDocument/2006/relationships" xmlns:p="http://schemas.openxmlformats.org/presentationml/2006/main">
+  <p:cSld>
+    <p:spTree>
+      <p:nvGrpSpPr>
+        <p:cNvPr id="1" name="">
+          <a:extLst>
+            <a:ext uri="{FF2B5EF4-FFF2-40B4-BE49-F238E27FC236}">
+              <a16:creationId xmlns:a16="http://schemas.microsoft.com/office/drawing/2014/main" id="{61494FFB-7BC2-FE47-E033-2546B2669872}"/>
+            </a:ext>
+          </a:extLst>
+        </p:cNvPr>
+        <p:cNvGrpSpPr/>
+        <p:nvPr/>
+      </p:nvGrpSpPr>
+      <p:grpSpPr>
+        <a:xfrm>
+          <a:off x="0" y="0"/>
+          <a:ext cx="0" cy="0"/>
+          <a:chOff x="0" y="0"/>
+          <a:chExt cx="0" cy="0"/>
+        </a:xfrm>
+      </p:grpSpPr>
+      <p:sp>
+        <p:nvSpPr>
+          <p:cNvPr id="6" name="Title 1">
+            <a:extLst>
+              <a:ext uri="{FF2B5EF4-FFF2-40B4-BE49-F238E27FC236}">
+                <a16:creationId xmlns:a16="http://schemas.microsoft.com/office/drawing/2014/main" id="{031C00C1-D30E-1D66-F000-BE76AB93609B}"/>
+              </a:ext>
+            </a:extLst>
+          </p:cNvPr>
+          <p:cNvSpPr>
+            <a:spLocks noGrp="1"/>
+          </p:cNvSpPr>
+          <p:nvPr>
+            <p:ph type="title"/>
+          </p:nvPr>
+        </p:nvSpPr>
+        <p:spPr>
+          <a:xfrm>
+            <a:off x="457200" y="205980"/>
+            <a:ext cx="8229600" cy="857251"/>
+          </a:xfrm>
+        </p:spPr>
+        <p:txBody>
+          <a:bodyPr>
+            <a:normAutofit/>
+          </a:bodyPr>
+          <a:lstStyle/>
+          <a:p>
+            <a:r>
+              <a:rPr lang="en-US" b="1" dirty="0">
+                <a:solidFill>
+                  <a:srgbClr val="0070C0"/>
+                </a:solidFill>
+              </a:rPr>
+              <a:t>Eq. </a:t>
+            </a:r>
+            <a:r>
+              <a:rPr lang="en-US" b="1" dirty="0" err="1">
+                <a:solidFill>
+                  <a:srgbClr val="0070C0"/>
+                </a:solidFill>
+              </a:rPr>
+              <a:t>Recorrência</a:t>
+            </a:r>
+            <a:r>
+              <a:rPr lang="en-US" b="1" dirty="0">
+                <a:solidFill>
+                  <a:srgbClr val="0070C0"/>
+                </a:solidFill>
+              </a:rPr>
+              <a:t> – </a:t>
+            </a:r>
+            <a:r>
+              <a:rPr lang="en-US" b="1" dirty="0" err="1">
+                <a:solidFill>
+                  <a:srgbClr val="0070C0"/>
+                </a:solidFill>
+              </a:rPr>
+              <a:t>Teorema</a:t>
+            </a:r>
+            <a:r>
+              <a:rPr lang="en-US" b="1" dirty="0">
+                <a:solidFill>
+                  <a:srgbClr val="0070C0"/>
+                </a:solidFill>
+              </a:rPr>
+              <a:t> Mestre</a:t>
+            </a:r>
+          </a:p>
+        </p:txBody>
+      </p:sp>
+      <mc:AlternateContent xmlns:mc="http://schemas.openxmlformats.org/markup-compatibility/2006">
+        <mc:Choice xmlns:a14="http://schemas.microsoft.com/office/drawing/2010/main" Requires="a14">
+          <p:sp>
+            <p:nvSpPr>
+              <p:cNvPr id="8" name="Text Placeholder 2">
+                <a:extLst>
+                  <a:ext uri="{FF2B5EF4-FFF2-40B4-BE49-F238E27FC236}">
+                    <a16:creationId xmlns:a16="http://schemas.microsoft.com/office/drawing/2014/main" id="{EE6E5123-9F2B-327C-52E6-D5E14C49A56F}"/>
+                  </a:ext>
+                </a:extLst>
+              </p:cNvPr>
+              <p:cNvSpPr>
+                <a:spLocks noGrp="1"/>
+              </p:cNvSpPr>
+              <p:nvPr>
+                <p:ph type="body" sz="half" idx="1"/>
+              </p:nvPr>
+            </p:nvSpPr>
+            <p:spPr>
+              <a:xfrm>
+                <a:off x="142865" y="1079126"/>
+                <a:ext cx="8865056" cy="3858393"/>
+              </a:xfrm>
+            </p:spPr>
+            <p:txBody>
+              <a:bodyPr>
+                <a:noAutofit/>
+              </a:bodyPr>
+              <a:lstStyle/>
+              <a:p>
+                <a:pPr marL="0" indent="0">
+                  <a:buNone/>
+                </a:pPr>
+                <a:r>
+                  <a:rPr lang="pt-BR" sz="2200" b="1" dirty="0">
+                    <a:latin typeface="Times New Roman" panose="02020603050405020304" pitchFamily="18" charset="0"/>
+                    <a:cs typeface="Times New Roman" panose="02020603050405020304" pitchFamily="18" charset="0"/>
+                  </a:rPr>
+                  <a:t>Forma geral:</a:t>
+                </a:r>
+                <a14:m>
+                  <m:oMath xmlns:m="http://schemas.openxmlformats.org/officeDocument/2006/math">
+                    <m:r>
+                      <a:rPr lang="pt-BR" sz="2200" b="1" i="0" smtClean="0">
+                        <a:solidFill>
+                          <a:srgbClr val="FF0000"/>
+                        </a:solidFill>
+                        <a:latin typeface="Cambria Math" panose="02040503050406030204" pitchFamily="18" charset="0"/>
+                      </a:rPr>
+                      <m:t>         </m:t>
+                    </m:r>
+                    <m:r>
+                      <a:rPr lang="pt-BR" sz="2200" b="1" i="1">
+                        <a:solidFill>
+                          <a:srgbClr val="FF0000"/>
+                        </a:solidFill>
+                        <a:latin typeface="Cambria Math" panose="02040503050406030204" pitchFamily="18" charset="0"/>
+                      </a:rPr>
+                      <m:t>𝑻</m:t>
+                    </m:r>
+                    <m:d>
+                      <m:dPr>
+                        <m:ctrlPr>
+                          <a:rPr lang="pt-BR" sz="2200" b="1" i="1">
+                            <a:solidFill>
+                              <a:srgbClr val="FF0000"/>
+                            </a:solidFill>
+                            <a:latin typeface="Cambria Math" panose="02040503050406030204" pitchFamily="18" charset="0"/>
+                          </a:rPr>
+                        </m:ctrlPr>
+                      </m:dPr>
+                      <m:e>
+                        <m:r>
+                          <a:rPr lang="pt-BR" sz="2200" b="1" i="1">
+                            <a:solidFill>
+                              <a:srgbClr val="FF0000"/>
+                            </a:solidFill>
+                            <a:latin typeface="Cambria Math" panose="02040503050406030204" pitchFamily="18" charset="0"/>
+                          </a:rPr>
+                          <m:t>𝒏</m:t>
+                        </m:r>
+                      </m:e>
+                    </m:d>
+                    <m:r>
+                      <a:rPr lang="pt-BR" sz="2200" b="1" i="1">
+                        <a:solidFill>
+                          <a:srgbClr val="FF0000"/>
+                        </a:solidFill>
+                        <a:latin typeface="Cambria Math" panose="02040503050406030204" pitchFamily="18" charset="0"/>
+                      </a:rPr>
+                      <m:t>=</m:t>
+                    </m:r>
+                    <m:r>
+                      <a:rPr lang="pt-BR" sz="2200" b="1" i="1">
+                        <a:solidFill>
+                          <a:srgbClr val="FF0000"/>
+                        </a:solidFill>
+                        <a:latin typeface="Cambria Math" panose="02040503050406030204" pitchFamily="18" charset="0"/>
+                      </a:rPr>
+                      <m:t>𝒂</m:t>
+                    </m:r>
+                    <m:r>
+                      <a:rPr lang="pt-BR" sz="2200" b="1" i="1">
+                        <a:solidFill>
+                          <a:srgbClr val="FF0000"/>
+                        </a:solidFill>
+                        <a:latin typeface="Cambria Math" panose="02040503050406030204" pitchFamily="18" charset="0"/>
+                      </a:rPr>
+                      <m:t>⋅</m:t>
+                    </m:r>
+                    <m:r>
+                      <a:rPr lang="pt-BR" sz="2200" b="1" i="1">
+                        <a:solidFill>
+                          <a:srgbClr val="FF0000"/>
+                        </a:solidFill>
+                        <a:latin typeface="Cambria Math" panose="02040503050406030204" pitchFamily="18" charset="0"/>
+                      </a:rPr>
+                      <m:t>𝑻</m:t>
+                    </m:r>
+                    <m:d>
+                      <m:dPr>
+                        <m:ctrlPr>
+                          <a:rPr lang="pt-BR" sz="2200" b="1" i="1">
+                            <a:solidFill>
+                              <a:srgbClr val="FF0000"/>
+                            </a:solidFill>
+                            <a:latin typeface="Cambria Math" panose="02040503050406030204" pitchFamily="18" charset="0"/>
+                          </a:rPr>
+                        </m:ctrlPr>
+                      </m:dPr>
+                      <m:e>
+                        <m:f>
+                          <m:fPr>
+                            <m:ctrlPr>
+                              <a:rPr lang="pt-BR" sz="2200" b="1" i="1">
+                                <a:solidFill>
+                                  <a:srgbClr val="FF0000"/>
+                                </a:solidFill>
+                                <a:latin typeface="Cambria Math" panose="02040503050406030204" pitchFamily="18" charset="0"/>
+                              </a:rPr>
+                            </m:ctrlPr>
+                          </m:fPr>
+                          <m:num>
+                            <m:r>
+                              <a:rPr lang="pt-BR" sz="2200" b="1" i="1">
+                                <a:solidFill>
+                                  <a:srgbClr val="FF0000"/>
+                                </a:solidFill>
+                                <a:latin typeface="Cambria Math" panose="02040503050406030204" pitchFamily="18" charset="0"/>
+                              </a:rPr>
+                              <m:t>𝒏</m:t>
+                            </m:r>
+                          </m:num>
+                          <m:den>
+                            <m:r>
+                              <a:rPr lang="pt-BR" sz="2200" b="1" i="1">
+                                <a:solidFill>
+                                  <a:srgbClr val="FF0000"/>
+                                </a:solidFill>
+                                <a:latin typeface="Cambria Math" panose="02040503050406030204" pitchFamily="18" charset="0"/>
+                              </a:rPr>
+                              <m:t>𝒃</m:t>
+                            </m:r>
+                          </m:den>
+                        </m:f>
+                      </m:e>
+                    </m:d>
+                    <m:r>
+                      <a:rPr lang="pt-BR" sz="2200" b="1" i="1">
+                        <a:solidFill>
+                          <a:srgbClr val="FF0000"/>
+                        </a:solidFill>
+                        <a:latin typeface="Cambria Math" panose="02040503050406030204" pitchFamily="18" charset="0"/>
+                      </a:rPr>
+                      <m:t>+</m:t>
+                    </m:r>
+                    <m:r>
+                      <a:rPr lang="pt-BR" sz="2200" b="1" i="1" smtClean="0">
+                        <a:solidFill>
+                          <a:srgbClr val="FF0000"/>
+                        </a:solidFill>
+                        <a:latin typeface="Cambria Math" panose="02040503050406030204" pitchFamily="18" charset="0"/>
+                      </a:rPr>
+                      <m:t>𝒇</m:t>
+                    </m:r>
+                  </m:oMath>
+                </a14:m>
+                <a:r>
+                  <a:rPr lang="pt-BR" b="1" dirty="0">
+                    <a:solidFill>
+                      <a:srgbClr val="FF0000"/>
+                    </a:solidFill>
+                    <a:latin typeface="Times New Roman" panose="02020603050405020304" pitchFamily="18" charset="0"/>
+                  </a:rPr>
+                  <a:t>(n)</a:t>
+                </a:r>
+              </a:p>
+              <a:p>
+                <a:pPr marL="0" indent="0">
+                  <a:buNone/>
+                </a:pPr>
+                <a:r>
+                  <a:rPr lang="pt-BR" sz="2200" b="1" i="1" dirty="0">
+                    <a:solidFill>
+                      <a:srgbClr val="FF0000"/>
+                    </a:solidFill>
+                    <a:latin typeface="Times New Roman" panose="02020603050405020304" pitchFamily="18" charset="0"/>
+                    <a:cs typeface="Times New Roman" panose="02020603050405020304" pitchFamily="18" charset="0"/>
+                  </a:rPr>
+                  <a:t>	</a:t>
+                </a:r>
+                <a:r>
+                  <a:rPr lang="pt-BR" sz="2200" b="1" dirty="0">
+                    <a:latin typeface="Times New Roman" panose="02020603050405020304" pitchFamily="18" charset="0"/>
+                    <a:cs typeface="Times New Roman" panose="02020603050405020304" pitchFamily="18" charset="0"/>
+                  </a:rPr>
+                  <a:t> </a:t>
+                </a:r>
+                <a:r>
+                  <a:rPr lang="pt-BR" sz="2200" b="1" dirty="0">
+                    <a:solidFill>
+                      <a:srgbClr val="FF0000"/>
+                    </a:solidFill>
+                    <a:latin typeface="Times New Roman" panose="02020603050405020304" pitchFamily="18" charset="0"/>
+                    <a:cs typeface="Times New Roman" panose="02020603050405020304" pitchFamily="18" charset="0"/>
+                  </a:rPr>
+                  <a:t>Critério de comparação é entre </a:t>
+                </a:r>
+                <a14:m>
+                  <m:oMath xmlns:m="http://schemas.openxmlformats.org/officeDocument/2006/math">
+                    <m:r>
+                      <a:rPr lang="pt-BR" sz="2200" b="1" i="1" smtClean="0">
+                        <a:solidFill>
+                          <a:schemeClr val="tx1"/>
+                        </a:solidFill>
+                        <a:latin typeface="Cambria Math" panose="02040503050406030204" pitchFamily="18" charset="0"/>
+                        <a:cs typeface="Times New Roman" panose="02020603050405020304" pitchFamily="18" charset="0"/>
+                      </a:rPr>
+                      <m:t>𝒇</m:t>
+                    </m:r>
+                    <m:d>
+                      <m:dPr>
+                        <m:ctrlPr>
+                          <a:rPr lang="ar-AE" sz="2200" b="1" i="1">
+                            <a:solidFill>
+                              <a:schemeClr val="tx1"/>
+                            </a:solidFill>
+                            <a:latin typeface="Cambria Math" panose="02040503050406030204" pitchFamily="18" charset="0"/>
+                            <a:cs typeface="Times New Roman" panose="02020603050405020304" pitchFamily="18" charset="0"/>
+                          </a:rPr>
+                        </m:ctrlPr>
+                      </m:dPr>
+                      <m:e>
+                        <m:r>
+                          <a:rPr lang="ar-AE" sz="2200" b="1" i="1">
+                            <a:solidFill>
+                              <a:schemeClr val="tx1"/>
+                            </a:solidFill>
+                            <a:latin typeface="Cambria Math" panose="02040503050406030204" pitchFamily="18" charset="0"/>
+                            <a:cs typeface="Times New Roman" panose="02020603050405020304" pitchFamily="18" charset="0"/>
+                          </a:rPr>
+                          <m:t>𝒏</m:t>
+                        </m:r>
+                      </m:e>
+                    </m:d>
+                  </m:oMath>
+                </a14:m>
+                <a:r>
+                  <a:rPr lang="pt-BR" sz="2200" b="1" dirty="0">
+                    <a:solidFill>
+                      <a:srgbClr val="FF0000"/>
+                    </a:solidFill>
+                    <a:latin typeface="Times New Roman" panose="02020603050405020304" pitchFamily="18" charset="0"/>
+                    <a:cs typeface="Times New Roman" panose="02020603050405020304" pitchFamily="18" charset="0"/>
+                  </a:rPr>
+                  <a:t> e </a:t>
+                </a:r>
+                <a:r>
+                  <a:rPr lang="pt-BR" sz="2200" b="1" dirty="0" err="1">
+                    <a:solidFill>
+                      <a:srgbClr val="FF0000"/>
+                    </a:solidFill>
+                    <a:latin typeface="Times New Roman" panose="02020603050405020304" pitchFamily="18" charset="0"/>
+                    <a:cs typeface="Times New Roman" panose="02020603050405020304" pitchFamily="18" charset="0"/>
+                  </a:rPr>
+                  <a:t>n</a:t>
+                </a:r>
+                <a:r>
+                  <a:rPr lang="pt-BR" sz="2200" b="1" baseline="30000" dirty="0" err="1">
+                    <a:solidFill>
+                      <a:srgbClr val="FF0000"/>
+                    </a:solidFill>
+                    <a:latin typeface="Times New Roman" panose="02020603050405020304" pitchFamily="18" charset="0"/>
+                    <a:cs typeface="Times New Roman" panose="02020603050405020304" pitchFamily="18" charset="0"/>
+                  </a:rPr>
+                  <a:t>log</a:t>
+                </a:r>
+                <a:r>
+                  <a:rPr lang="pt-BR" sz="2200" b="1" baseline="-25000" dirty="0" err="1">
+                    <a:solidFill>
+                      <a:srgbClr val="FF0000"/>
+                    </a:solidFill>
+                    <a:latin typeface="Times New Roman" panose="02020603050405020304" pitchFamily="18" charset="0"/>
+                    <a:cs typeface="Times New Roman" panose="02020603050405020304" pitchFamily="18" charset="0"/>
+                  </a:rPr>
+                  <a:t>b</a:t>
+                </a:r>
+                <a:r>
+                  <a:rPr lang="pt-BR" sz="2200" b="1" baseline="30000" dirty="0" err="1">
+                    <a:solidFill>
+                      <a:srgbClr val="FF0000"/>
+                    </a:solidFill>
+                    <a:latin typeface="Times New Roman" panose="02020603050405020304" pitchFamily="18" charset="0"/>
+                    <a:cs typeface="Times New Roman" panose="02020603050405020304" pitchFamily="18" charset="0"/>
+                  </a:rPr>
+                  <a:t>a</a:t>
+                </a:r>
+                <a:endParaRPr lang="pt-BR" sz="2200" b="1" i="1" dirty="0">
+                  <a:solidFill>
+                    <a:srgbClr val="FF0000"/>
+                  </a:solidFill>
+                  <a:latin typeface="Times New Roman" panose="02020603050405020304" pitchFamily="18" charset="0"/>
+                  <a:cs typeface="Times New Roman" panose="02020603050405020304" pitchFamily="18" charset="0"/>
+                </a:endParaRPr>
+              </a:p>
+              <a:p>
+                <a:pPr marL="0" indent="0">
+                  <a:buNone/>
+                </a:pPr>
+                <a:endParaRPr lang="pt-BR" sz="2200" b="1" dirty="0">
+                  <a:latin typeface="Times New Roman" panose="02020603050405020304" pitchFamily="18" charset="0"/>
+                  <a:cs typeface="Times New Roman" panose="02020603050405020304" pitchFamily="18" charset="0"/>
+                </a:endParaRPr>
+              </a:p>
+            </p:txBody>
+          </p:sp>
+        </mc:Choice>
+        <mc:Fallback>
+          <p:sp>
+            <p:nvSpPr>
+              <p:cNvPr id="8" name="Text Placeholder 2">
+                <a:extLst>
+                  <a:ext uri="{FF2B5EF4-FFF2-40B4-BE49-F238E27FC236}">
+                    <a16:creationId xmlns:a16="http://schemas.microsoft.com/office/drawing/2014/main" id="{EE6E5123-9F2B-327C-52E6-D5E14C49A56F}"/>
+                  </a:ext>
+                </a:extLst>
+              </p:cNvPr>
+              <p:cNvSpPr>
+                <a:spLocks noGrp="1" noRot="1" noChangeAspect="1" noMove="1" noResize="1" noEditPoints="1" noAdjustHandles="1" noChangeArrowheads="1" noChangeShapeType="1" noTextEdit="1"/>
+              </p:cNvSpPr>
+              <p:nvPr>
+                <p:ph type="body" sz="half" idx="1"/>
+              </p:nvPr>
+            </p:nvSpPr>
+            <p:spPr>
+              <a:xfrm>
+                <a:off x="142865" y="1079126"/>
+                <a:ext cx="8865056" cy="3858393"/>
+              </a:xfrm>
+              <a:blipFill>
+                <a:blip r:embed="rId3"/>
+                <a:stretch>
+                  <a:fillRect l="-1375" t="-1264"/>
+                </a:stretch>
+              </a:blipFill>
+            </p:spPr>
+            <p:txBody>
+              <a:bodyPr/>
+              <a:lstStyle/>
+              <a:p>
+                <a:r>
+                  <a:rPr lang="pt-BR">
+                    <a:noFill/>
+                  </a:rPr>
+                  <a:t> </a:t>
+                </a:r>
+              </a:p>
+            </p:txBody>
+          </p:sp>
+        </mc:Fallback>
+      </mc:AlternateContent>
+      <p:graphicFrame>
+        <p:nvGraphicFramePr>
+          <p:cNvPr id="2" name="Tabela 1">
+            <a:extLst>
+              <a:ext uri="{FF2B5EF4-FFF2-40B4-BE49-F238E27FC236}">
+                <a16:creationId xmlns:a16="http://schemas.microsoft.com/office/drawing/2014/main" id="{9674A4AB-6290-9C36-7A1D-520C9409703B}"/>
+              </a:ext>
+            </a:extLst>
+          </p:cNvPr>
+          <p:cNvGraphicFramePr>
+            <a:graphicFrameLocks noGrp="1"/>
+          </p:cNvGraphicFramePr>
+          <p:nvPr>
+            <p:extLst>
+              <p:ext uri="{D42A27DB-BD31-4B8C-83A1-F6EECF244321}">
+                <p14:modId xmlns:p14="http://schemas.microsoft.com/office/powerpoint/2010/main" val="3892902238"/>
+              </p:ext>
+            </p:extLst>
+          </p:nvPr>
+        </p:nvGraphicFramePr>
+        <p:xfrm>
+          <a:off x="457200" y="2356615"/>
+          <a:ext cx="7817803" cy="2194560"/>
+        </p:xfrm>
+        <a:graphic>
+          <a:graphicData uri="http://schemas.openxmlformats.org/drawingml/2006/table">
+            <a:tbl>
+              <a:tblPr>
+                <a:tableStyleId>{3C2FFA5D-87B4-456A-9821-1D502468CF0F}</a:tableStyleId>
+              </a:tblPr>
+              <a:tblGrid>
+                <a:gridCol w="782955">
+                  <a:extLst>
+                    <a:ext uri="{9D8B030D-6E8A-4147-A177-3AD203B41FA5}">
+                      <a16:colId xmlns:a16="http://schemas.microsoft.com/office/drawing/2014/main" val="1107124555"/>
+                    </a:ext>
+                  </a:extLst>
+                </a:gridCol>
+                <a:gridCol w="2730818">
+                  <a:extLst>
+                    <a:ext uri="{9D8B030D-6E8A-4147-A177-3AD203B41FA5}">
+                      <a16:colId xmlns:a16="http://schemas.microsoft.com/office/drawing/2014/main" val="3326625112"/>
+                    </a:ext>
+                  </a:extLst>
+                </a:gridCol>
+                <a:gridCol w="2246630">
+                  <a:extLst>
+                    <a:ext uri="{9D8B030D-6E8A-4147-A177-3AD203B41FA5}">
+                      <a16:colId xmlns:a16="http://schemas.microsoft.com/office/drawing/2014/main" val="1267916978"/>
+                    </a:ext>
+                  </a:extLst>
+                </a:gridCol>
+                <a:gridCol w="2057400">
+                  <a:extLst>
+                    <a:ext uri="{9D8B030D-6E8A-4147-A177-3AD203B41FA5}">
+                      <a16:colId xmlns:a16="http://schemas.microsoft.com/office/drawing/2014/main" val="3018653936"/>
+                    </a:ext>
+                  </a:extLst>
+                </a:gridCol>
+              </a:tblGrid>
+              <a:tr h="0">
+                <a:tc>
+                  <a:txBody>
+                    <a:bodyPr/>
+                    <a:lstStyle/>
+                    <a:p>
+                      <a:pPr algn="ctr">
+                        <a:buNone/>
+                      </a:pPr>
+                      <a:r>
+                        <a:rPr lang="pt-BR" sz="2000" b="1" dirty="0">
+                          <a:latin typeface="Times New Roman" panose="02020603050405020304" pitchFamily="18" charset="0"/>
+                          <a:cs typeface="Times New Roman" panose="02020603050405020304" pitchFamily="18" charset="0"/>
+                        </a:rPr>
+                        <a:t>Caso</a:t>
+                      </a:r>
+                    </a:p>
+                  </a:txBody>
+                  <a:tcPr anchor="ctr"/>
+                </a:tc>
+                <a:tc>
+                  <a:txBody>
+                    <a:bodyPr/>
+                    <a:lstStyle/>
+                    <a:p>
+                      <a:pPr algn="l">
+                        <a:buNone/>
+                      </a:pPr>
+                      <a:r>
+                        <a:rPr lang="pt-BR" sz="2000" b="1" dirty="0">
+                          <a:latin typeface="Times New Roman" panose="02020603050405020304" pitchFamily="18" charset="0"/>
+                          <a:cs typeface="Times New Roman" panose="02020603050405020304" pitchFamily="18" charset="0"/>
+                        </a:rPr>
+                        <a:t>Condição sobre f(n)</a:t>
+                      </a:r>
+                    </a:p>
+                  </a:txBody>
+                  <a:tcPr anchor="ctr"/>
+                </a:tc>
+                <a:tc>
+                  <a:txBody>
+                    <a:bodyPr/>
+                    <a:lstStyle/>
+                    <a:p>
+                      <a:pPr algn="l">
+                        <a:buNone/>
+                      </a:pPr>
+                      <a:r>
+                        <a:rPr lang="pt-BR" sz="2000" b="1" dirty="0">
+                          <a:latin typeface="Times New Roman" panose="02020603050405020304" pitchFamily="18" charset="0"/>
+                          <a:cs typeface="Times New Roman" panose="02020603050405020304" pitchFamily="18" charset="0"/>
+                        </a:rPr>
+                        <a:t>Solução T(n)</a:t>
+                      </a:r>
+                    </a:p>
+                  </a:txBody>
+                  <a:tcPr anchor="ctr"/>
+                </a:tc>
+                <a:tc>
+                  <a:txBody>
+                    <a:bodyPr/>
+                    <a:lstStyle/>
+                    <a:p>
+                      <a:pPr algn="l">
+                        <a:buNone/>
+                      </a:pPr>
+                      <a:r>
+                        <a:rPr lang="pt-BR" sz="2000" b="1" dirty="0">
+                          <a:latin typeface="Times New Roman" panose="02020603050405020304" pitchFamily="18" charset="0"/>
+                          <a:cs typeface="Times New Roman" panose="02020603050405020304" pitchFamily="18" charset="0"/>
+                        </a:rPr>
+                        <a:t>Situação</a:t>
+                      </a:r>
+                    </a:p>
+                  </a:txBody>
+                  <a:tcPr anchor="ctr"/>
+                </a:tc>
+                <a:extLst>
+                  <a:ext uri="{0D108BD9-81ED-4DB2-BD59-A6C34878D82A}">
+                    <a16:rowId xmlns:a16="http://schemas.microsoft.com/office/drawing/2014/main" val="2179406615"/>
+                  </a:ext>
+                </a:extLst>
+              </a:tr>
+              <a:tr h="0">
+                <a:tc>
+                  <a:txBody>
+                    <a:bodyPr/>
+                    <a:lstStyle/>
+                    <a:p>
+                      <a:pPr algn="ctr">
+                        <a:buNone/>
+                      </a:pPr>
+                      <a:r>
+                        <a:rPr lang="pt-BR" sz="2000" b="1" dirty="0">
+                          <a:latin typeface="Times New Roman" panose="02020603050405020304" pitchFamily="18" charset="0"/>
+                          <a:cs typeface="Times New Roman" panose="02020603050405020304" pitchFamily="18" charset="0"/>
+                        </a:rPr>
+                        <a:t>1</a:t>
+                      </a:r>
+                    </a:p>
+                  </a:txBody>
+                  <a:tcPr anchor="ctr"/>
+                </a:tc>
+                <a:tc>
+                  <a:txBody>
+                    <a:bodyPr/>
+                    <a:lstStyle/>
+                    <a:p>
+                      <a:pPr algn="l">
+                        <a:buNone/>
+                      </a:pPr>
+                      <a:r>
+                        <a:rPr lang="pt-BR" sz="2000" b="1" dirty="0">
+                          <a:latin typeface="Times New Roman" panose="02020603050405020304" pitchFamily="18" charset="0"/>
+                          <a:cs typeface="Times New Roman" panose="02020603050405020304" pitchFamily="18" charset="0"/>
+                        </a:rPr>
+                        <a:t>f(n) = O(</a:t>
+                      </a:r>
+                      <a:r>
+                        <a:rPr lang="pt-BR" sz="2000" b="1" dirty="0" err="1">
+                          <a:latin typeface="Times New Roman" panose="02020603050405020304" pitchFamily="18" charset="0"/>
+                          <a:cs typeface="Times New Roman" panose="02020603050405020304" pitchFamily="18" charset="0"/>
+                        </a:rPr>
+                        <a:t>n</a:t>
+                      </a:r>
+                      <a:r>
+                        <a:rPr lang="pt-BR" sz="2000" b="1" baseline="30000" dirty="0" err="1">
+                          <a:latin typeface="Times New Roman" panose="02020603050405020304" pitchFamily="18" charset="0"/>
+                          <a:cs typeface="Times New Roman" panose="02020603050405020304" pitchFamily="18" charset="0"/>
+                        </a:rPr>
+                        <a:t>log</a:t>
+                      </a:r>
+                      <a:r>
+                        <a:rPr lang="pt-BR" sz="2000" b="1" baseline="-25000" dirty="0" err="1">
+                          <a:latin typeface="Times New Roman" panose="02020603050405020304" pitchFamily="18" charset="0"/>
+                          <a:cs typeface="Times New Roman" panose="02020603050405020304" pitchFamily="18" charset="0"/>
+                        </a:rPr>
+                        <a:t>b</a:t>
+                      </a:r>
+                      <a:r>
+                        <a:rPr lang="pt-BR" sz="2000" b="1" baseline="30000" dirty="0">
+                          <a:latin typeface="Times New Roman" panose="02020603050405020304" pitchFamily="18" charset="0"/>
+                          <a:cs typeface="Times New Roman" panose="02020603050405020304" pitchFamily="18" charset="0"/>
+                        </a:rPr>
+                        <a:t> a - </a:t>
+                      </a:r>
+                      <a:r>
+                        <a:rPr lang="pt-BR" sz="2000" b="0" i="0" u="none" strike="noStrike" cap="none" spc="0" baseline="30000" dirty="0">
+                          <a:ln>
+                            <a:noFill/>
+                          </a:ln>
+                          <a:solidFill>
+                            <a:schemeClr val="dk1"/>
+                          </a:solidFill>
+                          <a:effectLst/>
+                          <a:uFillTx/>
+                          <a:latin typeface="Times New Roman" panose="02020603050405020304" pitchFamily="18" charset="0"/>
+                          <a:ea typeface="+mn-ea"/>
+                          <a:cs typeface="Times New Roman" panose="02020603050405020304" pitchFamily="18" charset="0"/>
+                          <a:sym typeface="Calibri"/>
+                        </a:rPr>
+                        <a:t>ε</a:t>
+                      </a:r>
+                      <a:r>
+                        <a:rPr lang="pt-BR" sz="2000" b="1" dirty="0">
+                          <a:latin typeface="Times New Roman" panose="02020603050405020304" pitchFamily="18" charset="0"/>
+                          <a:cs typeface="Times New Roman" panose="02020603050405020304" pitchFamily="18" charset="0"/>
+                        </a:rPr>
+                        <a:t>)</a:t>
+                      </a:r>
+                    </a:p>
+                  </a:txBody>
+                  <a:tcPr anchor="ctr"/>
+                </a:tc>
+                <a:tc>
+                  <a:txBody>
+                    <a:bodyPr/>
+                    <a:lstStyle/>
+                    <a:p>
+                      <a:pPr algn="l">
+                        <a:buNone/>
+                      </a:pPr>
+                      <a:r>
+                        <a:rPr lang="pt-BR" sz="2000" b="1" i="0" u="none" strike="noStrike" cap="none" spc="0" baseline="0" dirty="0">
+                          <a:ln>
+                            <a:noFill/>
+                          </a:ln>
+                          <a:solidFill>
+                            <a:schemeClr val="dk1"/>
+                          </a:solidFill>
+                          <a:effectLst/>
+                          <a:uFillTx/>
+                          <a:latin typeface="Times New Roman" panose="02020603050405020304" pitchFamily="18" charset="0"/>
+                          <a:ea typeface="+mn-ea"/>
+                          <a:cs typeface="Times New Roman" panose="02020603050405020304" pitchFamily="18" charset="0"/>
+                          <a:sym typeface="Calibri"/>
+                        </a:rPr>
+                        <a:t>Θ</a:t>
+                      </a:r>
+                      <a:r>
+                        <a:rPr lang="pt-BR" sz="1200" b="0" i="0" u="none" strike="noStrike" cap="none" spc="0" baseline="0" dirty="0">
+                          <a:ln>
+                            <a:noFill/>
+                          </a:ln>
+                          <a:solidFill>
+                            <a:schemeClr val="dk1"/>
+                          </a:solidFill>
+                          <a:effectLst/>
+                          <a:uFillTx/>
+                          <a:latin typeface="+mn-lt"/>
+                          <a:ea typeface="+mn-ea"/>
+                          <a:cs typeface="+mn-cs"/>
+                          <a:sym typeface="Calibri"/>
+                        </a:rPr>
+                        <a:t> </a:t>
+                      </a:r>
+                      <a:r>
+                        <a:rPr lang="pt-BR" sz="2000" b="1" dirty="0">
+                          <a:latin typeface="Times New Roman" panose="02020603050405020304" pitchFamily="18" charset="0"/>
+                          <a:cs typeface="Times New Roman" panose="02020603050405020304" pitchFamily="18" charset="0"/>
+                        </a:rPr>
+                        <a:t>(</a:t>
+                      </a:r>
+                      <a:r>
+                        <a:rPr lang="pt-BR" sz="2000" b="1" dirty="0" err="1">
+                          <a:latin typeface="Times New Roman" panose="02020603050405020304" pitchFamily="18" charset="0"/>
+                          <a:cs typeface="Times New Roman" panose="02020603050405020304" pitchFamily="18" charset="0"/>
+                        </a:rPr>
+                        <a:t>n</a:t>
+                      </a:r>
+                      <a:r>
+                        <a:rPr lang="pt-BR" sz="2000" b="1" baseline="30000" dirty="0" err="1">
+                          <a:latin typeface="Times New Roman" panose="02020603050405020304" pitchFamily="18" charset="0"/>
+                          <a:cs typeface="Times New Roman" panose="02020603050405020304" pitchFamily="18" charset="0"/>
+                        </a:rPr>
+                        <a:t>log</a:t>
+                      </a:r>
+                      <a:r>
+                        <a:rPr lang="pt-BR" sz="2000" b="1" baseline="-25000" dirty="0" err="1">
+                          <a:latin typeface="Times New Roman" panose="02020603050405020304" pitchFamily="18" charset="0"/>
+                          <a:cs typeface="Times New Roman" panose="02020603050405020304" pitchFamily="18" charset="0"/>
+                        </a:rPr>
+                        <a:t>b</a:t>
+                      </a:r>
+                      <a:r>
+                        <a:rPr lang="pt-BR" sz="2000" b="1" baseline="30000" dirty="0">
+                          <a:latin typeface="Times New Roman" panose="02020603050405020304" pitchFamily="18" charset="0"/>
+                          <a:cs typeface="Times New Roman" panose="02020603050405020304" pitchFamily="18" charset="0"/>
+                        </a:rPr>
+                        <a:t> a</a:t>
+                      </a:r>
+                      <a:r>
+                        <a:rPr lang="pt-BR" sz="2000" b="1" dirty="0">
+                          <a:latin typeface="Times New Roman" panose="02020603050405020304" pitchFamily="18" charset="0"/>
+                          <a:cs typeface="Times New Roman" panose="02020603050405020304" pitchFamily="18" charset="0"/>
+                        </a:rPr>
+                        <a:t>)</a:t>
+                      </a:r>
+                    </a:p>
+                  </a:txBody>
+                  <a:tcPr anchor="ctr"/>
+                </a:tc>
+                <a:tc>
+                  <a:txBody>
+                    <a:bodyPr/>
+                    <a:lstStyle/>
+                    <a:p>
+                      <a:pPr algn="l">
+                        <a:buNone/>
+                      </a:pPr>
+                      <a:r>
+                        <a:rPr lang="pt-BR" sz="2000" b="1">
+                          <a:latin typeface="Times New Roman" panose="02020603050405020304" pitchFamily="18" charset="0"/>
+                          <a:cs typeface="Times New Roman" panose="02020603050405020304" pitchFamily="18" charset="0"/>
+                        </a:rPr>
+                        <a:t>Recursão domina</a:t>
+                      </a:r>
+                    </a:p>
+                  </a:txBody>
+                  <a:tcPr anchor="ctr"/>
+                </a:tc>
+                <a:extLst>
+                  <a:ext uri="{0D108BD9-81ED-4DB2-BD59-A6C34878D82A}">
+                    <a16:rowId xmlns:a16="http://schemas.microsoft.com/office/drawing/2014/main" val="3053391849"/>
+                  </a:ext>
+                </a:extLst>
+              </a:tr>
+              <a:tr h="0">
+                <a:tc>
+                  <a:txBody>
+                    <a:bodyPr/>
+                    <a:lstStyle/>
+                    <a:p>
+                      <a:pPr algn="ctr">
+                        <a:buNone/>
+                      </a:pPr>
+                      <a:r>
+                        <a:rPr lang="pt-BR" sz="2000" b="1" dirty="0">
+                          <a:latin typeface="Times New Roman" panose="02020603050405020304" pitchFamily="18" charset="0"/>
+                          <a:cs typeface="Times New Roman" panose="02020603050405020304" pitchFamily="18" charset="0"/>
+                        </a:rPr>
+                        <a:t>2</a:t>
+                      </a:r>
+                    </a:p>
+                  </a:txBody>
+                  <a:tcPr anchor="ctr"/>
+                </a:tc>
+                <a:tc>
+                  <a:txBody>
+                    <a:bodyPr/>
+                    <a:lstStyle/>
+                    <a:p>
+                      <a:pPr algn="l">
+                        <a:buNone/>
+                      </a:pPr>
+                      <a:r>
+                        <a:rPr lang="pt-BR" sz="2000" b="1" dirty="0">
+                          <a:latin typeface="Times New Roman" panose="02020603050405020304" pitchFamily="18" charset="0"/>
+                          <a:cs typeface="Times New Roman" panose="02020603050405020304" pitchFamily="18" charset="0"/>
+                        </a:rPr>
+                        <a:t>f(n) = </a:t>
+                      </a:r>
+                      <a:r>
+                        <a:rPr lang="pt-BR" sz="2000" b="1" i="0" u="none" strike="noStrike" cap="none" spc="0" baseline="0" dirty="0">
+                          <a:ln>
+                            <a:noFill/>
+                          </a:ln>
+                          <a:solidFill>
+                            <a:schemeClr val="dk1"/>
+                          </a:solidFill>
+                          <a:effectLst/>
+                          <a:uFillTx/>
+                          <a:latin typeface="Times New Roman" panose="02020603050405020304" pitchFamily="18" charset="0"/>
+                          <a:ea typeface="+mn-ea"/>
+                          <a:cs typeface="Times New Roman" panose="02020603050405020304" pitchFamily="18" charset="0"/>
+                          <a:sym typeface="Calibri"/>
+                        </a:rPr>
+                        <a:t>Θ</a:t>
+                      </a:r>
+                      <a:r>
+                        <a:rPr lang="pt-BR" sz="2000" b="0" i="0" u="none" strike="noStrike" cap="none" spc="0" baseline="0" dirty="0">
+                          <a:ln>
+                            <a:noFill/>
+                          </a:ln>
+                          <a:solidFill>
+                            <a:schemeClr val="dk1"/>
+                          </a:solidFill>
+                          <a:effectLst/>
+                          <a:uFillTx/>
+                          <a:latin typeface="Times New Roman" panose="02020603050405020304" pitchFamily="18" charset="0"/>
+                          <a:ea typeface="+mn-ea"/>
+                          <a:cs typeface="Times New Roman" panose="02020603050405020304" pitchFamily="18" charset="0"/>
+                          <a:sym typeface="Calibri"/>
+                        </a:rPr>
+                        <a:t> </a:t>
+                      </a:r>
+                      <a:r>
+                        <a:rPr lang="pt-BR" sz="2000" b="1" dirty="0">
+                          <a:latin typeface="Times New Roman" panose="02020603050405020304" pitchFamily="18" charset="0"/>
+                          <a:cs typeface="Times New Roman" panose="02020603050405020304" pitchFamily="18" charset="0"/>
+                        </a:rPr>
+                        <a:t>(</a:t>
+                      </a:r>
+                      <a:r>
+                        <a:rPr lang="pt-BR" sz="2000" b="1" dirty="0" err="1">
+                          <a:latin typeface="Times New Roman" panose="02020603050405020304" pitchFamily="18" charset="0"/>
+                          <a:cs typeface="Times New Roman" panose="02020603050405020304" pitchFamily="18" charset="0"/>
+                        </a:rPr>
+                        <a:t>n</a:t>
+                      </a:r>
+                      <a:r>
+                        <a:rPr lang="pt-BR" sz="2000" b="1" baseline="30000" dirty="0" err="1">
+                          <a:latin typeface="Times New Roman" panose="02020603050405020304" pitchFamily="18" charset="0"/>
+                          <a:cs typeface="Times New Roman" panose="02020603050405020304" pitchFamily="18" charset="0"/>
+                        </a:rPr>
+                        <a:t>log</a:t>
+                      </a:r>
+                      <a:r>
+                        <a:rPr lang="pt-BR" sz="2000" b="1" baseline="-25000" dirty="0" err="1">
+                          <a:latin typeface="Times New Roman" panose="02020603050405020304" pitchFamily="18" charset="0"/>
+                          <a:cs typeface="Times New Roman" panose="02020603050405020304" pitchFamily="18" charset="0"/>
+                        </a:rPr>
+                        <a:t>b</a:t>
+                      </a:r>
+                      <a:r>
+                        <a:rPr lang="pt-BR" sz="2000" b="1" baseline="30000" dirty="0">
+                          <a:latin typeface="Times New Roman" panose="02020603050405020304" pitchFamily="18" charset="0"/>
+                          <a:cs typeface="Times New Roman" panose="02020603050405020304" pitchFamily="18" charset="0"/>
+                        </a:rPr>
+                        <a:t> a</a:t>
+                      </a:r>
+                      <a:r>
+                        <a:rPr lang="pt-BR" sz="2000" b="1" dirty="0">
+                          <a:latin typeface="Times New Roman" panose="02020603050405020304" pitchFamily="18" charset="0"/>
+                          <a:cs typeface="Times New Roman" panose="02020603050405020304" pitchFamily="18" charset="0"/>
+                        </a:rPr>
+                        <a:t> . </a:t>
+                      </a:r>
+                      <a:r>
+                        <a:rPr lang="pt-BR" sz="2000" b="1" dirty="0" err="1">
+                          <a:latin typeface="Times New Roman" panose="02020603050405020304" pitchFamily="18" charset="0"/>
+                          <a:cs typeface="Times New Roman" panose="02020603050405020304" pitchFamily="18" charset="0"/>
+                        </a:rPr>
+                        <a:t>log</a:t>
+                      </a:r>
+                      <a:r>
+                        <a:rPr lang="pt-BR" sz="2000" b="1" baseline="30000" dirty="0" err="1">
+                          <a:latin typeface="Times New Roman" panose="02020603050405020304" pitchFamily="18" charset="0"/>
+                          <a:cs typeface="Times New Roman" panose="02020603050405020304" pitchFamily="18" charset="0"/>
+                        </a:rPr>
+                        <a:t>k</a:t>
+                      </a:r>
+                      <a:r>
+                        <a:rPr lang="pt-BR" sz="2000" b="1" dirty="0">
+                          <a:latin typeface="Times New Roman" panose="02020603050405020304" pitchFamily="18" charset="0"/>
+                          <a:cs typeface="Times New Roman" panose="02020603050405020304" pitchFamily="18" charset="0"/>
+                        </a:rPr>
+                        <a:t> n)</a:t>
+                      </a:r>
+                    </a:p>
+                  </a:txBody>
+                  <a:tcPr anchor="ctr"/>
+                </a:tc>
+                <a:tc>
+                  <a:txBody>
+                    <a:bodyPr/>
+                    <a:lstStyle/>
+                    <a:p>
+                      <a:pPr algn="l">
+                        <a:buNone/>
+                      </a:pPr>
+                      <a:r>
+                        <a:rPr lang="pt-BR" sz="2000" b="1" i="0" u="none" strike="noStrike" cap="none" spc="0" baseline="0" dirty="0">
+                          <a:ln>
+                            <a:noFill/>
+                          </a:ln>
+                          <a:solidFill>
+                            <a:schemeClr val="dk1"/>
+                          </a:solidFill>
+                          <a:effectLst/>
+                          <a:uFillTx/>
+                          <a:latin typeface="Times New Roman" panose="02020603050405020304" pitchFamily="18" charset="0"/>
+                          <a:ea typeface="+mn-ea"/>
+                          <a:cs typeface="Times New Roman" panose="02020603050405020304" pitchFamily="18" charset="0"/>
+                          <a:sym typeface="Calibri"/>
+                        </a:rPr>
+                        <a:t>Θ </a:t>
+                      </a:r>
+                      <a:r>
+                        <a:rPr lang="pt-BR" sz="2000" b="1" dirty="0">
+                          <a:latin typeface="Times New Roman" panose="02020603050405020304" pitchFamily="18" charset="0"/>
+                          <a:cs typeface="Times New Roman" panose="02020603050405020304" pitchFamily="18" charset="0"/>
+                        </a:rPr>
+                        <a:t>(</a:t>
+                      </a:r>
+                      <a:r>
+                        <a:rPr lang="pt-BR" sz="2000" b="1" dirty="0" err="1">
+                          <a:latin typeface="Times New Roman" panose="02020603050405020304" pitchFamily="18" charset="0"/>
+                          <a:cs typeface="Times New Roman" panose="02020603050405020304" pitchFamily="18" charset="0"/>
+                        </a:rPr>
+                        <a:t>n</a:t>
+                      </a:r>
+                      <a:r>
+                        <a:rPr lang="pt-BR" sz="2000" b="1" baseline="30000" dirty="0" err="1">
+                          <a:latin typeface="Times New Roman" panose="02020603050405020304" pitchFamily="18" charset="0"/>
+                          <a:cs typeface="Times New Roman" panose="02020603050405020304" pitchFamily="18" charset="0"/>
+                        </a:rPr>
+                        <a:t>log</a:t>
+                      </a:r>
+                      <a:r>
+                        <a:rPr lang="pt-BR" sz="2000" b="1" baseline="-25000" dirty="0" err="1">
+                          <a:latin typeface="Times New Roman" panose="02020603050405020304" pitchFamily="18" charset="0"/>
+                          <a:cs typeface="Times New Roman" panose="02020603050405020304" pitchFamily="18" charset="0"/>
+                        </a:rPr>
+                        <a:t>b</a:t>
+                      </a:r>
+                      <a:r>
+                        <a:rPr lang="pt-BR" sz="2000" b="1" baseline="30000" dirty="0">
+                          <a:latin typeface="Times New Roman" panose="02020603050405020304" pitchFamily="18" charset="0"/>
+                          <a:cs typeface="Times New Roman" panose="02020603050405020304" pitchFamily="18" charset="0"/>
+                        </a:rPr>
+                        <a:t> a</a:t>
+                      </a:r>
+                      <a:r>
+                        <a:rPr lang="pt-BR" sz="2000" b="1" dirty="0">
+                          <a:latin typeface="Times New Roman" panose="02020603050405020304" pitchFamily="18" charset="0"/>
+                          <a:cs typeface="Times New Roman" panose="02020603050405020304" pitchFamily="18" charset="0"/>
+                        </a:rPr>
+                        <a:t> . log</a:t>
+                      </a:r>
+                      <a:r>
+                        <a:rPr lang="pt-BR" sz="2000" b="1" baseline="30000" dirty="0">
+                          <a:latin typeface="Times New Roman" panose="02020603050405020304" pitchFamily="18" charset="0"/>
+                          <a:cs typeface="Times New Roman" panose="02020603050405020304" pitchFamily="18" charset="0"/>
+                        </a:rPr>
+                        <a:t>k+1</a:t>
+                      </a:r>
+                      <a:r>
+                        <a:rPr lang="pt-BR" sz="2000" b="1" dirty="0">
+                          <a:latin typeface="Times New Roman" panose="02020603050405020304" pitchFamily="18" charset="0"/>
+                          <a:cs typeface="Times New Roman" panose="02020603050405020304" pitchFamily="18" charset="0"/>
+                        </a:rPr>
+                        <a:t> n)</a:t>
+                      </a:r>
+                    </a:p>
+                  </a:txBody>
+                  <a:tcPr anchor="ctr"/>
+                </a:tc>
+                <a:tc>
+                  <a:txBody>
+                    <a:bodyPr/>
+                    <a:lstStyle/>
+                    <a:p>
+                      <a:pPr algn="l">
+                        <a:buNone/>
+                      </a:pPr>
+                      <a:r>
+                        <a:rPr lang="pt-BR" sz="2000" b="1" dirty="0">
+                          <a:latin typeface="Times New Roman" panose="02020603050405020304" pitchFamily="18" charset="0"/>
+                          <a:cs typeface="Times New Roman" panose="02020603050405020304" pitchFamily="18" charset="0"/>
+                        </a:rPr>
+                        <a:t>Empate</a:t>
+                      </a:r>
+                    </a:p>
+                  </a:txBody>
+                  <a:tcPr anchor="ctr"/>
+                </a:tc>
+                <a:extLst>
+                  <a:ext uri="{0D108BD9-81ED-4DB2-BD59-A6C34878D82A}">
+                    <a16:rowId xmlns:a16="http://schemas.microsoft.com/office/drawing/2014/main" val="3422875878"/>
+                  </a:ext>
+                </a:extLst>
+              </a:tr>
+              <a:tr h="0">
+                <a:tc>
+                  <a:txBody>
+                    <a:bodyPr/>
+                    <a:lstStyle/>
+                    <a:p>
+                      <a:pPr algn="ctr">
+                        <a:buNone/>
+                      </a:pPr>
+                      <a:r>
+                        <a:rPr lang="pt-BR" sz="2000" b="1" dirty="0">
+                          <a:latin typeface="Times New Roman" panose="02020603050405020304" pitchFamily="18" charset="0"/>
+                          <a:cs typeface="Times New Roman" panose="02020603050405020304" pitchFamily="18" charset="0"/>
+                        </a:rPr>
+                        <a:t>3</a:t>
+                      </a:r>
+                    </a:p>
+                  </a:txBody>
+                  <a:tcPr anchor="ctr"/>
+                </a:tc>
+                <a:tc>
+                  <a:txBody>
+                    <a:bodyPr/>
+                    <a:lstStyle/>
+                    <a:p>
+                      <a:pPr algn="l">
+                        <a:buNone/>
+                      </a:pPr>
+                      <a:r>
+                        <a:rPr lang="pt-BR" sz="2000" b="1" dirty="0">
+                          <a:latin typeface="Times New Roman" panose="02020603050405020304" pitchFamily="18" charset="0"/>
+                          <a:cs typeface="Times New Roman" panose="02020603050405020304" pitchFamily="18" charset="0"/>
+                        </a:rPr>
+                        <a:t>f(n) = </a:t>
+                      </a:r>
+                      <a:r>
+                        <a:rPr lang="pt-BR" sz="2000" b="1" i="0" u="none" strike="noStrike" cap="none" spc="0" baseline="0" dirty="0">
+                          <a:ln>
+                            <a:noFill/>
+                          </a:ln>
+                          <a:solidFill>
+                            <a:schemeClr val="dk1"/>
+                          </a:solidFill>
+                          <a:effectLst/>
+                          <a:uFillTx/>
+                          <a:latin typeface="Times New Roman" panose="02020603050405020304" pitchFamily="18" charset="0"/>
+                          <a:ea typeface="+mn-ea"/>
+                          <a:cs typeface="Times New Roman" panose="02020603050405020304" pitchFamily="18" charset="0"/>
+                          <a:sym typeface="Calibri"/>
+                        </a:rPr>
+                        <a:t>Ω</a:t>
+                      </a:r>
+                      <a:r>
+                        <a:rPr lang="pt-BR" sz="1200" b="0" i="0" u="none" strike="noStrike" cap="none" spc="0" baseline="0" dirty="0">
+                          <a:ln>
+                            <a:noFill/>
+                          </a:ln>
+                          <a:solidFill>
+                            <a:schemeClr val="dk1"/>
+                          </a:solidFill>
+                          <a:effectLst/>
+                          <a:uFillTx/>
+                          <a:latin typeface="+mn-lt"/>
+                          <a:ea typeface="+mn-ea"/>
+                          <a:cs typeface="+mn-cs"/>
+                          <a:sym typeface="Calibri"/>
+                        </a:rPr>
+                        <a:t> </a:t>
+                      </a:r>
+                      <a:r>
+                        <a:rPr lang="pt-BR" sz="2000" b="1" dirty="0">
+                          <a:latin typeface="Times New Roman" panose="02020603050405020304" pitchFamily="18" charset="0"/>
+                          <a:cs typeface="Times New Roman" panose="02020603050405020304" pitchFamily="18" charset="0"/>
+                        </a:rPr>
+                        <a:t>(</a:t>
+                      </a:r>
+                      <a:r>
+                        <a:rPr lang="pt-BR" sz="2000" b="1" dirty="0" err="1">
+                          <a:latin typeface="Times New Roman" panose="02020603050405020304" pitchFamily="18" charset="0"/>
+                          <a:cs typeface="Times New Roman" panose="02020603050405020304" pitchFamily="18" charset="0"/>
+                        </a:rPr>
+                        <a:t>n</a:t>
+                      </a:r>
+                      <a:r>
+                        <a:rPr lang="pt-BR" sz="2000" b="1" baseline="30000" dirty="0" err="1">
+                          <a:latin typeface="Times New Roman" panose="02020603050405020304" pitchFamily="18" charset="0"/>
+                          <a:cs typeface="Times New Roman" panose="02020603050405020304" pitchFamily="18" charset="0"/>
+                        </a:rPr>
+                        <a:t>log</a:t>
+                      </a:r>
+                      <a:r>
+                        <a:rPr lang="pt-BR" sz="2000" b="1" baseline="-25000" dirty="0" err="1">
+                          <a:latin typeface="Times New Roman" panose="02020603050405020304" pitchFamily="18" charset="0"/>
+                          <a:cs typeface="Times New Roman" panose="02020603050405020304" pitchFamily="18" charset="0"/>
+                        </a:rPr>
+                        <a:t>b</a:t>
+                      </a:r>
+                      <a:r>
+                        <a:rPr lang="pt-BR" sz="2000" b="1" baseline="30000" dirty="0">
+                          <a:latin typeface="Times New Roman" panose="02020603050405020304" pitchFamily="18" charset="0"/>
+                          <a:cs typeface="Times New Roman" panose="02020603050405020304" pitchFamily="18" charset="0"/>
+                        </a:rPr>
+                        <a:t> a + </a:t>
+                      </a:r>
+                      <a:r>
+                        <a:rPr lang="pt-BR" sz="2000" b="0" i="0" u="none" strike="noStrike" cap="none" spc="0" baseline="30000" dirty="0">
+                          <a:ln>
+                            <a:noFill/>
+                          </a:ln>
+                          <a:solidFill>
+                            <a:schemeClr val="dk1"/>
+                          </a:solidFill>
+                          <a:effectLst/>
+                          <a:uFillTx/>
+                          <a:latin typeface="Times New Roman" panose="02020603050405020304" pitchFamily="18" charset="0"/>
+                          <a:ea typeface="+mn-ea"/>
+                          <a:cs typeface="Times New Roman" panose="02020603050405020304" pitchFamily="18" charset="0"/>
+                          <a:sym typeface="Calibri"/>
+                        </a:rPr>
+                        <a:t>ε</a:t>
+                      </a:r>
+                      <a:r>
+                        <a:rPr lang="pt-BR" sz="2000" b="1" dirty="0">
+                          <a:latin typeface="Times New Roman" panose="02020603050405020304" pitchFamily="18" charset="0"/>
+                          <a:cs typeface="Times New Roman" panose="02020603050405020304" pitchFamily="18" charset="0"/>
+                        </a:rPr>
+                        <a:t>), reg.</a:t>
+                      </a:r>
+                    </a:p>
+                  </a:txBody>
+                  <a:tcPr anchor="ctr"/>
+                </a:tc>
+                <a:tc>
+                  <a:txBody>
+                    <a:bodyPr/>
+                    <a:lstStyle/>
+                    <a:p>
+                      <a:pPr algn="l">
+                        <a:buNone/>
+                      </a:pPr>
+                      <a:r>
+                        <a:rPr lang="pt-BR" sz="2000" b="1" i="0" u="none" strike="noStrike" cap="none" spc="0" baseline="0" dirty="0">
+                          <a:ln>
+                            <a:noFill/>
+                          </a:ln>
+                          <a:solidFill>
+                            <a:schemeClr val="dk1"/>
+                          </a:solidFill>
+                          <a:effectLst/>
+                          <a:uFillTx/>
+                          <a:latin typeface="Times New Roman" panose="02020603050405020304" pitchFamily="18" charset="0"/>
+                          <a:ea typeface="+mn-ea"/>
+                          <a:cs typeface="Times New Roman" panose="02020603050405020304" pitchFamily="18" charset="0"/>
+                          <a:sym typeface="Calibri"/>
+                        </a:rPr>
+                        <a:t>Θ</a:t>
+                      </a:r>
+                      <a:r>
+                        <a:rPr lang="pt-BR" sz="2000" b="0" i="0" u="none" strike="noStrike" cap="none" spc="0" baseline="0" dirty="0">
+                          <a:ln>
+                            <a:noFill/>
+                          </a:ln>
+                          <a:solidFill>
+                            <a:schemeClr val="dk1"/>
+                          </a:solidFill>
+                          <a:effectLst/>
+                          <a:uFillTx/>
+                          <a:latin typeface="Times New Roman" panose="02020603050405020304" pitchFamily="18" charset="0"/>
+                          <a:ea typeface="+mn-ea"/>
+                          <a:cs typeface="Times New Roman" panose="02020603050405020304" pitchFamily="18" charset="0"/>
+                          <a:sym typeface="Calibri"/>
+                        </a:rPr>
+                        <a:t> </a:t>
+                      </a:r>
+                      <a:r>
+                        <a:rPr lang="pt-BR" sz="2000" b="1" dirty="0">
+                          <a:latin typeface="Times New Roman" panose="02020603050405020304" pitchFamily="18" charset="0"/>
+                          <a:cs typeface="Times New Roman" panose="02020603050405020304" pitchFamily="18" charset="0"/>
+                        </a:rPr>
+                        <a:t>(f(n))</a:t>
+                      </a:r>
+                    </a:p>
+                  </a:txBody>
+                  <a:tcPr anchor="ctr"/>
+                </a:tc>
+                <a:tc>
+                  <a:txBody>
+                    <a:bodyPr/>
+                    <a:lstStyle/>
+                    <a:p>
+                      <a:pPr algn="l">
+                        <a:buNone/>
+                      </a:pPr>
+                      <a:r>
+                        <a:rPr lang="pt-BR" sz="2000" b="1" dirty="0">
+                          <a:latin typeface="Times New Roman" panose="02020603050405020304" pitchFamily="18" charset="0"/>
+                          <a:cs typeface="Times New Roman" panose="02020603050405020304" pitchFamily="18" charset="0"/>
+                        </a:rPr>
+                        <a:t>Termo externo domina</a:t>
+                      </a:r>
+                    </a:p>
+                  </a:txBody>
+                  <a:tcPr anchor="ctr"/>
+                </a:tc>
+                <a:extLst>
+                  <a:ext uri="{0D108BD9-81ED-4DB2-BD59-A6C34878D82A}">
+                    <a16:rowId xmlns:a16="http://schemas.microsoft.com/office/drawing/2014/main" val="4009579495"/>
+                  </a:ext>
+                </a:extLst>
+              </a:tr>
+            </a:tbl>
+          </a:graphicData>
+        </a:graphic>
+      </p:graphicFrame>
+    </p:spTree>
+    <p:extLst>
+      <p:ext uri="{BB962C8B-B14F-4D97-AF65-F5344CB8AC3E}">
+        <p14:creationId xmlns:p14="http://schemas.microsoft.com/office/powerpoint/2010/main" val="2781899793"/>
+      </p:ext>
+    </p:extLst>
+  </p:cSld>
+  <p:clrMapOvr>
+    <a:masterClrMapping/>
+  </p:clrMapOvr>
+  <p:transition spd="med"/>
+</p:sld>
+</file>
+
+<file path=ppt/slides/slide9.xml><?xml version="1.0" encoding="utf-8"?>
 <p:sld xmlns:a="http://schemas.openxmlformats.org/drawingml/2006/main" xmlns:r="http://schemas.openxmlformats.org/officeDocument/2006/relationships" xmlns:p="http://schemas.openxmlformats.org/presentationml/2006/main">
   <p:cSld>
     <p:spTree>
@@ -10347,8 +13134,8 @@
             </p:nvSpPr>
             <p:spPr>
               <a:xfrm>
-                <a:off x="142865" y="1200150"/>
-                <a:ext cx="8865056" cy="3737370"/>
+                <a:off x="142865" y="1011892"/>
+                <a:ext cx="8865056" cy="3925628"/>
               </a:xfrm>
             </p:spPr>
             <p:txBody>
@@ -10361,48 +13148,398 @@
                   <a:buNone/>
                 </a:pPr>
                 <a:r>
-                  <a:rPr lang="pt-BR" sz="2200" b="1" dirty="0">
+                  <a:rPr lang="pt-BR" sz="2000" b="1" dirty="0">
+                    <a:solidFill>
+                      <a:schemeClr val="tx1"/>
+                    </a:solidFill>
+                    <a:latin typeface="Times New Roman" panose="02020603050405020304" pitchFamily="18" charset="0"/>
+                    <a:cs typeface="Times New Roman" panose="02020603050405020304" pitchFamily="18" charset="0"/>
+                  </a:rPr>
+                  <a:t>Caso Particular </a:t>
+                </a:r>
+                <a:r>
+                  <a:rPr lang="pt-BR" sz="2000" b="1" dirty="0">
                     <a:solidFill>
                       <a:srgbClr val="FF0000"/>
                     </a:solidFill>
                     <a:latin typeface="Times New Roman" panose="02020603050405020304" pitchFamily="18" charset="0"/>
                     <a:cs typeface="Times New Roman" panose="02020603050405020304" pitchFamily="18" charset="0"/>
                   </a:rPr>
-                  <a:t>Resumindo os três casos</a:t>
+                  <a:t>p/ os três casos</a:t>
                 </a:r>
                 <a:r>
-                  <a:rPr lang="pt-BR" sz="2200" dirty="0">
+                  <a:rPr lang="pt-BR" sz="2000" dirty="0">
                     <a:latin typeface="Times New Roman" panose="02020603050405020304" pitchFamily="18" charset="0"/>
                     <a:cs typeface="Times New Roman" panose="02020603050405020304" pitchFamily="18" charset="0"/>
                   </a:rPr>
-                  <a:t>:</a:t>
+                  <a:t>: Essa forma </a:t>
                 </a:r>
+                <a:r>
+                  <a:rPr lang="pt-BR" sz="2000" b="1" dirty="0">
+                    <a:latin typeface="Times New Roman" panose="02020603050405020304" pitchFamily="18" charset="0"/>
+                    <a:cs typeface="Times New Roman" panose="02020603050405020304" pitchFamily="18" charset="0"/>
+                  </a:rPr>
+                  <a:t>só funciona</a:t>
+                </a:r>
+                <a:r>
+                  <a:rPr lang="pt-BR" sz="2000" dirty="0">
+                    <a:latin typeface="Times New Roman" panose="02020603050405020304" pitchFamily="18" charset="0"/>
+                    <a:cs typeface="Times New Roman" panose="02020603050405020304" pitchFamily="18" charset="0"/>
+                  </a:rPr>
+                  <a:t> </a:t>
+                </a:r>
+                <a:r>
+                  <a:rPr lang="pt-BR" sz="2000" b="1" dirty="0">
+                    <a:latin typeface="Times New Roman" panose="02020603050405020304" pitchFamily="18" charset="0"/>
+                    <a:cs typeface="Times New Roman" panose="02020603050405020304" pitchFamily="18" charset="0"/>
+                  </a:rPr>
+                  <a:t>nesse caso específico</a:t>
+                </a:r>
+                <a:r>
+                  <a:rPr lang="pt-BR" sz="2000" dirty="0">
+                    <a:latin typeface="Times New Roman" panose="02020603050405020304" pitchFamily="18" charset="0"/>
+                    <a:cs typeface="Times New Roman" panose="02020603050405020304" pitchFamily="18" charset="0"/>
+                  </a:rPr>
+                  <a:t> em que </a:t>
+                </a:r>
+                <a14:m>
+                  <m:oMath xmlns:m="http://schemas.openxmlformats.org/officeDocument/2006/math">
+                    <m:r>
+                      <a:rPr lang="pt-BR" sz="2000" b="1" i="1" smtClean="0">
+                        <a:solidFill>
+                          <a:schemeClr val="tx1"/>
+                        </a:solidFill>
+                        <a:highlight>
+                          <a:srgbClr val="FFFF00"/>
+                        </a:highlight>
+                      </a:rPr>
+                      <m:t>𝒇</m:t>
+                    </m:r>
+                    <m:d>
+                      <m:dPr>
+                        <m:ctrlPr>
+                          <a:rPr lang="ar-AE" sz="2000" b="1" i="1">
+                            <a:solidFill>
+                              <a:schemeClr val="tx1"/>
+                            </a:solidFill>
+                            <a:highlight>
+                              <a:srgbClr val="FFFF00"/>
+                            </a:highlight>
+                          </a:rPr>
+                        </m:ctrlPr>
+                      </m:dPr>
+                      <m:e>
+                        <m:r>
+                          <a:rPr lang="ar-AE" sz="2000" b="1" i="1">
+                            <a:solidFill>
+                              <a:schemeClr val="tx1"/>
+                            </a:solidFill>
+                            <a:highlight>
+                              <a:srgbClr val="FFFF00"/>
+                            </a:highlight>
+                          </a:rPr>
+                          <m:t>𝒏</m:t>
+                        </m:r>
+                      </m:e>
+                    </m:d>
+                    <m:r>
+                      <a:rPr lang="ar-AE" sz="2000" b="1">
+                        <a:solidFill>
+                          <a:schemeClr val="tx1"/>
+                        </a:solidFill>
+                        <a:highlight>
+                          <a:srgbClr val="FFFF00"/>
+                        </a:highlight>
+                      </a:rPr>
+                      <m:t>=</m:t>
+                    </m:r>
+                    <m:sSup>
+                      <m:sSupPr>
+                        <m:ctrlPr>
+                          <a:rPr lang="ar-AE" sz="2000" b="1" i="1">
+                            <a:solidFill>
+                              <a:schemeClr val="tx1"/>
+                            </a:solidFill>
+                            <a:highlight>
+                              <a:srgbClr val="FFFF00"/>
+                            </a:highlight>
+                          </a:rPr>
+                        </m:ctrlPr>
+                      </m:sSupPr>
+                      <m:e>
+                        <m:r>
+                          <a:rPr lang="ar-AE" sz="2000" b="1" i="1">
+                            <a:solidFill>
+                              <a:schemeClr val="tx1"/>
+                            </a:solidFill>
+                            <a:highlight>
+                              <a:srgbClr val="FFFF00"/>
+                            </a:highlight>
+                          </a:rPr>
+                          <m:t>𝒏</m:t>
+                        </m:r>
+                      </m:e>
+                      <m:sup>
+                        <m:r>
+                          <a:rPr lang="ar-AE" sz="2000" b="1" i="1">
+                            <a:solidFill>
+                              <a:schemeClr val="tx1"/>
+                            </a:solidFill>
+                            <a:highlight>
+                              <a:srgbClr val="FFFF00"/>
+                            </a:highlight>
+                          </a:rPr>
+                          <m:t>𝒌</m:t>
+                        </m:r>
+                      </m:sup>
+                    </m:sSup>
+                  </m:oMath>
+                </a14:m>
+                <a:r>
+                  <a:rPr lang="ar-AE" sz="2000" dirty="0">
+                    <a:latin typeface="Times New Roman" panose="02020603050405020304" pitchFamily="18" charset="0"/>
+                    <a:cs typeface="Times New Roman" panose="02020603050405020304" pitchFamily="18" charset="0"/>
+                  </a:rPr>
+                  <a:t>.</a:t>
+                </a:r>
+                <a:r>
+                  <a:rPr lang="pt-BR" sz="2000" dirty="0">
+                    <a:latin typeface="Times New Roman" panose="02020603050405020304" pitchFamily="18" charset="0"/>
+                    <a:cs typeface="Times New Roman" panose="02020603050405020304" pitchFamily="18" charset="0"/>
+                  </a:rPr>
+                  <a:t> Mas </a:t>
+                </a:r>
+                <a:r>
+                  <a:rPr lang="pt-BR" sz="2000" b="1" dirty="0">
+                    <a:solidFill>
+                      <a:srgbClr val="FF0000"/>
+                    </a:solidFill>
+                    <a:latin typeface="Times New Roman" panose="02020603050405020304" pitchFamily="18" charset="0"/>
+                    <a:cs typeface="Times New Roman" panose="02020603050405020304" pitchFamily="18" charset="0"/>
+                  </a:rPr>
+                  <a:t>não é o Teorema Mestre completo</a:t>
+                </a:r>
+                <a:r>
+                  <a:rPr lang="pt-BR" sz="2000" dirty="0">
+                    <a:latin typeface="Times New Roman" panose="02020603050405020304" pitchFamily="18" charset="0"/>
+                    <a:cs typeface="Times New Roman" panose="02020603050405020304" pitchFamily="18" charset="0"/>
+                  </a:rPr>
+                  <a:t>, apenas um </a:t>
+                </a:r>
+                <a:r>
+                  <a:rPr lang="pt-BR" sz="2000" b="1" dirty="0">
+                    <a:solidFill>
+                      <a:srgbClr val="FF0000"/>
+                    </a:solidFill>
+                    <a:latin typeface="Times New Roman" panose="02020603050405020304" pitchFamily="18" charset="0"/>
+                    <a:cs typeface="Times New Roman" panose="02020603050405020304" pitchFamily="18" charset="0"/>
+                  </a:rPr>
+                  <a:t>caso particular</a:t>
+                </a:r>
+                <a:r>
+                  <a:rPr lang="ar-AE" sz="2000" dirty="0">
+                    <a:latin typeface="Times New Roman" panose="02020603050405020304" pitchFamily="18" charset="0"/>
+                    <a:cs typeface="Times New Roman" panose="02020603050405020304" pitchFamily="18" charset="0"/>
+                  </a:rPr>
+                  <a:t>.</a:t>
+                </a:r>
+                <a:endParaRPr lang="pt-BR" sz="2000" dirty="0">
+                  <a:latin typeface="Times New Roman" panose="02020603050405020304" pitchFamily="18" charset="0"/>
+                  <a:cs typeface="Times New Roman" panose="02020603050405020304" pitchFamily="18" charset="0"/>
+                </a:endParaRPr>
+              </a:p>
+              <a:p>
+                <a:pPr marL="0" indent="0">
+                  <a:buNone/>
+                </a:pPr>
+                <a14:m>
+                  <m:oMathPara xmlns:m="http://schemas.openxmlformats.org/officeDocument/2006/math">
+                    <m:oMathParaPr>
+                      <m:jc m:val="left"/>
+                    </m:oMathParaPr>
+                    <m:oMath xmlns:m="http://schemas.openxmlformats.org/officeDocument/2006/math">
+                      <m:r>
+                        <a:rPr lang="pt-BR" sz="2000" b="1" i="1">
+                          <a:solidFill>
+                            <a:srgbClr val="FF0000"/>
+                          </a:solidFill>
+                          <a:latin typeface="Cambria Math" panose="02040503050406030204" pitchFamily="18" charset="0"/>
+                        </a:rPr>
+                        <m:t>𝑻</m:t>
+                      </m:r>
+                      <m:r>
+                        <a:rPr lang="pt-BR" sz="2000" b="1" i="1">
+                          <a:solidFill>
+                            <a:srgbClr val="FF0000"/>
+                          </a:solidFill>
+                          <a:latin typeface="Cambria Math" panose="02040503050406030204" pitchFamily="18" charset="0"/>
+                        </a:rPr>
+                        <m:t>(</m:t>
+                      </m:r>
+                      <m:r>
+                        <a:rPr lang="pt-BR" sz="2000" b="1" i="1">
+                          <a:solidFill>
+                            <a:srgbClr val="FF0000"/>
+                          </a:solidFill>
+                          <a:latin typeface="Cambria Math" panose="02040503050406030204" pitchFamily="18" charset="0"/>
+                        </a:rPr>
+                        <m:t>𝒏</m:t>
+                      </m:r>
+                      <m:r>
+                        <a:rPr lang="pt-BR" sz="2000" b="1" i="1">
+                          <a:solidFill>
+                            <a:srgbClr val="FF0000"/>
+                          </a:solidFill>
+                          <a:latin typeface="Cambria Math" panose="02040503050406030204" pitchFamily="18" charset="0"/>
+                        </a:rPr>
+                        <m:t>)=</m:t>
+                      </m:r>
+                      <m:r>
+                        <a:rPr lang="pt-BR" sz="2000" b="1" i="1">
+                          <a:solidFill>
+                            <a:srgbClr val="FF0000"/>
+                          </a:solidFill>
+                          <a:latin typeface="Cambria Math" panose="02040503050406030204" pitchFamily="18" charset="0"/>
+                        </a:rPr>
+                        <m:t>𝒂</m:t>
+                      </m:r>
+                      <m:r>
+                        <a:rPr lang="pt-BR" sz="2000" b="1" i="1">
+                          <a:solidFill>
+                            <a:srgbClr val="FF0000"/>
+                          </a:solidFill>
+                          <a:latin typeface="Cambria Math" panose="02040503050406030204" pitchFamily="18" charset="0"/>
+                        </a:rPr>
+                        <m:t>⋅</m:t>
+                      </m:r>
+                      <m:r>
+                        <a:rPr lang="pt-BR" sz="2000" b="1" i="1">
+                          <a:solidFill>
+                            <a:srgbClr val="FF0000"/>
+                          </a:solidFill>
+                          <a:latin typeface="Cambria Math" panose="02040503050406030204" pitchFamily="18" charset="0"/>
+                        </a:rPr>
+                        <m:t>𝑻</m:t>
+                      </m:r>
+                      <m:r>
+                        <a:rPr lang="pt-BR" sz="2000" b="1" i="1">
+                          <a:solidFill>
+                            <a:srgbClr val="FF0000"/>
+                          </a:solidFill>
+                          <a:latin typeface="Cambria Math" panose="02040503050406030204" pitchFamily="18" charset="0"/>
+                        </a:rPr>
+                        <m:t>(</m:t>
+                      </m:r>
+                      <m:f>
+                        <m:fPr>
+                          <m:ctrlPr>
+                            <a:rPr lang="pt-BR" sz="2000" b="1" i="1">
+                              <a:solidFill>
+                                <a:srgbClr val="FF0000"/>
+                              </a:solidFill>
+                              <a:latin typeface="Cambria Math" panose="02040503050406030204" pitchFamily="18" charset="0"/>
+                            </a:rPr>
+                          </m:ctrlPr>
+                        </m:fPr>
+                        <m:num>
+                          <m:r>
+                            <a:rPr lang="pt-BR" sz="2000" b="1" i="1">
+                              <a:solidFill>
+                                <a:srgbClr val="FF0000"/>
+                              </a:solidFill>
+                              <a:latin typeface="Cambria Math" panose="02040503050406030204" pitchFamily="18" charset="0"/>
+                            </a:rPr>
+                            <m:t>𝒏</m:t>
+                          </m:r>
+                        </m:num>
+                        <m:den>
+                          <m:r>
+                            <a:rPr lang="pt-BR" sz="2000" b="1" i="1">
+                              <a:solidFill>
+                                <a:srgbClr val="FF0000"/>
+                              </a:solidFill>
+                              <a:latin typeface="Cambria Math" panose="02040503050406030204" pitchFamily="18" charset="0"/>
+                            </a:rPr>
+                            <m:t>𝒃</m:t>
+                          </m:r>
+                        </m:den>
+                      </m:f>
+                      <m:r>
+                        <a:rPr lang="pt-BR" sz="2000" b="1" i="1">
+                          <a:solidFill>
+                            <a:srgbClr val="FF0000"/>
+                          </a:solidFill>
+                          <a:latin typeface="Cambria Math" panose="02040503050406030204" pitchFamily="18" charset="0"/>
+                        </a:rPr>
+                        <m:t>)+</m:t>
+                      </m:r>
+                      <m:r>
+                        <a:rPr lang="pt-BR" sz="2000" b="1" i="1">
+                          <a:latin typeface="Cambria Math" panose="02040503050406030204" pitchFamily="18" charset="0"/>
+                        </a:rPr>
+                        <m:t>𝜣</m:t>
+                      </m:r>
+                      <m:r>
+                        <a:rPr lang="pt-BR" sz="2000" b="1" i="1" smtClean="0">
+                          <a:latin typeface="Cambria Math" panose="02040503050406030204" pitchFamily="18" charset="0"/>
+                        </a:rPr>
+                        <m:t>(</m:t>
+                      </m:r>
+                      <m:r>
+                        <a:rPr lang="pt-BR" sz="2000" b="1" i="1" smtClean="0">
+                          <a:latin typeface="Cambria Math" panose="02040503050406030204" pitchFamily="18" charset="0"/>
+                        </a:rPr>
+                        <m:t>𝒏𝒌</m:t>
+                      </m:r>
+                      <m:r>
+                        <a:rPr lang="pt-BR" sz="2000" b="1" i="1" smtClean="0">
+                          <a:latin typeface="Cambria Math" panose="02040503050406030204" pitchFamily="18" charset="0"/>
+                        </a:rPr>
+                        <m:t>)</m:t>
+                      </m:r>
+                    </m:oMath>
+                  </m:oMathPara>
+                </a14:m>
+                <a:endParaRPr lang="pt-BR" sz="2000" b="1" dirty="0">
+                  <a:latin typeface="Times New Roman" panose="02020603050405020304" pitchFamily="18" charset="0"/>
+                  <a:cs typeface="Times New Roman" panose="02020603050405020304" pitchFamily="18" charset="0"/>
+                </a:endParaRPr>
               </a:p>
               <a:p>
                 <a:pPr lvl="0"/>
                 <a:r>
-                  <a:rPr lang="pt-BR" sz="2200" b="1" dirty="0">
+                  <a:rPr lang="pt-BR" sz="2000" b="1" dirty="0">
+                    <a:solidFill>
+                      <a:srgbClr val="FF0000"/>
+                    </a:solidFill>
                     <a:latin typeface="Times New Roman" panose="02020603050405020304" pitchFamily="18" charset="0"/>
                     <a:cs typeface="Times New Roman" panose="02020603050405020304" pitchFamily="18" charset="0"/>
                   </a:rPr>
-                  <a:t>se a &gt; </a:t>
+                  <a:t>Caso 1</a:t>
                 </a:r>
                 <a:r>
-                  <a:rPr lang="pt-BR" sz="2200" b="1" dirty="0" err="1">
+                  <a:rPr lang="pt-BR" sz="2000" b="1" dirty="0">
+                    <a:latin typeface="Times New Roman" panose="02020603050405020304" pitchFamily="18" charset="0"/>
+                    <a:cs typeface="Times New Roman" panose="02020603050405020304" pitchFamily="18" charset="0"/>
+                  </a:rPr>
+                  <a:t>: se a &gt; </a:t>
+                </a:r>
+                <a:r>
+                  <a:rPr lang="pt-BR" sz="2000" b="1" dirty="0" err="1">
                     <a:latin typeface="Times New Roman" panose="02020603050405020304" pitchFamily="18" charset="0"/>
                     <a:cs typeface="Times New Roman" panose="02020603050405020304" pitchFamily="18" charset="0"/>
                   </a:rPr>
                   <a:t>b</a:t>
                 </a:r>
                 <a:r>
-                  <a:rPr lang="pt-BR" sz="2200" b="1" baseline="30000" dirty="0" err="1">
+                  <a:rPr lang="pt-BR" sz="2000" b="1" baseline="30000" dirty="0" err="1">
                     <a:latin typeface="Times New Roman" panose="02020603050405020304" pitchFamily="18" charset="0"/>
                     <a:cs typeface="Times New Roman" panose="02020603050405020304" pitchFamily="18" charset="0"/>
                   </a:rPr>
                   <a:t>k</a:t>
                 </a:r>
                 <a:r>
-                  <a:rPr lang="pt-BR" sz="2200" dirty="0">
+                  <a:rPr lang="pt-BR" sz="2000" dirty="0">
                     <a:latin typeface="Times New Roman" panose="02020603050405020304" pitchFamily="18" charset="0"/>
                     <a:cs typeface="Times New Roman" panose="02020603050405020304" pitchFamily="18" charset="0"/>
                   </a:rPr>
@@ -10411,22 +13548,30 @@
                 <a14:m>
                   <m:oMath xmlns:m="http://schemas.openxmlformats.org/officeDocument/2006/math">
                     <m:r>
-                      <a:rPr lang="pt-BR" sz="2200" b="1" i="1"/>
+                      <a:rPr lang="pt-BR" sz="2000" b="1" i="1">
+                        <a:latin typeface="Cambria Math" panose="02040503050406030204" pitchFamily="18" charset="0"/>
+                      </a:rPr>
                       <m:t>𝜣</m:t>
                     </m:r>
                     <m:r>
-                      <a:rPr lang="pt-BR" sz="2200" b="1" i="1"/>
+                      <a:rPr lang="pt-BR" sz="2000" b="1" i="1">
+                        <a:latin typeface="Cambria Math" panose="02040503050406030204" pitchFamily="18" charset="0"/>
+                      </a:rPr>
                       <m:t>(</m:t>
                     </m:r>
                     <m:sSup>
                       <m:sSupPr>
                         <m:ctrlPr>
-                          <a:rPr lang="pt-BR" sz="2200" b="1" i="1"/>
+                          <a:rPr lang="pt-BR" sz="2000" b="1" i="1">
+                            <a:latin typeface="Cambria Math" panose="02040503050406030204" pitchFamily="18" charset="0"/>
+                          </a:rPr>
                         </m:ctrlPr>
                       </m:sSupPr>
                       <m:e>
                         <m:r>
-                          <a:rPr lang="pt-BR" sz="2200" b="1" i="1"/>
+                          <a:rPr lang="pt-BR" sz="2000" b="1" i="1">
+                            <a:latin typeface="Cambria Math" panose="02040503050406030204" pitchFamily="18" charset="0"/>
+                          </a:rPr>
                           <m:t>𝒏</m:t>
                         </m:r>
                       </m:e>
@@ -10434,35 +13579,45 @@
                         <m:sSub>
                           <m:sSubPr>
                             <m:ctrlPr>
-                              <a:rPr lang="pt-BR" sz="2200" b="1" i="1"/>
+                              <a:rPr lang="pt-BR" sz="2000" b="1" i="1">
+                                <a:latin typeface="Cambria Math" panose="02040503050406030204" pitchFamily="18" charset="0"/>
+                              </a:rPr>
                             </m:ctrlPr>
                           </m:sSubPr>
                           <m:e>
                             <m:r>
-                              <a:rPr lang="pt-BR" sz="2200" b="1" i="1"/>
+                              <a:rPr lang="pt-BR" sz="2000" b="1" i="1">
+                                <a:latin typeface="Cambria Math" panose="02040503050406030204" pitchFamily="18" charset="0"/>
+                              </a:rPr>
                               <m:t>𝒍𝒐𝒈</m:t>
                             </m:r>
                           </m:e>
                           <m:sub>
                             <m:r>
-                              <a:rPr lang="pt-BR" sz="2200" b="1" i="1"/>
+                              <a:rPr lang="pt-BR" sz="2000" b="1" i="1">
+                                <a:latin typeface="Cambria Math" panose="02040503050406030204" pitchFamily="18" charset="0"/>
+                              </a:rPr>
                               <m:t>𝒃</m:t>
                             </m:r>
                           </m:sub>
                         </m:sSub>
                         <m:r>
-                          <a:rPr lang="pt-BR" sz="2200" b="1" i="1"/>
+                          <a:rPr lang="pt-BR" sz="2000" b="1" i="1">
+                            <a:latin typeface="Cambria Math" panose="02040503050406030204" pitchFamily="18" charset="0"/>
+                          </a:rPr>
                           <m:t>𝒂</m:t>
                         </m:r>
                       </m:sup>
                     </m:sSup>
                     <m:r>
-                      <a:rPr lang="pt-BR" sz="2200" b="1" i="1"/>
+                      <a:rPr lang="pt-BR" sz="2000" b="1" i="1">
+                        <a:latin typeface="Cambria Math" panose="02040503050406030204" pitchFamily="18" charset="0"/>
+                      </a:rPr>
                       <m:t>)</m:t>
                     </m:r>
                   </m:oMath>
                 </a14:m>
-                <a:endParaRPr lang="pt-BR" sz="2200" dirty="0">
+                <a:endParaRPr lang="pt-BR" sz="2000" dirty="0">
                   <a:latin typeface="Times New Roman" panose="02020603050405020304" pitchFamily="18" charset="0"/>
                   <a:cs typeface="Times New Roman" panose="02020603050405020304" pitchFamily="18" charset="0"/>
                 </a:endParaRPr>
@@ -10470,28 +13625,38 @@
               <a:p>
                 <a:pPr lvl="0"/>
                 <a:r>
-                  <a:rPr lang="pt-BR" sz="2200" b="1" dirty="0">
+                  <a:rPr lang="pt-BR" sz="2000" b="1" dirty="0">
+                    <a:solidFill>
+                      <a:srgbClr val="FF0000"/>
+                    </a:solidFill>
                     <a:latin typeface="Times New Roman" panose="02020603050405020304" pitchFamily="18" charset="0"/>
                     <a:cs typeface="Times New Roman" panose="02020603050405020304" pitchFamily="18" charset="0"/>
                   </a:rPr>
-                  <a:t>se a = </a:t>
+                  <a:t>Caso 2</a:t>
                 </a:r>
                 <a:r>
-                  <a:rPr lang="pt-BR" sz="2200" b="1" dirty="0" err="1">
+                  <a:rPr lang="pt-BR" sz="2000" b="1" dirty="0">
+                    <a:latin typeface="Times New Roman" panose="02020603050405020304" pitchFamily="18" charset="0"/>
+                    <a:cs typeface="Times New Roman" panose="02020603050405020304" pitchFamily="18" charset="0"/>
+                  </a:rPr>
+                  <a:t>: se a = </a:t>
+                </a:r>
+                <a:r>
+                  <a:rPr lang="pt-BR" sz="2000" b="1" dirty="0" err="1">
                     <a:latin typeface="Times New Roman" panose="02020603050405020304" pitchFamily="18" charset="0"/>
                     <a:cs typeface="Times New Roman" panose="02020603050405020304" pitchFamily="18" charset="0"/>
                   </a:rPr>
                   <a:t>b</a:t>
                 </a:r>
                 <a:r>
-                  <a:rPr lang="pt-BR" sz="2200" b="1" baseline="30000" dirty="0" err="1">
+                  <a:rPr lang="pt-BR" sz="2000" b="1" baseline="30000" dirty="0" err="1">
                     <a:latin typeface="Times New Roman" panose="02020603050405020304" pitchFamily="18" charset="0"/>
                     <a:cs typeface="Times New Roman" panose="02020603050405020304" pitchFamily="18" charset="0"/>
                   </a:rPr>
                   <a:t>k</a:t>
                 </a:r>
                 <a:r>
-                  <a:rPr lang="pt-BR" sz="2200" dirty="0">
+                  <a:rPr lang="pt-BR" sz="2000" dirty="0">
                     <a:latin typeface="Times New Roman" panose="02020603050405020304" pitchFamily="18" charset="0"/>
                     <a:cs typeface="Times New Roman" panose="02020603050405020304" pitchFamily="18" charset="0"/>
                   </a:rPr>
@@ -10500,44 +13665,56 @@
                 <a14:m>
                   <m:oMath xmlns:m="http://schemas.openxmlformats.org/officeDocument/2006/math">
                     <m:r>
-                      <a:rPr lang="pt-BR" sz="2200" b="1" i="1"/>
+                      <a:rPr lang="pt-BR" sz="2000" b="1" i="1">
+                        <a:latin typeface="Cambria Math" panose="02040503050406030204" pitchFamily="18" charset="0"/>
+                      </a:rPr>
                       <m:t>𝜣</m:t>
                     </m:r>
                     <m:d>
                       <m:dPr>
                         <m:ctrlPr>
-                          <a:rPr lang="pt-BR" sz="2200" b="1" i="1"/>
+                          <a:rPr lang="pt-BR" sz="2000" b="1" i="1">
+                            <a:latin typeface="Cambria Math" panose="02040503050406030204" pitchFamily="18" charset="0"/>
+                          </a:rPr>
                         </m:ctrlPr>
                       </m:dPr>
                       <m:e>
                         <m:sSup>
                           <m:sSupPr>
                             <m:ctrlPr>
-                              <a:rPr lang="pt-BR" sz="2200" b="1" i="1"/>
+                              <a:rPr lang="pt-BR" sz="2000" b="1" i="1">
+                                <a:latin typeface="Cambria Math" panose="02040503050406030204" pitchFamily="18" charset="0"/>
+                              </a:rPr>
                             </m:ctrlPr>
                           </m:sSupPr>
                           <m:e>
                             <m:r>
-                              <a:rPr lang="pt-BR" sz="2200" b="1" i="1"/>
+                              <a:rPr lang="pt-BR" sz="2000" b="1" i="1">
+                                <a:latin typeface="Cambria Math" panose="02040503050406030204" pitchFamily="18" charset="0"/>
+                              </a:rPr>
                               <m:t>𝒏</m:t>
                             </m:r>
                           </m:e>
                           <m:sup>
                             <m:r>
-                              <a:rPr lang="pt-BR" sz="2200" b="1" i="1"/>
+                              <a:rPr lang="pt-BR" sz="2000" b="1" i="1">
+                                <a:latin typeface="Cambria Math" panose="02040503050406030204" pitchFamily="18" charset="0"/>
+                              </a:rPr>
                               <m:t>𝒌</m:t>
                             </m:r>
                           </m:sup>
                         </m:sSup>
                         <m:r>
-                          <a:rPr lang="pt-BR" sz="2200" b="1" i="1"/>
+                          <a:rPr lang="pt-BR" sz="2000" b="1" i="1">
+                            <a:latin typeface="Cambria Math" panose="02040503050406030204" pitchFamily="18" charset="0"/>
+                          </a:rPr>
                           <m:t>𝒍𝒐𝒈𝒏</m:t>
                         </m:r>
                       </m:e>
                     </m:d>
                   </m:oMath>
                 </a14:m>
-                <a:endParaRPr lang="pt-BR" sz="2200" dirty="0">
+                <a:endParaRPr lang="pt-BR" sz="2000" dirty="0">
                   <a:latin typeface="Times New Roman" panose="02020603050405020304" pitchFamily="18" charset="0"/>
                   <a:cs typeface="Times New Roman" panose="02020603050405020304" pitchFamily="18" charset="0"/>
                 </a:endParaRPr>
@@ -10545,28 +13722,38 @@
               <a:p>
                 <a:pPr lvl="0"/>
                 <a:r>
-                  <a:rPr lang="pt-BR" sz="2200" b="1" dirty="0">
+                  <a:rPr lang="pt-BR" sz="2000" b="1" dirty="0">
+                    <a:solidFill>
+                      <a:srgbClr val="FF0000"/>
+                    </a:solidFill>
                     <a:latin typeface="Times New Roman" panose="02020603050405020304" pitchFamily="18" charset="0"/>
                     <a:cs typeface="Times New Roman" panose="02020603050405020304" pitchFamily="18" charset="0"/>
                   </a:rPr>
-                  <a:t>se a &lt; </a:t>
+                  <a:t>Caso 3</a:t>
                 </a:r>
                 <a:r>
-                  <a:rPr lang="pt-BR" sz="2200" b="1" dirty="0" err="1">
+                  <a:rPr lang="pt-BR" sz="2000" b="1" dirty="0">
+                    <a:latin typeface="Times New Roman" panose="02020603050405020304" pitchFamily="18" charset="0"/>
+                    <a:cs typeface="Times New Roman" panose="02020603050405020304" pitchFamily="18" charset="0"/>
+                  </a:rPr>
+                  <a:t>: se a &lt; </a:t>
+                </a:r>
+                <a:r>
+                  <a:rPr lang="pt-BR" sz="2000" b="1" dirty="0" err="1">
                     <a:latin typeface="Times New Roman" panose="02020603050405020304" pitchFamily="18" charset="0"/>
                     <a:cs typeface="Times New Roman" panose="02020603050405020304" pitchFamily="18" charset="0"/>
                   </a:rPr>
                   <a:t>b</a:t>
                 </a:r>
                 <a:r>
-                  <a:rPr lang="pt-BR" sz="2200" b="1" baseline="30000" dirty="0" err="1">
+                  <a:rPr lang="pt-BR" sz="2000" b="1" baseline="30000" dirty="0" err="1">
                     <a:latin typeface="Times New Roman" panose="02020603050405020304" pitchFamily="18" charset="0"/>
                     <a:cs typeface="Times New Roman" panose="02020603050405020304" pitchFamily="18" charset="0"/>
                   </a:rPr>
                   <a:t>k</a:t>
                 </a:r>
                 <a:r>
-                  <a:rPr lang="pt-BR" sz="2200" dirty="0">
+                  <a:rPr lang="pt-BR" sz="2000" dirty="0">
                     <a:latin typeface="Times New Roman" panose="02020603050405020304" pitchFamily="18" charset="0"/>
                     <a:cs typeface="Times New Roman" panose="02020603050405020304" pitchFamily="18" charset="0"/>
                   </a:rPr>
@@ -10575,31 +13762,41 @@
                 <a14:m>
                   <m:oMath xmlns:m="http://schemas.openxmlformats.org/officeDocument/2006/math">
                     <m:r>
-                      <a:rPr lang="pt-BR" sz="2200" b="1" i="1"/>
+                      <a:rPr lang="pt-BR" sz="2000" b="1" i="1">
+                        <a:latin typeface="Cambria Math" panose="02040503050406030204" pitchFamily="18" charset="0"/>
+                      </a:rPr>
                       <m:t>𝜣</m:t>
                     </m:r>
                     <m:d>
                       <m:dPr>
                         <m:ctrlPr>
-                          <a:rPr lang="pt-BR" sz="2200" b="1" i="1"/>
+                          <a:rPr lang="pt-BR" sz="2000" b="1" i="1">
+                            <a:latin typeface="Cambria Math" panose="02040503050406030204" pitchFamily="18" charset="0"/>
+                          </a:rPr>
                         </m:ctrlPr>
                       </m:dPr>
                       <m:e>
                         <m:sSup>
                           <m:sSupPr>
                             <m:ctrlPr>
-                              <a:rPr lang="pt-BR" sz="2200" b="1" i="1"/>
+                              <a:rPr lang="pt-BR" sz="2000" b="1" i="1">
+                                <a:latin typeface="Cambria Math" panose="02040503050406030204" pitchFamily="18" charset="0"/>
+                              </a:rPr>
                             </m:ctrlPr>
                           </m:sSupPr>
                           <m:e>
                             <m:r>
-                              <a:rPr lang="pt-BR" sz="2200" b="1" i="1"/>
+                              <a:rPr lang="pt-BR" sz="2000" b="1" i="1">
+                                <a:latin typeface="Cambria Math" panose="02040503050406030204" pitchFamily="18" charset="0"/>
+                              </a:rPr>
                               <m:t>𝒏</m:t>
                             </m:r>
                           </m:e>
                           <m:sup>
                             <m:r>
-                              <a:rPr lang="pt-BR" sz="2200" b="1" i="1"/>
+                              <a:rPr lang="pt-BR" sz="2000" b="1" i="1">
+                                <a:latin typeface="Cambria Math" panose="02040503050406030204" pitchFamily="18" charset="0"/>
+                              </a:rPr>
                               <m:t>𝒌</m:t>
                             </m:r>
                           </m:sup>
@@ -10608,7 +13805,7 @@
                     </m:d>
                   </m:oMath>
                 </a14:m>
-                <a:endParaRPr lang="pt-BR" sz="2200" b="1" dirty="0">
+                <a:endParaRPr lang="pt-BR" sz="2000" b="1" dirty="0">
                   <a:latin typeface="Times New Roman" panose="02020603050405020304" pitchFamily="18" charset="0"/>
                   <a:cs typeface="Times New Roman" panose="02020603050405020304" pitchFamily="18" charset="0"/>
                 </a:endParaRPr>
@@ -10617,7 +13814,7 @@
                 <a:pPr marL="0" indent="0">
                   <a:buNone/>
                 </a:pPr>
-                <a:endParaRPr lang="pt-BR" sz="2200" b="1" dirty="0">
+                <a:endParaRPr lang="pt-BR" sz="2000" b="1" dirty="0">
                   <a:latin typeface="Times New Roman" panose="02020603050405020304" pitchFamily="18" charset="0"/>
                   <a:cs typeface="Times New Roman" panose="02020603050405020304" pitchFamily="18" charset="0"/>
                 </a:endParaRPr>
@@ -10627,24 +13824,31 @@
                   <a:buNone/>
                 </a:pPr>
                 <a:r>
-                  <a:rPr lang="pt-BR" sz="2200" b="1" dirty="0">
+                  <a:rPr lang="pt-BR" sz="2000" b="1" dirty="0" err="1">
                     <a:latin typeface="Times New Roman" panose="02020603050405020304" pitchFamily="18" charset="0"/>
                     <a:cs typeface="Times New Roman" panose="02020603050405020304" pitchFamily="18" charset="0"/>
                   </a:rPr>
-                  <a:t>Ex </a:t>
+                  <a:t>Ex</a:t>
                 </a:r>
                 <a:r>
-                  <a:rPr lang="pt-BR" sz="2200" b="1" dirty="0">
+                  <a:rPr lang="pt-BR" sz="2000" b="1" dirty="0">
+                    <a:latin typeface="Times New Roman" panose="02020603050405020304" pitchFamily="18" charset="0"/>
+                    <a:cs typeface="Times New Roman" panose="02020603050405020304" pitchFamily="18" charset="0"/>
+                  </a:rPr>
+                  <a:t> </a:t>
+                </a:r>
+                <a:r>
+                  <a:rPr lang="pt-BR" sz="2000" b="1" dirty="0">
                     <a:solidFill>
                       <a:srgbClr val="FF0000"/>
                     </a:solidFill>
                     <a:latin typeface="Times New Roman" panose="02020603050405020304" pitchFamily="18" charset="0"/>
                     <a:cs typeface="Times New Roman" panose="02020603050405020304" pitchFamily="18" charset="0"/>
                   </a:rPr>
-                  <a:t>MS</a:t>
+                  <a:t>Merge S</a:t>
                 </a:r>
                 <a:r>
-                  <a:rPr lang="pt-BR" sz="2200" b="1" dirty="0">
+                  <a:rPr lang="pt-BR" sz="2000" b="1" dirty="0">
                     <a:latin typeface="Times New Roman" panose="02020603050405020304" pitchFamily="18" charset="0"/>
                     <a:cs typeface="Times New Roman" panose="02020603050405020304" pitchFamily="18" charset="0"/>
                   </a:rPr>
@@ -10653,199 +13857,283 @@
                 <a14:m>
                   <m:oMath xmlns:m="http://schemas.openxmlformats.org/officeDocument/2006/math">
                     <m:r>
-                      <a:rPr lang="pt-BR" sz="2200" b="1" i="0" smtClean="0">
+                      <a:rPr lang="pt-BR" sz="2000" b="1" i="0" smtClean="0">
                         <a:latin typeface="Cambria Math" panose="02040503050406030204" pitchFamily="18" charset="0"/>
                       </a:rPr>
                       <m:t> </m:t>
                     </m:r>
                     <m:r>
-                      <a:rPr lang="pt-BR" sz="2200" b="1" i="1" smtClean="0">
+                      <a:rPr lang="pt-BR" sz="2000" b="1" i="1" smtClean="0">
                         <a:solidFill>
                           <a:srgbClr val="FF0000"/>
                         </a:solidFill>
+                        <a:latin typeface="Cambria Math" panose="02040503050406030204" pitchFamily="18" charset="0"/>
                       </a:rPr>
                       <m:t>𝑻</m:t>
                     </m:r>
                     <m:r>
-                      <a:rPr lang="pt-BR" sz="2200" b="1" i="1" smtClean="0">
+                      <a:rPr lang="pt-BR" sz="2000" b="1" i="1" smtClean="0">
                         <a:solidFill>
                           <a:srgbClr val="FF0000"/>
                         </a:solidFill>
+                        <a:latin typeface="Cambria Math" panose="02040503050406030204" pitchFamily="18" charset="0"/>
                       </a:rPr>
                       <m:t>(</m:t>
                     </m:r>
                     <m:r>
-                      <a:rPr lang="pt-BR" sz="2200" b="1" i="1" smtClean="0">
+                      <a:rPr lang="pt-BR" sz="2000" b="1" i="1" smtClean="0">
                         <a:solidFill>
                           <a:srgbClr val="FF0000"/>
                         </a:solidFill>
+                        <a:latin typeface="Cambria Math" panose="02040503050406030204" pitchFamily="18" charset="0"/>
                       </a:rPr>
                       <m:t>𝒏</m:t>
                     </m:r>
                     <m:r>
-                      <a:rPr lang="pt-BR" sz="2200" b="1" i="1" smtClean="0">
+                      <a:rPr lang="pt-BR" sz="2000" b="1" i="1" smtClean="0">
                         <a:solidFill>
                           <a:srgbClr val="FF0000"/>
                         </a:solidFill>
+                        <a:latin typeface="Cambria Math" panose="02040503050406030204" pitchFamily="18" charset="0"/>
                       </a:rPr>
                       <m:t>)=</m:t>
                     </m:r>
                     <m:r>
-                      <a:rPr lang="pt-BR" sz="2200" b="1" i="1" smtClean="0">
+                      <a:rPr lang="pt-BR" sz="2000" b="1" i="1" smtClean="0">
                         <a:solidFill>
                           <a:srgbClr val="FF0000"/>
                         </a:solidFill>
+                        <a:latin typeface="Cambria Math" panose="02040503050406030204" pitchFamily="18" charset="0"/>
                       </a:rPr>
                       <m:t>𝟐</m:t>
                     </m:r>
                     <m:r>
-                      <a:rPr lang="pt-BR" sz="2200" b="1" i="1" smtClean="0">
+                      <a:rPr lang="pt-BR" sz="2000" b="1" i="1" smtClean="0">
                         <a:solidFill>
                           <a:srgbClr val="FF0000"/>
                         </a:solidFill>
+                        <a:latin typeface="Cambria Math" panose="02040503050406030204" pitchFamily="18" charset="0"/>
                       </a:rPr>
                       <m:t>𝑻</m:t>
                     </m:r>
                     <m:r>
-                      <a:rPr lang="pt-BR" sz="2200" b="1" i="1" smtClean="0">
+                      <a:rPr lang="pt-BR" sz="2000" b="1" i="1" smtClean="0">
                         <a:solidFill>
                           <a:srgbClr val="FF0000"/>
                         </a:solidFill>
+                        <a:latin typeface="Cambria Math" panose="02040503050406030204" pitchFamily="18" charset="0"/>
                       </a:rPr>
                       <m:t>(</m:t>
                     </m:r>
                     <m:f>
                       <m:fPr>
                         <m:ctrlPr>
-                          <a:rPr lang="pt-BR" sz="2200" b="1" i="1">
+                          <a:rPr lang="pt-BR" sz="2000" b="1" i="1">
                             <a:solidFill>
                               <a:srgbClr val="FF0000"/>
                             </a:solidFill>
+                            <a:latin typeface="Cambria Math" panose="02040503050406030204" pitchFamily="18" charset="0"/>
                           </a:rPr>
                         </m:ctrlPr>
                       </m:fPr>
                       <m:num>
                         <m:r>
-                          <a:rPr lang="pt-BR" sz="2200" b="1" i="1">
+                          <a:rPr lang="pt-BR" sz="2000" b="1" i="1">
                             <a:solidFill>
                               <a:srgbClr val="FF0000"/>
                             </a:solidFill>
+                            <a:latin typeface="Cambria Math" panose="02040503050406030204" pitchFamily="18" charset="0"/>
                           </a:rPr>
                           <m:t>𝒏</m:t>
                         </m:r>
                       </m:num>
                       <m:den>
                         <m:r>
-                          <a:rPr lang="pt-BR" sz="2200" b="1" i="1">
+                          <a:rPr lang="pt-BR" sz="2000" b="1" i="1">
                             <a:solidFill>
                               <a:srgbClr val="FF0000"/>
                             </a:solidFill>
+                            <a:latin typeface="Cambria Math" panose="02040503050406030204" pitchFamily="18" charset="0"/>
                           </a:rPr>
                           <m:t>𝟐</m:t>
                         </m:r>
                       </m:den>
                     </m:f>
                     <m:r>
-                      <a:rPr lang="pt-BR" sz="2200" b="1" i="1">
+                      <a:rPr lang="pt-BR" sz="2000" b="1" i="1">
                         <a:solidFill>
                           <a:srgbClr val="FF0000"/>
                         </a:solidFill>
+                        <a:latin typeface="Cambria Math" panose="02040503050406030204" pitchFamily="18" charset="0"/>
                       </a:rPr>
                       <m:t>)+</m:t>
                     </m:r>
                     <m:r>
-                      <a:rPr lang="pt-BR" sz="2200" b="1" i="1">
+                      <a:rPr lang="pt-BR" sz="2000" b="1" i="1">
                         <a:solidFill>
                           <a:srgbClr val="FF0000"/>
                         </a:solidFill>
+                        <a:latin typeface="Cambria Math" panose="02040503050406030204" pitchFamily="18" charset="0"/>
                       </a:rPr>
                       <m:t>𝒏</m:t>
                     </m:r>
                   </m:oMath>
                 </a14:m>
                 <a:br>
-                  <a:rPr lang="pt-BR" sz="2200" dirty="0"/>
+                  <a:rPr lang="pt-BR" sz="2000" dirty="0">
+                    <a:latin typeface="Times New Roman" panose="02020603050405020304" pitchFamily="18" charset="0"/>
+                    <a:cs typeface="Times New Roman" panose="02020603050405020304" pitchFamily="18" charset="0"/>
+                  </a:rPr>
                 </a:br>
                 <a:r>
-                  <a:rPr lang="pt-BR" sz="2200" dirty="0"/>
+                  <a:rPr lang="pt-BR" sz="2000" dirty="0">
+                    <a:latin typeface="Times New Roman" panose="02020603050405020304" pitchFamily="18" charset="0"/>
+                    <a:cs typeface="Times New Roman" panose="02020603050405020304" pitchFamily="18" charset="0"/>
+                  </a:rPr>
                   <a:t>→ </a:t>
                 </a:r>
                 <a14:m>
                   <m:oMath xmlns:m="http://schemas.openxmlformats.org/officeDocument/2006/math">
                     <m:r>
-                      <a:rPr lang="pt-BR" sz="2200" i="1"/>
+                      <a:rPr lang="pt-BR" sz="2000" i="1">
+                        <a:latin typeface="Cambria Math" panose="02040503050406030204" pitchFamily="18" charset="0"/>
+                      </a:rPr>
                       <m:t>𝑎</m:t>
                     </m:r>
                     <m:r>
-                      <a:rPr lang="pt-BR" sz="2200" i="1"/>
-                      <m:t>=2,</m:t>
-                    </m:r>
-                    <m:r>
-                      <a:rPr lang="pt-BR" sz="2200" i="1"/>
+                      <a:rPr lang="pt-BR" sz="2000" i="1">
+                        <a:latin typeface="Cambria Math" panose="02040503050406030204" pitchFamily="18" charset="0"/>
+                      </a:rPr>
+                      <m:t>=</m:t>
+                    </m:r>
+                    <m:r>
+                      <a:rPr lang="pt-BR" sz="2000" i="1">
+                        <a:latin typeface="Cambria Math" panose="02040503050406030204" pitchFamily="18" charset="0"/>
+                      </a:rPr>
+                      <m:t>2</m:t>
+                    </m:r>
+                    <m:r>
+                      <a:rPr lang="pt-BR" sz="2000" i="1">
+                        <a:latin typeface="Cambria Math" panose="02040503050406030204" pitchFamily="18" charset="0"/>
+                      </a:rPr>
+                      <m:t>,</m:t>
+                    </m:r>
+                    <m:r>
+                      <a:rPr lang="pt-BR" sz="2000" i="1">
+                        <a:latin typeface="Cambria Math" panose="02040503050406030204" pitchFamily="18" charset="0"/>
+                      </a:rPr>
                       <m:t>𝑏</m:t>
                     </m:r>
                     <m:r>
-                      <a:rPr lang="pt-BR" sz="2200" i="1"/>
-                      <m:t>=2,</m:t>
-                    </m:r>
-                    <m:r>
-                      <a:rPr lang="pt-BR" sz="2200" b="0" i="1" smtClean="0">
+                      <a:rPr lang="pt-BR" sz="2000" i="1">
+                        <a:latin typeface="Cambria Math" panose="02040503050406030204" pitchFamily="18" charset="0"/>
+                      </a:rPr>
+                      <m:t>=</m:t>
+                    </m:r>
+                    <m:r>
+                      <a:rPr lang="pt-BR" sz="2000" i="1">
+                        <a:latin typeface="Cambria Math" panose="02040503050406030204" pitchFamily="18" charset="0"/>
+                      </a:rPr>
+                      <m:t>2</m:t>
+                    </m:r>
+                    <m:r>
+                      <a:rPr lang="pt-BR" sz="2000" i="1">
+                        <a:latin typeface="Cambria Math" panose="02040503050406030204" pitchFamily="18" charset="0"/>
+                      </a:rPr>
+                      <m:t>,</m:t>
+                    </m:r>
+                    <m:r>
+                      <a:rPr lang="pt-BR" sz="2000" b="0" i="1" smtClean="0">
                         <a:latin typeface="Cambria Math" panose="02040503050406030204" pitchFamily="18" charset="0"/>
                       </a:rPr>
                       <m:t>𝑘</m:t>
                     </m:r>
                     <m:r>
-                      <a:rPr lang="pt-BR" sz="2200" b="0" i="1" smtClean="0">
-                        <a:latin typeface="Cambria Math" panose="02040503050406030204" pitchFamily="18" charset="0"/>
-                      </a:rPr>
-                      <m:t>=1, </m:t>
-                    </m:r>
-                    <m:r>
-                      <a:rPr lang="pt-BR" sz="2200" i="1"/>
+                      <a:rPr lang="pt-BR" sz="2000" b="0" i="1" smtClean="0">
+                        <a:latin typeface="Cambria Math" panose="02040503050406030204" pitchFamily="18" charset="0"/>
+                      </a:rPr>
+                      <m:t>=</m:t>
+                    </m:r>
+                    <m:r>
+                      <a:rPr lang="pt-BR" sz="2000" b="0" i="1" smtClean="0">
+                        <a:latin typeface="Cambria Math" panose="02040503050406030204" pitchFamily="18" charset="0"/>
+                      </a:rPr>
+                      <m:t>1</m:t>
+                    </m:r>
+                    <m:r>
+                      <a:rPr lang="pt-BR" sz="2000" b="0" i="1" smtClean="0">
+                        <a:latin typeface="Cambria Math" panose="02040503050406030204" pitchFamily="18" charset="0"/>
+                      </a:rPr>
+                      <m:t>, </m:t>
+                    </m:r>
+                    <m:r>
+                      <a:rPr lang="pt-BR" sz="2000" i="1">
+                        <a:latin typeface="Cambria Math" panose="02040503050406030204" pitchFamily="18" charset="0"/>
+                      </a:rPr>
                       <m:t>𝑓</m:t>
                     </m:r>
-                    <m:r>
-                      <a:rPr lang="pt-BR" sz="2200" i="1"/>
-                      <m:t>(</m:t>
-                    </m:r>
-                    <m:r>
-                      <a:rPr lang="pt-BR" sz="2200" i="1"/>
+                    <m:d>
+                      <m:dPr>
+                        <m:ctrlPr>
+                          <a:rPr lang="pt-BR" sz="2000" i="1">
+                            <a:latin typeface="Cambria Math" panose="02040503050406030204" pitchFamily="18" charset="0"/>
+                          </a:rPr>
+                        </m:ctrlPr>
+                      </m:dPr>
+                      <m:e>
+                        <m:r>
+                          <a:rPr lang="pt-BR" sz="2000" i="1">
+                            <a:latin typeface="Cambria Math" panose="02040503050406030204" pitchFamily="18" charset="0"/>
+                          </a:rPr>
+                          <m:t>𝑛</m:t>
+                        </m:r>
+                      </m:e>
+                    </m:d>
+                    <m:r>
+                      <a:rPr lang="pt-BR" sz="2000" i="1">
+                        <a:latin typeface="Cambria Math" panose="02040503050406030204" pitchFamily="18" charset="0"/>
+                      </a:rPr>
+                      <m:t>=</m:t>
+                    </m:r>
+                    <m:r>
+                      <a:rPr lang="pt-BR" sz="2000" i="1">
+                        <a:latin typeface="Cambria Math" panose="02040503050406030204" pitchFamily="18" charset="0"/>
+                      </a:rPr>
                       <m:t>𝑛</m:t>
                     </m:r>
                     <m:r>
-                      <a:rPr lang="pt-BR" sz="2200" i="1"/>
-                      <m:t>)=</m:t>
-                    </m:r>
-                    <m:r>
-                      <a:rPr lang="pt-BR" sz="2200" i="1"/>
-                      <m:t>𝑛</m:t>
-                    </m:r>
-                  </m:oMath>
-                </a14:m>
-                <a:endParaRPr lang="pt-BR" sz="2200" dirty="0"/>
-              </a:p>
-              <a:p>
-                <a:pPr marL="0" indent="0">
-                  <a:buNone/>
-                </a:pPr>
-                <a14:m>
-                  <m:oMath xmlns:m="http://schemas.openxmlformats.org/officeDocument/2006/math">
+                      <a:rPr lang="pt-BR" sz="2000" b="0" i="1" smtClean="0">
+                        <a:latin typeface="Cambria Math" panose="02040503050406030204" pitchFamily="18" charset="0"/>
+                      </a:rPr>
+                      <m:t>; </m:t>
+                    </m:r>
                     <m:sSup>
                       <m:sSupPr>
                         <m:ctrlPr>
-                          <a:rPr lang="pt-BR" sz="2200" b="1" i="1" smtClean="0">
+                          <a:rPr lang="pt-BR" sz="2000" b="1" i="1" smtClean="0">
                             <a:solidFill>
                               <a:srgbClr val="FF0000"/>
                             </a:solidFill>
+                            <a:latin typeface="Cambria Math" panose="02040503050406030204" pitchFamily="18" charset="0"/>
                           </a:rPr>
                         </m:ctrlPr>
                       </m:sSupPr>
                       <m:e>
                         <m:r>
-                          <a:rPr lang="pt-BR" sz="2200" b="1" i="1">
+                          <a:rPr lang="pt-BR" sz="2000" b="1" i="1" smtClean="0">
                             <a:solidFill>
                               <a:srgbClr val="FF0000"/>
                             </a:solidFill>
+                            <a:latin typeface="Cambria Math" panose="02040503050406030204" pitchFamily="18" charset="0"/>
+                          </a:rPr>
+                          <m:t>         </m:t>
+                        </m:r>
+                        <m:r>
+                          <a:rPr lang="pt-BR" sz="2000" b="1" i="1">
+                            <a:solidFill>
+                              <a:srgbClr val="FF0000"/>
+                            </a:solidFill>
+                            <a:latin typeface="Cambria Math" panose="02040503050406030204" pitchFamily="18" charset="0"/>
                           </a:rPr>
                           <m:t>𝒏</m:t>
                         </m:r>
@@ -10854,78 +14142,86 @@
                         <m:sSub>
                           <m:sSubPr>
                             <m:ctrlPr>
-                              <a:rPr lang="pt-BR" sz="2200" b="1" i="1">
+                              <a:rPr lang="pt-BR" sz="2000" b="1" i="1">
                                 <a:solidFill>
                                   <a:srgbClr val="FF0000"/>
                                 </a:solidFill>
+                                <a:latin typeface="Cambria Math" panose="02040503050406030204" pitchFamily="18" charset="0"/>
                               </a:rPr>
                             </m:ctrlPr>
                           </m:sSubPr>
                           <m:e>
                             <m:r>
-                              <a:rPr lang="pt-BR" sz="2200" b="1" i="1">
+                              <a:rPr lang="pt-BR" sz="2000" b="1" i="1">
                                 <a:solidFill>
                                   <a:srgbClr val="FF0000"/>
                                 </a:solidFill>
+                                <a:latin typeface="Cambria Math" panose="02040503050406030204" pitchFamily="18" charset="0"/>
                               </a:rPr>
                               <m:t>𝒍𝒐𝒈</m:t>
                             </m:r>
                           </m:e>
                           <m:sub>
                             <m:r>
-                              <a:rPr lang="pt-BR" sz="2200" b="1" i="1">
+                              <a:rPr lang="pt-BR" sz="2000" b="1" i="1">
                                 <a:solidFill>
                                   <a:srgbClr val="FF0000"/>
                                 </a:solidFill>
+                                <a:latin typeface="Cambria Math" panose="02040503050406030204" pitchFamily="18" charset="0"/>
                               </a:rPr>
                               <m:t>𝟐</m:t>
                             </m:r>
                           </m:sub>
                         </m:sSub>
                         <m:r>
-                          <a:rPr lang="pt-BR" sz="2200" b="1" i="1">
+                          <a:rPr lang="pt-BR" sz="2000" b="1" i="1">
                             <a:solidFill>
                               <a:srgbClr val="FF0000"/>
                             </a:solidFill>
+                            <a:latin typeface="Cambria Math" panose="02040503050406030204" pitchFamily="18" charset="0"/>
                           </a:rPr>
                           <m:t>𝟐</m:t>
                         </m:r>
                       </m:sup>
                     </m:sSup>
                     <m:r>
-                      <a:rPr lang="pt-BR" sz="2200" b="1" i="1">
+                      <a:rPr lang="pt-BR" sz="2000" b="1" i="1">
                         <a:solidFill>
                           <a:srgbClr val="FF0000"/>
                         </a:solidFill>
+                        <a:latin typeface="Cambria Math" panose="02040503050406030204" pitchFamily="18" charset="0"/>
                       </a:rPr>
                       <m:t>=</m:t>
                     </m:r>
                     <m:sSup>
                       <m:sSupPr>
                         <m:ctrlPr>
-                          <a:rPr lang="pt-BR" sz="2200" b="1" i="1">
+                          <a:rPr lang="pt-BR" sz="2000" b="1" i="1">
                             <a:solidFill>
                               <a:srgbClr val="FF0000"/>
                             </a:solidFill>
+                            <a:latin typeface="Cambria Math" panose="02040503050406030204" pitchFamily="18" charset="0"/>
                           </a:rPr>
                         </m:ctrlPr>
                       </m:sSupPr>
                       <m:e>
                         <m:r>
-                          <a:rPr lang="pt-BR" sz="2200" b="1" i="1">
+                          <a:rPr lang="pt-BR" sz="2000" b="1" i="1">
                             <a:solidFill>
                               <a:srgbClr val="FF0000"/>
                             </a:solidFill>
+                            <a:latin typeface="Cambria Math" panose="02040503050406030204" pitchFamily="18" charset="0"/>
                           </a:rPr>
                           <m:t>𝒏</m:t>
                         </m:r>
                       </m:e>
                       <m:sup>
                         <m:r>
-                          <a:rPr lang="pt-BR" sz="2200" b="1" i="1">
+                          <a:rPr lang="pt-BR" sz="2000" b="1" i="1">
                             <a:solidFill>
                               <a:srgbClr val="FF0000"/>
                             </a:solidFill>
+                            <a:latin typeface="Cambria Math" panose="02040503050406030204" pitchFamily="18" charset="0"/>
                           </a:rPr>
                           <m:t>𝟏</m:t>
                         </m:r>
@@ -10934,24 +14230,26 @@
                   </m:oMath>
                 </a14:m>
                 <a:r>
-                  <a:rPr lang="pt-BR" sz="2200" b="1" dirty="0">
+                  <a:rPr lang="pt-BR" sz="2000" b="1" dirty="0">
                     <a:latin typeface="Times New Roman" panose="02020603050405020304" pitchFamily="18" charset="0"/>
                     <a:cs typeface="Times New Roman" panose="02020603050405020304" pitchFamily="18" charset="0"/>
                   </a:rPr>
                   <a:t>	</a:t>
                 </a:r>
                 <a:r>
-                  <a:rPr lang="pt-BR" sz="2200" b="1" dirty="0">
+                  <a:rPr lang="pt-BR" sz="2000" b="1" dirty="0">
                     <a:solidFill>
                       <a:srgbClr val="FF0000"/>
                     </a:solidFill>
+                    <a:latin typeface="Times New Roman" panose="02020603050405020304" pitchFamily="18" charset="0"/>
+                    <a:cs typeface="Times New Roman" panose="02020603050405020304" pitchFamily="18" charset="0"/>
                   </a:rPr>
                   <a:t> </a:t>
                 </a:r>
                 <a14:m>
                   <m:oMath xmlns:m="http://schemas.openxmlformats.org/officeDocument/2006/math">
                     <m:r>
-                      <a:rPr lang="pt-BR" sz="2200" b="1" i="1">
+                      <a:rPr lang="pt-BR" sz="2000" b="1" i="1">
                         <a:solidFill>
                           <a:srgbClr val="FF0000"/>
                         </a:solidFill>
@@ -10962,7 +14260,7 @@
                     <m:d>
                       <m:dPr>
                         <m:ctrlPr>
-                          <a:rPr lang="pt-BR" sz="2200" b="1" i="1">
+                          <a:rPr lang="pt-BR" sz="2000" b="1" i="1">
                             <a:solidFill>
                               <a:srgbClr val="FF0000"/>
                             </a:solidFill>
@@ -10972,7 +14270,7 @@
                       </m:dPr>
                       <m:e>
                         <m:r>
-                          <a:rPr lang="pt-BR" sz="2200" b="1" i="1" smtClean="0">
+                          <a:rPr lang="pt-BR" sz="2000" b="1" i="1" smtClean="0">
                             <a:solidFill>
                               <a:srgbClr val="FF0000"/>
                             </a:solidFill>
@@ -10984,7 +14282,7 @@
                     </m:d>
                   </m:oMath>
                 </a14:m>
-                <a:endParaRPr lang="pt-BR" sz="2200" b="1" dirty="0">
+                <a:endParaRPr lang="pt-BR" sz="2000" b="1" dirty="0">
                   <a:latin typeface="Times New Roman" panose="02020603050405020304" pitchFamily="18" charset="0"/>
                   <a:cs typeface="Times New Roman" panose="02020603050405020304" pitchFamily="18" charset="0"/>
                 </a:endParaRPr>
@@ -11011,13 +14309,13 @@
             </p:nvSpPr>
             <p:spPr>
               <a:xfrm>
-                <a:off x="142865" y="1200150"/>
-                <a:ext cx="8865056" cy="3737370"/>
+                <a:off x="142865" y="1011892"/>
+                <a:ext cx="8865056" cy="3925628"/>
               </a:xfrm>
               <a:blipFill>
                 <a:blip r:embed="rId3"/>
                 <a:stretch>
-                  <a:fillRect l="-1375" t="-1142"/>
+                  <a:fillRect l="-1237" t="-932" b="-3571"/>
                 </a:stretch>
               </a:blipFill>
             </p:spPr>
@@ -11052,7 +14350,7 @@
             </p:nvSpPr>
             <p:spPr>
               <a:xfrm>
-                <a:off x="4572000" y="3159481"/>
+                <a:off x="4572000" y="3293547"/>
                 <a:ext cx="3509682" cy="922176"/>
               </a:xfrm>
               <a:prstGeom prst="rect">
@@ -11141,7 +14439,19 @@
                           </a:highlight>
                           <a:latin typeface="Cambria Math" panose="02040503050406030204" pitchFamily="18" charset="0"/>
                         </a:rPr>
-                        <m:t>=5</m:t>
+                        <m:t>=</m:t>
+                      </m:r>
+                      <m:r>
+                        <a:rPr lang="pt-BR" sz="2400" i="0">
+                          <a:solidFill>
+                            <a:srgbClr val="FF0000"/>
+                          </a:solidFill>
+                          <a:highlight>
+                            <a:srgbClr val="FFFF00"/>
+                          </a:highlight>
+                          <a:latin typeface="Cambria Math" panose="02040503050406030204" pitchFamily="18" charset="0"/>
+                        </a:rPr>
+                        <m:t>5</m:t>
                       </m:r>
                       <m:r>
                         <a:rPr lang="pt-BR" sz="2400" i="1">
@@ -11237,7 +14547,19 @@
                           </a:highlight>
                           <a:latin typeface="Cambria Math" panose="02040503050406030204" pitchFamily="18" charset="0"/>
                         </a:rPr>
-                        <m:t>+10</m:t>
+                        <m:t>+</m:t>
+                      </m:r>
+                      <m:r>
+                        <a:rPr lang="pt-BR" sz="2400" i="0">
+                          <a:solidFill>
+                            <a:srgbClr val="FF0000"/>
+                          </a:solidFill>
+                          <a:highlight>
+                            <a:srgbClr val="FFFF00"/>
+                          </a:highlight>
+                          <a:latin typeface="Cambria Math" panose="02040503050406030204" pitchFamily="18" charset="0"/>
+                        </a:rPr>
+                        <m:t>10</m:t>
                       </m:r>
                       <m:sSup>
                         <m:sSupPr>
@@ -11314,7 +14636,7 @@
             </p:nvSpPr>
             <p:spPr>
               <a:xfrm>
-                <a:off x="4572000" y="3159481"/>
+                <a:off x="4572000" y="3293547"/>
                 <a:ext cx="3509682" cy="922176"/>
               </a:xfrm>
               <a:prstGeom prst="rect">
@@ -11361,7 +14683,7 @@
         </p:nvSpPr>
         <p:spPr>
           <a:xfrm>
-            <a:off x="8081682" y="3435905"/>
+            <a:off x="7906870" y="3540960"/>
             <a:ext cx="779930" cy="369328"/>
           </a:xfrm>
           <a:prstGeom prst="rect">
@@ -11441,7 +14763,7 @@
             </p:nvSpPr>
             <p:spPr>
               <a:xfrm>
-                <a:off x="4881282" y="2103288"/>
+                <a:off x="5162063" y="2366583"/>
                 <a:ext cx="3415553" cy="468462"/>
               </a:xfrm>
               <a:prstGeom prst="rect">
@@ -11642,7 +14964,7 @@
             </p:nvSpPr>
             <p:spPr>
               <a:xfrm>
-                <a:off x="4881282" y="2103288"/>
+                <a:off x="5162063" y="2366583"/>
                 <a:ext cx="3415553" cy="468462"/>
               </a:xfrm>
               <a:prstGeom prst="rect">
@@ -11689,7 +15011,7 @@
         </p:nvSpPr>
         <p:spPr>
           <a:xfrm>
-            <a:off x="5009029" y="1733960"/>
+            <a:off x="5417558" y="2038570"/>
             <a:ext cx="3160058" cy="369328"/>
           </a:xfrm>
           <a:prstGeom prst="rect">
@@ -11767,7 +15089,7 @@
         </p:nvSpPr>
         <p:spPr>
           <a:xfrm>
-            <a:off x="4921624" y="2884171"/>
+            <a:off x="5162063" y="2995398"/>
             <a:ext cx="3160058" cy="369328"/>
           </a:xfrm>
           <a:prstGeom prst="rect">
@@ -11835,465 +15157,6 @@
     <p:extLst>
       <p:ext uri="{BB962C8B-B14F-4D97-AF65-F5344CB8AC3E}">
         <p14:creationId xmlns:p14="http://schemas.microsoft.com/office/powerpoint/2010/main" val="928485478"/>
-      </p:ext>
-    </p:extLst>
-  </p:cSld>
-  <p:clrMapOvr>
-    <a:masterClrMapping/>
-  </p:clrMapOvr>
-  <p:transition spd="med"/>
-</p:sld>
-</file>
-
-<file path=ppt/slides/slide9.xml><?xml version="1.0" encoding="utf-8"?>
-<p:sld xmlns:a="http://schemas.openxmlformats.org/drawingml/2006/main" xmlns:r="http://schemas.openxmlformats.org/officeDocument/2006/relationships" xmlns:p="http://schemas.openxmlformats.org/presentationml/2006/main">
-  <p:cSld>
-    <p:spTree>
-      <p:nvGrpSpPr>
-        <p:cNvPr id="1" name="">
-          <a:extLst>
-            <a:ext uri="{FF2B5EF4-FFF2-40B4-BE49-F238E27FC236}">
-              <a16:creationId xmlns:a16="http://schemas.microsoft.com/office/drawing/2014/main" id="{6252EBCA-3BCD-6618-1F6B-6033C059640A}"/>
-            </a:ext>
-          </a:extLst>
-        </p:cNvPr>
-        <p:cNvGrpSpPr/>
-        <p:nvPr/>
-      </p:nvGrpSpPr>
-      <p:grpSpPr>
-        <a:xfrm>
-          <a:off x="0" y="0"/>
-          <a:ext cx="0" cy="0"/>
-          <a:chOff x="0" y="0"/>
-          <a:chExt cx="0" cy="0"/>
-        </a:xfrm>
-      </p:grpSpPr>
-      <p:sp>
-        <p:nvSpPr>
-          <p:cNvPr id="6" name="Title 1">
-            <a:extLst>
-              <a:ext uri="{FF2B5EF4-FFF2-40B4-BE49-F238E27FC236}">
-                <a16:creationId xmlns:a16="http://schemas.microsoft.com/office/drawing/2014/main" id="{0088ACD4-165C-EE75-85E6-0F479329BCF9}"/>
-              </a:ext>
-            </a:extLst>
-          </p:cNvPr>
-          <p:cNvSpPr>
-            <a:spLocks noGrp="1"/>
-          </p:cNvSpPr>
-          <p:nvPr>
-            <p:ph type="title"/>
-          </p:nvPr>
-        </p:nvSpPr>
-        <p:spPr>
-          <a:xfrm>
-            <a:off x="457200" y="205980"/>
-            <a:ext cx="8229600" cy="857251"/>
-          </a:xfrm>
-        </p:spPr>
-        <p:txBody>
-          <a:bodyPr>
-            <a:normAutofit/>
-          </a:bodyPr>
-          <a:lstStyle/>
-          <a:p>
-            <a:r>
-              <a:rPr lang="en-US" b="1" dirty="0">
-                <a:solidFill>
-                  <a:srgbClr val="0070C0"/>
-                </a:solidFill>
-              </a:rPr>
-              <a:t>Eq. </a:t>
-            </a:r>
-            <a:r>
-              <a:rPr lang="en-US" b="1" dirty="0" err="1">
-                <a:solidFill>
-                  <a:srgbClr val="0070C0"/>
-                </a:solidFill>
-              </a:rPr>
-              <a:t>Recorrência</a:t>
-            </a:r>
-            <a:r>
-              <a:rPr lang="en-US" b="1" dirty="0">
-                <a:solidFill>
-                  <a:srgbClr val="0070C0"/>
-                </a:solidFill>
-              </a:rPr>
-              <a:t> – </a:t>
-            </a:r>
-            <a:r>
-              <a:rPr lang="en-US" b="1" dirty="0" err="1">
-                <a:solidFill>
-                  <a:srgbClr val="0070C0"/>
-                </a:solidFill>
-              </a:rPr>
-              <a:t>Resumo</a:t>
-            </a:r>
-            <a:endParaRPr lang="en-US" b="1" dirty="0">
-              <a:solidFill>
-                <a:srgbClr val="0070C0"/>
-              </a:solidFill>
-            </a:endParaRPr>
-          </a:p>
-        </p:txBody>
-      </p:sp>
-      <p:sp>
-        <p:nvSpPr>
-          <p:cNvPr id="8" name="Text Placeholder 2">
-            <a:extLst>
-              <a:ext uri="{FF2B5EF4-FFF2-40B4-BE49-F238E27FC236}">
-                <a16:creationId xmlns:a16="http://schemas.microsoft.com/office/drawing/2014/main" id="{6B12EB48-927A-8F13-8FE2-D637ED8D2228}"/>
-              </a:ext>
-            </a:extLst>
-          </p:cNvPr>
-          <p:cNvSpPr>
-            <a:spLocks noGrp="1"/>
-          </p:cNvSpPr>
-          <p:nvPr>
-            <p:ph type="body" sz="half" idx="1"/>
-          </p:nvPr>
-        </p:nvSpPr>
-        <p:spPr>
-          <a:xfrm>
-            <a:off x="142865" y="1038786"/>
-            <a:ext cx="8865056" cy="3898734"/>
-          </a:xfrm>
-        </p:spPr>
-        <p:txBody>
-          <a:bodyPr>
-            <a:noAutofit/>
-          </a:bodyPr>
-          <a:lstStyle/>
-          <a:p>
-            <a:r>
-              <a:rPr lang="pt-BR" sz="2400" b="1" dirty="0">
-                <a:solidFill>
-                  <a:schemeClr val="tx1"/>
-                </a:solidFill>
-                <a:latin typeface="Times New Roman" panose="02020603050405020304" pitchFamily="18" charset="0"/>
-                <a:cs typeface="Times New Roman" panose="02020603050405020304" pitchFamily="18" charset="0"/>
-              </a:rPr>
-              <a:t>Eq. Recorrência</a:t>
-            </a:r>
-            <a:r>
-              <a:rPr lang="pt-BR" sz="2400" dirty="0">
-                <a:solidFill>
-                  <a:schemeClr val="tx1"/>
-                </a:solidFill>
-                <a:latin typeface="Times New Roman" panose="02020603050405020304" pitchFamily="18" charset="0"/>
-                <a:cs typeface="Times New Roman" panose="02020603050405020304" pitchFamily="18" charset="0"/>
-              </a:rPr>
-              <a:t>: expressa um </a:t>
-            </a:r>
-            <a:r>
-              <a:rPr lang="pt-BR" sz="2400" b="1" dirty="0">
-                <a:solidFill>
-                  <a:srgbClr val="FF0000"/>
-                </a:solidFill>
-                <a:latin typeface="Times New Roman" panose="02020603050405020304" pitchFamily="18" charset="0"/>
-                <a:cs typeface="Times New Roman" panose="02020603050405020304" pitchFamily="18" charset="0"/>
-              </a:rPr>
-              <a:t>problema recursivo</a:t>
-            </a:r>
-            <a:r>
-              <a:rPr lang="pt-BR" sz="2400" dirty="0">
-                <a:solidFill>
-                  <a:schemeClr val="tx1"/>
-                </a:solidFill>
-                <a:latin typeface="Times New Roman" panose="02020603050405020304" pitchFamily="18" charset="0"/>
-                <a:cs typeface="Times New Roman" panose="02020603050405020304" pitchFamily="18" charset="0"/>
-              </a:rPr>
-              <a:t>.</a:t>
-            </a:r>
-          </a:p>
-          <a:p>
-            <a:pPr marL="0" indent="0">
-              <a:buNone/>
-            </a:pPr>
-            <a:endParaRPr lang="pt-BR" sz="2400" dirty="0">
-              <a:solidFill>
-                <a:schemeClr val="tx1"/>
-              </a:solidFill>
-              <a:latin typeface="Times New Roman" panose="02020603050405020304" pitchFamily="18" charset="0"/>
-              <a:cs typeface="Times New Roman" panose="02020603050405020304" pitchFamily="18" charset="0"/>
-            </a:endParaRPr>
-          </a:p>
-          <a:p>
-            <a:r>
-              <a:rPr lang="pt-BR" sz="2400" b="1" dirty="0">
-                <a:solidFill>
-                  <a:schemeClr val="tx1"/>
-                </a:solidFill>
-                <a:latin typeface="Times New Roman" panose="02020603050405020304" pitchFamily="18" charset="0"/>
-                <a:cs typeface="Times New Roman" panose="02020603050405020304" pitchFamily="18" charset="0"/>
-              </a:rPr>
-              <a:t>Teorema Mestre</a:t>
-            </a:r>
-            <a:r>
-              <a:rPr lang="pt-BR" sz="2400" dirty="0">
-                <a:solidFill>
-                  <a:schemeClr val="tx1"/>
-                </a:solidFill>
-                <a:latin typeface="Times New Roman" panose="02020603050405020304" pitchFamily="18" charset="0"/>
-                <a:cs typeface="Times New Roman" panose="02020603050405020304" pitchFamily="18" charset="0"/>
-              </a:rPr>
-              <a:t>: fornece </a:t>
-            </a:r>
-            <a:r>
-              <a:rPr lang="pt-BR" sz="2400" b="1" dirty="0">
-                <a:solidFill>
-                  <a:srgbClr val="FF0000"/>
-                </a:solidFill>
-                <a:latin typeface="Times New Roman" panose="02020603050405020304" pitchFamily="18" charset="0"/>
-                <a:cs typeface="Times New Roman" panose="02020603050405020304" pitchFamily="18" charset="0"/>
-              </a:rPr>
-              <a:t>solução direta em três casos</a:t>
-            </a:r>
-            <a:r>
-              <a:rPr lang="pt-BR" sz="2400" dirty="0">
-                <a:solidFill>
-                  <a:schemeClr val="tx1"/>
-                </a:solidFill>
-                <a:latin typeface="Times New Roman" panose="02020603050405020304" pitchFamily="18" charset="0"/>
-                <a:cs typeface="Times New Roman" panose="02020603050405020304" pitchFamily="18" charset="0"/>
-              </a:rPr>
-              <a:t>.</a:t>
-            </a:r>
-          </a:p>
-          <a:p>
-            <a:pPr marL="0" indent="0">
-              <a:buNone/>
-            </a:pPr>
-            <a:endParaRPr lang="pt-BR" sz="2400" dirty="0">
-              <a:solidFill>
-                <a:schemeClr val="tx1"/>
-              </a:solidFill>
-              <a:latin typeface="Times New Roman" panose="02020603050405020304" pitchFamily="18" charset="0"/>
-              <a:cs typeface="Times New Roman" panose="02020603050405020304" pitchFamily="18" charset="0"/>
-            </a:endParaRPr>
-          </a:p>
-          <a:p>
-            <a:r>
-              <a:rPr lang="pt-BR" sz="2400" b="1" dirty="0">
-                <a:solidFill>
-                  <a:schemeClr val="tx1"/>
-                </a:solidFill>
-                <a:latin typeface="Times New Roman" panose="02020603050405020304" pitchFamily="18" charset="0"/>
-                <a:cs typeface="Times New Roman" panose="02020603050405020304" pitchFamily="18" charset="0"/>
-              </a:rPr>
-              <a:t>Aplicações</a:t>
-            </a:r>
-            <a:r>
-              <a:rPr lang="pt-BR" sz="2400" dirty="0">
-                <a:solidFill>
-                  <a:schemeClr val="tx1"/>
-                </a:solidFill>
-                <a:latin typeface="Times New Roman" panose="02020603050405020304" pitchFamily="18" charset="0"/>
-                <a:cs typeface="Times New Roman" panose="02020603050405020304" pitchFamily="18" charset="0"/>
-              </a:rPr>
-              <a:t>: análise de </a:t>
-            </a:r>
-            <a:r>
-              <a:rPr lang="pt-BR" sz="2400" b="1" dirty="0">
-                <a:solidFill>
-                  <a:srgbClr val="FF0000"/>
-                </a:solidFill>
-                <a:latin typeface="Times New Roman" panose="02020603050405020304" pitchFamily="18" charset="0"/>
-                <a:cs typeface="Times New Roman" panose="02020603050405020304" pitchFamily="18" charset="0"/>
-              </a:rPr>
-              <a:t>algoritmos</a:t>
-            </a:r>
-            <a:r>
-              <a:rPr lang="pt-BR" sz="2400" dirty="0">
-                <a:solidFill>
-                  <a:schemeClr val="tx1"/>
-                </a:solidFill>
-                <a:latin typeface="Times New Roman" panose="02020603050405020304" pitchFamily="18" charset="0"/>
-                <a:cs typeface="Times New Roman" panose="02020603050405020304" pitchFamily="18" charset="0"/>
-              </a:rPr>
-              <a:t> como </a:t>
-            </a:r>
-            <a:r>
-              <a:rPr lang="pt-BR" sz="2400" b="1" dirty="0">
-                <a:solidFill>
-                  <a:srgbClr val="FF0000"/>
-                </a:solidFill>
-                <a:latin typeface="Times New Roman" panose="02020603050405020304" pitchFamily="18" charset="0"/>
-                <a:cs typeface="Times New Roman" panose="02020603050405020304" pitchFamily="18" charset="0"/>
-              </a:rPr>
-              <a:t>Merge </a:t>
-            </a:r>
-            <a:r>
-              <a:rPr lang="pt-BR" sz="2400" b="1" dirty="0" err="1">
-                <a:solidFill>
-                  <a:srgbClr val="FF0000"/>
-                </a:solidFill>
-                <a:latin typeface="Times New Roman" panose="02020603050405020304" pitchFamily="18" charset="0"/>
-                <a:cs typeface="Times New Roman" panose="02020603050405020304" pitchFamily="18" charset="0"/>
-              </a:rPr>
-              <a:t>Sort</a:t>
-            </a:r>
-            <a:r>
-              <a:rPr lang="pt-BR" sz="2400" b="1" dirty="0">
-                <a:solidFill>
-                  <a:srgbClr val="FF0000"/>
-                </a:solidFill>
-                <a:latin typeface="Times New Roman" panose="02020603050405020304" pitchFamily="18" charset="0"/>
-                <a:cs typeface="Times New Roman" panose="02020603050405020304" pitchFamily="18" charset="0"/>
-              </a:rPr>
-              <a:t>, </a:t>
-            </a:r>
-            <a:r>
-              <a:rPr lang="pt-BR" sz="2400" b="1" dirty="0" err="1">
-                <a:solidFill>
-                  <a:srgbClr val="FF0000"/>
-                </a:solidFill>
-                <a:latin typeface="Times New Roman" panose="02020603050405020304" pitchFamily="18" charset="0"/>
-                <a:cs typeface="Times New Roman" panose="02020603050405020304" pitchFamily="18" charset="0"/>
-              </a:rPr>
-              <a:t>QuickSort</a:t>
-            </a:r>
-            <a:r>
-              <a:rPr lang="pt-BR" sz="2400" b="1" dirty="0">
-                <a:solidFill>
-                  <a:srgbClr val="FF0000"/>
-                </a:solidFill>
-                <a:latin typeface="Times New Roman" panose="02020603050405020304" pitchFamily="18" charset="0"/>
-                <a:cs typeface="Times New Roman" panose="02020603050405020304" pitchFamily="18" charset="0"/>
-              </a:rPr>
-              <a:t>, </a:t>
-            </a:r>
-            <a:r>
-              <a:rPr lang="pt-BR" sz="2400" b="1" dirty="0" err="1">
-                <a:solidFill>
-                  <a:srgbClr val="FF0000"/>
-                </a:solidFill>
-                <a:latin typeface="Times New Roman" panose="02020603050405020304" pitchFamily="18" charset="0"/>
-                <a:cs typeface="Times New Roman" panose="02020603050405020304" pitchFamily="18" charset="0"/>
-              </a:rPr>
-              <a:t>Binary</a:t>
-            </a:r>
-            <a:r>
-              <a:rPr lang="pt-BR" sz="2400" b="1" dirty="0">
-                <a:solidFill>
-                  <a:srgbClr val="FF0000"/>
-                </a:solidFill>
-                <a:latin typeface="Times New Roman" panose="02020603050405020304" pitchFamily="18" charset="0"/>
-                <a:cs typeface="Times New Roman" panose="02020603050405020304" pitchFamily="18" charset="0"/>
-              </a:rPr>
-              <a:t> Search</a:t>
-            </a:r>
-            <a:r>
-              <a:rPr lang="pt-BR" sz="2400" dirty="0">
-                <a:solidFill>
-                  <a:schemeClr val="tx1"/>
-                </a:solidFill>
-                <a:latin typeface="Times New Roman" panose="02020603050405020304" pitchFamily="18" charset="0"/>
-                <a:cs typeface="Times New Roman" panose="02020603050405020304" pitchFamily="18" charset="0"/>
-              </a:rPr>
-              <a:t> etc.</a:t>
-            </a:r>
-          </a:p>
-          <a:p>
-            <a:pPr marL="0" indent="0">
-              <a:buNone/>
-            </a:pPr>
-            <a:endParaRPr lang="pt-BR" sz="2400" dirty="0">
-              <a:solidFill>
-                <a:schemeClr val="tx1"/>
-              </a:solidFill>
-              <a:latin typeface="Times New Roman" panose="02020603050405020304" pitchFamily="18" charset="0"/>
-              <a:cs typeface="Times New Roman" panose="02020603050405020304" pitchFamily="18" charset="0"/>
-            </a:endParaRPr>
-          </a:p>
-          <a:p>
-            <a:pPr algn="just"/>
-            <a:r>
-              <a:rPr lang="pt-BR" sz="2400" b="1" dirty="0">
-                <a:solidFill>
-                  <a:schemeClr val="tx1"/>
-                </a:solidFill>
-                <a:latin typeface="Times New Roman" panose="02020603050405020304" pitchFamily="18" charset="0"/>
-                <a:cs typeface="Times New Roman" panose="02020603050405020304" pitchFamily="18" charset="0"/>
-              </a:rPr>
-              <a:t>Outros Métodos para Resolução de Recorrências</a:t>
-            </a:r>
-            <a:r>
-              <a:rPr lang="pt-BR" sz="2400" dirty="0">
-                <a:solidFill>
-                  <a:schemeClr val="tx1"/>
-                </a:solidFill>
-                <a:latin typeface="Times New Roman" panose="02020603050405020304" pitchFamily="18" charset="0"/>
-                <a:cs typeface="Times New Roman" panose="02020603050405020304" pitchFamily="18" charset="0"/>
-              </a:rPr>
-              <a:t>: </a:t>
-            </a:r>
-            <a:r>
-              <a:rPr lang="pt-BR" sz="2400" b="1" dirty="0">
-                <a:solidFill>
-                  <a:srgbClr val="FF0000"/>
-                </a:solidFill>
-                <a:latin typeface="Times New Roman" panose="02020603050405020304" pitchFamily="18" charset="0"/>
-                <a:cs typeface="Times New Roman" panose="02020603050405020304" pitchFamily="18" charset="0"/>
-              </a:rPr>
-              <a:t>Substituição</a:t>
-            </a:r>
-            <a:r>
-              <a:rPr lang="pt-BR" sz="2400" dirty="0">
-                <a:solidFill>
-                  <a:schemeClr val="tx1"/>
-                </a:solidFill>
-                <a:latin typeface="Times New Roman" panose="02020603050405020304" pitchFamily="18" charset="0"/>
-                <a:cs typeface="Times New Roman" panose="02020603050405020304" pitchFamily="18" charset="0"/>
-              </a:rPr>
-              <a:t> e  </a:t>
-            </a:r>
-            <a:r>
-              <a:rPr lang="pt-BR" sz="2400" b="1" dirty="0">
-                <a:solidFill>
-                  <a:srgbClr val="FF0000"/>
-                </a:solidFill>
-                <a:latin typeface="Times New Roman" panose="02020603050405020304" pitchFamily="18" charset="0"/>
-                <a:cs typeface="Times New Roman" panose="02020603050405020304" pitchFamily="18" charset="0"/>
-              </a:rPr>
-              <a:t>Interação</a:t>
-            </a:r>
-            <a:r>
-              <a:rPr lang="pt-BR" sz="2400" dirty="0">
-                <a:solidFill>
-                  <a:schemeClr val="tx1"/>
-                </a:solidFill>
-                <a:latin typeface="Times New Roman" panose="02020603050405020304" pitchFamily="18" charset="0"/>
-                <a:cs typeface="Times New Roman" panose="02020603050405020304" pitchFamily="18" charset="0"/>
-              </a:rPr>
-              <a:t>, </a:t>
-            </a:r>
-            <a:r>
-              <a:rPr lang="pt-BR" sz="2400" b="1" dirty="0">
-                <a:solidFill>
-                  <a:srgbClr val="FF0000"/>
-                </a:solidFill>
-                <a:latin typeface="Times New Roman" panose="02020603050405020304" pitchFamily="18" charset="0"/>
-                <a:cs typeface="Times New Roman" panose="02020603050405020304" pitchFamily="18" charset="0"/>
-              </a:rPr>
-              <a:t>Árvore de Recursão</a:t>
-            </a:r>
-            <a:r>
-              <a:rPr lang="pt-BR" sz="2400" dirty="0">
-                <a:solidFill>
-                  <a:schemeClr val="tx1"/>
-                </a:solidFill>
-                <a:latin typeface="Times New Roman" panose="02020603050405020304" pitchFamily="18" charset="0"/>
-                <a:cs typeface="Times New Roman" panose="02020603050405020304" pitchFamily="18" charset="0"/>
-              </a:rPr>
-              <a:t>.</a:t>
-            </a:r>
-          </a:p>
-        </p:txBody>
-      </p:sp>
-    </p:spTree>
-    <p:extLst>
-      <p:ext uri="{BB962C8B-B14F-4D97-AF65-F5344CB8AC3E}">
-        <p14:creationId xmlns:p14="http://schemas.microsoft.com/office/powerpoint/2010/main" val="1249440076"/>
       </p:ext>
     </p:extLst>
   </p:cSld>
